--- a/0 발표용 파워포인트/0424 4차발표/0424 project05 - 파워포인트 - 기범.pptx
+++ b/0 발표용 파워포인트/0424 4차발표/0424 project05 - 파워포인트 - 기범.pptx
@@ -5,10 +5,16 @@
     <p:sldMasterId id="2147483648" r:id="rId1"/>
   </p:sldMasterIdLst>
   <p:notesMasterIdLst>
-    <p:notesMasterId r:id="rId3"/>
+    <p:notesMasterId r:id="rId9"/>
   </p:notesMasterIdLst>
   <p:sldIdLst>
     <p:sldId id="256" r:id="rId2"/>
+    <p:sldId id="257" r:id="rId3"/>
+    <p:sldId id="258" r:id="rId4"/>
+    <p:sldId id="260" r:id="rId5"/>
+    <p:sldId id="261" r:id="rId6"/>
+    <p:sldId id="262" r:id="rId7"/>
+    <p:sldId id="263" r:id="rId8"/>
   </p:sldIdLst>
   <p:sldSz cx="12192000" cy="6858000"/>
   <p:notesSz cx="6858000" cy="9144000"/>
@@ -209,7 +215,7 @@
             <a:fld id="{EFE7F2A0-C7D9-4DBD-AE3B-C1A712DCE501}" type="datetimeFigureOut">
               <a:rPr lang="ko-KR" altLang="en-US" smtClean="0"/>
               <a:pPr/>
-              <a:t>2020-03-28</a:t>
+              <a:t>2020-04-20</a:t>
             </a:fld>
             <a:endParaRPr lang="ko-KR" altLang="en-US"/>
           </a:p>
@@ -610,7 +616,7 @@
             <a:fld id="{272C3D53-FEDF-49EC-8F65-FFFC138B637E}" type="datetimeFigureOut">
               <a:rPr lang="ko-KR" altLang="en-US" smtClean="0"/>
               <a:pPr/>
-              <a:t>2020-03-28</a:t>
+              <a:t>2020-04-20</a:t>
             </a:fld>
             <a:endParaRPr lang="ko-KR" altLang="en-US"/>
           </a:p>
@@ -782,7 +788,7 @@
             <a:fld id="{272C3D53-FEDF-49EC-8F65-FFFC138B637E}" type="datetimeFigureOut">
               <a:rPr lang="ko-KR" altLang="en-US" smtClean="0"/>
               <a:pPr/>
-              <a:t>2020-03-28</a:t>
+              <a:t>2020-04-20</a:t>
             </a:fld>
             <a:endParaRPr lang="ko-KR" altLang="en-US"/>
           </a:p>
@@ -964,7 +970,7 @@
             <a:fld id="{272C3D53-FEDF-49EC-8F65-FFFC138B637E}" type="datetimeFigureOut">
               <a:rPr lang="ko-KR" altLang="en-US" smtClean="0"/>
               <a:pPr/>
-              <a:t>2020-03-28</a:t>
+              <a:t>2020-04-20</a:t>
             </a:fld>
             <a:endParaRPr lang="ko-KR" altLang="en-US"/>
           </a:p>
@@ -1017,6 +1023,323 @@
     <p:extLst>
       <p:ext uri="{BB962C8B-B14F-4D97-AF65-F5344CB8AC3E}">
         <p14:creationId xmlns:p14="http://schemas.microsoft.com/office/powerpoint/2010/main" val="877425461"/>
+      </p:ext>
+    </p:extLst>
+  </p:cSld>
+  <p:clrMapOvr>
+    <a:masterClrMapping/>
+  </p:clrMapOvr>
+</p:sldLayout>
+</file>
+
+<file path=ppt/slideLayouts/slideLayout12.xml><?xml version="1.0" encoding="utf-8"?>
+<p:sldLayout xmlns:a="http://schemas.openxmlformats.org/drawingml/2006/main" xmlns:r="http://schemas.openxmlformats.org/officeDocument/2006/relationships" xmlns:p="http://schemas.openxmlformats.org/presentationml/2006/main" userDrawn="1">
+  <p:cSld name="사용자 지정 레이아웃">
+    <p:bg>
+      <p:bgPr>
+        <a:solidFill>
+          <a:schemeClr val="bg1"/>
+        </a:solidFill>
+        <a:effectLst/>
+      </p:bgPr>
+    </p:bg>
+    <p:spTree>
+      <p:nvGrpSpPr>
+        <p:cNvPr id="1" name=""/>
+        <p:cNvGrpSpPr/>
+        <p:nvPr/>
+      </p:nvGrpSpPr>
+      <p:grpSpPr>
+        <a:xfrm>
+          <a:off x="0" y="0"/>
+          <a:ext cx="0" cy="0"/>
+          <a:chOff x="0" y="0"/>
+          <a:chExt cx="0" cy="0"/>
+        </a:xfrm>
+      </p:grpSpPr>
+      <p:pic>
+        <p:nvPicPr>
+          <p:cNvPr id="3074" name="Picture 2"/>
+          <p:cNvPicPr>
+            <a:picLocks noChangeAspect="1" noChangeArrowheads="1"/>
+          </p:cNvPicPr>
+          <p:nvPr userDrawn="1"/>
+        </p:nvPicPr>
+        <p:blipFill>
+          <a:blip r:embed="rId2" cstate="print">
+            <a:extLst>
+              <a:ext uri="{28A0092B-C50C-407E-A947-70E740481C1C}">
+                <a14:useLocalDpi xmlns:a14="http://schemas.microsoft.com/office/drawing/2010/main" val="0"/>
+              </a:ext>
+            </a:extLst>
+          </a:blip>
+          <a:stretch>
+            <a:fillRect/>
+          </a:stretch>
+        </p:blipFill>
+        <p:spPr bwMode="auto">
+          <a:xfrm>
+            <a:off x="0" y="0"/>
+            <a:ext cx="12192000" cy="6858000"/>
+          </a:xfrm>
+          <a:prstGeom prst="rect">
+            <a:avLst/>
+          </a:prstGeom>
+          <a:noFill/>
+          <a:extLst>
+            <a:ext uri="{909E8E84-426E-40DD-AFC4-6F175D3DCCD1}">
+              <a14:hiddenFill xmlns:a14="http://schemas.microsoft.com/office/drawing/2010/main">
+                <a:solidFill>
+                  <a:srgbClr val="FFFFFF"/>
+                </a:solidFill>
+              </a14:hiddenFill>
+            </a:ext>
+          </a:extLst>
+        </p:spPr>
+      </p:pic>
+      <p:sp>
+        <p:nvSpPr>
+          <p:cNvPr id="2" name="제목 1"/>
+          <p:cNvSpPr>
+            <a:spLocks noGrp="1"/>
+          </p:cNvSpPr>
+          <p:nvPr>
+            <p:ph type="title" hasCustomPrompt="1"/>
+          </p:nvPr>
+        </p:nvSpPr>
+        <p:spPr>
+          <a:xfrm>
+            <a:off x="962423" y="116632"/>
+            <a:ext cx="9646078" cy="796908"/>
+          </a:xfrm>
+        </p:spPr>
+        <p:txBody>
+          <a:bodyPr vert="horz" lIns="91440" tIns="45720" rIns="91440" bIns="45720" rtlCol="0" anchor="ctr">
+            <a:normAutofit/>
+          </a:bodyPr>
+          <a:lstStyle>
+            <a:lvl1pPr algn="l" defTabSz="914400" rtl="0" eaLnBrk="1" latinLnBrk="1" hangingPunct="1">
+              <a:spcBef>
+                <a:spcPct val="0"/>
+              </a:spcBef>
+              <a:buNone/>
+              <a:defRPr lang="ko-KR" altLang="en-US" sz="2500" b="1" kern="1200" baseline="0" dirty="0">
+                <a:solidFill>
+                  <a:schemeClr val="bg1"/>
+                </a:solidFill>
+                <a:effectLst/>
+                <a:latin typeface="+mj-lt"/>
+                <a:ea typeface="맑은 고딕" pitchFamily="50" charset="-127"/>
+                <a:cs typeface="+mj-cs"/>
+              </a:defRPr>
+            </a:lvl1pPr>
+          </a:lstStyle>
+          <a:p>
+            <a:r>
+              <a:rPr lang="ko-KR" altLang="en-US" dirty="0"/>
+              <a:t>제목 스타일 편집마스터 </a:t>
+            </a:r>
+          </a:p>
+        </p:txBody>
+      </p:sp>
+      <p:sp>
+        <p:nvSpPr>
+          <p:cNvPr id="3" name="날짜 개체 틀 2"/>
+          <p:cNvSpPr>
+            <a:spLocks noGrp="1"/>
+          </p:cNvSpPr>
+          <p:nvPr>
+            <p:ph type="dt" sz="half" idx="10"/>
+          </p:nvPr>
+        </p:nvSpPr>
+        <p:spPr/>
+        <p:txBody>
+          <a:bodyPr/>
+          <a:lstStyle>
+            <a:lvl1pPr>
+              <a:defRPr>
+                <a:latin typeface="+mj-lt"/>
+              </a:defRPr>
+            </a:lvl1pPr>
+          </a:lstStyle>
+          <a:p>
+            <a:fld id="{ED3D6733-6F27-4404-AB51-585418F146E5}" type="datetimeFigureOut">
+              <a:rPr lang="ko-KR" altLang="en-US" smtClean="0"/>
+              <a:pPr/>
+              <a:t>2020-04-20</a:t>
+            </a:fld>
+            <a:endParaRPr lang="ko-KR" altLang="en-US"/>
+          </a:p>
+        </p:txBody>
+      </p:sp>
+      <p:sp>
+        <p:nvSpPr>
+          <p:cNvPr id="4" name="바닥글 개체 틀 3"/>
+          <p:cNvSpPr>
+            <a:spLocks noGrp="1"/>
+          </p:cNvSpPr>
+          <p:nvPr>
+            <p:ph type="ftr" sz="quarter" idx="11"/>
+          </p:nvPr>
+        </p:nvSpPr>
+        <p:spPr/>
+        <p:txBody>
+          <a:bodyPr/>
+          <a:lstStyle>
+            <a:lvl1pPr>
+              <a:defRPr>
+                <a:latin typeface="+mj-lt"/>
+              </a:defRPr>
+            </a:lvl1pPr>
+          </a:lstStyle>
+          <a:p>
+            <a:endParaRPr lang="ko-KR" altLang="en-US"/>
+          </a:p>
+        </p:txBody>
+      </p:sp>
+      <p:sp>
+        <p:nvSpPr>
+          <p:cNvPr id="5" name="슬라이드 번호 개체 틀 4"/>
+          <p:cNvSpPr>
+            <a:spLocks noGrp="1"/>
+          </p:cNvSpPr>
+          <p:nvPr>
+            <p:ph type="sldNum" sz="quarter" idx="12"/>
+          </p:nvPr>
+        </p:nvSpPr>
+        <p:spPr/>
+        <p:txBody>
+          <a:bodyPr/>
+          <a:lstStyle>
+            <a:lvl1pPr>
+              <a:defRPr>
+                <a:latin typeface="+mj-lt"/>
+              </a:defRPr>
+            </a:lvl1pPr>
+          </a:lstStyle>
+          <a:p>
+            <a:fld id="{EE6BC638-39B7-4287-91A7-2A3DDA573295}" type="slidenum">
+              <a:rPr lang="ko-KR" altLang="en-US" smtClean="0"/>
+              <a:pPr/>
+              <a:t>‹#›</a:t>
+            </a:fld>
+            <a:endParaRPr lang="ko-KR" altLang="en-US"/>
+          </a:p>
+        </p:txBody>
+      </p:sp>
+      <p:sp>
+        <p:nvSpPr>
+          <p:cNvPr id="6" name="내용 개체 틀 2"/>
+          <p:cNvSpPr>
+            <a:spLocks noGrp="1"/>
+          </p:cNvSpPr>
+          <p:nvPr>
+            <p:ph idx="1"/>
+          </p:nvPr>
+        </p:nvSpPr>
+        <p:spPr>
+          <a:xfrm>
+            <a:off x="431371" y="1176869"/>
+            <a:ext cx="11346142" cy="4861277"/>
+          </a:xfrm>
+        </p:spPr>
+        <p:txBody>
+          <a:bodyPr>
+            <a:normAutofit/>
+          </a:bodyPr>
+          <a:lstStyle>
+            <a:lvl1pPr algn="l">
+              <a:buNone/>
+              <a:defRPr sz="1600" i="1" baseline="0">
+                <a:solidFill>
+                  <a:srgbClr val="3191A7"/>
+                </a:solidFill>
+                <a:latin typeface="+mj-lt"/>
+                <a:ea typeface="맑은 고딕" pitchFamily="50" charset="-127"/>
+              </a:defRPr>
+            </a:lvl1pPr>
+            <a:lvl2pPr algn="l">
+              <a:buNone/>
+              <a:defRPr sz="1600" i="1" baseline="0">
+                <a:solidFill>
+                  <a:srgbClr val="3191A7"/>
+                </a:solidFill>
+                <a:latin typeface="+mj-lt"/>
+                <a:ea typeface="맑은 고딕" pitchFamily="50" charset="-127"/>
+              </a:defRPr>
+            </a:lvl2pPr>
+            <a:lvl3pPr algn="l">
+              <a:buNone/>
+              <a:defRPr sz="1600" i="1" baseline="0">
+                <a:solidFill>
+                  <a:srgbClr val="3191A7"/>
+                </a:solidFill>
+                <a:latin typeface="+mj-lt"/>
+                <a:ea typeface="맑은 고딕" pitchFamily="50" charset="-127"/>
+              </a:defRPr>
+            </a:lvl3pPr>
+            <a:lvl4pPr algn="l">
+              <a:buNone/>
+              <a:defRPr sz="1600" i="1" baseline="0">
+                <a:solidFill>
+                  <a:srgbClr val="3191A7"/>
+                </a:solidFill>
+                <a:latin typeface="+mj-lt"/>
+                <a:ea typeface="맑은 고딕" pitchFamily="50" charset="-127"/>
+              </a:defRPr>
+            </a:lvl4pPr>
+            <a:lvl5pPr algn="l">
+              <a:buNone/>
+              <a:defRPr sz="1600" i="1" baseline="0">
+                <a:solidFill>
+                  <a:srgbClr val="3191A7"/>
+                </a:solidFill>
+                <a:latin typeface="+mj-lt"/>
+                <a:ea typeface="맑은 고딕" pitchFamily="50" charset="-127"/>
+              </a:defRPr>
+            </a:lvl5pPr>
+          </a:lstStyle>
+          <a:p>
+            <a:pPr lvl="0"/>
+            <a:r>
+              <a:rPr lang="ko-KR" altLang="en-US" dirty="0"/>
+              <a:t>마스터 텍스트 스타일을 편집합니다</a:t>
+            </a:r>
+          </a:p>
+          <a:p>
+            <a:pPr lvl="1"/>
+            <a:r>
+              <a:rPr lang="ko-KR" altLang="en-US" dirty="0"/>
+              <a:t>둘째 수준</a:t>
+            </a:r>
+          </a:p>
+          <a:p>
+            <a:pPr lvl="2"/>
+            <a:r>
+              <a:rPr lang="ko-KR" altLang="en-US" dirty="0"/>
+              <a:t>셋째 수준</a:t>
+            </a:r>
+          </a:p>
+          <a:p>
+            <a:pPr lvl="3"/>
+            <a:r>
+              <a:rPr lang="ko-KR" altLang="en-US" dirty="0"/>
+              <a:t>넷째 수준</a:t>
+            </a:r>
+          </a:p>
+          <a:p>
+            <a:pPr lvl="4"/>
+            <a:r>
+              <a:rPr lang="ko-KR" altLang="en-US" dirty="0"/>
+              <a:t>다섯째 수준</a:t>
+            </a:r>
+          </a:p>
+        </p:txBody>
+      </p:sp>
+    </p:spTree>
+    <p:extLst>
+      <p:ext uri="{BB962C8B-B14F-4D97-AF65-F5344CB8AC3E}">
+        <p14:creationId xmlns:p14="http://schemas.microsoft.com/office/powerpoint/2010/main" val="369192052"/>
       </p:ext>
     </p:extLst>
   </p:cSld>
@@ -1136,7 +1459,7 @@
             <a:fld id="{272C3D53-FEDF-49EC-8F65-FFFC138B637E}" type="datetimeFigureOut">
               <a:rPr lang="ko-KR" altLang="en-US" smtClean="0"/>
               <a:pPr/>
-              <a:t>2020-03-28</a:t>
+              <a:t>2020-04-20</a:t>
             </a:fld>
             <a:endParaRPr lang="ko-KR" altLang="en-US"/>
           </a:p>
@@ -1384,7 +1707,7 @@
             <a:fld id="{272C3D53-FEDF-49EC-8F65-FFFC138B637E}" type="datetimeFigureOut">
               <a:rPr lang="ko-KR" altLang="en-US" smtClean="0"/>
               <a:pPr/>
-              <a:t>2020-03-28</a:t>
+              <a:t>2020-04-20</a:t>
             </a:fld>
             <a:endParaRPr lang="ko-KR" altLang="en-US"/>
           </a:p>
@@ -1618,7 +1941,7 @@
             <a:fld id="{272C3D53-FEDF-49EC-8F65-FFFC138B637E}" type="datetimeFigureOut">
               <a:rPr lang="ko-KR" altLang="en-US" smtClean="0"/>
               <a:pPr/>
-              <a:t>2020-03-28</a:t>
+              <a:t>2020-04-20</a:t>
             </a:fld>
             <a:endParaRPr lang="ko-KR" altLang="en-US"/>
           </a:p>
@@ -1987,7 +2310,7 @@
             <a:fld id="{272C3D53-FEDF-49EC-8F65-FFFC138B637E}" type="datetimeFigureOut">
               <a:rPr lang="ko-KR" altLang="en-US" smtClean="0"/>
               <a:pPr/>
-              <a:t>2020-03-28</a:t>
+              <a:t>2020-04-20</a:t>
             </a:fld>
             <a:endParaRPr lang="ko-KR" altLang="en-US"/>
           </a:p>
@@ -2107,7 +2430,7 @@
             <a:fld id="{272C3D53-FEDF-49EC-8F65-FFFC138B637E}" type="datetimeFigureOut">
               <a:rPr lang="ko-KR" altLang="en-US" smtClean="0"/>
               <a:pPr/>
-              <a:t>2020-03-28</a:t>
+              <a:t>2020-04-20</a:t>
             </a:fld>
             <a:endParaRPr lang="ko-KR" altLang="en-US"/>
           </a:p>
@@ -2204,7 +2527,7 @@
             <a:fld id="{272C3D53-FEDF-49EC-8F65-FFFC138B637E}" type="datetimeFigureOut">
               <a:rPr lang="ko-KR" altLang="en-US" smtClean="0"/>
               <a:pPr/>
-              <a:t>2020-03-28</a:t>
+              <a:t>2020-04-20</a:t>
             </a:fld>
             <a:endParaRPr lang="ko-KR" altLang="en-US"/>
           </a:p>
@@ -2483,7 +2806,7 @@
             <a:fld id="{272C3D53-FEDF-49EC-8F65-FFFC138B637E}" type="datetimeFigureOut">
               <a:rPr lang="ko-KR" altLang="en-US" smtClean="0"/>
               <a:pPr/>
-              <a:t>2020-03-28</a:t>
+              <a:t>2020-04-20</a:t>
             </a:fld>
             <a:endParaRPr lang="ko-KR" altLang="en-US"/>
           </a:p>
@@ -2738,7 +3061,7 @@
             <a:fld id="{272C3D53-FEDF-49EC-8F65-FFFC138B637E}" type="datetimeFigureOut">
               <a:rPr lang="ko-KR" altLang="en-US" smtClean="0"/>
               <a:pPr/>
-              <a:t>2020-03-28</a:t>
+              <a:t>2020-04-20</a:t>
             </a:fld>
             <a:endParaRPr lang="ko-KR" altLang="en-US"/>
           </a:p>
@@ -2953,7 +3276,7 @@
             <a:fld id="{272C3D53-FEDF-49EC-8F65-FFFC138B637E}" type="datetimeFigureOut">
               <a:rPr lang="ko-KR" altLang="en-US" smtClean="0"/>
               <a:pPr/>
-              <a:t>2020-03-28</a:t>
+              <a:t>2020-04-20</a:t>
             </a:fld>
             <a:endParaRPr lang="ko-KR" altLang="en-US"/>
           </a:p>
@@ -3058,6 +3381,7 @@
     <p:sldLayoutId id="2147483657" r:id="rId9"/>
     <p:sldLayoutId id="2147483658" r:id="rId10"/>
     <p:sldLayoutId id="2147483659" r:id="rId11"/>
+    <p:sldLayoutId id="2147483660" r:id="rId12"/>
   </p:sldLayoutIdLst>
   <p:txStyles>
     <p:titleStyle>
@@ -3441,6 +3765,3872 @@
   <p:clrMapOvr>
     <a:masterClrMapping/>
   </p:clrMapOvr>
+</p:sld>
+</file>
+
+<file path=ppt/slides/slide2.xml><?xml version="1.0" encoding="utf-8"?>
+<p:sld xmlns:a="http://schemas.openxmlformats.org/drawingml/2006/main" xmlns:r="http://schemas.openxmlformats.org/officeDocument/2006/relationships" xmlns:p="http://schemas.openxmlformats.org/presentationml/2006/main">
+  <p:cSld>
+    <p:spTree>
+      <p:nvGrpSpPr>
+        <p:cNvPr id="1" name=""/>
+        <p:cNvGrpSpPr/>
+        <p:nvPr/>
+      </p:nvGrpSpPr>
+      <p:grpSpPr>
+        <a:xfrm>
+          <a:off x="0" y="0"/>
+          <a:ext cx="0" cy="0"/>
+          <a:chOff x="0" y="0"/>
+          <a:chExt cx="0" cy="0"/>
+        </a:xfrm>
+      </p:grpSpPr>
+      <p:sp>
+        <p:nvSpPr>
+          <p:cNvPr id="2" name="제목 1"/>
+          <p:cNvSpPr>
+            <a:spLocks noGrp="1"/>
+          </p:cNvSpPr>
+          <p:nvPr>
+            <p:ph type="title"/>
+          </p:nvPr>
+        </p:nvSpPr>
+        <p:spPr/>
+        <p:txBody>
+          <a:bodyPr>
+            <a:normAutofit/>
+          </a:bodyPr>
+          <a:lstStyle/>
+          <a:p>
+            <a:pPr lvl="0">
+              <a:lnSpc>
+                <a:spcPct val="100000"/>
+              </a:lnSpc>
+              <a:spcBef>
+                <a:spcPts val="0"/>
+              </a:spcBef>
+              <a:buClr>
+                <a:srgbClr val="000000"/>
+              </a:buClr>
+              <a:buSzPts val="1500"/>
+              <a:defRPr/>
+            </a:pPr>
+            <a:r>
+              <a:rPr lang="en-US" altLang="ko-KR" sz="3600" b="0" smtClean="0"/>
+              <a:t>[</a:t>
+            </a:r>
+            <a:r>
+              <a:rPr lang="ko-KR" altLang="en-US" sz="3600" b="0" smtClean="0"/>
+              <a:t>화면설계</a:t>
+            </a:r>
+            <a:r>
+              <a:rPr lang="en-US" altLang="ko-KR" sz="3600" b="0" smtClean="0"/>
+              <a:t>] </a:t>
+            </a:r>
+            <a:r>
+              <a:rPr lang="ko-KR" altLang="en-US" sz="3600" b="0" smtClean="0"/>
+              <a:t>사용자 </a:t>
+            </a:r>
+            <a:r>
+              <a:rPr lang="en-US" altLang="ko-KR" sz="3600" b="0" smtClean="0"/>
+              <a:t>– </a:t>
+            </a:r>
+            <a:r>
+              <a:rPr lang="ko-KR" altLang="en-US" sz="3600" b="0" smtClean="0"/>
+              <a:t>웹 </a:t>
+            </a:r>
+            <a:r>
+              <a:rPr lang="en-US" altLang="ko-KR" sz="3600" b="0" smtClean="0"/>
+              <a:t>- </a:t>
+            </a:r>
+            <a:r>
+              <a:rPr lang="ko-KR" altLang="en-US" sz="3600" b="0" smtClean="0"/>
+              <a:t>메인페이지</a:t>
+            </a:r>
+            <a:r>
+              <a:rPr lang="ko-KR" altLang="en-US" sz="2400" b="0" smtClean="0"/>
+              <a:t> </a:t>
+            </a:r>
+            <a:r>
+              <a:rPr lang="en-US" altLang="ko-KR" sz="2400" b="0"/>
+              <a:t>- HEADER</a:t>
+            </a:r>
+            <a:endParaRPr lang="ko-KR" altLang="en-US" sz="2400" b="0" dirty="0"/>
+          </a:p>
+        </p:txBody>
+      </p:sp>
+      <p:sp>
+        <p:nvSpPr>
+          <p:cNvPr id="5" name="Google Shape;164;g7c553259d1_0_81"/>
+          <p:cNvSpPr/>
+          <p:nvPr/>
+        </p:nvSpPr>
+        <p:spPr>
+          <a:xfrm>
+            <a:off x="3891869" y="5974235"/>
+            <a:ext cx="2789963" cy="292800"/>
+          </a:xfrm>
+          <a:prstGeom prst="rect">
+            <a:avLst/>
+          </a:prstGeom>
+          <a:solidFill>
+            <a:schemeClr val="lt1"/>
+          </a:solidFill>
+          <a:ln w="12700" cap="flat" cmpd="sng">
+            <a:solidFill>
+              <a:schemeClr val="dk1"/>
+            </a:solidFill>
+            <a:prstDash val="solid"/>
+            <a:miter lim="800000"/>
+            <a:headEnd type="none" w="sm" len="sm"/>
+            <a:tailEnd type="none" w="sm" len="sm"/>
+          </a:ln>
+        </p:spPr>
+        <p:txBody>
+          <a:bodyPr spcFirstLastPara="1" wrap="square" lIns="91425" tIns="45700" rIns="91425" bIns="45700" anchor="ctr" anchorCtr="0">
+            <a:noAutofit/>
+          </a:bodyPr>
+          <a:lstStyle/>
+          <a:p>
+            <a:pPr algn="ctr">
+              <a:buClr>
+                <a:srgbClr val="000000"/>
+              </a:buClr>
+              <a:buSzPts val="1800"/>
+            </a:pPr>
+            <a:endParaRPr>
+              <a:solidFill>
+                <a:schemeClr val="dk1"/>
+              </a:solidFill>
+              <a:latin typeface="Malgun Gothic"/>
+              <a:ea typeface="Malgun Gothic"/>
+              <a:cs typeface="Malgun Gothic"/>
+              <a:sym typeface="Malgun Gothic"/>
+            </a:endParaRPr>
+          </a:p>
+        </p:txBody>
+      </p:sp>
+      <p:sp>
+        <p:nvSpPr>
+          <p:cNvPr id="6" name="Google Shape;168;g7c553259d1_0_81"/>
+          <p:cNvSpPr/>
+          <p:nvPr/>
+        </p:nvSpPr>
+        <p:spPr>
+          <a:xfrm>
+            <a:off x="560723" y="1442690"/>
+            <a:ext cx="6526163" cy="5349900"/>
+          </a:xfrm>
+          <a:prstGeom prst="rect">
+            <a:avLst/>
+          </a:prstGeom>
+          <a:solidFill>
+            <a:schemeClr val="lt1"/>
+          </a:solidFill>
+          <a:ln w="12700" cap="flat" cmpd="sng">
+            <a:solidFill>
+              <a:schemeClr val="dk1"/>
+            </a:solidFill>
+            <a:prstDash val="solid"/>
+            <a:miter lim="800000"/>
+            <a:headEnd type="none" w="sm" len="sm"/>
+            <a:tailEnd type="none" w="sm" len="sm"/>
+          </a:ln>
+        </p:spPr>
+        <p:txBody>
+          <a:bodyPr spcFirstLastPara="1" wrap="square" lIns="91425" tIns="45700" rIns="91425" bIns="45700" anchor="ctr" anchorCtr="0">
+            <a:noAutofit/>
+          </a:bodyPr>
+          <a:lstStyle/>
+          <a:p>
+            <a:pPr algn="ctr">
+              <a:buClr>
+                <a:srgbClr val="000000"/>
+              </a:buClr>
+              <a:buSzPts val="1500"/>
+            </a:pPr>
+            <a:endParaRPr sz="1500" dirty="0">
+              <a:solidFill>
+                <a:schemeClr val="dk1"/>
+              </a:solidFill>
+              <a:latin typeface="Malgun Gothic"/>
+              <a:ea typeface="Malgun Gothic"/>
+              <a:cs typeface="Malgun Gothic"/>
+              <a:sym typeface="Malgun Gothic"/>
+            </a:endParaRPr>
+          </a:p>
+        </p:txBody>
+      </p:sp>
+      <p:graphicFrame>
+        <p:nvGraphicFramePr>
+          <p:cNvPr id="7" name="Google Shape;169;g7c553259d1_0_81"/>
+          <p:cNvGraphicFramePr/>
+          <p:nvPr>
+            <p:extLst/>
+          </p:nvPr>
+        </p:nvGraphicFramePr>
+        <p:xfrm>
+          <a:off x="8650244" y="2039603"/>
+          <a:ext cx="2869750" cy="4668974"/>
+        </p:xfrm>
+        <a:graphic>
+          <a:graphicData uri="http://schemas.openxmlformats.org/drawingml/2006/table">
+            <a:tbl>
+              <a:tblPr firstRow="1" bandRow="1">
+                <a:noFill/>
+              </a:tblPr>
+              <a:tblGrid>
+                <a:gridCol w="311106">
+                  <a:extLst>
+                    <a:ext uri="{9D8B030D-6E8A-4147-A177-3AD203B41FA5}">
+                      <a16:colId xmlns:a16="http://schemas.microsoft.com/office/drawing/2014/main" xmlns="" val="20000"/>
+                    </a:ext>
+                  </a:extLst>
+                </a:gridCol>
+                <a:gridCol w="2558644">
+                  <a:extLst>
+                    <a:ext uri="{9D8B030D-6E8A-4147-A177-3AD203B41FA5}">
+                      <a16:colId xmlns:a16="http://schemas.microsoft.com/office/drawing/2014/main" xmlns="" val="20001"/>
+                    </a:ext>
+                  </a:extLst>
+                </a:gridCol>
+              </a:tblGrid>
+              <a:tr h="356150">
+                <a:tc>
+                  <a:txBody>
+                    <a:bodyPr/>
+                    <a:lstStyle/>
+                    <a:p>
+                      <a:pPr marL="0" marR="0" lvl="0" indent="0" algn="ctr" rtl="0">
+                        <a:lnSpc>
+                          <a:spcPct val="100000"/>
+                        </a:lnSpc>
+                        <a:spcBef>
+                          <a:spcPts val="0"/>
+                        </a:spcBef>
+                        <a:spcAft>
+                          <a:spcPts val="0"/>
+                        </a:spcAft>
+                        <a:buClr>
+                          <a:srgbClr val="000000"/>
+                        </a:buClr>
+                        <a:buSzPts val="1500"/>
+                        <a:buFont typeface="Arial"/>
+                        <a:buNone/>
+                      </a:pPr>
+                      <a:r>
+                        <a:rPr lang="ko-KR" sz="1500" u="none" strike="noStrike" cap="none" dirty="0">
+                          <a:solidFill>
+                            <a:schemeClr val="dk1"/>
+                          </a:solidFill>
+                        </a:rPr>
+                        <a:t>#</a:t>
+                      </a:r>
+                      <a:endParaRPr sz="1500" u="none" strike="noStrike" cap="none" dirty="0">
+                        <a:solidFill>
+                          <a:schemeClr val="dk1"/>
+                        </a:solidFill>
+                      </a:endParaRPr>
+                    </a:p>
+                  </a:txBody>
+                  <a:tcPr marL="74304" marR="74304" marT="45725" marB="45725" anchor="ctr">
+                    <a:lnL w="12700" cap="flat" cmpd="sng">
+                      <a:solidFill>
+                        <a:schemeClr val="dk1"/>
+                      </a:solidFill>
+                      <a:prstDash val="solid"/>
+                      <a:round/>
+                      <a:headEnd type="none" w="sm" len="sm"/>
+                      <a:tailEnd type="none" w="sm" len="sm"/>
+                    </a:lnL>
+                    <a:lnR w="12700" cap="flat" cmpd="sng">
+                      <a:solidFill>
+                        <a:schemeClr val="dk1"/>
+                      </a:solidFill>
+                      <a:prstDash val="solid"/>
+                      <a:round/>
+                      <a:headEnd type="none" w="sm" len="sm"/>
+                      <a:tailEnd type="none" w="sm" len="sm"/>
+                    </a:lnR>
+                    <a:lnT w="12700" cap="flat" cmpd="sng">
+                      <a:solidFill>
+                        <a:schemeClr val="dk1"/>
+                      </a:solidFill>
+                      <a:prstDash val="solid"/>
+                      <a:round/>
+                      <a:headEnd type="none" w="sm" len="sm"/>
+                      <a:tailEnd type="none" w="sm" len="sm"/>
+                    </a:lnT>
+                    <a:lnB w="12700" cap="flat" cmpd="sng" algn="ctr">
+                      <a:solidFill>
+                        <a:schemeClr val="dk1"/>
+                      </a:solidFill>
+                      <a:prstDash val="solid"/>
+                      <a:round/>
+                      <a:headEnd type="none" w="sm" len="sm"/>
+                      <a:tailEnd type="none" w="sm" len="sm"/>
+                    </a:lnB>
+                    <a:solidFill>
+                      <a:srgbClr val="D8D8D8"/>
+                    </a:solidFill>
+                  </a:tcPr>
+                </a:tc>
+                <a:tc>
+                  <a:txBody>
+                    <a:bodyPr/>
+                    <a:lstStyle/>
+                    <a:p>
+                      <a:pPr marL="0" marR="0" lvl="0" indent="0" algn="ctr" rtl="0">
+                        <a:lnSpc>
+                          <a:spcPct val="100000"/>
+                        </a:lnSpc>
+                        <a:spcBef>
+                          <a:spcPts val="0"/>
+                        </a:spcBef>
+                        <a:spcAft>
+                          <a:spcPts val="0"/>
+                        </a:spcAft>
+                        <a:buClr>
+                          <a:srgbClr val="000000"/>
+                        </a:buClr>
+                        <a:buSzPts val="1500"/>
+                        <a:buFont typeface="Arial"/>
+                        <a:buNone/>
+                      </a:pPr>
+                      <a:endParaRPr sz="1500" u="none" strike="noStrike" cap="none" dirty="0">
+                        <a:solidFill>
+                          <a:schemeClr val="dk1"/>
+                        </a:solidFill>
+                      </a:endParaRPr>
+                    </a:p>
+                  </a:txBody>
+                  <a:tcPr marL="74304" marR="74304" marT="45725" marB="45725" anchor="ctr">
+                    <a:lnL w="12700" cap="flat" cmpd="sng">
+                      <a:solidFill>
+                        <a:schemeClr val="dk1"/>
+                      </a:solidFill>
+                      <a:prstDash val="solid"/>
+                      <a:round/>
+                      <a:headEnd type="none" w="sm" len="sm"/>
+                      <a:tailEnd type="none" w="sm" len="sm"/>
+                    </a:lnL>
+                    <a:lnR w="12700" cap="flat" cmpd="sng">
+                      <a:solidFill>
+                        <a:schemeClr val="dk1"/>
+                      </a:solidFill>
+                      <a:prstDash val="solid"/>
+                      <a:round/>
+                      <a:headEnd type="none" w="sm" len="sm"/>
+                      <a:tailEnd type="none" w="sm" len="sm"/>
+                    </a:lnR>
+                    <a:lnT w="12700" cap="flat" cmpd="sng">
+                      <a:solidFill>
+                        <a:schemeClr val="dk1"/>
+                      </a:solidFill>
+                      <a:prstDash val="solid"/>
+                      <a:round/>
+                      <a:headEnd type="none" w="sm" len="sm"/>
+                      <a:tailEnd type="none" w="sm" len="sm"/>
+                    </a:lnT>
+                    <a:lnB w="12700" cap="flat" cmpd="sng" algn="ctr">
+                      <a:solidFill>
+                        <a:schemeClr val="dk1"/>
+                      </a:solidFill>
+                      <a:prstDash val="solid"/>
+                      <a:round/>
+                      <a:headEnd type="none" w="sm" len="sm"/>
+                      <a:tailEnd type="none" w="sm" len="sm"/>
+                    </a:lnB>
+                    <a:solidFill>
+                      <a:srgbClr val="D8D8D8"/>
+                    </a:solidFill>
+                  </a:tcPr>
+                </a:tc>
+                <a:extLst>
+                  <a:ext uri="{0D108BD9-81ED-4DB2-BD59-A6C34878D82A}">
+                    <a16:rowId xmlns:a16="http://schemas.microsoft.com/office/drawing/2014/main" xmlns="" val="10000"/>
+                  </a:ext>
+                </a:extLst>
+              </a:tr>
+              <a:tr h="972399">
+                <a:tc>
+                  <a:txBody>
+                    <a:bodyPr/>
+                    <a:lstStyle/>
+                    <a:p>
+                      <a:pPr marL="0" marR="0" lvl="0" indent="0" algn="ctr" rtl="0">
+                        <a:lnSpc>
+                          <a:spcPct val="100000"/>
+                        </a:lnSpc>
+                        <a:spcBef>
+                          <a:spcPts val="0"/>
+                        </a:spcBef>
+                        <a:spcAft>
+                          <a:spcPts val="0"/>
+                        </a:spcAft>
+                        <a:buClr>
+                          <a:srgbClr val="000000"/>
+                        </a:buClr>
+                        <a:buSzPts val="1500"/>
+                        <a:buFont typeface="Arial"/>
+                        <a:buNone/>
+                      </a:pPr>
+                      <a:r>
+                        <a:rPr lang="en-US" sz="1500" dirty="0" smtClean="0"/>
+                        <a:t>1</a:t>
+                      </a:r>
+                      <a:endParaRPr sz="1500" dirty="0"/>
+                    </a:p>
+                  </a:txBody>
+                  <a:tcPr marL="74304" marR="74304" marT="45725" marB="45725" anchor="ctr">
+                    <a:lnL w="12700" cap="flat" cmpd="sng">
+                      <a:solidFill>
+                        <a:schemeClr val="dk1"/>
+                      </a:solidFill>
+                      <a:prstDash val="solid"/>
+                      <a:round/>
+                      <a:headEnd type="none" w="sm" len="sm"/>
+                      <a:tailEnd type="none" w="sm" len="sm"/>
+                    </a:lnL>
+                    <a:lnR w="12700" cap="flat" cmpd="sng">
+                      <a:solidFill>
+                        <a:schemeClr val="dk1"/>
+                      </a:solidFill>
+                      <a:prstDash val="solid"/>
+                      <a:round/>
+                      <a:headEnd type="none" w="sm" len="sm"/>
+                      <a:tailEnd type="none" w="sm" len="sm"/>
+                    </a:lnR>
+                    <a:lnT w="12700" cap="flat" cmpd="sng">
+                      <a:solidFill>
+                        <a:schemeClr val="dk1"/>
+                      </a:solidFill>
+                      <a:prstDash val="solid"/>
+                      <a:round/>
+                      <a:headEnd type="none" w="sm" len="sm"/>
+                      <a:tailEnd type="none" w="sm" len="sm"/>
+                    </a:lnT>
+                    <a:lnB w="12700" cap="flat" cmpd="sng">
+                      <a:solidFill>
+                        <a:schemeClr val="dk1"/>
+                      </a:solidFill>
+                      <a:prstDash val="solid"/>
+                      <a:round/>
+                      <a:headEnd type="none" w="sm" len="sm"/>
+                      <a:tailEnd type="none" w="sm" len="sm"/>
+                    </a:lnB>
+                    <a:solidFill>
+                      <a:schemeClr val="lt1"/>
+                    </a:solidFill>
+                  </a:tcPr>
+                </a:tc>
+                <a:tc>
+                  <a:txBody>
+                    <a:bodyPr/>
+                    <a:lstStyle/>
+                    <a:p>
+                      <a:pPr marL="0" marR="0" lvl="0" indent="0" algn="l" rtl="0">
+                        <a:lnSpc>
+                          <a:spcPct val="100000"/>
+                        </a:lnSpc>
+                        <a:spcBef>
+                          <a:spcPts val="0"/>
+                        </a:spcBef>
+                        <a:spcAft>
+                          <a:spcPts val="0"/>
+                        </a:spcAft>
+                        <a:buClr>
+                          <a:srgbClr val="000000"/>
+                        </a:buClr>
+                        <a:buSzPts val="1500"/>
+                        <a:buFont typeface="Arial"/>
+                        <a:buNone/>
+                      </a:pPr>
+                      <a:r>
+                        <a:rPr lang="ko-KR" altLang="en-US" sz="1500" b="0" u="none" strike="noStrike" cap="none" dirty="0" smtClean="0">
+                          <a:solidFill>
+                            <a:schemeClr val="dk1"/>
+                          </a:solidFill>
+                        </a:rPr>
+                        <a:t>메인 헤더 페이지</a:t>
+                      </a:r>
+                      <a:endParaRPr lang="en-US" altLang="ko-KR" sz="1500" b="0" u="none" strike="noStrike" cap="none" baseline="0" dirty="0" smtClean="0">
+                        <a:solidFill>
+                          <a:schemeClr val="dk1"/>
+                        </a:solidFill>
+                      </a:endParaRPr>
+                    </a:p>
+                    <a:p>
+                      <a:pPr marL="0" marR="0" lvl="0" indent="0" algn="l" rtl="0">
+                        <a:lnSpc>
+                          <a:spcPct val="100000"/>
+                        </a:lnSpc>
+                        <a:spcBef>
+                          <a:spcPts val="0"/>
+                        </a:spcBef>
+                        <a:spcAft>
+                          <a:spcPts val="0"/>
+                        </a:spcAft>
+                        <a:buClr>
+                          <a:srgbClr val="000000"/>
+                        </a:buClr>
+                        <a:buSzPts val="1500"/>
+                        <a:buFont typeface="Arial"/>
+                        <a:buNone/>
+                      </a:pPr>
+                      <a:r>
+                        <a:rPr lang="en-US" sz="1500" b="0" u="none" strike="noStrike" cap="none" baseline="0" dirty="0" smtClean="0">
+                          <a:solidFill>
+                            <a:schemeClr val="dk1"/>
+                          </a:solidFill>
+                        </a:rPr>
+                        <a:t>- </a:t>
+                      </a:r>
+                      <a:r>
+                        <a:rPr lang="ko-KR" altLang="en-US" sz="1500" b="0" u="none" strike="noStrike" cap="none" baseline="0" dirty="0" smtClean="0">
+                          <a:solidFill>
+                            <a:schemeClr val="dk1"/>
+                          </a:solidFill>
+                        </a:rPr>
+                        <a:t>로고와 </a:t>
+                      </a:r>
+                      <a:r>
+                        <a:rPr lang="ko-KR" altLang="en-US" sz="1500" b="0" u="none" strike="noStrike" cap="none" baseline="0" dirty="0" err="1" smtClean="0">
+                          <a:solidFill>
+                            <a:schemeClr val="dk1"/>
+                          </a:solidFill>
+                        </a:rPr>
+                        <a:t>검색창</a:t>
+                      </a:r>
+                      <a:r>
+                        <a:rPr lang="en-US" altLang="ko-KR" sz="1500" b="0" u="none" strike="noStrike" cap="none" baseline="0" dirty="0" smtClean="0">
+                          <a:solidFill>
+                            <a:schemeClr val="dk1"/>
+                          </a:solidFill>
+                        </a:rPr>
+                        <a:t>, </a:t>
+                      </a:r>
+                      <a:r>
+                        <a:rPr lang="ko-KR" altLang="en-US" sz="1500" b="0" u="none" strike="noStrike" cap="none" baseline="0" dirty="0" smtClean="0">
+                          <a:solidFill>
+                            <a:schemeClr val="dk1"/>
+                          </a:solidFill>
+                        </a:rPr>
+                        <a:t>알림 </a:t>
+                      </a:r>
+                      <a:r>
+                        <a:rPr lang="ko-KR" altLang="en-US" sz="1500" b="0" u="none" strike="noStrike" cap="none" baseline="0" dirty="0" err="1" smtClean="0">
+                          <a:solidFill>
+                            <a:schemeClr val="dk1"/>
+                          </a:solidFill>
+                        </a:rPr>
+                        <a:t>모달창</a:t>
+                      </a:r>
+                      <a:r>
+                        <a:rPr lang="en-US" altLang="ko-KR" sz="1500" b="0" u="none" strike="noStrike" cap="none" baseline="0" dirty="0" smtClean="0">
+                          <a:solidFill>
+                            <a:schemeClr val="dk1"/>
+                          </a:solidFill>
+                        </a:rPr>
+                        <a:t>, </a:t>
+                      </a:r>
+                      <a:r>
+                        <a:rPr lang="ko-KR" altLang="en-US" sz="1500" b="0" u="none" strike="noStrike" cap="none" baseline="0" dirty="0" err="1" smtClean="0">
+                          <a:solidFill>
+                            <a:schemeClr val="dk1"/>
+                          </a:solidFill>
+                        </a:rPr>
+                        <a:t>메뉴바</a:t>
+                      </a:r>
+                      <a:r>
+                        <a:rPr lang="ko-KR" altLang="en-US" sz="1500" b="0" u="none" strike="noStrike" cap="none" baseline="0" dirty="0" smtClean="0">
+                          <a:solidFill>
+                            <a:schemeClr val="dk1"/>
+                          </a:solidFill>
+                        </a:rPr>
+                        <a:t> 구현</a:t>
+                      </a:r>
+                      <a:endParaRPr sz="1500" b="0" u="none" strike="noStrike" cap="none" dirty="0">
+                        <a:solidFill>
+                          <a:schemeClr val="dk1"/>
+                        </a:solidFill>
+                      </a:endParaRPr>
+                    </a:p>
+                  </a:txBody>
+                  <a:tcPr marL="74304" marR="74304" marT="45725" marB="45725">
+                    <a:lnL w="12700" cap="flat" cmpd="sng">
+                      <a:solidFill>
+                        <a:schemeClr val="dk1"/>
+                      </a:solidFill>
+                      <a:prstDash val="solid"/>
+                      <a:round/>
+                      <a:headEnd type="none" w="sm" len="sm"/>
+                      <a:tailEnd type="none" w="sm" len="sm"/>
+                    </a:lnL>
+                    <a:lnR w="12700" cap="flat" cmpd="sng">
+                      <a:solidFill>
+                        <a:schemeClr val="dk1"/>
+                      </a:solidFill>
+                      <a:prstDash val="solid"/>
+                      <a:round/>
+                      <a:headEnd type="none" w="sm" len="sm"/>
+                      <a:tailEnd type="none" w="sm" len="sm"/>
+                    </a:lnR>
+                    <a:lnT w="12700" cap="flat" cmpd="sng">
+                      <a:solidFill>
+                        <a:schemeClr val="dk1"/>
+                      </a:solidFill>
+                      <a:prstDash val="solid"/>
+                      <a:round/>
+                      <a:headEnd type="none" w="sm" len="sm"/>
+                      <a:tailEnd type="none" w="sm" len="sm"/>
+                    </a:lnT>
+                    <a:lnB w="12700" cap="flat" cmpd="sng">
+                      <a:solidFill>
+                        <a:schemeClr val="dk1"/>
+                      </a:solidFill>
+                      <a:prstDash val="solid"/>
+                      <a:round/>
+                      <a:headEnd type="none" w="sm" len="sm"/>
+                      <a:tailEnd type="none" w="sm" len="sm"/>
+                    </a:lnB>
+                    <a:solidFill>
+                      <a:schemeClr val="lt1"/>
+                    </a:solidFill>
+                  </a:tcPr>
+                </a:tc>
+                <a:extLst>
+                  <a:ext uri="{0D108BD9-81ED-4DB2-BD59-A6C34878D82A}">
+                    <a16:rowId xmlns:a16="http://schemas.microsoft.com/office/drawing/2014/main" xmlns="" val="10001"/>
+                  </a:ext>
+                </a:extLst>
+              </a:tr>
+              <a:tr h="551475">
+                <a:tc>
+                  <a:txBody>
+                    <a:bodyPr/>
+                    <a:lstStyle/>
+                    <a:p>
+                      <a:pPr marL="0" marR="0" lvl="0" indent="0" algn="ctr" rtl="0">
+                        <a:lnSpc>
+                          <a:spcPct val="100000"/>
+                        </a:lnSpc>
+                        <a:spcBef>
+                          <a:spcPts val="0"/>
+                        </a:spcBef>
+                        <a:spcAft>
+                          <a:spcPts val="0"/>
+                        </a:spcAft>
+                        <a:buClr>
+                          <a:srgbClr val="000000"/>
+                        </a:buClr>
+                        <a:buSzPts val="1500"/>
+                        <a:buFont typeface="Arial"/>
+                        <a:buNone/>
+                      </a:pPr>
+                      <a:r>
+                        <a:rPr lang="en-US" sz="1500" u="none" strike="noStrike" cap="none" dirty="0" smtClean="0">
+                          <a:solidFill>
+                            <a:schemeClr val="dk1"/>
+                          </a:solidFill>
+                        </a:rPr>
+                        <a:t>2</a:t>
+                      </a:r>
+                      <a:endParaRPr sz="1500" u="none" strike="noStrike" cap="none" dirty="0">
+                        <a:solidFill>
+                          <a:schemeClr val="dk1"/>
+                        </a:solidFill>
+                      </a:endParaRPr>
+                    </a:p>
+                  </a:txBody>
+                  <a:tcPr marL="74304" marR="74304" marT="45725" marB="45725" anchor="ctr">
+                    <a:lnL w="12700" cap="flat" cmpd="sng">
+                      <a:solidFill>
+                        <a:schemeClr val="dk1"/>
+                      </a:solidFill>
+                      <a:prstDash val="solid"/>
+                      <a:round/>
+                      <a:headEnd type="none" w="sm" len="sm"/>
+                      <a:tailEnd type="none" w="sm" len="sm"/>
+                    </a:lnL>
+                    <a:lnR w="12700" cap="flat" cmpd="sng">
+                      <a:solidFill>
+                        <a:schemeClr val="dk1"/>
+                      </a:solidFill>
+                      <a:prstDash val="solid"/>
+                      <a:round/>
+                      <a:headEnd type="none" w="sm" len="sm"/>
+                      <a:tailEnd type="none" w="sm" len="sm"/>
+                    </a:lnR>
+                    <a:lnT w="12700" cap="flat" cmpd="sng">
+                      <a:solidFill>
+                        <a:schemeClr val="dk1"/>
+                      </a:solidFill>
+                      <a:prstDash val="solid"/>
+                      <a:round/>
+                      <a:headEnd type="none" w="sm" len="sm"/>
+                      <a:tailEnd type="none" w="sm" len="sm"/>
+                    </a:lnT>
+                    <a:lnB w="12700" cap="flat" cmpd="sng">
+                      <a:solidFill>
+                        <a:schemeClr val="dk1"/>
+                      </a:solidFill>
+                      <a:prstDash val="solid"/>
+                      <a:round/>
+                      <a:headEnd type="none" w="sm" len="sm"/>
+                      <a:tailEnd type="none" w="sm" len="sm"/>
+                    </a:lnB>
+                    <a:solidFill>
+                      <a:schemeClr val="lt1"/>
+                    </a:solidFill>
+                  </a:tcPr>
+                </a:tc>
+                <a:tc>
+                  <a:txBody>
+                    <a:bodyPr/>
+                    <a:lstStyle/>
+                    <a:p>
+                      <a:pPr marL="0" marR="0" lvl="0" indent="0" algn="l" rtl="0">
+                        <a:lnSpc>
+                          <a:spcPct val="100000"/>
+                        </a:lnSpc>
+                        <a:spcBef>
+                          <a:spcPts val="0"/>
+                        </a:spcBef>
+                        <a:spcAft>
+                          <a:spcPts val="0"/>
+                        </a:spcAft>
+                        <a:buClr>
+                          <a:srgbClr val="000000"/>
+                        </a:buClr>
+                        <a:buSzPts val="1500"/>
+                        <a:buFont typeface="Arial"/>
+                        <a:buNone/>
+                      </a:pPr>
+                      <a:r>
+                        <a:rPr lang="ko-KR" altLang="en-US" sz="1500" u="none" strike="noStrike" cap="none" dirty="0" err="1" smtClean="0">
+                          <a:solidFill>
+                            <a:schemeClr val="dk1"/>
+                          </a:solidFill>
+                        </a:rPr>
+                        <a:t>세미나존</a:t>
+                      </a:r>
+                      <a:endParaRPr lang="en-US" altLang="ko-KR" sz="1500" u="none" strike="noStrike" cap="none" dirty="0" smtClean="0">
+                        <a:solidFill>
+                          <a:schemeClr val="dk1"/>
+                        </a:solidFill>
+                      </a:endParaRPr>
+                    </a:p>
+                    <a:p>
+                      <a:pPr marL="0" marR="0" lvl="0" indent="0" algn="l" rtl="0">
+                        <a:lnSpc>
+                          <a:spcPct val="100000"/>
+                        </a:lnSpc>
+                        <a:spcBef>
+                          <a:spcPts val="0"/>
+                        </a:spcBef>
+                        <a:spcAft>
+                          <a:spcPts val="0"/>
+                        </a:spcAft>
+                        <a:buClr>
+                          <a:srgbClr val="000000"/>
+                        </a:buClr>
+                        <a:buSzPts val="1500"/>
+                        <a:buFont typeface="Arial"/>
+                        <a:buNone/>
+                      </a:pPr>
+                      <a:r>
+                        <a:rPr lang="en-US" sz="1500" u="none" strike="noStrike" cap="none" dirty="0" smtClean="0">
+                          <a:solidFill>
+                            <a:schemeClr val="dk1"/>
+                          </a:solidFill>
+                        </a:rPr>
+                        <a:t>-</a:t>
+                      </a:r>
+                      <a:r>
+                        <a:rPr lang="en-US" sz="1500" u="none" strike="noStrike" cap="none" baseline="0" dirty="0" smtClean="0">
+                          <a:solidFill>
+                            <a:schemeClr val="dk1"/>
+                          </a:solidFill>
+                        </a:rPr>
+                        <a:t> </a:t>
+                      </a:r>
+                      <a:r>
+                        <a:rPr lang="ko-KR" altLang="en-US" sz="1500" u="none" strike="noStrike" cap="none" baseline="0" dirty="0" err="1" smtClean="0">
+                          <a:solidFill>
+                            <a:schemeClr val="dk1"/>
+                          </a:solidFill>
+                        </a:rPr>
+                        <a:t>세미나존</a:t>
+                      </a:r>
+                      <a:r>
+                        <a:rPr lang="ko-KR" altLang="en-US" sz="1500" u="none" strike="noStrike" cap="none" baseline="0" dirty="0" smtClean="0">
+                          <a:solidFill>
+                            <a:schemeClr val="dk1"/>
+                          </a:solidFill>
+                        </a:rPr>
+                        <a:t> 마다의 특징을 설명해주는 페이지</a:t>
+                      </a:r>
+                      <a:endParaRPr sz="1500" u="none" strike="noStrike" cap="none" dirty="0">
+                        <a:solidFill>
+                          <a:schemeClr val="dk1"/>
+                        </a:solidFill>
+                      </a:endParaRPr>
+                    </a:p>
+                  </a:txBody>
+                  <a:tcPr marL="74304" marR="74304" marT="45725" marB="45725">
+                    <a:lnL w="12700" cap="flat" cmpd="sng">
+                      <a:solidFill>
+                        <a:schemeClr val="dk1"/>
+                      </a:solidFill>
+                      <a:prstDash val="solid"/>
+                      <a:round/>
+                      <a:headEnd type="none" w="sm" len="sm"/>
+                      <a:tailEnd type="none" w="sm" len="sm"/>
+                    </a:lnL>
+                    <a:lnR w="12700" cap="flat" cmpd="sng">
+                      <a:solidFill>
+                        <a:schemeClr val="dk1"/>
+                      </a:solidFill>
+                      <a:prstDash val="solid"/>
+                      <a:round/>
+                      <a:headEnd type="none" w="sm" len="sm"/>
+                      <a:tailEnd type="none" w="sm" len="sm"/>
+                    </a:lnR>
+                    <a:lnT w="12700" cap="flat" cmpd="sng">
+                      <a:solidFill>
+                        <a:schemeClr val="dk1"/>
+                      </a:solidFill>
+                      <a:prstDash val="solid"/>
+                      <a:round/>
+                      <a:headEnd type="none" w="sm" len="sm"/>
+                      <a:tailEnd type="none" w="sm" len="sm"/>
+                    </a:lnT>
+                    <a:lnB w="12700" cap="flat" cmpd="sng">
+                      <a:solidFill>
+                        <a:schemeClr val="dk1"/>
+                      </a:solidFill>
+                      <a:prstDash val="solid"/>
+                      <a:round/>
+                      <a:headEnd type="none" w="sm" len="sm"/>
+                      <a:tailEnd type="none" w="sm" len="sm"/>
+                    </a:lnB>
+                    <a:solidFill>
+                      <a:schemeClr val="lt1"/>
+                    </a:solidFill>
+                  </a:tcPr>
+                </a:tc>
+                <a:extLst>
+                  <a:ext uri="{0D108BD9-81ED-4DB2-BD59-A6C34878D82A}">
+                    <a16:rowId xmlns:a16="http://schemas.microsoft.com/office/drawing/2014/main" xmlns="" val="10002"/>
+                  </a:ext>
+                </a:extLst>
+              </a:tr>
+              <a:tr h="781250">
+                <a:tc>
+                  <a:txBody>
+                    <a:bodyPr/>
+                    <a:lstStyle/>
+                    <a:p>
+                      <a:pPr marL="0" marR="0" lvl="0" indent="0" algn="ctr" rtl="0">
+                        <a:lnSpc>
+                          <a:spcPct val="100000"/>
+                        </a:lnSpc>
+                        <a:spcBef>
+                          <a:spcPts val="0"/>
+                        </a:spcBef>
+                        <a:spcAft>
+                          <a:spcPts val="0"/>
+                        </a:spcAft>
+                        <a:buClr>
+                          <a:srgbClr val="000000"/>
+                        </a:buClr>
+                        <a:buSzPts val="1500"/>
+                        <a:buFont typeface="Arial"/>
+                        <a:buNone/>
+                      </a:pPr>
+                      <a:r>
+                        <a:rPr lang="en-US" sz="1500" u="none" strike="noStrike" cap="none" dirty="0" smtClean="0">
+                          <a:solidFill>
+                            <a:schemeClr val="dk1"/>
+                          </a:solidFill>
+                        </a:rPr>
+                        <a:t>3</a:t>
+                      </a:r>
+                      <a:endParaRPr sz="1500" u="none" strike="noStrike" cap="none" dirty="0">
+                        <a:solidFill>
+                          <a:schemeClr val="dk1"/>
+                        </a:solidFill>
+                      </a:endParaRPr>
+                    </a:p>
+                  </a:txBody>
+                  <a:tcPr marL="74304" marR="74304" marT="45725" marB="45725" anchor="ctr">
+                    <a:lnL w="12700" cap="flat" cmpd="sng">
+                      <a:solidFill>
+                        <a:schemeClr val="dk1"/>
+                      </a:solidFill>
+                      <a:prstDash val="solid"/>
+                      <a:round/>
+                      <a:headEnd type="none" w="sm" len="sm"/>
+                      <a:tailEnd type="none" w="sm" len="sm"/>
+                    </a:lnL>
+                    <a:lnR w="12700" cap="flat" cmpd="sng">
+                      <a:solidFill>
+                        <a:schemeClr val="dk1"/>
+                      </a:solidFill>
+                      <a:prstDash val="solid"/>
+                      <a:round/>
+                      <a:headEnd type="none" w="sm" len="sm"/>
+                      <a:tailEnd type="none" w="sm" len="sm"/>
+                    </a:lnR>
+                    <a:lnT w="12700" cap="flat" cmpd="sng">
+                      <a:solidFill>
+                        <a:schemeClr val="dk1"/>
+                      </a:solidFill>
+                      <a:prstDash val="solid"/>
+                      <a:round/>
+                      <a:headEnd type="none" w="sm" len="sm"/>
+                      <a:tailEnd type="none" w="sm" len="sm"/>
+                    </a:lnT>
+                    <a:lnB w="12700" cap="flat" cmpd="sng">
+                      <a:solidFill>
+                        <a:schemeClr val="dk1"/>
+                      </a:solidFill>
+                      <a:prstDash val="solid"/>
+                      <a:round/>
+                      <a:headEnd type="none" w="sm" len="sm"/>
+                      <a:tailEnd type="none" w="sm" len="sm"/>
+                    </a:lnB>
+                    <a:solidFill>
+                      <a:schemeClr val="lt1"/>
+                    </a:solidFill>
+                  </a:tcPr>
+                </a:tc>
+                <a:tc>
+                  <a:txBody>
+                    <a:bodyPr/>
+                    <a:lstStyle/>
+                    <a:p>
+                      <a:pPr marL="0" marR="0" lvl="0" indent="0" algn="l" rtl="0">
+                        <a:lnSpc>
+                          <a:spcPct val="100000"/>
+                        </a:lnSpc>
+                        <a:spcBef>
+                          <a:spcPts val="0"/>
+                        </a:spcBef>
+                        <a:spcAft>
+                          <a:spcPts val="0"/>
+                        </a:spcAft>
+                        <a:buClr>
+                          <a:srgbClr val="000000"/>
+                        </a:buClr>
+                        <a:buSzPts val="1500"/>
+                        <a:buFont typeface="Arial"/>
+                        <a:buNone/>
+                      </a:pPr>
+                      <a:r>
+                        <a:rPr lang="ko-KR" altLang="en-US" sz="1500" u="none" strike="noStrike" cap="none" dirty="0" smtClean="0">
+                          <a:solidFill>
+                            <a:schemeClr val="dk1"/>
+                          </a:solidFill>
+                        </a:rPr>
+                        <a:t>추천 세미나</a:t>
+                      </a:r>
+                      <a:endParaRPr lang="en-US" altLang="ko-KR" sz="1500" u="none" strike="noStrike" cap="none" dirty="0" smtClean="0">
+                        <a:solidFill>
+                          <a:schemeClr val="dk1"/>
+                        </a:solidFill>
+                      </a:endParaRPr>
+                    </a:p>
+                    <a:p>
+                      <a:pPr marL="285750" marR="0" lvl="0" indent="-285750" algn="l" rtl="0">
+                        <a:lnSpc>
+                          <a:spcPct val="100000"/>
+                        </a:lnSpc>
+                        <a:spcBef>
+                          <a:spcPts val="0"/>
+                        </a:spcBef>
+                        <a:spcAft>
+                          <a:spcPts val="0"/>
+                        </a:spcAft>
+                        <a:buClr>
+                          <a:srgbClr val="000000"/>
+                        </a:buClr>
+                        <a:buSzPts val="1500"/>
+                        <a:buFontTx/>
+                        <a:buChar char="-"/>
+                      </a:pPr>
+                      <a:r>
+                        <a:rPr lang="ko-KR" altLang="en-US" sz="1500" u="none" strike="noStrike" cap="none" baseline="0" dirty="0" smtClean="0">
+                          <a:solidFill>
+                            <a:schemeClr val="dk1"/>
+                          </a:solidFill>
+                        </a:rPr>
+                        <a:t>등록 수가 가장 많은 순서대로</a:t>
+                      </a:r>
+                      <a:endParaRPr lang="en-US" altLang="ko-KR" sz="1500" u="none" strike="noStrike" cap="none" baseline="0" dirty="0" smtClean="0">
+                        <a:solidFill>
+                          <a:schemeClr val="dk1"/>
+                        </a:solidFill>
+                      </a:endParaRPr>
+                    </a:p>
+                    <a:p>
+                      <a:pPr marL="0" marR="0" lvl="0" indent="0" algn="l" rtl="0">
+                        <a:lnSpc>
+                          <a:spcPct val="100000"/>
+                        </a:lnSpc>
+                        <a:spcBef>
+                          <a:spcPts val="0"/>
+                        </a:spcBef>
+                        <a:spcAft>
+                          <a:spcPts val="0"/>
+                        </a:spcAft>
+                        <a:buClr>
+                          <a:srgbClr val="000000"/>
+                        </a:buClr>
+                        <a:buSzPts val="1500"/>
+                        <a:buFontTx/>
+                        <a:buNone/>
+                      </a:pPr>
+                      <a:r>
+                        <a:rPr lang="en-US" sz="1500" u="none" strike="noStrike" cap="none" baseline="0" dirty="0" smtClean="0">
+                          <a:solidFill>
+                            <a:schemeClr val="dk1"/>
+                          </a:solidFill>
+                        </a:rPr>
+                        <a:t> </a:t>
+                      </a:r>
+                      <a:r>
+                        <a:rPr lang="ko-KR" altLang="en-US" sz="1500" u="none" strike="noStrike" cap="none" baseline="0" dirty="0" smtClean="0">
+                          <a:solidFill>
+                            <a:schemeClr val="dk1"/>
+                          </a:solidFill>
+                        </a:rPr>
+                        <a:t>해당 세미나가 노출이 됨</a:t>
+                      </a:r>
+                      <a:endParaRPr sz="1500" u="none" strike="noStrike" cap="none" dirty="0">
+                        <a:solidFill>
+                          <a:schemeClr val="dk1"/>
+                        </a:solidFill>
+                      </a:endParaRPr>
+                    </a:p>
+                  </a:txBody>
+                  <a:tcPr marL="74304" marR="74304" marT="45725" marB="45725">
+                    <a:lnL w="12700" cap="flat" cmpd="sng">
+                      <a:solidFill>
+                        <a:schemeClr val="dk1"/>
+                      </a:solidFill>
+                      <a:prstDash val="solid"/>
+                      <a:round/>
+                      <a:headEnd type="none" w="sm" len="sm"/>
+                      <a:tailEnd type="none" w="sm" len="sm"/>
+                    </a:lnL>
+                    <a:lnR w="12700" cap="flat" cmpd="sng">
+                      <a:solidFill>
+                        <a:schemeClr val="dk1"/>
+                      </a:solidFill>
+                      <a:prstDash val="solid"/>
+                      <a:round/>
+                      <a:headEnd type="none" w="sm" len="sm"/>
+                      <a:tailEnd type="none" w="sm" len="sm"/>
+                    </a:lnR>
+                    <a:lnT w="12700" cap="flat" cmpd="sng">
+                      <a:solidFill>
+                        <a:schemeClr val="dk1"/>
+                      </a:solidFill>
+                      <a:prstDash val="solid"/>
+                      <a:round/>
+                      <a:headEnd type="none" w="sm" len="sm"/>
+                      <a:tailEnd type="none" w="sm" len="sm"/>
+                    </a:lnT>
+                    <a:lnB w="12700" cap="flat" cmpd="sng">
+                      <a:solidFill>
+                        <a:schemeClr val="dk1"/>
+                      </a:solidFill>
+                      <a:prstDash val="solid"/>
+                      <a:round/>
+                      <a:headEnd type="none" w="sm" len="sm"/>
+                      <a:tailEnd type="none" w="sm" len="sm"/>
+                    </a:lnB>
+                    <a:solidFill>
+                      <a:schemeClr val="lt1"/>
+                    </a:solidFill>
+                  </a:tcPr>
+                </a:tc>
+                <a:extLst>
+                  <a:ext uri="{0D108BD9-81ED-4DB2-BD59-A6C34878D82A}">
+                    <a16:rowId xmlns:a16="http://schemas.microsoft.com/office/drawing/2014/main" xmlns="" val="10003"/>
+                  </a:ext>
+                </a:extLst>
+              </a:tr>
+              <a:tr h="551475">
+                <a:tc>
+                  <a:txBody>
+                    <a:bodyPr/>
+                    <a:lstStyle/>
+                    <a:p>
+                      <a:pPr marL="0" marR="0" lvl="0" indent="0" algn="ctr" rtl="0">
+                        <a:lnSpc>
+                          <a:spcPct val="100000"/>
+                        </a:lnSpc>
+                        <a:spcBef>
+                          <a:spcPts val="0"/>
+                        </a:spcBef>
+                        <a:spcAft>
+                          <a:spcPts val="0"/>
+                        </a:spcAft>
+                        <a:buClr>
+                          <a:srgbClr val="000000"/>
+                        </a:buClr>
+                        <a:buSzPts val="1500"/>
+                        <a:buFont typeface="Arial"/>
+                        <a:buNone/>
+                      </a:pPr>
+                      <a:r>
+                        <a:rPr lang="en-US" sz="1500" u="none" strike="noStrike" cap="none" dirty="0" smtClean="0">
+                          <a:solidFill>
+                            <a:schemeClr val="dk1"/>
+                          </a:solidFill>
+                        </a:rPr>
+                        <a:t>4</a:t>
+                      </a:r>
+                      <a:endParaRPr sz="1500" u="none" strike="noStrike" cap="none" dirty="0">
+                        <a:solidFill>
+                          <a:schemeClr val="dk1"/>
+                        </a:solidFill>
+                      </a:endParaRPr>
+                    </a:p>
+                  </a:txBody>
+                  <a:tcPr marL="74304" marR="74304" marT="45725" marB="45725" anchor="ctr">
+                    <a:lnL w="12700" cap="flat" cmpd="sng">
+                      <a:solidFill>
+                        <a:schemeClr val="dk1"/>
+                      </a:solidFill>
+                      <a:prstDash val="solid"/>
+                      <a:round/>
+                      <a:headEnd type="none" w="sm" len="sm"/>
+                      <a:tailEnd type="none" w="sm" len="sm"/>
+                    </a:lnL>
+                    <a:lnR w="12700" cap="flat" cmpd="sng">
+                      <a:solidFill>
+                        <a:schemeClr val="dk1"/>
+                      </a:solidFill>
+                      <a:prstDash val="solid"/>
+                      <a:round/>
+                      <a:headEnd type="none" w="sm" len="sm"/>
+                      <a:tailEnd type="none" w="sm" len="sm"/>
+                    </a:lnR>
+                    <a:lnT w="12700" cap="flat" cmpd="sng">
+                      <a:solidFill>
+                        <a:schemeClr val="dk1"/>
+                      </a:solidFill>
+                      <a:prstDash val="solid"/>
+                      <a:round/>
+                      <a:headEnd type="none" w="sm" len="sm"/>
+                      <a:tailEnd type="none" w="sm" len="sm"/>
+                    </a:lnT>
+                    <a:lnB w="12700" cap="flat" cmpd="sng">
+                      <a:solidFill>
+                        <a:schemeClr val="dk1"/>
+                      </a:solidFill>
+                      <a:prstDash val="solid"/>
+                      <a:round/>
+                      <a:headEnd type="none" w="sm" len="sm"/>
+                      <a:tailEnd type="none" w="sm" len="sm"/>
+                    </a:lnB>
+                    <a:solidFill>
+                      <a:schemeClr val="lt1"/>
+                    </a:solidFill>
+                  </a:tcPr>
+                </a:tc>
+                <a:tc>
+                  <a:txBody>
+                    <a:bodyPr/>
+                    <a:lstStyle/>
+                    <a:p>
+                      <a:pPr marL="0" marR="0" lvl="0" indent="0" algn="l" rtl="0">
+                        <a:lnSpc>
+                          <a:spcPct val="100000"/>
+                        </a:lnSpc>
+                        <a:spcBef>
+                          <a:spcPts val="0"/>
+                        </a:spcBef>
+                        <a:spcAft>
+                          <a:spcPts val="0"/>
+                        </a:spcAft>
+                        <a:buClr>
+                          <a:srgbClr val="000000"/>
+                        </a:buClr>
+                        <a:buSzPts val="1500"/>
+                        <a:buFont typeface="Arial"/>
+                        <a:buNone/>
+                      </a:pPr>
+                      <a:r>
+                        <a:rPr lang="ko-KR" altLang="en-US" sz="1500" u="none" strike="noStrike" cap="none" dirty="0" smtClean="0">
+                          <a:solidFill>
+                            <a:schemeClr val="dk1"/>
+                          </a:solidFill>
+                        </a:rPr>
+                        <a:t>메인 </a:t>
+                      </a:r>
+                      <a:r>
+                        <a:rPr lang="en-US" altLang="ko-KR" sz="1500" u="none" strike="noStrike" cap="none" dirty="0" smtClean="0">
+                          <a:solidFill>
+                            <a:schemeClr val="dk1"/>
+                          </a:solidFill>
+                        </a:rPr>
+                        <a:t>Footer </a:t>
+                      </a:r>
+                      <a:r>
+                        <a:rPr lang="ko-KR" altLang="en-US" sz="1500" u="none" strike="noStrike" cap="none" dirty="0" smtClean="0">
+                          <a:solidFill>
+                            <a:schemeClr val="dk1"/>
+                          </a:solidFill>
+                        </a:rPr>
+                        <a:t>페이지</a:t>
+                      </a:r>
+                      <a:endParaRPr lang="en-US" altLang="ko-KR" sz="1500" u="none" strike="noStrike" cap="none" dirty="0" smtClean="0">
+                        <a:solidFill>
+                          <a:schemeClr val="dk1"/>
+                        </a:solidFill>
+                      </a:endParaRPr>
+                    </a:p>
+                    <a:p>
+                      <a:pPr marL="0" marR="0" lvl="0" indent="0" algn="l" rtl="0">
+                        <a:lnSpc>
+                          <a:spcPct val="100000"/>
+                        </a:lnSpc>
+                        <a:spcBef>
+                          <a:spcPts val="0"/>
+                        </a:spcBef>
+                        <a:spcAft>
+                          <a:spcPts val="0"/>
+                        </a:spcAft>
+                        <a:buClr>
+                          <a:srgbClr val="000000"/>
+                        </a:buClr>
+                        <a:buSzPts val="1500"/>
+                        <a:buFont typeface="Arial"/>
+                        <a:buNone/>
+                      </a:pPr>
+                      <a:r>
+                        <a:rPr lang="en-US" sz="1500" u="none" strike="noStrike" cap="none" dirty="0" smtClean="0">
+                          <a:solidFill>
+                            <a:schemeClr val="dk1"/>
+                          </a:solidFill>
+                        </a:rPr>
+                        <a:t>- </a:t>
+                      </a:r>
+                      <a:r>
+                        <a:rPr lang="ko-KR" altLang="en-US" sz="1500" u="none" strike="noStrike" cap="none" dirty="0" smtClean="0">
+                          <a:solidFill>
+                            <a:schemeClr val="dk1"/>
+                          </a:solidFill>
+                        </a:rPr>
+                        <a:t>회사 정보를 나타냄</a:t>
+                      </a:r>
+                      <a:endParaRPr sz="1500" u="none" strike="noStrike" cap="none" dirty="0">
+                        <a:solidFill>
+                          <a:schemeClr val="dk1"/>
+                        </a:solidFill>
+                      </a:endParaRPr>
+                    </a:p>
+                  </a:txBody>
+                  <a:tcPr marL="74304" marR="74304" marT="45725" marB="45725">
+                    <a:lnL w="12700" cap="flat" cmpd="sng">
+                      <a:solidFill>
+                        <a:schemeClr val="dk1"/>
+                      </a:solidFill>
+                      <a:prstDash val="solid"/>
+                      <a:round/>
+                      <a:headEnd type="none" w="sm" len="sm"/>
+                      <a:tailEnd type="none" w="sm" len="sm"/>
+                    </a:lnL>
+                    <a:lnR w="12700" cap="flat" cmpd="sng">
+                      <a:solidFill>
+                        <a:schemeClr val="dk1"/>
+                      </a:solidFill>
+                      <a:prstDash val="solid"/>
+                      <a:round/>
+                      <a:headEnd type="none" w="sm" len="sm"/>
+                      <a:tailEnd type="none" w="sm" len="sm"/>
+                    </a:lnR>
+                    <a:lnT w="12700" cap="flat" cmpd="sng">
+                      <a:solidFill>
+                        <a:schemeClr val="dk1"/>
+                      </a:solidFill>
+                      <a:prstDash val="solid"/>
+                      <a:round/>
+                      <a:headEnd type="none" w="sm" len="sm"/>
+                      <a:tailEnd type="none" w="sm" len="sm"/>
+                    </a:lnT>
+                    <a:lnB w="12700" cap="flat" cmpd="sng">
+                      <a:solidFill>
+                        <a:schemeClr val="dk1"/>
+                      </a:solidFill>
+                      <a:prstDash val="solid"/>
+                      <a:round/>
+                      <a:headEnd type="none" w="sm" len="sm"/>
+                      <a:tailEnd type="none" w="sm" len="sm"/>
+                    </a:lnB>
+                    <a:solidFill>
+                      <a:schemeClr val="lt1"/>
+                    </a:solidFill>
+                  </a:tcPr>
+                </a:tc>
+                <a:extLst>
+                  <a:ext uri="{0D108BD9-81ED-4DB2-BD59-A6C34878D82A}">
+                    <a16:rowId xmlns:a16="http://schemas.microsoft.com/office/drawing/2014/main" xmlns="" val="10004"/>
+                  </a:ext>
+                </a:extLst>
+              </a:tr>
+              <a:tr h="644050">
+                <a:tc>
+                  <a:txBody>
+                    <a:bodyPr/>
+                    <a:lstStyle/>
+                    <a:p>
+                      <a:pPr marL="0" marR="0" lvl="0" indent="0" algn="ctr" rtl="0">
+                        <a:lnSpc>
+                          <a:spcPct val="100000"/>
+                        </a:lnSpc>
+                        <a:spcBef>
+                          <a:spcPts val="0"/>
+                        </a:spcBef>
+                        <a:spcAft>
+                          <a:spcPts val="0"/>
+                        </a:spcAft>
+                        <a:buClr>
+                          <a:srgbClr val="000000"/>
+                        </a:buClr>
+                        <a:buSzPts val="1500"/>
+                        <a:buFont typeface="Arial"/>
+                        <a:buNone/>
+                      </a:pPr>
+                      <a:r>
+                        <a:rPr lang="en-US" sz="1500" u="none" strike="noStrike" cap="none" dirty="0" smtClean="0">
+                          <a:solidFill>
+                            <a:schemeClr val="dk1"/>
+                          </a:solidFill>
+                        </a:rPr>
+                        <a:t>5</a:t>
+                      </a:r>
+                      <a:endParaRPr sz="1500" u="none" strike="noStrike" cap="none" dirty="0">
+                        <a:solidFill>
+                          <a:schemeClr val="dk1"/>
+                        </a:solidFill>
+                      </a:endParaRPr>
+                    </a:p>
+                  </a:txBody>
+                  <a:tcPr marL="74304" marR="74304" marT="45725" marB="45725" anchor="ctr">
+                    <a:lnL w="12700" cap="flat" cmpd="sng">
+                      <a:solidFill>
+                        <a:schemeClr val="dk1"/>
+                      </a:solidFill>
+                      <a:prstDash val="solid"/>
+                      <a:round/>
+                      <a:headEnd type="none" w="sm" len="sm"/>
+                      <a:tailEnd type="none" w="sm" len="sm"/>
+                    </a:lnL>
+                    <a:lnR w="12700" cap="flat" cmpd="sng">
+                      <a:solidFill>
+                        <a:schemeClr val="dk1"/>
+                      </a:solidFill>
+                      <a:prstDash val="solid"/>
+                      <a:round/>
+                      <a:headEnd type="none" w="sm" len="sm"/>
+                      <a:tailEnd type="none" w="sm" len="sm"/>
+                    </a:lnR>
+                    <a:lnT w="12700" cap="flat" cmpd="sng">
+                      <a:solidFill>
+                        <a:schemeClr val="dk1"/>
+                      </a:solidFill>
+                      <a:prstDash val="solid"/>
+                      <a:round/>
+                      <a:headEnd type="none" w="sm" len="sm"/>
+                      <a:tailEnd type="none" w="sm" len="sm"/>
+                    </a:lnT>
+                    <a:lnB w="12700" cap="flat" cmpd="sng">
+                      <a:solidFill>
+                        <a:schemeClr val="dk1"/>
+                      </a:solidFill>
+                      <a:prstDash val="solid"/>
+                      <a:round/>
+                      <a:headEnd type="none" w="sm" len="sm"/>
+                      <a:tailEnd type="none" w="sm" len="sm"/>
+                    </a:lnB>
+                    <a:solidFill>
+                      <a:schemeClr val="lt1"/>
+                    </a:solidFill>
+                  </a:tcPr>
+                </a:tc>
+                <a:tc>
+                  <a:txBody>
+                    <a:bodyPr/>
+                    <a:lstStyle/>
+                    <a:p>
+                      <a:pPr marL="0" marR="0" lvl="0" indent="0" algn="l" rtl="0">
+                        <a:lnSpc>
+                          <a:spcPct val="100000"/>
+                        </a:lnSpc>
+                        <a:spcBef>
+                          <a:spcPts val="0"/>
+                        </a:spcBef>
+                        <a:spcAft>
+                          <a:spcPts val="0"/>
+                        </a:spcAft>
+                        <a:buNone/>
+                      </a:pPr>
+                      <a:r>
+                        <a:rPr lang="ko-KR" altLang="en-US" sz="1500" u="none" strike="noStrike" cap="none" dirty="0" err="1" smtClean="0">
+                          <a:solidFill>
+                            <a:schemeClr val="dk1"/>
+                          </a:solidFill>
+                        </a:rPr>
+                        <a:t>캐러셀</a:t>
+                      </a:r>
+                      <a:r>
+                        <a:rPr lang="ko-KR" altLang="en-US" sz="1500" u="none" strike="noStrike" cap="none" dirty="0" smtClean="0">
+                          <a:solidFill>
+                            <a:schemeClr val="dk1"/>
+                          </a:solidFill>
+                        </a:rPr>
+                        <a:t> 배너</a:t>
+                      </a:r>
+                      <a:endParaRPr lang="en-US" altLang="ko-KR" sz="1500" u="none" strike="noStrike" cap="none" dirty="0" smtClean="0">
+                        <a:solidFill>
+                          <a:schemeClr val="dk1"/>
+                        </a:solidFill>
+                      </a:endParaRPr>
+                    </a:p>
+                    <a:p>
+                      <a:pPr marL="0" marR="0" lvl="0" indent="0" algn="l" rtl="0">
+                        <a:lnSpc>
+                          <a:spcPct val="100000"/>
+                        </a:lnSpc>
+                        <a:spcBef>
+                          <a:spcPts val="0"/>
+                        </a:spcBef>
+                        <a:spcAft>
+                          <a:spcPts val="0"/>
+                        </a:spcAft>
+                        <a:buNone/>
+                      </a:pPr>
+                      <a:r>
+                        <a:rPr lang="en-US" sz="1500" u="none" strike="noStrike" cap="none" dirty="0" smtClean="0">
+                          <a:solidFill>
+                            <a:schemeClr val="dk1"/>
+                          </a:solidFill>
+                        </a:rPr>
+                        <a:t>-</a:t>
+                      </a:r>
+                      <a:r>
+                        <a:rPr lang="en-US" sz="1500" u="none" strike="noStrike" cap="none" baseline="0" dirty="0" smtClean="0">
+                          <a:solidFill>
+                            <a:schemeClr val="dk1"/>
+                          </a:solidFill>
+                        </a:rPr>
+                        <a:t> </a:t>
+                      </a:r>
+                      <a:r>
+                        <a:rPr lang="ko-KR" altLang="en-US" sz="1500" u="none" strike="noStrike" cap="none" baseline="0" dirty="0" smtClean="0">
+                          <a:solidFill>
+                            <a:schemeClr val="dk1"/>
+                          </a:solidFill>
+                        </a:rPr>
+                        <a:t>인기 많은 세미나 홍보 이미지를 </a:t>
+                      </a:r>
+                      <a:r>
+                        <a:rPr lang="ko-KR" altLang="en-US" sz="1500" u="none" strike="noStrike" cap="none" baseline="0" dirty="0" err="1" smtClean="0">
+                          <a:solidFill>
+                            <a:schemeClr val="dk1"/>
+                          </a:solidFill>
+                        </a:rPr>
+                        <a:t>캐러셀</a:t>
+                      </a:r>
+                      <a:r>
+                        <a:rPr lang="ko-KR" altLang="en-US" sz="1500" u="none" strike="noStrike" cap="none" baseline="0" dirty="0" smtClean="0">
+                          <a:solidFill>
+                            <a:schemeClr val="dk1"/>
+                          </a:solidFill>
+                        </a:rPr>
+                        <a:t> 배너로 노출 시킴</a:t>
+                      </a:r>
+                      <a:endParaRPr sz="1500" u="none" strike="noStrike" cap="none" dirty="0">
+                        <a:solidFill>
+                          <a:schemeClr val="dk1"/>
+                        </a:solidFill>
+                      </a:endParaRPr>
+                    </a:p>
+                  </a:txBody>
+                  <a:tcPr marL="74304" marR="74304" marT="45725" marB="45725">
+                    <a:lnL w="12700" cap="flat" cmpd="sng">
+                      <a:solidFill>
+                        <a:schemeClr val="dk1"/>
+                      </a:solidFill>
+                      <a:prstDash val="solid"/>
+                      <a:round/>
+                      <a:headEnd type="none" w="sm" len="sm"/>
+                      <a:tailEnd type="none" w="sm" len="sm"/>
+                    </a:lnL>
+                    <a:lnR w="12700" cap="flat" cmpd="sng">
+                      <a:solidFill>
+                        <a:schemeClr val="dk1"/>
+                      </a:solidFill>
+                      <a:prstDash val="solid"/>
+                      <a:round/>
+                      <a:headEnd type="none" w="sm" len="sm"/>
+                      <a:tailEnd type="none" w="sm" len="sm"/>
+                    </a:lnR>
+                    <a:lnT w="12700" cap="flat" cmpd="sng">
+                      <a:solidFill>
+                        <a:schemeClr val="dk1"/>
+                      </a:solidFill>
+                      <a:prstDash val="solid"/>
+                      <a:round/>
+                      <a:headEnd type="none" w="sm" len="sm"/>
+                      <a:tailEnd type="none" w="sm" len="sm"/>
+                    </a:lnT>
+                    <a:lnB w="12700" cap="flat" cmpd="sng">
+                      <a:solidFill>
+                        <a:schemeClr val="dk1"/>
+                      </a:solidFill>
+                      <a:prstDash val="solid"/>
+                      <a:round/>
+                      <a:headEnd type="none" w="sm" len="sm"/>
+                      <a:tailEnd type="none" w="sm" len="sm"/>
+                    </a:lnB>
+                    <a:solidFill>
+                      <a:schemeClr val="lt1"/>
+                    </a:solidFill>
+                  </a:tcPr>
+                </a:tc>
+                <a:extLst>
+                  <a:ext uri="{0D108BD9-81ED-4DB2-BD59-A6C34878D82A}">
+                    <a16:rowId xmlns:a16="http://schemas.microsoft.com/office/drawing/2014/main" xmlns="" val="10005"/>
+                  </a:ext>
+                </a:extLst>
+              </a:tr>
+            </a:tbl>
+          </a:graphicData>
+        </a:graphic>
+      </p:graphicFrame>
+      <p:sp>
+        <p:nvSpPr>
+          <p:cNvPr id="8" name="직사각형 7"/>
+          <p:cNvSpPr/>
+          <p:nvPr/>
+        </p:nvSpPr>
+        <p:spPr>
+          <a:xfrm>
+            <a:off x="766123" y="1630346"/>
+            <a:ext cx="6251490" cy="2216724"/>
+          </a:xfrm>
+          <a:prstGeom prst="rect">
+            <a:avLst/>
+          </a:prstGeom>
+          <a:noFill/>
+          <a:ln w="25400">
+            <a:solidFill>
+              <a:srgbClr val="FF0000"/>
+            </a:solidFill>
+          </a:ln>
+        </p:spPr>
+        <p:style>
+          <a:lnRef idx="2">
+            <a:schemeClr val="accent1">
+              <a:shade val="50000"/>
+            </a:schemeClr>
+          </a:lnRef>
+          <a:fillRef idx="1">
+            <a:schemeClr val="accent1"/>
+          </a:fillRef>
+          <a:effectRef idx="0">
+            <a:schemeClr val="accent1"/>
+          </a:effectRef>
+          <a:fontRef idx="minor">
+            <a:schemeClr val="lt1"/>
+          </a:fontRef>
+        </p:style>
+        <p:txBody>
+          <a:bodyPr rtlCol="0" anchor="ctr"/>
+          <a:lstStyle/>
+          <a:p>
+            <a:pPr algn="ctr"/>
+            <a:endParaRPr lang="ko-KR" altLang="en-US"/>
+          </a:p>
+        </p:txBody>
+      </p:sp>
+      <p:pic>
+        <p:nvPicPr>
+          <p:cNvPr id="9" name="그림 8"/>
+          <p:cNvPicPr>
+            <a:picLocks noChangeAspect="1"/>
+          </p:cNvPicPr>
+          <p:nvPr/>
+        </p:nvPicPr>
+        <p:blipFill>
+          <a:blip r:embed="rId2"/>
+          <a:stretch>
+            <a:fillRect/>
+          </a:stretch>
+        </p:blipFill>
+        <p:spPr>
+          <a:xfrm>
+            <a:off x="834186" y="1752237"/>
+            <a:ext cx="6115365" cy="1967739"/>
+          </a:xfrm>
+          <a:prstGeom prst="rect">
+            <a:avLst/>
+          </a:prstGeom>
+        </p:spPr>
+      </p:pic>
+      <p:sp>
+        <p:nvSpPr>
+          <p:cNvPr id="10" name="Google Shape;173;g7c553259d1_0_81"/>
+          <p:cNvSpPr/>
+          <p:nvPr/>
+        </p:nvSpPr>
+        <p:spPr>
+          <a:xfrm>
+            <a:off x="889095" y="1625137"/>
+            <a:ext cx="245944" cy="324600"/>
+          </a:xfrm>
+          <a:prstGeom prst="rect">
+            <a:avLst/>
+          </a:prstGeom>
+          <a:solidFill>
+            <a:srgbClr val="FF0000"/>
+          </a:solidFill>
+          <a:ln>
+            <a:noFill/>
+          </a:ln>
+        </p:spPr>
+        <p:txBody>
+          <a:bodyPr spcFirstLastPara="1" wrap="square" lIns="91425" tIns="45700" rIns="91425" bIns="45700" anchor="ctr" anchorCtr="0">
+            <a:noAutofit/>
+          </a:bodyPr>
+          <a:lstStyle/>
+          <a:p>
+            <a:pPr algn="ctr">
+              <a:buClr>
+                <a:srgbClr val="000000"/>
+              </a:buClr>
+              <a:buSzPts val="1800"/>
+            </a:pPr>
+            <a:r>
+              <a:rPr lang="en-US" altLang="ko-KR" b="1" dirty="0">
+                <a:solidFill>
+                  <a:schemeClr val="dk1"/>
+                </a:solidFill>
+                <a:latin typeface="Malgun Gothic"/>
+                <a:ea typeface="Malgun Gothic"/>
+                <a:cs typeface="Malgun Gothic"/>
+                <a:sym typeface="Malgun Gothic"/>
+              </a:rPr>
+              <a:t>1</a:t>
+            </a:r>
+            <a:endParaRPr b="1" dirty="0">
+              <a:solidFill>
+                <a:schemeClr val="dk1"/>
+              </a:solidFill>
+              <a:latin typeface="Malgun Gothic"/>
+              <a:ea typeface="Malgun Gothic"/>
+              <a:cs typeface="Malgun Gothic"/>
+              <a:sym typeface="Malgun Gothic"/>
+            </a:endParaRPr>
+          </a:p>
+        </p:txBody>
+      </p:sp>
+      <p:graphicFrame>
+        <p:nvGraphicFramePr>
+          <p:cNvPr id="11" name="표 10"/>
+          <p:cNvGraphicFramePr>
+            <a:graphicFrameLocks noGrp="1"/>
+          </p:cNvGraphicFramePr>
+          <p:nvPr>
+            <p:extLst/>
+          </p:nvPr>
+        </p:nvGraphicFramePr>
+        <p:xfrm>
+          <a:off x="8650244" y="1305087"/>
+          <a:ext cx="2788860" cy="640100"/>
+        </p:xfrm>
+        <a:graphic>
+          <a:graphicData uri="http://schemas.openxmlformats.org/drawingml/2006/table">
+            <a:tbl>
+              <a:tblPr firstRow="1" bandRow="1">
+                <a:noFill/>
+              </a:tblPr>
+              <a:tblGrid>
+                <a:gridCol w="2788860"/>
+              </a:tblGrid>
+              <a:tr h="168164">
+                <a:tc>
+                  <a:txBody>
+                    <a:bodyPr/>
+                    <a:lstStyle/>
+                    <a:p>
+                      <a:pPr marL="0" marR="0" lvl="0" indent="0" algn="ctr" rtl="0">
+                        <a:lnSpc>
+                          <a:spcPct val="100000"/>
+                        </a:lnSpc>
+                        <a:spcBef>
+                          <a:spcPts val="0"/>
+                        </a:spcBef>
+                        <a:spcAft>
+                          <a:spcPts val="0"/>
+                        </a:spcAft>
+                        <a:buClr>
+                          <a:srgbClr val="000000"/>
+                        </a:buClr>
+                        <a:buSzPts val="1500"/>
+                        <a:buFont typeface="Arial"/>
+                        <a:buNone/>
+                      </a:pPr>
+                      <a:r>
+                        <a:rPr lang="ko-KR" altLang="en-US" sz="1500" b="0" u="none" strike="noStrike" cap="none" dirty="0" smtClean="0">
+                          <a:solidFill>
+                            <a:schemeClr val="dk1"/>
+                          </a:solidFill>
+                        </a:rPr>
+                        <a:t>화면코드</a:t>
+                      </a:r>
+                      <a:endParaRPr sz="1500" b="0" u="none" strike="noStrike" cap="none" dirty="0">
+                        <a:solidFill>
+                          <a:schemeClr val="dk1"/>
+                        </a:solidFill>
+                      </a:endParaRPr>
+                    </a:p>
+                  </a:txBody>
+                  <a:tcPr marL="74304" marR="74304" marT="45725" marB="45725" anchor="ctr">
+                    <a:lnL w="12700" cap="flat" cmpd="sng">
+                      <a:solidFill>
+                        <a:schemeClr val="dk1"/>
+                      </a:solidFill>
+                      <a:prstDash val="solid"/>
+                      <a:round/>
+                      <a:headEnd type="none" w="sm" len="sm"/>
+                      <a:tailEnd type="none" w="sm" len="sm"/>
+                    </a:lnL>
+                    <a:lnR w="12700" cap="flat" cmpd="sng">
+                      <a:solidFill>
+                        <a:schemeClr val="dk1"/>
+                      </a:solidFill>
+                      <a:prstDash val="solid"/>
+                      <a:round/>
+                      <a:headEnd type="none" w="sm" len="sm"/>
+                      <a:tailEnd type="none" w="sm" len="sm"/>
+                    </a:lnR>
+                    <a:lnT w="12700" cap="flat" cmpd="sng">
+                      <a:solidFill>
+                        <a:schemeClr val="dk1"/>
+                      </a:solidFill>
+                      <a:prstDash val="solid"/>
+                      <a:round/>
+                      <a:headEnd type="none" w="sm" len="sm"/>
+                      <a:tailEnd type="none" w="sm" len="sm"/>
+                    </a:lnT>
+                    <a:lnB w="12700" cap="flat" cmpd="sng" algn="ctr">
+                      <a:solidFill>
+                        <a:schemeClr val="dk1"/>
+                      </a:solidFill>
+                      <a:prstDash val="solid"/>
+                      <a:round/>
+                      <a:headEnd type="none" w="sm" len="sm"/>
+                      <a:tailEnd type="none" w="sm" len="sm"/>
+                    </a:lnB>
+                    <a:solidFill>
+                      <a:srgbClr val="D8D8D8"/>
+                    </a:solidFill>
+                  </a:tcPr>
+                </a:tc>
+              </a:tr>
+              <a:tr h="168164">
+                <a:tc>
+                  <a:txBody>
+                    <a:bodyPr/>
+                    <a:lstStyle/>
+                    <a:p>
+                      <a:pPr marL="0" marR="0" lvl="0" indent="0" algn="ctr" defTabSz="914400" rtl="0" eaLnBrk="1" fontAlgn="auto" latinLnBrk="1" hangingPunct="1">
+                        <a:lnSpc>
+                          <a:spcPct val="100000"/>
+                        </a:lnSpc>
+                        <a:spcBef>
+                          <a:spcPts val="0"/>
+                        </a:spcBef>
+                        <a:spcAft>
+                          <a:spcPts val="0"/>
+                        </a:spcAft>
+                        <a:buClr>
+                          <a:srgbClr val="000000"/>
+                        </a:buClr>
+                        <a:buSzPts val="1500"/>
+                        <a:buFont typeface="Arial"/>
+                        <a:buNone/>
+                        <a:tabLst/>
+                        <a:defRPr/>
+                      </a:pPr>
+                      <a:r>
+                        <a:rPr lang="en-US" altLang="ko-KR" sz="1500" b="0" u="none" strike="noStrike" cap="none" smtClean="0">
+                          <a:solidFill>
+                            <a:schemeClr val="dk1"/>
+                          </a:solidFill>
+                        </a:rPr>
+                        <a:t>kb_user_w_mainHeader</a:t>
+                      </a:r>
+                      <a:endParaRPr lang="en-US" altLang="ko-KR" sz="1500" b="0" u="none" strike="noStrike" cap="none" dirty="0" smtClean="0">
+                        <a:solidFill>
+                          <a:schemeClr val="dk1"/>
+                        </a:solidFill>
+                      </a:endParaRPr>
+                    </a:p>
+                  </a:txBody>
+                  <a:tcPr marL="74304" marR="74304" marT="45725" marB="45725" anchor="ctr">
+                    <a:lnL w="12700" cap="flat" cmpd="sng" algn="ctr">
+                      <a:solidFill>
+                        <a:schemeClr val="dk1"/>
+                      </a:solidFill>
+                      <a:prstDash val="solid"/>
+                      <a:round/>
+                      <a:headEnd type="none" w="sm" len="sm"/>
+                      <a:tailEnd type="none" w="sm" len="sm"/>
+                    </a:lnL>
+                    <a:lnR w="12700" cap="flat" cmpd="sng" algn="ctr">
+                      <a:solidFill>
+                        <a:schemeClr val="dk1"/>
+                      </a:solidFill>
+                      <a:prstDash val="solid"/>
+                      <a:round/>
+                      <a:headEnd type="none" w="sm" len="sm"/>
+                      <a:tailEnd type="none" w="sm" len="sm"/>
+                    </a:lnR>
+                    <a:lnT w="12700" cap="flat" cmpd="sng" algn="ctr">
+                      <a:solidFill>
+                        <a:schemeClr val="dk1"/>
+                      </a:solidFill>
+                      <a:prstDash val="solid"/>
+                      <a:round/>
+                      <a:headEnd type="none" w="sm" len="sm"/>
+                      <a:tailEnd type="none" w="sm" len="sm"/>
+                    </a:lnT>
+                    <a:lnB w="12700" cap="flat" cmpd="sng">
+                      <a:solidFill>
+                        <a:schemeClr val="dk1"/>
+                      </a:solidFill>
+                      <a:prstDash val="solid"/>
+                      <a:round/>
+                      <a:headEnd type="none" w="sm" len="sm"/>
+                      <a:tailEnd type="none" w="sm" len="sm"/>
+                    </a:lnB>
+                    <a:solidFill>
+                      <a:schemeClr val="bg1"/>
+                    </a:solidFill>
+                  </a:tcPr>
+                </a:tc>
+              </a:tr>
+            </a:tbl>
+          </a:graphicData>
+        </a:graphic>
+      </p:graphicFrame>
+    </p:spTree>
+    <p:extLst>
+      <p:ext uri="{BB962C8B-B14F-4D97-AF65-F5344CB8AC3E}">
+        <p14:creationId xmlns:p14="http://schemas.microsoft.com/office/powerpoint/2010/main" val="3843131421"/>
+      </p:ext>
+    </p:extLst>
+  </p:cSld>
+  <p:clrMapOvr>
+    <a:masterClrMapping/>
+  </p:clrMapOvr>
+  <p:timing>
+    <p:tnLst>
+      <p:par>
+        <p:cTn id="1" dur="indefinite" restart="never" nodeType="tmRoot"/>
+      </p:par>
+    </p:tnLst>
+  </p:timing>
+</p:sld>
+</file>
+
+<file path=ppt/slides/slide3.xml><?xml version="1.0" encoding="utf-8"?>
+<p:sld xmlns:a="http://schemas.openxmlformats.org/drawingml/2006/main" xmlns:r="http://schemas.openxmlformats.org/officeDocument/2006/relationships" xmlns:p="http://schemas.openxmlformats.org/presentationml/2006/main">
+  <p:cSld>
+    <p:spTree>
+      <p:nvGrpSpPr>
+        <p:cNvPr id="1" name=""/>
+        <p:cNvGrpSpPr/>
+        <p:nvPr/>
+      </p:nvGrpSpPr>
+      <p:grpSpPr>
+        <a:xfrm>
+          <a:off x="0" y="0"/>
+          <a:ext cx="0" cy="0"/>
+          <a:chOff x="0" y="0"/>
+          <a:chExt cx="0" cy="0"/>
+        </a:xfrm>
+      </p:grpSpPr>
+      <p:sp>
+        <p:nvSpPr>
+          <p:cNvPr id="2" name="제목 1"/>
+          <p:cNvSpPr>
+            <a:spLocks noGrp="1"/>
+          </p:cNvSpPr>
+          <p:nvPr>
+            <p:ph type="title"/>
+          </p:nvPr>
+        </p:nvSpPr>
+        <p:spPr/>
+        <p:txBody>
+          <a:bodyPr>
+            <a:normAutofit fontScale="90000"/>
+          </a:bodyPr>
+          <a:lstStyle/>
+          <a:p>
+            <a:r>
+              <a:rPr lang="en-US" altLang="ko-KR" sz="4000" b="0" smtClean="0"/>
+              <a:t>[</a:t>
+            </a:r>
+            <a:r>
+              <a:rPr lang="ko-KR" altLang="en-US" sz="4000" b="0" smtClean="0"/>
+              <a:t>화면구현</a:t>
+            </a:r>
+            <a:r>
+              <a:rPr lang="en-US" altLang="ko-KR" sz="4000" b="0" smtClean="0"/>
+              <a:t>] </a:t>
+            </a:r>
+            <a:r>
+              <a:rPr lang="ko-KR" altLang="en-US" sz="4000" b="0" smtClean="0"/>
+              <a:t>사용자 </a:t>
+            </a:r>
+            <a:r>
+              <a:rPr lang="en-US" altLang="ko-KR" sz="4000" b="0" smtClean="0"/>
+              <a:t>– </a:t>
+            </a:r>
+            <a:r>
+              <a:rPr lang="ko-KR" altLang="en-US" sz="4000" b="0" smtClean="0"/>
+              <a:t>웹 </a:t>
+            </a:r>
+            <a:r>
+              <a:rPr lang="en-US" altLang="ko-KR" sz="4000" b="0" smtClean="0"/>
+              <a:t>- </a:t>
+            </a:r>
+            <a:r>
+              <a:rPr lang="ko-KR" altLang="en-US" sz="4000" b="0" smtClean="0"/>
+              <a:t>메인페이지</a:t>
+            </a:r>
+            <a:r>
+              <a:rPr lang="ko-KR" altLang="en-US" sz="2400" b="0" smtClean="0"/>
+              <a:t> </a:t>
+            </a:r>
+            <a:r>
+              <a:rPr lang="en-US" altLang="ko-KR" sz="2400" b="0"/>
+              <a:t>- HEADER</a:t>
+            </a:r>
+            <a:endParaRPr lang="ko-KR" altLang="en-US"/>
+          </a:p>
+        </p:txBody>
+      </p:sp>
+      <p:graphicFrame>
+        <p:nvGraphicFramePr>
+          <p:cNvPr id="6" name="표 5"/>
+          <p:cNvGraphicFramePr>
+            <a:graphicFrameLocks noGrp="1"/>
+          </p:cNvGraphicFramePr>
+          <p:nvPr>
+            <p:extLst/>
+          </p:nvPr>
+        </p:nvGraphicFramePr>
+        <p:xfrm>
+          <a:off x="9292795" y="1447060"/>
+          <a:ext cx="2788860" cy="640100"/>
+        </p:xfrm>
+        <a:graphic>
+          <a:graphicData uri="http://schemas.openxmlformats.org/drawingml/2006/table">
+            <a:tbl>
+              <a:tblPr firstRow="1" bandRow="1">
+                <a:noFill/>
+              </a:tblPr>
+              <a:tblGrid>
+                <a:gridCol w="2788860"/>
+              </a:tblGrid>
+              <a:tr h="168164">
+                <a:tc>
+                  <a:txBody>
+                    <a:bodyPr/>
+                    <a:lstStyle/>
+                    <a:p>
+                      <a:pPr marL="0" marR="0" lvl="0" indent="0" algn="ctr" rtl="0">
+                        <a:lnSpc>
+                          <a:spcPct val="100000"/>
+                        </a:lnSpc>
+                        <a:spcBef>
+                          <a:spcPts val="0"/>
+                        </a:spcBef>
+                        <a:spcAft>
+                          <a:spcPts val="0"/>
+                        </a:spcAft>
+                        <a:buClr>
+                          <a:srgbClr val="000000"/>
+                        </a:buClr>
+                        <a:buSzPts val="1500"/>
+                        <a:buFont typeface="Arial"/>
+                        <a:buNone/>
+                      </a:pPr>
+                      <a:r>
+                        <a:rPr lang="ko-KR" altLang="en-US" sz="1500" b="0" u="none" strike="noStrike" cap="none" dirty="0" smtClean="0">
+                          <a:solidFill>
+                            <a:schemeClr val="dk1"/>
+                          </a:solidFill>
+                        </a:rPr>
+                        <a:t>화면코드</a:t>
+                      </a:r>
+                      <a:endParaRPr sz="1500" b="0" u="none" strike="noStrike" cap="none" dirty="0">
+                        <a:solidFill>
+                          <a:schemeClr val="dk1"/>
+                        </a:solidFill>
+                      </a:endParaRPr>
+                    </a:p>
+                  </a:txBody>
+                  <a:tcPr marL="74304" marR="74304" marT="45725" marB="45725" anchor="ctr">
+                    <a:lnL w="12700" cap="flat" cmpd="sng">
+                      <a:solidFill>
+                        <a:schemeClr val="dk1"/>
+                      </a:solidFill>
+                      <a:prstDash val="solid"/>
+                      <a:round/>
+                      <a:headEnd type="none" w="sm" len="sm"/>
+                      <a:tailEnd type="none" w="sm" len="sm"/>
+                    </a:lnL>
+                    <a:lnR w="12700" cap="flat" cmpd="sng">
+                      <a:solidFill>
+                        <a:schemeClr val="dk1"/>
+                      </a:solidFill>
+                      <a:prstDash val="solid"/>
+                      <a:round/>
+                      <a:headEnd type="none" w="sm" len="sm"/>
+                      <a:tailEnd type="none" w="sm" len="sm"/>
+                    </a:lnR>
+                    <a:lnT w="12700" cap="flat" cmpd="sng">
+                      <a:solidFill>
+                        <a:schemeClr val="dk1"/>
+                      </a:solidFill>
+                      <a:prstDash val="solid"/>
+                      <a:round/>
+                      <a:headEnd type="none" w="sm" len="sm"/>
+                      <a:tailEnd type="none" w="sm" len="sm"/>
+                    </a:lnT>
+                    <a:lnB w="12700" cap="flat" cmpd="sng" algn="ctr">
+                      <a:solidFill>
+                        <a:schemeClr val="dk1"/>
+                      </a:solidFill>
+                      <a:prstDash val="solid"/>
+                      <a:round/>
+                      <a:headEnd type="none" w="sm" len="sm"/>
+                      <a:tailEnd type="none" w="sm" len="sm"/>
+                    </a:lnB>
+                    <a:solidFill>
+                      <a:srgbClr val="D8D8D8"/>
+                    </a:solidFill>
+                  </a:tcPr>
+                </a:tc>
+              </a:tr>
+              <a:tr h="168164">
+                <a:tc>
+                  <a:txBody>
+                    <a:bodyPr/>
+                    <a:lstStyle/>
+                    <a:p>
+                      <a:pPr marL="0" marR="0" lvl="0" indent="0" algn="ctr" defTabSz="914400" rtl="0" eaLnBrk="1" fontAlgn="auto" latinLnBrk="1" hangingPunct="1">
+                        <a:lnSpc>
+                          <a:spcPct val="100000"/>
+                        </a:lnSpc>
+                        <a:spcBef>
+                          <a:spcPts val="0"/>
+                        </a:spcBef>
+                        <a:spcAft>
+                          <a:spcPts val="0"/>
+                        </a:spcAft>
+                        <a:buClr>
+                          <a:srgbClr val="000000"/>
+                        </a:buClr>
+                        <a:buSzPts val="1500"/>
+                        <a:buFont typeface="Arial"/>
+                        <a:buNone/>
+                        <a:tabLst/>
+                        <a:defRPr/>
+                      </a:pPr>
+                      <a:r>
+                        <a:rPr lang="en-US" altLang="ko-KR" sz="1500" b="0" u="none" strike="noStrike" cap="none" smtClean="0">
+                          <a:solidFill>
+                            <a:schemeClr val="dk1"/>
+                          </a:solidFill>
+                        </a:rPr>
+                        <a:t>kb_user_w_mainHeader</a:t>
+                      </a:r>
+                      <a:endParaRPr lang="en-US" altLang="ko-KR" sz="1500" b="0" u="none" strike="noStrike" cap="none" dirty="0" smtClean="0">
+                        <a:solidFill>
+                          <a:schemeClr val="dk1"/>
+                        </a:solidFill>
+                      </a:endParaRPr>
+                    </a:p>
+                  </a:txBody>
+                  <a:tcPr marL="74304" marR="74304" marT="45725" marB="45725" anchor="ctr">
+                    <a:lnL w="12700" cap="flat" cmpd="sng" algn="ctr">
+                      <a:solidFill>
+                        <a:schemeClr val="dk1"/>
+                      </a:solidFill>
+                      <a:prstDash val="solid"/>
+                      <a:round/>
+                      <a:headEnd type="none" w="sm" len="sm"/>
+                      <a:tailEnd type="none" w="sm" len="sm"/>
+                    </a:lnL>
+                    <a:lnR w="12700" cap="flat" cmpd="sng" algn="ctr">
+                      <a:solidFill>
+                        <a:schemeClr val="dk1"/>
+                      </a:solidFill>
+                      <a:prstDash val="solid"/>
+                      <a:round/>
+                      <a:headEnd type="none" w="sm" len="sm"/>
+                      <a:tailEnd type="none" w="sm" len="sm"/>
+                    </a:lnR>
+                    <a:lnT w="12700" cap="flat" cmpd="sng" algn="ctr">
+                      <a:solidFill>
+                        <a:schemeClr val="dk1"/>
+                      </a:solidFill>
+                      <a:prstDash val="solid"/>
+                      <a:round/>
+                      <a:headEnd type="none" w="sm" len="sm"/>
+                      <a:tailEnd type="none" w="sm" len="sm"/>
+                    </a:lnT>
+                    <a:lnB w="12700" cap="flat" cmpd="sng">
+                      <a:solidFill>
+                        <a:schemeClr val="dk1"/>
+                      </a:solidFill>
+                      <a:prstDash val="solid"/>
+                      <a:round/>
+                      <a:headEnd type="none" w="sm" len="sm"/>
+                      <a:tailEnd type="none" w="sm" len="sm"/>
+                    </a:lnB>
+                    <a:solidFill>
+                      <a:schemeClr val="bg1"/>
+                    </a:solidFill>
+                  </a:tcPr>
+                </a:tc>
+              </a:tr>
+            </a:tbl>
+          </a:graphicData>
+        </a:graphic>
+      </p:graphicFrame>
+      <p:pic>
+        <p:nvPicPr>
+          <p:cNvPr id="3" name="그림 2"/>
+          <p:cNvPicPr>
+            <a:picLocks noChangeAspect="1"/>
+          </p:cNvPicPr>
+          <p:nvPr/>
+        </p:nvPicPr>
+        <p:blipFill>
+          <a:blip r:embed="rId2"/>
+          <a:stretch>
+            <a:fillRect/>
+          </a:stretch>
+        </p:blipFill>
+        <p:spPr>
+          <a:xfrm>
+            <a:off x="5102623" y="2629536"/>
+            <a:ext cx="5345455" cy="1314450"/>
+          </a:xfrm>
+          <a:prstGeom prst="rect">
+            <a:avLst/>
+          </a:prstGeom>
+          <a:ln>
+            <a:solidFill>
+              <a:schemeClr val="tx1"/>
+            </a:solidFill>
+          </a:ln>
+        </p:spPr>
+      </p:pic>
+      <p:pic>
+        <p:nvPicPr>
+          <p:cNvPr id="7" name="그림 6"/>
+          <p:cNvPicPr>
+            <a:picLocks noChangeAspect="1"/>
+          </p:cNvPicPr>
+          <p:nvPr/>
+        </p:nvPicPr>
+        <p:blipFill>
+          <a:blip r:embed="rId3"/>
+          <a:stretch>
+            <a:fillRect/>
+          </a:stretch>
+        </p:blipFill>
+        <p:spPr>
+          <a:xfrm>
+            <a:off x="5102623" y="4486362"/>
+            <a:ext cx="5800983" cy="1362075"/>
+          </a:xfrm>
+          <a:prstGeom prst="rect">
+            <a:avLst/>
+          </a:prstGeom>
+          <a:ln>
+            <a:solidFill>
+              <a:schemeClr val="tx1"/>
+            </a:solidFill>
+          </a:ln>
+        </p:spPr>
+      </p:pic>
+      <p:pic>
+        <p:nvPicPr>
+          <p:cNvPr id="8" name="그림 7"/>
+          <p:cNvPicPr>
+            <a:picLocks noChangeAspect="1"/>
+          </p:cNvPicPr>
+          <p:nvPr/>
+        </p:nvPicPr>
+        <p:blipFill>
+          <a:blip r:embed="rId4"/>
+          <a:stretch>
+            <a:fillRect/>
+          </a:stretch>
+        </p:blipFill>
+        <p:spPr>
+          <a:xfrm>
+            <a:off x="2166552" y="1336015"/>
+            <a:ext cx="6598508" cy="862190"/>
+          </a:xfrm>
+          <a:prstGeom prst="rect">
+            <a:avLst/>
+          </a:prstGeom>
+        </p:spPr>
+      </p:pic>
+      <p:sp>
+        <p:nvSpPr>
+          <p:cNvPr id="5" name="직사각형 4"/>
+          <p:cNvSpPr/>
+          <p:nvPr/>
+        </p:nvSpPr>
+        <p:spPr>
+          <a:xfrm>
+            <a:off x="7380515" y="1447061"/>
+            <a:ext cx="453670" cy="200508"/>
+          </a:xfrm>
+          <a:prstGeom prst="rect">
+            <a:avLst/>
+          </a:prstGeom>
+          <a:noFill/>
+          <a:ln w="25400">
+            <a:solidFill>
+              <a:srgbClr val="FF0000"/>
+            </a:solidFill>
+          </a:ln>
+        </p:spPr>
+        <p:style>
+          <a:lnRef idx="2">
+            <a:schemeClr val="accent1">
+              <a:shade val="50000"/>
+            </a:schemeClr>
+          </a:lnRef>
+          <a:fillRef idx="1">
+            <a:schemeClr val="accent1"/>
+          </a:fillRef>
+          <a:effectRef idx="0">
+            <a:schemeClr val="accent1"/>
+          </a:effectRef>
+          <a:fontRef idx="minor">
+            <a:schemeClr val="lt1"/>
+          </a:fontRef>
+        </p:style>
+        <p:txBody>
+          <a:bodyPr rtlCol="0" anchor="ctr"/>
+          <a:lstStyle/>
+          <a:p>
+            <a:pPr algn="ctr"/>
+            <a:endParaRPr lang="ko-KR" altLang="en-US"/>
+          </a:p>
+        </p:txBody>
+      </p:sp>
+      <p:cxnSp>
+        <p:nvCxnSpPr>
+          <p:cNvPr id="9" name="직선 화살표 연결선 8"/>
+          <p:cNvCxnSpPr/>
+          <p:nvPr/>
+        </p:nvCxnSpPr>
+        <p:spPr>
+          <a:xfrm flipH="1">
+            <a:off x="7479957" y="1659803"/>
+            <a:ext cx="127393" cy="969733"/>
+          </a:xfrm>
+          <a:prstGeom prst="straightConnector1">
+            <a:avLst/>
+          </a:prstGeom>
+          <a:ln w="25400">
+            <a:solidFill>
+              <a:srgbClr val="FF0000"/>
+            </a:solidFill>
+            <a:tailEnd type="triangle"/>
+          </a:ln>
+        </p:spPr>
+        <p:style>
+          <a:lnRef idx="1">
+            <a:schemeClr val="accent1"/>
+          </a:lnRef>
+          <a:fillRef idx="0">
+            <a:schemeClr val="accent1"/>
+          </a:fillRef>
+          <a:effectRef idx="0">
+            <a:schemeClr val="accent1"/>
+          </a:effectRef>
+          <a:fontRef idx="minor">
+            <a:schemeClr val="tx1"/>
+          </a:fontRef>
+        </p:style>
+      </p:cxnSp>
+      <p:sp>
+        <p:nvSpPr>
+          <p:cNvPr id="12" name="직사각형 11"/>
+          <p:cNvSpPr/>
+          <p:nvPr/>
+        </p:nvSpPr>
+        <p:spPr>
+          <a:xfrm>
+            <a:off x="6441401" y="1447061"/>
+            <a:ext cx="939114" cy="200508"/>
+          </a:xfrm>
+          <a:prstGeom prst="rect">
+            <a:avLst/>
+          </a:prstGeom>
+          <a:noFill/>
+          <a:ln w="25400">
+            <a:solidFill>
+              <a:srgbClr val="FF0000"/>
+            </a:solidFill>
+          </a:ln>
+        </p:spPr>
+        <p:style>
+          <a:lnRef idx="2">
+            <a:schemeClr val="accent1">
+              <a:shade val="50000"/>
+            </a:schemeClr>
+          </a:lnRef>
+          <a:fillRef idx="1">
+            <a:schemeClr val="accent1"/>
+          </a:fillRef>
+          <a:effectRef idx="0">
+            <a:schemeClr val="accent1"/>
+          </a:effectRef>
+          <a:fontRef idx="minor">
+            <a:schemeClr val="lt1"/>
+          </a:fontRef>
+        </p:style>
+        <p:txBody>
+          <a:bodyPr rtlCol="0" anchor="ctr"/>
+          <a:lstStyle/>
+          <a:p>
+            <a:pPr algn="ctr"/>
+            <a:endParaRPr lang="ko-KR" altLang="en-US"/>
+          </a:p>
+        </p:txBody>
+      </p:sp>
+      <p:pic>
+        <p:nvPicPr>
+          <p:cNvPr id="13" name="그림 12"/>
+          <p:cNvPicPr>
+            <a:picLocks noChangeAspect="1"/>
+          </p:cNvPicPr>
+          <p:nvPr/>
+        </p:nvPicPr>
+        <p:blipFill>
+          <a:blip r:embed="rId5"/>
+          <a:stretch>
+            <a:fillRect/>
+          </a:stretch>
+        </p:blipFill>
+        <p:spPr>
+          <a:xfrm>
+            <a:off x="387178" y="3048000"/>
+            <a:ext cx="4176584" cy="762000"/>
+          </a:xfrm>
+          <a:prstGeom prst="rect">
+            <a:avLst/>
+          </a:prstGeom>
+          <a:ln>
+            <a:solidFill>
+              <a:schemeClr val="tx1"/>
+            </a:solidFill>
+          </a:ln>
+        </p:spPr>
+      </p:pic>
+      <p:cxnSp>
+        <p:nvCxnSpPr>
+          <p:cNvPr id="14" name="직선 화살표 연결선 13"/>
+          <p:cNvCxnSpPr>
+            <a:endCxn id="13" idx="0"/>
+          </p:cNvCxnSpPr>
+          <p:nvPr/>
+        </p:nvCxnSpPr>
+        <p:spPr>
+          <a:xfrm flipH="1">
+            <a:off x="2475470" y="1668040"/>
+            <a:ext cx="4374000" cy="1379960"/>
+          </a:xfrm>
+          <a:prstGeom prst="straightConnector1">
+            <a:avLst/>
+          </a:prstGeom>
+          <a:ln w="25400">
+            <a:solidFill>
+              <a:srgbClr val="FF0000"/>
+            </a:solidFill>
+            <a:tailEnd type="triangle"/>
+          </a:ln>
+        </p:spPr>
+        <p:style>
+          <a:lnRef idx="1">
+            <a:schemeClr val="accent1"/>
+          </a:lnRef>
+          <a:fillRef idx="0">
+            <a:schemeClr val="accent1"/>
+          </a:fillRef>
+          <a:effectRef idx="0">
+            <a:schemeClr val="accent1"/>
+          </a:effectRef>
+          <a:fontRef idx="minor">
+            <a:schemeClr val="tx1"/>
+          </a:fontRef>
+        </p:style>
+      </p:cxnSp>
+    </p:spTree>
+    <p:extLst>
+      <p:ext uri="{BB962C8B-B14F-4D97-AF65-F5344CB8AC3E}">
+        <p14:creationId xmlns:p14="http://schemas.microsoft.com/office/powerpoint/2010/main" val="3134063908"/>
+      </p:ext>
+    </p:extLst>
+  </p:cSld>
+  <p:clrMapOvr>
+    <a:masterClrMapping/>
+  </p:clrMapOvr>
+  <p:timing>
+    <p:tnLst>
+      <p:par>
+        <p:cTn id="1" dur="indefinite" restart="never" nodeType="tmRoot"/>
+      </p:par>
+    </p:tnLst>
+  </p:timing>
+</p:sld>
+</file>
+
+<file path=ppt/slides/slide4.xml><?xml version="1.0" encoding="utf-8"?>
+<p:sld xmlns:a="http://schemas.openxmlformats.org/drawingml/2006/main" xmlns:r="http://schemas.openxmlformats.org/officeDocument/2006/relationships" xmlns:p="http://schemas.openxmlformats.org/presentationml/2006/main">
+  <p:cSld>
+    <p:spTree>
+      <p:nvGrpSpPr>
+        <p:cNvPr id="1" name=""/>
+        <p:cNvGrpSpPr/>
+        <p:nvPr/>
+      </p:nvGrpSpPr>
+      <p:grpSpPr>
+        <a:xfrm>
+          <a:off x="0" y="0"/>
+          <a:ext cx="0" cy="0"/>
+          <a:chOff x="0" y="0"/>
+          <a:chExt cx="0" cy="0"/>
+        </a:xfrm>
+      </p:grpSpPr>
+      <p:sp>
+        <p:nvSpPr>
+          <p:cNvPr id="2" name="제목 1"/>
+          <p:cNvSpPr>
+            <a:spLocks noGrp="1"/>
+          </p:cNvSpPr>
+          <p:nvPr>
+            <p:ph type="title"/>
+          </p:nvPr>
+        </p:nvSpPr>
+        <p:spPr/>
+        <p:txBody>
+          <a:bodyPr/>
+          <a:lstStyle/>
+          <a:p>
+            <a:r>
+              <a:rPr lang="en-US" altLang="ko-KR" sz="2800" b="0"/>
+              <a:t>[</a:t>
+            </a:r>
+            <a:r>
+              <a:rPr lang="ko-KR" altLang="en-US" sz="2800" b="0" smtClean="0"/>
+              <a:t>화면구현</a:t>
+            </a:r>
+            <a:r>
+              <a:rPr lang="en-US" altLang="ko-KR" sz="2800" b="0" smtClean="0"/>
+              <a:t>] </a:t>
+            </a:r>
+            <a:r>
+              <a:rPr lang="ko-KR" altLang="en-US" sz="2800" b="0"/>
+              <a:t>사용자 </a:t>
+            </a:r>
+            <a:r>
+              <a:rPr lang="en-US" altLang="ko-KR" sz="2800" b="0"/>
+              <a:t>– </a:t>
+            </a:r>
+            <a:r>
+              <a:rPr lang="ko-KR" altLang="en-US" sz="2800" b="0"/>
+              <a:t>웹 </a:t>
+            </a:r>
+            <a:r>
+              <a:rPr lang="en-US" altLang="ko-KR" sz="2800" b="0"/>
+              <a:t>- </a:t>
+            </a:r>
+            <a:r>
+              <a:rPr lang="ko-KR" altLang="en-US" sz="2800" b="0"/>
+              <a:t>로그인 페이지</a:t>
+            </a:r>
+            <a:r>
+              <a:rPr lang="ko-KR" altLang="en-US" sz="1600" b="0"/>
+              <a:t> </a:t>
+            </a:r>
+            <a:endParaRPr lang="ko-KR" altLang="en-US"/>
+          </a:p>
+        </p:txBody>
+      </p:sp>
+      <p:pic>
+        <p:nvPicPr>
+          <p:cNvPr id="4" name="그림 3"/>
+          <p:cNvPicPr>
+            <a:picLocks noChangeAspect="1"/>
+          </p:cNvPicPr>
+          <p:nvPr/>
+        </p:nvPicPr>
+        <p:blipFill>
+          <a:blip r:embed="rId2"/>
+          <a:stretch>
+            <a:fillRect/>
+          </a:stretch>
+        </p:blipFill>
+        <p:spPr>
+          <a:xfrm>
+            <a:off x="338202" y="1516465"/>
+            <a:ext cx="5296479" cy="4810194"/>
+          </a:xfrm>
+          <a:prstGeom prst="rect">
+            <a:avLst/>
+          </a:prstGeom>
+          <a:ln w="25400">
+            <a:solidFill>
+              <a:schemeClr val="tx1"/>
+            </a:solidFill>
+          </a:ln>
+        </p:spPr>
+      </p:pic>
+      <p:pic>
+        <p:nvPicPr>
+          <p:cNvPr id="3" name="그림 2"/>
+          <p:cNvPicPr>
+            <a:picLocks noChangeAspect="1"/>
+          </p:cNvPicPr>
+          <p:nvPr/>
+        </p:nvPicPr>
+        <p:blipFill>
+          <a:blip r:embed="rId3"/>
+          <a:stretch>
+            <a:fillRect/>
+          </a:stretch>
+        </p:blipFill>
+        <p:spPr>
+          <a:xfrm>
+            <a:off x="6491416" y="1593892"/>
+            <a:ext cx="5421655" cy="276225"/>
+          </a:xfrm>
+          <a:prstGeom prst="rect">
+            <a:avLst/>
+          </a:prstGeom>
+          <a:ln>
+            <a:solidFill>
+              <a:schemeClr val="tx1"/>
+            </a:solidFill>
+          </a:ln>
+        </p:spPr>
+      </p:pic>
+      <p:pic>
+        <p:nvPicPr>
+          <p:cNvPr id="6" name="그림 5"/>
+          <p:cNvPicPr>
+            <a:picLocks noChangeAspect="1"/>
+          </p:cNvPicPr>
+          <p:nvPr/>
+        </p:nvPicPr>
+        <p:blipFill>
+          <a:blip r:embed="rId4"/>
+          <a:stretch>
+            <a:fillRect/>
+          </a:stretch>
+        </p:blipFill>
+        <p:spPr>
+          <a:xfrm>
+            <a:off x="6491416" y="2015697"/>
+            <a:ext cx="5421655" cy="1254725"/>
+          </a:xfrm>
+          <a:prstGeom prst="rect">
+            <a:avLst/>
+          </a:prstGeom>
+          <a:ln>
+            <a:solidFill>
+              <a:schemeClr val="tx1"/>
+            </a:solidFill>
+          </a:ln>
+        </p:spPr>
+      </p:pic>
+      <p:pic>
+        <p:nvPicPr>
+          <p:cNvPr id="8" name="그림 7"/>
+          <p:cNvPicPr>
+            <a:picLocks noChangeAspect="1"/>
+          </p:cNvPicPr>
+          <p:nvPr/>
+        </p:nvPicPr>
+        <p:blipFill>
+          <a:blip r:embed="rId5"/>
+          <a:stretch>
+            <a:fillRect/>
+          </a:stretch>
+        </p:blipFill>
+        <p:spPr>
+          <a:xfrm>
+            <a:off x="6354146" y="3416003"/>
+            <a:ext cx="5558925" cy="2770194"/>
+          </a:xfrm>
+          <a:prstGeom prst="rect">
+            <a:avLst/>
+          </a:prstGeom>
+          <a:ln>
+            <a:solidFill>
+              <a:schemeClr val="tx1"/>
+            </a:solidFill>
+          </a:ln>
+        </p:spPr>
+      </p:pic>
+    </p:spTree>
+    <p:extLst>
+      <p:ext uri="{BB962C8B-B14F-4D97-AF65-F5344CB8AC3E}">
+        <p14:creationId xmlns:p14="http://schemas.microsoft.com/office/powerpoint/2010/main" val="1455811564"/>
+      </p:ext>
+    </p:extLst>
+  </p:cSld>
+  <p:clrMapOvr>
+    <a:masterClrMapping/>
+  </p:clrMapOvr>
+  <p:timing>
+    <p:tnLst>
+      <p:par>
+        <p:cTn id="1" dur="indefinite" restart="never" nodeType="tmRoot"/>
+      </p:par>
+    </p:tnLst>
+  </p:timing>
+</p:sld>
+</file>
+
+<file path=ppt/slides/slide5.xml><?xml version="1.0" encoding="utf-8"?>
+<p:sld xmlns:a="http://schemas.openxmlformats.org/drawingml/2006/main" xmlns:r="http://schemas.openxmlformats.org/officeDocument/2006/relationships" xmlns:p="http://schemas.openxmlformats.org/presentationml/2006/main">
+  <p:cSld>
+    <p:spTree>
+      <p:nvGrpSpPr>
+        <p:cNvPr id="1" name=""/>
+        <p:cNvGrpSpPr/>
+        <p:nvPr/>
+      </p:nvGrpSpPr>
+      <p:grpSpPr>
+        <a:xfrm>
+          <a:off x="0" y="0"/>
+          <a:ext cx="0" cy="0"/>
+          <a:chOff x="0" y="0"/>
+          <a:chExt cx="0" cy="0"/>
+        </a:xfrm>
+      </p:grpSpPr>
+      <p:sp>
+        <p:nvSpPr>
+          <p:cNvPr id="2" name="제목 1"/>
+          <p:cNvSpPr>
+            <a:spLocks noGrp="1"/>
+          </p:cNvSpPr>
+          <p:nvPr>
+            <p:ph type="title"/>
+          </p:nvPr>
+        </p:nvSpPr>
+        <p:spPr/>
+        <p:txBody>
+          <a:bodyPr/>
+          <a:lstStyle/>
+          <a:p>
+            <a:r>
+              <a:rPr lang="en-US" altLang="ko-KR" sz="2800" b="0"/>
+              <a:t>[</a:t>
+            </a:r>
+            <a:r>
+              <a:rPr lang="ko-KR" altLang="en-US" sz="2800" b="0" smtClean="0"/>
+              <a:t>화면구현</a:t>
+            </a:r>
+            <a:r>
+              <a:rPr lang="en-US" altLang="ko-KR" sz="2800" b="0" smtClean="0"/>
+              <a:t>] </a:t>
+            </a:r>
+            <a:r>
+              <a:rPr lang="ko-KR" altLang="en-US" sz="2800" b="0"/>
+              <a:t>사용자 </a:t>
+            </a:r>
+            <a:r>
+              <a:rPr lang="en-US" altLang="ko-KR" sz="2800" b="0"/>
+              <a:t>– </a:t>
+            </a:r>
+            <a:r>
+              <a:rPr lang="ko-KR" altLang="en-US" sz="2800" b="0"/>
+              <a:t>웹 </a:t>
+            </a:r>
+            <a:r>
+              <a:rPr lang="en-US" altLang="ko-KR" sz="2800" b="0"/>
+              <a:t>- </a:t>
+            </a:r>
+            <a:r>
+              <a:rPr lang="ko-KR" altLang="en-US" sz="2800" b="0"/>
+              <a:t>로그인 페이지</a:t>
+            </a:r>
+            <a:r>
+              <a:rPr lang="ko-KR" altLang="en-US" sz="1600" b="0"/>
+              <a:t> </a:t>
+            </a:r>
+            <a:endParaRPr lang="ko-KR" altLang="en-US"/>
+          </a:p>
+        </p:txBody>
+      </p:sp>
+      <p:pic>
+        <p:nvPicPr>
+          <p:cNvPr id="7" name="그림 6"/>
+          <p:cNvPicPr>
+            <a:picLocks noChangeAspect="1"/>
+          </p:cNvPicPr>
+          <p:nvPr/>
+        </p:nvPicPr>
+        <p:blipFill>
+          <a:blip r:embed="rId2"/>
+          <a:stretch>
+            <a:fillRect/>
+          </a:stretch>
+        </p:blipFill>
+        <p:spPr>
+          <a:xfrm>
+            <a:off x="341334" y="1518314"/>
+            <a:ext cx="5647574" cy="4454117"/>
+          </a:xfrm>
+          <a:prstGeom prst="rect">
+            <a:avLst/>
+          </a:prstGeom>
+          <a:ln w="25400">
+            <a:solidFill>
+              <a:schemeClr val="tx1"/>
+            </a:solidFill>
+          </a:ln>
+        </p:spPr>
+      </p:pic>
+      <p:pic>
+        <p:nvPicPr>
+          <p:cNvPr id="8" name="그림 7"/>
+          <p:cNvPicPr>
+            <a:picLocks noChangeAspect="1"/>
+          </p:cNvPicPr>
+          <p:nvPr/>
+        </p:nvPicPr>
+        <p:blipFill>
+          <a:blip r:embed="rId3"/>
+          <a:stretch>
+            <a:fillRect/>
+          </a:stretch>
+        </p:blipFill>
+        <p:spPr>
+          <a:xfrm>
+            <a:off x="6278433" y="1964197"/>
+            <a:ext cx="5438775" cy="3562350"/>
+          </a:xfrm>
+          <a:prstGeom prst="rect">
+            <a:avLst/>
+          </a:prstGeom>
+          <a:ln>
+            <a:solidFill>
+              <a:schemeClr val="tx1"/>
+            </a:solidFill>
+          </a:ln>
+        </p:spPr>
+      </p:pic>
+    </p:spTree>
+    <p:extLst>
+      <p:ext uri="{BB962C8B-B14F-4D97-AF65-F5344CB8AC3E}">
+        <p14:creationId xmlns:p14="http://schemas.microsoft.com/office/powerpoint/2010/main" val="1630716723"/>
+      </p:ext>
+    </p:extLst>
+  </p:cSld>
+  <p:clrMapOvr>
+    <a:masterClrMapping/>
+  </p:clrMapOvr>
+  <p:timing>
+    <p:tnLst>
+      <p:par>
+        <p:cTn id="1" dur="indefinite" restart="never" nodeType="tmRoot"/>
+      </p:par>
+    </p:tnLst>
+  </p:timing>
+</p:sld>
+</file>
+
+<file path=ppt/slides/slide6.xml><?xml version="1.0" encoding="utf-8"?>
+<p:sld xmlns:a="http://schemas.openxmlformats.org/drawingml/2006/main" xmlns:r="http://schemas.openxmlformats.org/officeDocument/2006/relationships" xmlns:p="http://schemas.openxmlformats.org/presentationml/2006/main">
+  <p:cSld>
+    <p:spTree>
+      <p:nvGrpSpPr>
+        <p:cNvPr id="1" name=""/>
+        <p:cNvGrpSpPr/>
+        <p:nvPr/>
+      </p:nvGrpSpPr>
+      <p:grpSpPr>
+        <a:xfrm>
+          <a:off x="0" y="0"/>
+          <a:ext cx="0" cy="0"/>
+          <a:chOff x="0" y="0"/>
+          <a:chExt cx="0" cy="0"/>
+        </a:xfrm>
+      </p:grpSpPr>
+      <p:sp>
+        <p:nvSpPr>
+          <p:cNvPr id="2" name="제목 1"/>
+          <p:cNvSpPr>
+            <a:spLocks noGrp="1"/>
+          </p:cNvSpPr>
+          <p:nvPr>
+            <p:ph type="title"/>
+          </p:nvPr>
+        </p:nvSpPr>
+        <p:spPr/>
+        <p:txBody>
+          <a:bodyPr/>
+          <a:lstStyle/>
+          <a:p>
+            <a:r>
+              <a:rPr lang="en-US" altLang="ko-KR" sz="2800" b="0"/>
+              <a:t>[</a:t>
+            </a:r>
+            <a:r>
+              <a:rPr lang="ko-KR" altLang="en-US" sz="2800" b="0"/>
+              <a:t>화면설계</a:t>
+            </a:r>
+            <a:r>
+              <a:rPr lang="en-US" altLang="ko-KR" sz="2800" b="0"/>
+              <a:t>] </a:t>
+            </a:r>
+            <a:r>
+              <a:rPr lang="ko-KR" altLang="en-US" sz="2800" b="0"/>
+              <a:t>사용자 </a:t>
+            </a:r>
+            <a:r>
+              <a:rPr lang="en-US" altLang="ko-KR" sz="2800" b="0"/>
+              <a:t>– </a:t>
+            </a:r>
+            <a:r>
+              <a:rPr lang="ko-KR" altLang="en-US" sz="2800" b="0"/>
+              <a:t>웹 </a:t>
+            </a:r>
+            <a:r>
+              <a:rPr lang="en-US" altLang="ko-KR" sz="2800" b="0" smtClean="0"/>
+              <a:t>– </a:t>
+            </a:r>
+            <a:r>
+              <a:rPr lang="ko-KR" altLang="en-US" sz="2800" b="0" smtClean="0"/>
+              <a:t>비밀번호 변경</a:t>
+            </a:r>
+            <a:r>
+              <a:rPr lang="ko-KR" altLang="en-US" sz="1600" b="0" smtClean="0"/>
+              <a:t> </a:t>
+            </a:r>
+            <a:endParaRPr lang="ko-KR" altLang="en-US"/>
+          </a:p>
+        </p:txBody>
+      </p:sp>
+      <p:sp>
+        <p:nvSpPr>
+          <p:cNvPr id="4" name="Google Shape;168;g7c553259d1_0_81"/>
+          <p:cNvSpPr/>
+          <p:nvPr/>
+        </p:nvSpPr>
+        <p:spPr>
+          <a:xfrm>
+            <a:off x="557356" y="1359647"/>
+            <a:ext cx="6526163" cy="5349900"/>
+          </a:xfrm>
+          <a:prstGeom prst="rect">
+            <a:avLst/>
+          </a:prstGeom>
+          <a:solidFill>
+            <a:schemeClr val="lt1"/>
+          </a:solidFill>
+          <a:ln w="12700" cap="flat" cmpd="sng">
+            <a:solidFill>
+              <a:schemeClr val="dk1"/>
+            </a:solidFill>
+            <a:prstDash val="solid"/>
+            <a:miter lim="800000"/>
+            <a:headEnd type="none" w="sm" len="sm"/>
+            <a:tailEnd type="none" w="sm" len="sm"/>
+          </a:ln>
+        </p:spPr>
+        <p:txBody>
+          <a:bodyPr spcFirstLastPara="1" wrap="square" lIns="91425" tIns="45700" rIns="91425" bIns="45700" anchor="ctr" anchorCtr="0">
+            <a:noAutofit/>
+          </a:bodyPr>
+          <a:lstStyle/>
+          <a:p>
+            <a:pPr algn="ctr">
+              <a:buClr>
+                <a:srgbClr val="000000"/>
+              </a:buClr>
+              <a:buSzPts val="1500"/>
+            </a:pPr>
+            <a:endParaRPr sz="1500" dirty="0">
+              <a:solidFill>
+                <a:schemeClr val="dk1"/>
+              </a:solidFill>
+              <a:latin typeface="Malgun Gothic"/>
+              <a:ea typeface="Malgun Gothic"/>
+              <a:cs typeface="Malgun Gothic"/>
+              <a:sym typeface="Malgun Gothic"/>
+            </a:endParaRPr>
+          </a:p>
+        </p:txBody>
+      </p:sp>
+      <p:graphicFrame>
+        <p:nvGraphicFramePr>
+          <p:cNvPr id="5" name="Google Shape;169;g7c553259d1_0_81"/>
+          <p:cNvGraphicFramePr/>
+          <p:nvPr>
+            <p:extLst/>
+          </p:nvPr>
+        </p:nvGraphicFramePr>
+        <p:xfrm>
+          <a:off x="8501614" y="3571468"/>
+          <a:ext cx="2869750" cy="2254175"/>
+        </p:xfrm>
+        <a:graphic>
+          <a:graphicData uri="http://schemas.openxmlformats.org/drawingml/2006/table">
+            <a:tbl>
+              <a:tblPr firstRow="1" bandRow="1">
+                <a:noFill/>
+              </a:tblPr>
+              <a:tblGrid>
+                <a:gridCol w="311106">
+                  <a:extLst>
+                    <a:ext uri="{9D8B030D-6E8A-4147-A177-3AD203B41FA5}">
+                      <a16:colId xmlns:a16="http://schemas.microsoft.com/office/drawing/2014/main" xmlns="" val="20000"/>
+                    </a:ext>
+                  </a:extLst>
+                </a:gridCol>
+                <a:gridCol w="2558644">
+                  <a:extLst>
+                    <a:ext uri="{9D8B030D-6E8A-4147-A177-3AD203B41FA5}">
+                      <a16:colId xmlns:a16="http://schemas.microsoft.com/office/drawing/2014/main" xmlns="" val="20001"/>
+                    </a:ext>
+                  </a:extLst>
+                </a:gridCol>
+              </a:tblGrid>
+              <a:tr h="356150">
+                <a:tc>
+                  <a:txBody>
+                    <a:bodyPr/>
+                    <a:lstStyle/>
+                    <a:p>
+                      <a:pPr marL="0" marR="0" lvl="0" indent="0" algn="ctr" rtl="0">
+                        <a:lnSpc>
+                          <a:spcPct val="100000"/>
+                        </a:lnSpc>
+                        <a:spcBef>
+                          <a:spcPts val="0"/>
+                        </a:spcBef>
+                        <a:spcAft>
+                          <a:spcPts val="0"/>
+                        </a:spcAft>
+                        <a:buClr>
+                          <a:srgbClr val="000000"/>
+                        </a:buClr>
+                        <a:buSzPts val="1500"/>
+                        <a:buFont typeface="Arial"/>
+                        <a:buNone/>
+                      </a:pPr>
+                      <a:r>
+                        <a:rPr lang="ko-KR" sz="1500" u="none" strike="noStrike" cap="none" dirty="0">
+                          <a:solidFill>
+                            <a:schemeClr val="dk1"/>
+                          </a:solidFill>
+                        </a:rPr>
+                        <a:t>#</a:t>
+                      </a:r>
+                      <a:endParaRPr sz="1500" u="none" strike="noStrike" cap="none" dirty="0">
+                        <a:solidFill>
+                          <a:schemeClr val="dk1"/>
+                        </a:solidFill>
+                      </a:endParaRPr>
+                    </a:p>
+                  </a:txBody>
+                  <a:tcPr marL="74304" marR="74304" marT="45725" marB="45725" anchor="ctr">
+                    <a:lnL w="12700" cap="flat" cmpd="sng">
+                      <a:solidFill>
+                        <a:schemeClr val="dk1"/>
+                      </a:solidFill>
+                      <a:prstDash val="solid"/>
+                      <a:round/>
+                      <a:headEnd type="none" w="sm" len="sm"/>
+                      <a:tailEnd type="none" w="sm" len="sm"/>
+                    </a:lnL>
+                    <a:lnR w="12700" cap="flat" cmpd="sng">
+                      <a:solidFill>
+                        <a:schemeClr val="dk1"/>
+                      </a:solidFill>
+                      <a:prstDash val="solid"/>
+                      <a:round/>
+                      <a:headEnd type="none" w="sm" len="sm"/>
+                      <a:tailEnd type="none" w="sm" len="sm"/>
+                    </a:lnR>
+                    <a:lnT w="12700" cap="flat" cmpd="sng">
+                      <a:solidFill>
+                        <a:schemeClr val="dk1"/>
+                      </a:solidFill>
+                      <a:prstDash val="solid"/>
+                      <a:round/>
+                      <a:headEnd type="none" w="sm" len="sm"/>
+                      <a:tailEnd type="none" w="sm" len="sm"/>
+                    </a:lnT>
+                    <a:lnB w="12700" cap="flat" cmpd="sng">
+                      <a:solidFill>
+                        <a:schemeClr val="dk1"/>
+                      </a:solidFill>
+                      <a:prstDash val="solid"/>
+                      <a:round/>
+                      <a:headEnd type="none" w="sm" len="sm"/>
+                      <a:tailEnd type="none" w="sm" len="sm"/>
+                    </a:lnB>
+                    <a:solidFill>
+                      <a:srgbClr val="D8D8D8"/>
+                    </a:solidFill>
+                  </a:tcPr>
+                </a:tc>
+                <a:tc>
+                  <a:txBody>
+                    <a:bodyPr/>
+                    <a:lstStyle/>
+                    <a:p>
+                      <a:pPr marL="0" marR="0" lvl="0" indent="0" algn="ctr" rtl="0">
+                        <a:lnSpc>
+                          <a:spcPct val="100000"/>
+                        </a:lnSpc>
+                        <a:spcBef>
+                          <a:spcPts val="0"/>
+                        </a:spcBef>
+                        <a:spcAft>
+                          <a:spcPts val="0"/>
+                        </a:spcAft>
+                        <a:buClr>
+                          <a:srgbClr val="000000"/>
+                        </a:buClr>
+                        <a:buSzPts val="1500"/>
+                        <a:buFont typeface="Arial"/>
+                        <a:buNone/>
+                      </a:pPr>
+                      <a:endParaRPr sz="1500" u="none" strike="noStrike" cap="none" dirty="0">
+                        <a:solidFill>
+                          <a:schemeClr val="dk1"/>
+                        </a:solidFill>
+                      </a:endParaRPr>
+                    </a:p>
+                  </a:txBody>
+                  <a:tcPr marL="74304" marR="74304" marT="45725" marB="45725" anchor="ctr">
+                    <a:lnL w="12700" cap="flat" cmpd="sng">
+                      <a:solidFill>
+                        <a:schemeClr val="dk1"/>
+                      </a:solidFill>
+                      <a:prstDash val="solid"/>
+                      <a:round/>
+                      <a:headEnd type="none" w="sm" len="sm"/>
+                      <a:tailEnd type="none" w="sm" len="sm"/>
+                    </a:lnL>
+                    <a:lnR w="12700" cap="flat" cmpd="sng">
+                      <a:solidFill>
+                        <a:schemeClr val="dk1"/>
+                      </a:solidFill>
+                      <a:prstDash val="solid"/>
+                      <a:round/>
+                      <a:headEnd type="none" w="sm" len="sm"/>
+                      <a:tailEnd type="none" w="sm" len="sm"/>
+                    </a:lnR>
+                    <a:lnT w="12700" cap="flat" cmpd="sng">
+                      <a:solidFill>
+                        <a:schemeClr val="dk1"/>
+                      </a:solidFill>
+                      <a:prstDash val="solid"/>
+                      <a:round/>
+                      <a:headEnd type="none" w="sm" len="sm"/>
+                      <a:tailEnd type="none" w="sm" len="sm"/>
+                    </a:lnT>
+                    <a:lnB w="12700" cap="flat" cmpd="sng">
+                      <a:solidFill>
+                        <a:schemeClr val="dk1"/>
+                      </a:solidFill>
+                      <a:prstDash val="solid"/>
+                      <a:round/>
+                      <a:headEnd type="none" w="sm" len="sm"/>
+                      <a:tailEnd type="none" w="sm" len="sm"/>
+                    </a:lnB>
+                    <a:solidFill>
+                      <a:srgbClr val="D8D8D8"/>
+                    </a:solidFill>
+                  </a:tcPr>
+                </a:tc>
+                <a:extLst>
+                  <a:ext uri="{0D108BD9-81ED-4DB2-BD59-A6C34878D82A}">
+                    <a16:rowId xmlns:a16="http://schemas.microsoft.com/office/drawing/2014/main" xmlns="" val="10000"/>
+                  </a:ext>
+                </a:extLst>
+              </a:tr>
+              <a:tr h="972399">
+                <a:tc>
+                  <a:txBody>
+                    <a:bodyPr/>
+                    <a:lstStyle/>
+                    <a:p>
+                      <a:pPr marL="0" marR="0" lvl="0" indent="0" algn="ctr" rtl="0">
+                        <a:lnSpc>
+                          <a:spcPct val="100000"/>
+                        </a:lnSpc>
+                        <a:spcBef>
+                          <a:spcPts val="0"/>
+                        </a:spcBef>
+                        <a:spcAft>
+                          <a:spcPts val="0"/>
+                        </a:spcAft>
+                        <a:buClr>
+                          <a:srgbClr val="000000"/>
+                        </a:buClr>
+                        <a:buSzPts val="1500"/>
+                        <a:buFont typeface="Arial"/>
+                        <a:buNone/>
+                      </a:pPr>
+                      <a:r>
+                        <a:rPr lang="en-US" sz="1500" dirty="0" smtClean="0"/>
+                        <a:t>1</a:t>
+                      </a:r>
+                      <a:endParaRPr sz="1500" dirty="0"/>
+                    </a:p>
+                  </a:txBody>
+                  <a:tcPr marL="74304" marR="74304" marT="45725" marB="45725" anchor="ctr">
+                    <a:lnL w="12700" cap="flat" cmpd="sng">
+                      <a:solidFill>
+                        <a:schemeClr val="dk1"/>
+                      </a:solidFill>
+                      <a:prstDash val="solid"/>
+                      <a:round/>
+                      <a:headEnd type="none" w="sm" len="sm"/>
+                      <a:tailEnd type="none" w="sm" len="sm"/>
+                    </a:lnL>
+                    <a:lnR w="12700" cap="flat" cmpd="sng">
+                      <a:solidFill>
+                        <a:schemeClr val="dk1"/>
+                      </a:solidFill>
+                      <a:prstDash val="solid"/>
+                      <a:round/>
+                      <a:headEnd type="none" w="sm" len="sm"/>
+                      <a:tailEnd type="none" w="sm" len="sm"/>
+                    </a:lnR>
+                    <a:lnT w="12700" cap="flat" cmpd="sng">
+                      <a:solidFill>
+                        <a:schemeClr val="dk1"/>
+                      </a:solidFill>
+                      <a:prstDash val="solid"/>
+                      <a:round/>
+                      <a:headEnd type="none" w="sm" len="sm"/>
+                      <a:tailEnd type="none" w="sm" len="sm"/>
+                    </a:lnT>
+                    <a:lnB w="12700" cap="flat" cmpd="sng">
+                      <a:solidFill>
+                        <a:schemeClr val="dk1"/>
+                      </a:solidFill>
+                      <a:prstDash val="solid"/>
+                      <a:round/>
+                      <a:headEnd type="none" w="sm" len="sm"/>
+                      <a:tailEnd type="none" w="sm" len="sm"/>
+                    </a:lnB>
+                    <a:solidFill>
+                      <a:schemeClr val="lt1"/>
+                    </a:solidFill>
+                  </a:tcPr>
+                </a:tc>
+                <a:tc>
+                  <a:txBody>
+                    <a:bodyPr/>
+                    <a:lstStyle/>
+                    <a:p>
+                      <a:pPr marL="0" marR="0" lvl="0" indent="0" algn="l" rtl="0">
+                        <a:lnSpc>
+                          <a:spcPct val="100000"/>
+                        </a:lnSpc>
+                        <a:spcBef>
+                          <a:spcPts val="0"/>
+                        </a:spcBef>
+                        <a:spcAft>
+                          <a:spcPts val="0"/>
+                        </a:spcAft>
+                        <a:buClr>
+                          <a:srgbClr val="000000"/>
+                        </a:buClr>
+                        <a:buSzPts val="1500"/>
+                        <a:buFont typeface="Arial"/>
+                        <a:buNone/>
+                      </a:pPr>
+                      <a:r>
+                        <a:rPr lang="ko-KR" altLang="en-US" sz="1500" b="0" u="none" strike="noStrike" cap="none" baseline="0" smtClean="0">
+                          <a:solidFill>
+                            <a:schemeClr val="dk1"/>
+                          </a:solidFill>
+                        </a:rPr>
+                        <a:t>변경할 비밀번호와 비밀번호 확인 일치를 확인하여 비밀번호 처리 프로세스로 이동한다</a:t>
+                      </a:r>
+                      <a:r>
+                        <a:rPr lang="en-US" altLang="ko-KR" sz="1500" b="0" u="none" strike="noStrike" cap="none" baseline="0" smtClean="0">
+                          <a:solidFill>
+                            <a:schemeClr val="dk1"/>
+                          </a:solidFill>
+                        </a:rPr>
+                        <a:t>.</a:t>
+                      </a:r>
+                      <a:endParaRPr lang="en-US" altLang="ko-KR" sz="1500" b="0" u="none" strike="noStrike" cap="none" baseline="0" dirty="0" smtClean="0">
+                        <a:solidFill>
+                          <a:schemeClr val="dk1"/>
+                        </a:solidFill>
+                      </a:endParaRPr>
+                    </a:p>
+                  </a:txBody>
+                  <a:tcPr marL="74304" marR="74304" marT="45725" marB="45725">
+                    <a:lnL w="12700" cap="flat" cmpd="sng">
+                      <a:solidFill>
+                        <a:schemeClr val="dk1"/>
+                      </a:solidFill>
+                      <a:prstDash val="solid"/>
+                      <a:round/>
+                      <a:headEnd type="none" w="sm" len="sm"/>
+                      <a:tailEnd type="none" w="sm" len="sm"/>
+                    </a:lnL>
+                    <a:lnR w="12700" cap="flat" cmpd="sng">
+                      <a:solidFill>
+                        <a:schemeClr val="dk1"/>
+                      </a:solidFill>
+                      <a:prstDash val="solid"/>
+                      <a:round/>
+                      <a:headEnd type="none" w="sm" len="sm"/>
+                      <a:tailEnd type="none" w="sm" len="sm"/>
+                    </a:lnR>
+                    <a:lnT w="12700" cap="flat" cmpd="sng">
+                      <a:solidFill>
+                        <a:schemeClr val="dk1"/>
+                      </a:solidFill>
+                      <a:prstDash val="solid"/>
+                      <a:round/>
+                      <a:headEnd type="none" w="sm" len="sm"/>
+                      <a:tailEnd type="none" w="sm" len="sm"/>
+                    </a:lnT>
+                    <a:lnB w="12700" cap="flat" cmpd="sng">
+                      <a:solidFill>
+                        <a:schemeClr val="dk1"/>
+                      </a:solidFill>
+                      <a:prstDash val="solid"/>
+                      <a:round/>
+                      <a:headEnd type="none" w="sm" len="sm"/>
+                      <a:tailEnd type="none" w="sm" len="sm"/>
+                    </a:lnB>
+                    <a:solidFill>
+                      <a:schemeClr val="lt1"/>
+                    </a:solidFill>
+                  </a:tcPr>
+                </a:tc>
+                <a:extLst>
+                  <a:ext uri="{0D108BD9-81ED-4DB2-BD59-A6C34878D82A}">
+                    <a16:rowId xmlns:a16="http://schemas.microsoft.com/office/drawing/2014/main" xmlns="" val="10001"/>
+                  </a:ext>
+                </a:extLst>
+              </a:tr>
+              <a:tr h="892175">
+                <a:tc>
+                  <a:txBody>
+                    <a:bodyPr/>
+                    <a:lstStyle/>
+                    <a:p>
+                      <a:pPr marL="0" marR="0" lvl="0" indent="0" algn="ctr" rtl="0">
+                        <a:lnSpc>
+                          <a:spcPct val="100000"/>
+                        </a:lnSpc>
+                        <a:spcBef>
+                          <a:spcPts val="0"/>
+                        </a:spcBef>
+                        <a:spcAft>
+                          <a:spcPts val="0"/>
+                        </a:spcAft>
+                        <a:buNone/>
+                      </a:pPr>
+                      <a:endParaRPr sz="1500" dirty="0"/>
+                    </a:p>
+                  </a:txBody>
+                  <a:tcPr marL="74304" marR="74304" marT="45725" marB="45725" anchor="ctr">
+                    <a:lnL w="12700" cap="flat" cmpd="sng">
+                      <a:solidFill>
+                        <a:schemeClr val="dk1"/>
+                      </a:solidFill>
+                      <a:prstDash val="solid"/>
+                      <a:round/>
+                      <a:headEnd type="none" w="sm" len="sm"/>
+                      <a:tailEnd type="none" w="sm" len="sm"/>
+                    </a:lnL>
+                    <a:lnR w="12700" cap="flat" cmpd="sng" algn="ctr">
+                      <a:solidFill>
+                        <a:schemeClr val="dk1"/>
+                      </a:solidFill>
+                      <a:prstDash val="solid"/>
+                      <a:round/>
+                      <a:headEnd type="none" w="sm" len="sm"/>
+                      <a:tailEnd type="none" w="sm" len="sm"/>
+                    </a:lnR>
+                    <a:lnT w="12700" cap="flat" cmpd="sng" algn="ctr">
+                      <a:solidFill>
+                        <a:schemeClr val="dk1"/>
+                      </a:solidFill>
+                      <a:prstDash val="solid"/>
+                      <a:round/>
+                      <a:headEnd type="none" w="sm" len="sm"/>
+                      <a:tailEnd type="none" w="sm" len="sm"/>
+                    </a:lnT>
+                    <a:lnB w="12700" cap="flat" cmpd="sng">
+                      <a:solidFill>
+                        <a:schemeClr val="dk1"/>
+                      </a:solidFill>
+                      <a:prstDash val="solid"/>
+                      <a:round/>
+                      <a:headEnd type="none" w="sm" len="sm"/>
+                      <a:tailEnd type="none" w="sm" len="sm"/>
+                    </a:lnB>
+                    <a:solidFill>
+                      <a:schemeClr val="lt1"/>
+                    </a:solidFill>
+                  </a:tcPr>
+                </a:tc>
+                <a:tc>
+                  <a:txBody>
+                    <a:bodyPr/>
+                    <a:lstStyle/>
+                    <a:p>
+                      <a:pPr marL="0" marR="0" lvl="0" indent="0" algn="l" rtl="0">
+                        <a:lnSpc>
+                          <a:spcPct val="100000"/>
+                        </a:lnSpc>
+                        <a:spcBef>
+                          <a:spcPts val="0"/>
+                        </a:spcBef>
+                        <a:spcAft>
+                          <a:spcPts val="0"/>
+                        </a:spcAft>
+                        <a:buNone/>
+                      </a:pPr>
+                      <a:endParaRPr sz="1500" dirty="0"/>
+                    </a:p>
+                  </a:txBody>
+                  <a:tcPr marL="74304" marR="74304" marT="45725" marB="45725">
+                    <a:lnL w="12700" cap="flat" cmpd="sng" algn="ctr">
+                      <a:solidFill>
+                        <a:schemeClr val="dk1"/>
+                      </a:solidFill>
+                      <a:prstDash val="solid"/>
+                      <a:round/>
+                      <a:headEnd type="none" w="sm" len="sm"/>
+                      <a:tailEnd type="none" w="sm" len="sm"/>
+                    </a:lnL>
+                    <a:lnR w="12700" cap="flat" cmpd="sng">
+                      <a:solidFill>
+                        <a:schemeClr val="dk1"/>
+                      </a:solidFill>
+                      <a:prstDash val="solid"/>
+                      <a:round/>
+                      <a:headEnd type="none" w="sm" len="sm"/>
+                      <a:tailEnd type="none" w="sm" len="sm"/>
+                    </a:lnR>
+                    <a:lnT w="12700" cap="flat" cmpd="sng" algn="ctr">
+                      <a:solidFill>
+                        <a:schemeClr val="dk1"/>
+                      </a:solidFill>
+                      <a:prstDash val="solid"/>
+                      <a:round/>
+                      <a:headEnd type="none" w="sm" len="sm"/>
+                      <a:tailEnd type="none" w="sm" len="sm"/>
+                    </a:lnT>
+                    <a:lnB w="12700" cap="flat" cmpd="sng">
+                      <a:solidFill>
+                        <a:schemeClr val="dk1"/>
+                      </a:solidFill>
+                      <a:prstDash val="solid"/>
+                      <a:round/>
+                      <a:headEnd type="none" w="sm" len="sm"/>
+                      <a:tailEnd type="none" w="sm" len="sm"/>
+                    </a:lnB>
+                    <a:solidFill>
+                      <a:schemeClr val="lt1"/>
+                    </a:solidFill>
+                  </a:tcPr>
+                </a:tc>
+                <a:extLst>
+                  <a:ext uri="{0D108BD9-81ED-4DB2-BD59-A6C34878D82A}">
+                    <a16:rowId xmlns:a16="http://schemas.microsoft.com/office/drawing/2014/main" xmlns="" val="10002"/>
+                  </a:ext>
+                </a:extLst>
+              </a:tr>
+            </a:tbl>
+          </a:graphicData>
+        </a:graphic>
+      </p:graphicFrame>
+      <p:graphicFrame>
+        <p:nvGraphicFramePr>
+          <p:cNvPr id="6" name="표 5"/>
+          <p:cNvGraphicFramePr>
+            <a:graphicFrameLocks noGrp="1"/>
+          </p:cNvGraphicFramePr>
+          <p:nvPr>
+            <p:extLst/>
+          </p:nvPr>
+        </p:nvGraphicFramePr>
+        <p:xfrm>
+          <a:off x="8501614" y="2455885"/>
+          <a:ext cx="1944216" cy="640100"/>
+        </p:xfrm>
+        <a:graphic>
+          <a:graphicData uri="http://schemas.openxmlformats.org/drawingml/2006/table">
+            <a:tbl>
+              <a:tblPr firstRow="1" bandRow="1">
+                <a:noFill/>
+              </a:tblPr>
+              <a:tblGrid>
+                <a:gridCol w="1944216"/>
+              </a:tblGrid>
+              <a:tr h="168164">
+                <a:tc>
+                  <a:txBody>
+                    <a:bodyPr/>
+                    <a:lstStyle/>
+                    <a:p>
+                      <a:pPr marL="0" marR="0" lvl="0" indent="0" algn="ctr" rtl="0">
+                        <a:lnSpc>
+                          <a:spcPct val="100000"/>
+                        </a:lnSpc>
+                        <a:spcBef>
+                          <a:spcPts val="0"/>
+                        </a:spcBef>
+                        <a:spcAft>
+                          <a:spcPts val="0"/>
+                        </a:spcAft>
+                        <a:buClr>
+                          <a:srgbClr val="000000"/>
+                        </a:buClr>
+                        <a:buSzPts val="1500"/>
+                        <a:buFont typeface="Arial"/>
+                        <a:buNone/>
+                      </a:pPr>
+                      <a:r>
+                        <a:rPr lang="ko-KR" altLang="en-US" sz="1500" b="0" u="none" strike="noStrike" cap="none" dirty="0" smtClean="0">
+                          <a:solidFill>
+                            <a:schemeClr val="dk1"/>
+                          </a:solidFill>
+                        </a:rPr>
+                        <a:t>화면코드</a:t>
+                      </a:r>
+                      <a:endParaRPr sz="1500" b="0" u="none" strike="noStrike" cap="none" dirty="0">
+                        <a:solidFill>
+                          <a:schemeClr val="dk1"/>
+                        </a:solidFill>
+                      </a:endParaRPr>
+                    </a:p>
+                  </a:txBody>
+                  <a:tcPr marL="74304" marR="74304" marT="45725" marB="45725" anchor="ctr">
+                    <a:lnL w="12700" cap="flat" cmpd="sng">
+                      <a:solidFill>
+                        <a:schemeClr val="dk1"/>
+                      </a:solidFill>
+                      <a:prstDash val="solid"/>
+                      <a:round/>
+                      <a:headEnd type="none" w="sm" len="sm"/>
+                      <a:tailEnd type="none" w="sm" len="sm"/>
+                    </a:lnL>
+                    <a:lnR w="12700" cap="flat" cmpd="sng">
+                      <a:solidFill>
+                        <a:schemeClr val="dk1"/>
+                      </a:solidFill>
+                      <a:prstDash val="solid"/>
+                      <a:round/>
+                      <a:headEnd type="none" w="sm" len="sm"/>
+                      <a:tailEnd type="none" w="sm" len="sm"/>
+                    </a:lnR>
+                    <a:lnT w="12700" cap="flat" cmpd="sng">
+                      <a:solidFill>
+                        <a:schemeClr val="dk1"/>
+                      </a:solidFill>
+                      <a:prstDash val="solid"/>
+                      <a:round/>
+                      <a:headEnd type="none" w="sm" len="sm"/>
+                      <a:tailEnd type="none" w="sm" len="sm"/>
+                    </a:lnT>
+                    <a:lnB w="12700" cap="flat" cmpd="sng" algn="ctr">
+                      <a:solidFill>
+                        <a:schemeClr val="dk1"/>
+                      </a:solidFill>
+                      <a:prstDash val="solid"/>
+                      <a:round/>
+                      <a:headEnd type="none" w="sm" len="sm"/>
+                      <a:tailEnd type="none" w="sm" len="sm"/>
+                    </a:lnB>
+                    <a:solidFill>
+                      <a:srgbClr val="D8D8D8"/>
+                    </a:solidFill>
+                  </a:tcPr>
+                </a:tc>
+              </a:tr>
+              <a:tr h="168164">
+                <a:tc>
+                  <a:txBody>
+                    <a:bodyPr/>
+                    <a:lstStyle/>
+                    <a:p>
+                      <a:pPr marL="0" marR="0" lvl="0" indent="0" algn="ctr" defTabSz="914400" rtl="0" eaLnBrk="1" fontAlgn="auto" latinLnBrk="1" hangingPunct="1">
+                        <a:lnSpc>
+                          <a:spcPct val="100000"/>
+                        </a:lnSpc>
+                        <a:spcBef>
+                          <a:spcPts val="0"/>
+                        </a:spcBef>
+                        <a:spcAft>
+                          <a:spcPts val="0"/>
+                        </a:spcAft>
+                        <a:buClr>
+                          <a:srgbClr val="000000"/>
+                        </a:buClr>
+                        <a:buSzPts val="1500"/>
+                        <a:buFont typeface="Arial"/>
+                        <a:buNone/>
+                        <a:tabLst/>
+                        <a:defRPr/>
+                      </a:pPr>
+                      <a:r>
+                        <a:rPr lang="en-US" altLang="ko-KR" sz="1500" b="0" u="none" strike="noStrike" cap="none" smtClean="0">
+                          <a:solidFill>
+                            <a:schemeClr val="dk1"/>
+                          </a:solidFill>
+                        </a:rPr>
+                        <a:t>kb_user_w_findPass</a:t>
+                      </a:r>
+                      <a:endParaRPr lang="en-US" altLang="ko-KR" sz="1500" b="0" u="none" strike="noStrike" cap="none" dirty="0" smtClean="0">
+                        <a:solidFill>
+                          <a:schemeClr val="dk1"/>
+                        </a:solidFill>
+                      </a:endParaRPr>
+                    </a:p>
+                  </a:txBody>
+                  <a:tcPr marL="74304" marR="74304" marT="45725" marB="45725" anchor="ctr">
+                    <a:lnL w="12700" cap="flat" cmpd="sng" algn="ctr">
+                      <a:solidFill>
+                        <a:schemeClr val="dk1"/>
+                      </a:solidFill>
+                      <a:prstDash val="solid"/>
+                      <a:round/>
+                      <a:headEnd type="none" w="sm" len="sm"/>
+                      <a:tailEnd type="none" w="sm" len="sm"/>
+                    </a:lnL>
+                    <a:lnR w="12700" cap="flat" cmpd="sng" algn="ctr">
+                      <a:solidFill>
+                        <a:schemeClr val="dk1"/>
+                      </a:solidFill>
+                      <a:prstDash val="solid"/>
+                      <a:round/>
+                      <a:headEnd type="none" w="sm" len="sm"/>
+                      <a:tailEnd type="none" w="sm" len="sm"/>
+                    </a:lnR>
+                    <a:lnT w="12700" cap="flat" cmpd="sng" algn="ctr">
+                      <a:solidFill>
+                        <a:schemeClr val="dk1"/>
+                      </a:solidFill>
+                      <a:prstDash val="solid"/>
+                      <a:round/>
+                      <a:headEnd type="none" w="sm" len="sm"/>
+                      <a:tailEnd type="none" w="sm" len="sm"/>
+                    </a:lnT>
+                    <a:lnB w="12700" cap="flat" cmpd="sng">
+                      <a:solidFill>
+                        <a:schemeClr val="dk1"/>
+                      </a:solidFill>
+                      <a:prstDash val="solid"/>
+                      <a:round/>
+                      <a:headEnd type="none" w="sm" len="sm"/>
+                      <a:tailEnd type="none" w="sm" len="sm"/>
+                    </a:lnB>
+                    <a:solidFill>
+                      <a:schemeClr val="bg1"/>
+                    </a:solidFill>
+                  </a:tcPr>
+                </a:tc>
+              </a:tr>
+            </a:tbl>
+          </a:graphicData>
+        </a:graphic>
+      </p:graphicFrame>
+      <p:pic>
+        <p:nvPicPr>
+          <p:cNvPr id="7" name="그림 6"/>
+          <p:cNvPicPr>
+            <a:picLocks noChangeAspect="1"/>
+          </p:cNvPicPr>
+          <p:nvPr/>
+        </p:nvPicPr>
+        <p:blipFill>
+          <a:blip r:embed="rId2"/>
+          <a:stretch>
+            <a:fillRect/>
+          </a:stretch>
+        </p:blipFill>
+        <p:spPr>
+          <a:xfrm>
+            <a:off x="796249" y="1739072"/>
+            <a:ext cx="6048375" cy="4591050"/>
+          </a:xfrm>
+          <a:prstGeom prst="rect">
+            <a:avLst/>
+          </a:prstGeom>
+        </p:spPr>
+      </p:pic>
+    </p:spTree>
+    <p:extLst>
+      <p:ext uri="{BB962C8B-B14F-4D97-AF65-F5344CB8AC3E}">
+        <p14:creationId xmlns:p14="http://schemas.microsoft.com/office/powerpoint/2010/main" val="494261914"/>
+      </p:ext>
+    </p:extLst>
+  </p:cSld>
+  <p:clrMapOvr>
+    <a:masterClrMapping/>
+  </p:clrMapOvr>
+  <p:timing>
+    <p:tnLst>
+      <p:par>
+        <p:cTn id="1" dur="indefinite" restart="never" nodeType="tmRoot"/>
+      </p:par>
+    </p:tnLst>
+  </p:timing>
+</p:sld>
+</file>
+
+<file path=ppt/slides/slide7.xml><?xml version="1.0" encoding="utf-8"?>
+<p:sld xmlns:a="http://schemas.openxmlformats.org/drawingml/2006/main" xmlns:r="http://schemas.openxmlformats.org/officeDocument/2006/relationships" xmlns:p="http://schemas.openxmlformats.org/presentationml/2006/main">
+  <p:cSld>
+    <p:spTree>
+      <p:nvGrpSpPr>
+        <p:cNvPr id="1" name=""/>
+        <p:cNvGrpSpPr/>
+        <p:nvPr/>
+      </p:nvGrpSpPr>
+      <p:grpSpPr>
+        <a:xfrm>
+          <a:off x="0" y="0"/>
+          <a:ext cx="0" cy="0"/>
+          <a:chOff x="0" y="0"/>
+          <a:chExt cx="0" cy="0"/>
+        </a:xfrm>
+      </p:grpSpPr>
+      <p:sp>
+        <p:nvSpPr>
+          <p:cNvPr id="2" name="제목 1"/>
+          <p:cNvSpPr>
+            <a:spLocks noGrp="1"/>
+          </p:cNvSpPr>
+          <p:nvPr>
+            <p:ph type="title"/>
+          </p:nvPr>
+        </p:nvSpPr>
+        <p:spPr/>
+        <p:txBody>
+          <a:bodyPr/>
+          <a:lstStyle/>
+          <a:p>
+            <a:r>
+              <a:rPr lang="en-US" altLang="ko-KR" sz="2800" b="0"/>
+              <a:t>[</a:t>
+            </a:r>
+            <a:r>
+              <a:rPr lang="ko-KR" altLang="en-US" sz="2800" b="0" smtClean="0"/>
+              <a:t>화면구현</a:t>
+            </a:r>
+            <a:r>
+              <a:rPr lang="en-US" altLang="ko-KR" sz="2800" b="0" smtClean="0"/>
+              <a:t>] </a:t>
+            </a:r>
+            <a:r>
+              <a:rPr lang="ko-KR" altLang="en-US" sz="2800" b="0"/>
+              <a:t>사용자 </a:t>
+            </a:r>
+            <a:r>
+              <a:rPr lang="en-US" altLang="ko-KR" sz="2800" b="0"/>
+              <a:t>– </a:t>
+            </a:r>
+            <a:r>
+              <a:rPr lang="ko-KR" altLang="en-US" sz="2800" b="0"/>
+              <a:t>웹 </a:t>
+            </a:r>
+            <a:r>
+              <a:rPr lang="en-US" altLang="ko-KR" sz="2800" b="0" smtClean="0"/>
+              <a:t>– </a:t>
+            </a:r>
+            <a:r>
+              <a:rPr lang="ko-KR" altLang="en-US" sz="2800" b="0" smtClean="0"/>
+              <a:t>비밀번호 변경</a:t>
+            </a:r>
+            <a:r>
+              <a:rPr lang="ko-KR" altLang="en-US" sz="1600" b="0" smtClean="0"/>
+              <a:t> </a:t>
+            </a:r>
+            <a:endParaRPr lang="ko-KR" altLang="en-US"/>
+          </a:p>
+        </p:txBody>
+      </p:sp>
+      <p:pic>
+        <p:nvPicPr>
+          <p:cNvPr id="4" name="그림 3"/>
+          <p:cNvPicPr>
+            <a:picLocks noChangeAspect="1"/>
+          </p:cNvPicPr>
+          <p:nvPr/>
+        </p:nvPicPr>
+        <p:blipFill>
+          <a:blip r:embed="rId2"/>
+          <a:stretch>
+            <a:fillRect/>
+          </a:stretch>
+        </p:blipFill>
+        <p:spPr>
+          <a:xfrm>
+            <a:off x="249206" y="1414658"/>
+            <a:ext cx="6972300" cy="2280266"/>
+          </a:xfrm>
+          <a:prstGeom prst="rect">
+            <a:avLst/>
+          </a:prstGeom>
+          <a:ln w="25400">
+            <a:solidFill>
+              <a:schemeClr val="tx1"/>
+            </a:solidFill>
+          </a:ln>
+        </p:spPr>
+      </p:pic>
+      <p:pic>
+        <p:nvPicPr>
+          <p:cNvPr id="5" name="그림 4"/>
+          <p:cNvPicPr>
+            <a:picLocks noChangeAspect="1"/>
+          </p:cNvPicPr>
+          <p:nvPr/>
+        </p:nvPicPr>
+        <p:blipFill>
+          <a:blip r:embed="rId3"/>
+          <a:stretch>
+            <a:fillRect/>
+          </a:stretch>
+        </p:blipFill>
+        <p:spPr>
+          <a:xfrm>
+            <a:off x="249206" y="3854885"/>
+            <a:ext cx="6581775" cy="2424617"/>
+          </a:xfrm>
+          <a:prstGeom prst="rect">
+            <a:avLst/>
+          </a:prstGeom>
+          <a:ln w="25400">
+            <a:solidFill>
+              <a:schemeClr val="tx1"/>
+            </a:solidFill>
+          </a:ln>
+        </p:spPr>
+      </p:pic>
+      <p:pic>
+        <p:nvPicPr>
+          <p:cNvPr id="6" name="그림 5"/>
+          <p:cNvPicPr>
+            <a:picLocks noChangeAspect="1"/>
+          </p:cNvPicPr>
+          <p:nvPr/>
+        </p:nvPicPr>
+        <p:blipFill>
+          <a:blip r:embed="rId4"/>
+          <a:stretch>
+            <a:fillRect/>
+          </a:stretch>
+        </p:blipFill>
+        <p:spPr>
+          <a:xfrm>
+            <a:off x="7436498" y="4513101"/>
+            <a:ext cx="3805626" cy="1657350"/>
+          </a:xfrm>
+          <a:prstGeom prst="rect">
+            <a:avLst/>
+          </a:prstGeom>
+          <a:ln>
+            <a:solidFill>
+              <a:schemeClr val="tx1"/>
+            </a:solidFill>
+          </a:ln>
+        </p:spPr>
+      </p:pic>
+      <p:pic>
+        <p:nvPicPr>
+          <p:cNvPr id="9" name="그림 8"/>
+          <p:cNvPicPr>
+            <a:picLocks noChangeAspect="1"/>
+          </p:cNvPicPr>
+          <p:nvPr/>
+        </p:nvPicPr>
+        <p:blipFill>
+          <a:blip r:embed="rId5"/>
+          <a:stretch>
+            <a:fillRect/>
+          </a:stretch>
+        </p:blipFill>
+        <p:spPr>
+          <a:xfrm>
+            <a:off x="7571889" y="1614197"/>
+            <a:ext cx="3534844" cy="2577970"/>
+          </a:xfrm>
+          <a:prstGeom prst="rect">
+            <a:avLst/>
+          </a:prstGeom>
+          <a:ln>
+            <a:solidFill>
+              <a:schemeClr val="tx1"/>
+            </a:solidFill>
+          </a:ln>
+        </p:spPr>
+      </p:pic>
+    </p:spTree>
+    <p:extLst>
+      <p:ext uri="{BB962C8B-B14F-4D97-AF65-F5344CB8AC3E}">
+        <p14:creationId xmlns:p14="http://schemas.microsoft.com/office/powerpoint/2010/main" val="3764539630"/>
+      </p:ext>
+    </p:extLst>
+  </p:cSld>
+  <p:clrMapOvr>
+    <a:masterClrMapping/>
+  </p:clrMapOvr>
+  <p:timing>
+    <p:tnLst>
+      <p:par>
+        <p:cTn id="1" dur="indefinite" restart="never" nodeType="tmRoot"/>
+      </p:par>
+    </p:tnLst>
+  </p:timing>
 </p:sld>
 </file>
 

--- a/0 발표용 파워포인트/0424 4차발표/0424 project05 - 파워포인트 - 기범.pptx
+++ b/0 발표용 파워포인트/0424 4차발표/0424 project05 - 파워포인트 - 기범.pptx
@@ -5,7 +5,7 @@
     <p:sldMasterId id="2147483648" r:id="rId1"/>
   </p:sldMasterIdLst>
   <p:notesMasterIdLst>
-    <p:notesMasterId r:id="rId9"/>
+    <p:notesMasterId r:id="rId25"/>
   </p:notesMasterIdLst>
   <p:sldIdLst>
     <p:sldId id="256" r:id="rId2"/>
@@ -13,8 +13,24 @@
     <p:sldId id="258" r:id="rId4"/>
     <p:sldId id="260" r:id="rId5"/>
     <p:sldId id="261" r:id="rId6"/>
-    <p:sldId id="262" r:id="rId7"/>
-    <p:sldId id="263" r:id="rId8"/>
+    <p:sldId id="264" r:id="rId7"/>
+    <p:sldId id="265" r:id="rId8"/>
+    <p:sldId id="266" r:id="rId9"/>
+    <p:sldId id="267" r:id="rId10"/>
+    <p:sldId id="268" r:id="rId11"/>
+    <p:sldId id="262" r:id="rId12"/>
+    <p:sldId id="263" r:id="rId13"/>
+    <p:sldId id="269" r:id="rId14"/>
+    <p:sldId id="279" r:id="rId15"/>
+    <p:sldId id="270" r:id="rId16"/>
+    <p:sldId id="271" r:id="rId17"/>
+    <p:sldId id="272" r:id="rId18"/>
+    <p:sldId id="273" r:id="rId19"/>
+    <p:sldId id="274" r:id="rId20"/>
+    <p:sldId id="276" r:id="rId21"/>
+    <p:sldId id="277" r:id="rId22"/>
+    <p:sldId id="275" r:id="rId23"/>
+    <p:sldId id="278" r:id="rId24"/>
   </p:sldIdLst>
   <p:sldSz cx="12192000" cy="6858000"/>
   <p:notesSz cx="6858000" cy="9144000"/>
@@ -215,7 +231,7 @@
             <a:fld id="{EFE7F2A0-C7D9-4DBD-AE3B-C1A712DCE501}" type="datetimeFigureOut">
               <a:rPr lang="ko-KR" altLang="en-US" smtClean="0"/>
               <a:pPr/>
-              <a:t>2020-04-20</a:t>
+              <a:t>2020-04-23</a:t>
             </a:fld>
             <a:endParaRPr lang="ko-KR" altLang="en-US"/>
           </a:p>
@@ -616,7 +632,7 @@
             <a:fld id="{272C3D53-FEDF-49EC-8F65-FFFC138B637E}" type="datetimeFigureOut">
               <a:rPr lang="ko-KR" altLang="en-US" smtClean="0"/>
               <a:pPr/>
-              <a:t>2020-04-20</a:t>
+              <a:t>2020-04-23</a:t>
             </a:fld>
             <a:endParaRPr lang="ko-KR" altLang="en-US"/>
           </a:p>
@@ -788,7 +804,7 @@
             <a:fld id="{272C3D53-FEDF-49EC-8F65-FFFC138B637E}" type="datetimeFigureOut">
               <a:rPr lang="ko-KR" altLang="en-US" smtClean="0"/>
               <a:pPr/>
-              <a:t>2020-04-20</a:t>
+              <a:t>2020-04-23</a:t>
             </a:fld>
             <a:endParaRPr lang="ko-KR" altLang="en-US"/>
           </a:p>
@@ -970,7 +986,7 @@
             <a:fld id="{272C3D53-FEDF-49EC-8F65-FFFC138B637E}" type="datetimeFigureOut">
               <a:rPr lang="ko-KR" altLang="en-US" smtClean="0"/>
               <a:pPr/>
-              <a:t>2020-04-20</a:t>
+              <a:t>2020-04-23</a:t>
             </a:fld>
             <a:endParaRPr lang="ko-KR" altLang="en-US"/>
           </a:p>
@@ -1166,7 +1182,7 @@
             <a:fld id="{ED3D6733-6F27-4404-AB51-585418F146E5}" type="datetimeFigureOut">
               <a:rPr lang="ko-KR" altLang="en-US" smtClean="0"/>
               <a:pPr/>
-              <a:t>2020-04-20</a:t>
+              <a:t>2020-04-23</a:t>
             </a:fld>
             <a:endParaRPr lang="ko-KR" altLang="en-US"/>
           </a:p>
@@ -1459,7 +1475,7 @@
             <a:fld id="{272C3D53-FEDF-49EC-8F65-FFFC138B637E}" type="datetimeFigureOut">
               <a:rPr lang="ko-KR" altLang="en-US" smtClean="0"/>
               <a:pPr/>
-              <a:t>2020-04-20</a:t>
+              <a:t>2020-04-23</a:t>
             </a:fld>
             <a:endParaRPr lang="ko-KR" altLang="en-US"/>
           </a:p>
@@ -1707,7 +1723,7 @@
             <a:fld id="{272C3D53-FEDF-49EC-8F65-FFFC138B637E}" type="datetimeFigureOut">
               <a:rPr lang="ko-KR" altLang="en-US" smtClean="0"/>
               <a:pPr/>
-              <a:t>2020-04-20</a:t>
+              <a:t>2020-04-23</a:t>
             </a:fld>
             <a:endParaRPr lang="ko-KR" altLang="en-US"/>
           </a:p>
@@ -1941,7 +1957,7 @@
             <a:fld id="{272C3D53-FEDF-49EC-8F65-FFFC138B637E}" type="datetimeFigureOut">
               <a:rPr lang="ko-KR" altLang="en-US" smtClean="0"/>
               <a:pPr/>
-              <a:t>2020-04-20</a:t>
+              <a:t>2020-04-23</a:t>
             </a:fld>
             <a:endParaRPr lang="ko-KR" altLang="en-US"/>
           </a:p>
@@ -2310,7 +2326,7 @@
             <a:fld id="{272C3D53-FEDF-49EC-8F65-FFFC138B637E}" type="datetimeFigureOut">
               <a:rPr lang="ko-KR" altLang="en-US" smtClean="0"/>
               <a:pPr/>
-              <a:t>2020-04-20</a:t>
+              <a:t>2020-04-23</a:t>
             </a:fld>
             <a:endParaRPr lang="ko-KR" altLang="en-US"/>
           </a:p>
@@ -2430,7 +2446,7 @@
             <a:fld id="{272C3D53-FEDF-49EC-8F65-FFFC138B637E}" type="datetimeFigureOut">
               <a:rPr lang="ko-KR" altLang="en-US" smtClean="0"/>
               <a:pPr/>
-              <a:t>2020-04-20</a:t>
+              <a:t>2020-04-23</a:t>
             </a:fld>
             <a:endParaRPr lang="ko-KR" altLang="en-US"/>
           </a:p>
@@ -2527,7 +2543,7 @@
             <a:fld id="{272C3D53-FEDF-49EC-8F65-FFFC138B637E}" type="datetimeFigureOut">
               <a:rPr lang="ko-KR" altLang="en-US" smtClean="0"/>
               <a:pPr/>
-              <a:t>2020-04-20</a:t>
+              <a:t>2020-04-23</a:t>
             </a:fld>
             <a:endParaRPr lang="ko-KR" altLang="en-US"/>
           </a:p>
@@ -2806,7 +2822,7 @@
             <a:fld id="{272C3D53-FEDF-49EC-8F65-FFFC138B637E}" type="datetimeFigureOut">
               <a:rPr lang="ko-KR" altLang="en-US" smtClean="0"/>
               <a:pPr/>
-              <a:t>2020-04-20</a:t>
+              <a:t>2020-04-23</a:t>
             </a:fld>
             <a:endParaRPr lang="ko-KR" altLang="en-US"/>
           </a:p>
@@ -3061,7 +3077,7 @@
             <a:fld id="{272C3D53-FEDF-49EC-8F65-FFFC138B637E}" type="datetimeFigureOut">
               <a:rPr lang="ko-KR" altLang="en-US" smtClean="0"/>
               <a:pPr/>
-              <a:t>2020-04-20</a:t>
+              <a:t>2020-04-23</a:t>
             </a:fld>
             <a:endParaRPr lang="ko-KR" altLang="en-US"/>
           </a:p>
@@ -3276,7 +3292,7 @@
             <a:fld id="{272C3D53-FEDF-49EC-8F65-FFFC138B637E}" type="datetimeFigureOut">
               <a:rPr lang="ko-KR" altLang="en-US" smtClean="0"/>
               <a:pPr/>
-              <a:t>2020-04-20</a:t>
+              <a:t>2020-04-23</a:t>
             </a:fld>
             <a:endParaRPr lang="ko-KR" altLang="en-US"/>
           </a:p>
@@ -3768,7 +3784,1667 @@
 </p:sld>
 </file>
 
-<file path=ppt/slides/slide2.xml><?xml version="1.0" encoding="utf-8"?>
+<file path=ppt/slides/slide10.xml><?xml version="1.0" encoding="utf-8"?>
+<p:sld xmlns:a="http://schemas.openxmlformats.org/drawingml/2006/main" xmlns:r="http://schemas.openxmlformats.org/officeDocument/2006/relationships" xmlns:p="http://schemas.openxmlformats.org/presentationml/2006/main">
+  <p:cSld>
+    <p:spTree>
+      <p:nvGrpSpPr>
+        <p:cNvPr id="1" name=""/>
+        <p:cNvGrpSpPr/>
+        <p:nvPr/>
+      </p:nvGrpSpPr>
+      <p:grpSpPr>
+        <a:xfrm>
+          <a:off x="0" y="0"/>
+          <a:ext cx="0" cy="0"/>
+          <a:chOff x="0" y="0"/>
+          <a:chExt cx="0" cy="0"/>
+        </a:xfrm>
+      </p:grpSpPr>
+      <p:sp>
+        <p:nvSpPr>
+          <p:cNvPr id="5" name="제목 1"/>
+          <p:cNvSpPr>
+            <a:spLocks noGrp="1"/>
+          </p:cNvSpPr>
+          <p:nvPr>
+            <p:ph type="title"/>
+          </p:nvPr>
+        </p:nvSpPr>
+        <p:spPr/>
+        <p:txBody>
+          <a:bodyPr/>
+          <a:lstStyle/>
+          <a:p>
+            <a:r>
+              <a:rPr lang="en-US" altLang="ko-KR" sz="2800" b="0"/>
+              <a:t>[</a:t>
+            </a:r>
+            <a:r>
+              <a:rPr lang="ko-KR" altLang="en-US" sz="2800" b="0" smtClean="0"/>
+              <a:t>화면구현</a:t>
+            </a:r>
+            <a:r>
+              <a:rPr lang="en-US" altLang="ko-KR" sz="2800" b="0" smtClean="0"/>
+              <a:t>] </a:t>
+            </a:r>
+            <a:r>
+              <a:rPr lang="ko-KR" altLang="en-US" sz="2800" b="0"/>
+              <a:t>사용자 </a:t>
+            </a:r>
+            <a:r>
+              <a:rPr lang="en-US" altLang="ko-KR" sz="2800" b="0"/>
+              <a:t>– </a:t>
+            </a:r>
+            <a:r>
+              <a:rPr lang="ko-KR" altLang="en-US" sz="2800" b="0"/>
+              <a:t>웹 </a:t>
+            </a:r>
+            <a:r>
+              <a:rPr lang="en-US" altLang="ko-KR" sz="2800" b="0" smtClean="0"/>
+              <a:t>– </a:t>
+            </a:r>
+            <a:r>
+              <a:rPr lang="ko-KR" altLang="en-US" sz="2800" b="0" smtClean="0"/>
+              <a:t>비밀번호 찾기</a:t>
+            </a:r>
+            <a:r>
+              <a:rPr lang="ko-KR" altLang="en-US" sz="1600" b="0" smtClean="0"/>
+              <a:t> </a:t>
+            </a:r>
+            <a:endParaRPr lang="ko-KR" altLang="en-US"/>
+          </a:p>
+        </p:txBody>
+      </p:sp>
+      <p:pic>
+        <p:nvPicPr>
+          <p:cNvPr id="6" name="그림 5"/>
+          <p:cNvPicPr>
+            <a:picLocks noChangeAspect="1"/>
+          </p:cNvPicPr>
+          <p:nvPr/>
+        </p:nvPicPr>
+        <p:blipFill>
+          <a:blip r:embed="rId2"/>
+          <a:stretch>
+            <a:fillRect/>
+          </a:stretch>
+        </p:blipFill>
+        <p:spPr>
+          <a:xfrm>
+            <a:off x="724428" y="1349483"/>
+            <a:ext cx="5275539" cy="5286375"/>
+          </a:xfrm>
+          <a:prstGeom prst="rect">
+            <a:avLst/>
+          </a:prstGeom>
+          <a:ln w="25400">
+            <a:solidFill>
+              <a:schemeClr val="tx1"/>
+            </a:solidFill>
+          </a:ln>
+        </p:spPr>
+      </p:pic>
+      <p:pic>
+        <p:nvPicPr>
+          <p:cNvPr id="7" name="그림 6"/>
+          <p:cNvPicPr>
+            <a:picLocks noChangeAspect="1"/>
+          </p:cNvPicPr>
+          <p:nvPr/>
+        </p:nvPicPr>
+        <p:blipFill>
+          <a:blip r:embed="rId3"/>
+          <a:stretch>
+            <a:fillRect/>
+          </a:stretch>
+        </p:blipFill>
+        <p:spPr>
+          <a:xfrm>
+            <a:off x="6059663" y="1349483"/>
+            <a:ext cx="5866161" cy="1152525"/>
+          </a:xfrm>
+          <a:prstGeom prst="rect">
+            <a:avLst/>
+          </a:prstGeom>
+          <a:ln>
+            <a:solidFill>
+              <a:schemeClr val="tx1"/>
+            </a:solidFill>
+          </a:ln>
+        </p:spPr>
+      </p:pic>
+      <p:pic>
+        <p:nvPicPr>
+          <p:cNvPr id="3" name="그림 2"/>
+          <p:cNvPicPr>
+            <a:picLocks noChangeAspect="1"/>
+          </p:cNvPicPr>
+          <p:nvPr/>
+        </p:nvPicPr>
+        <p:blipFill>
+          <a:blip r:embed="rId4"/>
+          <a:stretch>
+            <a:fillRect/>
+          </a:stretch>
+        </p:blipFill>
+        <p:spPr>
+          <a:xfrm>
+            <a:off x="6059663" y="2634631"/>
+            <a:ext cx="5217641" cy="314325"/>
+          </a:xfrm>
+          <a:prstGeom prst="rect">
+            <a:avLst/>
+          </a:prstGeom>
+          <a:ln>
+            <a:solidFill>
+              <a:schemeClr val="tx1"/>
+            </a:solidFill>
+          </a:ln>
+        </p:spPr>
+      </p:pic>
+      <p:pic>
+        <p:nvPicPr>
+          <p:cNvPr id="4" name="그림 3"/>
+          <p:cNvPicPr>
+            <a:picLocks noChangeAspect="1"/>
+          </p:cNvPicPr>
+          <p:nvPr/>
+        </p:nvPicPr>
+        <p:blipFill>
+          <a:blip r:embed="rId5"/>
+          <a:stretch>
+            <a:fillRect/>
+          </a:stretch>
+        </p:blipFill>
+        <p:spPr>
+          <a:xfrm>
+            <a:off x="6059663" y="3081579"/>
+            <a:ext cx="2466975" cy="333375"/>
+          </a:xfrm>
+          <a:prstGeom prst="rect">
+            <a:avLst/>
+          </a:prstGeom>
+          <a:ln>
+            <a:solidFill>
+              <a:schemeClr val="tx1"/>
+            </a:solidFill>
+          </a:ln>
+        </p:spPr>
+      </p:pic>
+      <p:pic>
+        <p:nvPicPr>
+          <p:cNvPr id="8" name="그림 7"/>
+          <p:cNvPicPr>
+            <a:picLocks noChangeAspect="1"/>
+          </p:cNvPicPr>
+          <p:nvPr/>
+        </p:nvPicPr>
+        <p:blipFill>
+          <a:blip r:embed="rId6"/>
+          <a:stretch>
+            <a:fillRect/>
+          </a:stretch>
+        </p:blipFill>
+        <p:spPr>
+          <a:xfrm>
+            <a:off x="6119020" y="3698788"/>
+            <a:ext cx="5098926" cy="2670459"/>
+          </a:xfrm>
+          <a:prstGeom prst="rect">
+            <a:avLst/>
+          </a:prstGeom>
+          <a:ln>
+            <a:solidFill>
+              <a:schemeClr val="tx1"/>
+            </a:solidFill>
+          </a:ln>
+        </p:spPr>
+      </p:pic>
+    </p:spTree>
+    <p:extLst>
+      <p:ext uri="{BB962C8B-B14F-4D97-AF65-F5344CB8AC3E}">
+        <p14:creationId xmlns:p14="http://schemas.microsoft.com/office/powerpoint/2010/main" val="1268084761"/>
+      </p:ext>
+    </p:extLst>
+  </p:cSld>
+  <p:clrMapOvr>
+    <a:masterClrMapping/>
+  </p:clrMapOvr>
+  <p:timing>
+    <p:tnLst>
+      <p:par>
+        <p:cTn id="1" dur="indefinite" restart="never" nodeType="tmRoot"/>
+      </p:par>
+    </p:tnLst>
+  </p:timing>
+</p:sld>
+</file>
+
+<file path=ppt/slides/slide11.xml><?xml version="1.0" encoding="utf-8"?>
+<p:sld xmlns:a="http://schemas.openxmlformats.org/drawingml/2006/main" xmlns:r="http://schemas.openxmlformats.org/officeDocument/2006/relationships" xmlns:p="http://schemas.openxmlformats.org/presentationml/2006/main">
+  <p:cSld>
+    <p:spTree>
+      <p:nvGrpSpPr>
+        <p:cNvPr id="1" name=""/>
+        <p:cNvGrpSpPr/>
+        <p:nvPr/>
+      </p:nvGrpSpPr>
+      <p:grpSpPr>
+        <a:xfrm>
+          <a:off x="0" y="0"/>
+          <a:ext cx="0" cy="0"/>
+          <a:chOff x="0" y="0"/>
+          <a:chExt cx="0" cy="0"/>
+        </a:xfrm>
+      </p:grpSpPr>
+      <p:sp>
+        <p:nvSpPr>
+          <p:cNvPr id="2" name="제목 1"/>
+          <p:cNvSpPr>
+            <a:spLocks noGrp="1"/>
+          </p:cNvSpPr>
+          <p:nvPr>
+            <p:ph type="title"/>
+          </p:nvPr>
+        </p:nvSpPr>
+        <p:spPr/>
+        <p:txBody>
+          <a:bodyPr/>
+          <a:lstStyle/>
+          <a:p>
+            <a:r>
+              <a:rPr lang="en-US" altLang="ko-KR" sz="2800" b="0"/>
+              <a:t>[</a:t>
+            </a:r>
+            <a:r>
+              <a:rPr lang="ko-KR" altLang="en-US" sz="2800" b="0"/>
+              <a:t>화면설계</a:t>
+            </a:r>
+            <a:r>
+              <a:rPr lang="en-US" altLang="ko-KR" sz="2800" b="0"/>
+              <a:t>] </a:t>
+            </a:r>
+            <a:r>
+              <a:rPr lang="ko-KR" altLang="en-US" sz="2800" b="0"/>
+              <a:t>사용자 </a:t>
+            </a:r>
+            <a:r>
+              <a:rPr lang="en-US" altLang="ko-KR" sz="2800" b="0"/>
+              <a:t>– </a:t>
+            </a:r>
+            <a:r>
+              <a:rPr lang="ko-KR" altLang="en-US" sz="2800" b="0"/>
+              <a:t>웹 </a:t>
+            </a:r>
+            <a:r>
+              <a:rPr lang="en-US" altLang="ko-KR" sz="2800" b="0" smtClean="0"/>
+              <a:t>– </a:t>
+            </a:r>
+            <a:r>
+              <a:rPr lang="ko-KR" altLang="en-US" sz="2800" b="0" smtClean="0"/>
+              <a:t>비밀번호 변경</a:t>
+            </a:r>
+            <a:r>
+              <a:rPr lang="ko-KR" altLang="en-US" sz="1600" b="0" smtClean="0"/>
+              <a:t> </a:t>
+            </a:r>
+            <a:endParaRPr lang="ko-KR" altLang="en-US"/>
+          </a:p>
+        </p:txBody>
+      </p:sp>
+      <p:sp>
+        <p:nvSpPr>
+          <p:cNvPr id="4" name="Google Shape;168;g7c553259d1_0_81"/>
+          <p:cNvSpPr/>
+          <p:nvPr/>
+        </p:nvSpPr>
+        <p:spPr>
+          <a:xfrm>
+            <a:off x="557356" y="1359647"/>
+            <a:ext cx="6526163" cy="5349900"/>
+          </a:xfrm>
+          <a:prstGeom prst="rect">
+            <a:avLst/>
+          </a:prstGeom>
+          <a:solidFill>
+            <a:schemeClr val="lt1"/>
+          </a:solidFill>
+          <a:ln w="12700" cap="flat" cmpd="sng">
+            <a:solidFill>
+              <a:schemeClr val="dk1"/>
+            </a:solidFill>
+            <a:prstDash val="solid"/>
+            <a:miter lim="800000"/>
+            <a:headEnd type="none" w="sm" len="sm"/>
+            <a:tailEnd type="none" w="sm" len="sm"/>
+          </a:ln>
+        </p:spPr>
+        <p:txBody>
+          <a:bodyPr spcFirstLastPara="1" wrap="square" lIns="91425" tIns="45700" rIns="91425" bIns="45700" anchor="ctr" anchorCtr="0">
+            <a:noAutofit/>
+          </a:bodyPr>
+          <a:lstStyle/>
+          <a:p>
+            <a:pPr algn="ctr">
+              <a:buClr>
+                <a:srgbClr val="000000"/>
+              </a:buClr>
+              <a:buSzPts val="1500"/>
+            </a:pPr>
+            <a:endParaRPr sz="1500" dirty="0">
+              <a:solidFill>
+                <a:schemeClr val="dk1"/>
+              </a:solidFill>
+              <a:latin typeface="Malgun Gothic"/>
+              <a:ea typeface="Malgun Gothic"/>
+              <a:cs typeface="Malgun Gothic"/>
+              <a:sym typeface="Malgun Gothic"/>
+            </a:endParaRPr>
+          </a:p>
+        </p:txBody>
+      </p:sp>
+      <p:graphicFrame>
+        <p:nvGraphicFramePr>
+          <p:cNvPr id="5" name="Google Shape;169;g7c553259d1_0_81"/>
+          <p:cNvGraphicFramePr/>
+          <p:nvPr>
+            <p:extLst/>
+          </p:nvPr>
+        </p:nvGraphicFramePr>
+        <p:xfrm>
+          <a:off x="8501614" y="3571468"/>
+          <a:ext cx="2869750" cy="2254175"/>
+        </p:xfrm>
+        <a:graphic>
+          <a:graphicData uri="http://schemas.openxmlformats.org/drawingml/2006/table">
+            <a:tbl>
+              <a:tblPr firstRow="1" bandRow="1">
+                <a:noFill/>
+              </a:tblPr>
+              <a:tblGrid>
+                <a:gridCol w="311106">
+                  <a:extLst>
+                    <a:ext uri="{9D8B030D-6E8A-4147-A177-3AD203B41FA5}">
+                      <a16:colId xmlns="" xmlns:a16="http://schemas.microsoft.com/office/drawing/2014/main" val="20000"/>
+                    </a:ext>
+                  </a:extLst>
+                </a:gridCol>
+                <a:gridCol w="2558644">
+                  <a:extLst>
+                    <a:ext uri="{9D8B030D-6E8A-4147-A177-3AD203B41FA5}">
+                      <a16:colId xmlns="" xmlns:a16="http://schemas.microsoft.com/office/drawing/2014/main" val="20001"/>
+                    </a:ext>
+                  </a:extLst>
+                </a:gridCol>
+              </a:tblGrid>
+              <a:tr h="356150">
+                <a:tc>
+                  <a:txBody>
+                    <a:bodyPr/>
+                    <a:lstStyle/>
+                    <a:p>
+                      <a:pPr marL="0" marR="0" lvl="0" indent="0" algn="ctr" rtl="0">
+                        <a:lnSpc>
+                          <a:spcPct val="100000"/>
+                        </a:lnSpc>
+                        <a:spcBef>
+                          <a:spcPts val="0"/>
+                        </a:spcBef>
+                        <a:spcAft>
+                          <a:spcPts val="0"/>
+                        </a:spcAft>
+                        <a:buClr>
+                          <a:srgbClr val="000000"/>
+                        </a:buClr>
+                        <a:buSzPts val="1500"/>
+                        <a:buFont typeface="Arial"/>
+                        <a:buNone/>
+                      </a:pPr>
+                      <a:r>
+                        <a:rPr lang="ko-KR" sz="1500" u="none" strike="noStrike" cap="none" dirty="0">
+                          <a:solidFill>
+                            <a:schemeClr val="dk1"/>
+                          </a:solidFill>
+                        </a:rPr>
+                        <a:t>#</a:t>
+                      </a:r>
+                      <a:endParaRPr sz="1500" u="none" strike="noStrike" cap="none" dirty="0">
+                        <a:solidFill>
+                          <a:schemeClr val="dk1"/>
+                        </a:solidFill>
+                      </a:endParaRPr>
+                    </a:p>
+                  </a:txBody>
+                  <a:tcPr marL="74304" marR="74304" marT="45725" marB="45725" anchor="ctr">
+                    <a:lnL w="12700" cap="flat" cmpd="sng">
+                      <a:solidFill>
+                        <a:schemeClr val="dk1"/>
+                      </a:solidFill>
+                      <a:prstDash val="solid"/>
+                      <a:round/>
+                      <a:headEnd type="none" w="sm" len="sm"/>
+                      <a:tailEnd type="none" w="sm" len="sm"/>
+                    </a:lnL>
+                    <a:lnR w="12700" cap="flat" cmpd="sng">
+                      <a:solidFill>
+                        <a:schemeClr val="dk1"/>
+                      </a:solidFill>
+                      <a:prstDash val="solid"/>
+                      <a:round/>
+                      <a:headEnd type="none" w="sm" len="sm"/>
+                      <a:tailEnd type="none" w="sm" len="sm"/>
+                    </a:lnR>
+                    <a:lnT w="12700" cap="flat" cmpd="sng">
+                      <a:solidFill>
+                        <a:schemeClr val="dk1"/>
+                      </a:solidFill>
+                      <a:prstDash val="solid"/>
+                      <a:round/>
+                      <a:headEnd type="none" w="sm" len="sm"/>
+                      <a:tailEnd type="none" w="sm" len="sm"/>
+                    </a:lnT>
+                    <a:lnB w="12700" cap="flat" cmpd="sng">
+                      <a:solidFill>
+                        <a:schemeClr val="dk1"/>
+                      </a:solidFill>
+                      <a:prstDash val="solid"/>
+                      <a:round/>
+                      <a:headEnd type="none" w="sm" len="sm"/>
+                      <a:tailEnd type="none" w="sm" len="sm"/>
+                    </a:lnB>
+                    <a:solidFill>
+                      <a:srgbClr val="D8D8D8"/>
+                    </a:solidFill>
+                  </a:tcPr>
+                </a:tc>
+                <a:tc>
+                  <a:txBody>
+                    <a:bodyPr/>
+                    <a:lstStyle/>
+                    <a:p>
+                      <a:pPr marL="0" marR="0" lvl="0" indent="0" algn="ctr" rtl="0">
+                        <a:lnSpc>
+                          <a:spcPct val="100000"/>
+                        </a:lnSpc>
+                        <a:spcBef>
+                          <a:spcPts val="0"/>
+                        </a:spcBef>
+                        <a:spcAft>
+                          <a:spcPts val="0"/>
+                        </a:spcAft>
+                        <a:buClr>
+                          <a:srgbClr val="000000"/>
+                        </a:buClr>
+                        <a:buSzPts val="1500"/>
+                        <a:buFont typeface="Arial"/>
+                        <a:buNone/>
+                      </a:pPr>
+                      <a:endParaRPr sz="1500" u="none" strike="noStrike" cap="none" dirty="0">
+                        <a:solidFill>
+                          <a:schemeClr val="dk1"/>
+                        </a:solidFill>
+                      </a:endParaRPr>
+                    </a:p>
+                  </a:txBody>
+                  <a:tcPr marL="74304" marR="74304" marT="45725" marB="45725" anchor="ctr">
+                    <a:lnL w="12700" cap="flat" cmpd="sng">
+                      <a:solidFill>
+                        <a:schemeClr val="dk1"/>
+                      </a:solidFill>
+                      <a:prstDash val="solid"/>
+                      <a:round/>
+                      <a:headEnd type="none" w="sm" len="sm"/>
+                      <a:tailEnd type="none" w="sm" len="sm"/>
+                    </a:lnL>
+                    <a:lnR w="12700" cap="flat" cmpd="sng">
+                      <a:solidFill>
+                        <a:schemeClr val="dk1"/>
+                      </a:solidFill>
+                      <a:prstDash val="solid"/>
+                      <a:round/>
+                      <a:headEnd type="none" w="sm" len="sm"/>
+                      <a:tailEnd type="none" w="sm" len="sm"/>
+                    </a:lnR>
+                    <a:lnT w="12700" cap="flat" cmpd="sng">
+                      <a:solidFill>
+                        <a:schemeClr val="dk1"/>
+                      </a:solidFill>
+                      <a:prstDash val="solid"/>
+                      <a:round/>
+                      <a:headEnd type="none" w="sm" len="sm"/>
+                      <a:tailEnd type="none" w="sm" len="sm"/>
+                    </a:lnT>
+                    <a:lnB w="12700" cap="flat" cmpd="sng">
+                      <a:solidFill>
+                        <a:schemeClr val="dk1"/>
+                      </a:solidFill>
+                      <a:prstDash val="solid"/>
+                      <a:round/>
+                      <a:headEnd type="none" w="sm" len="sm"/>
+                      <a:tailEnd type="none" w="sm" len="sm"/>
+                    </a:lnB>
+                    <a:solidFill>
+                      <a:srgbClr val="D8D8D8"/>
+                    </a:solidFill>
+                  </a:tcPr>
+                </a:tc>
+                <a:extLst>
+                  <a:ext uri="{0D108BD9-81ED-4DB2-BD59-A6C34878D82A}">
+                    <a16:rowId xmlns="" xmlns:a16="http://schemas.microsoft.com/office/drawing/2014/main" val="10000"/>
+                  </a:ext>
+                </a:extLst>
+              </a:tr>
+              <a:tr h="972399">
+                <a:tc>
+                  <a:txBody>
+                    <a:bodyPr/>
+                    <a:lstStyle/>
+                    <a:p>
+                      <a:pPr marL="0" marR="0" lvl="0" indent="0" algn="ctr" rtl="0">
+                        <a:lnSpc>
+                          <a:spcPct val="100000"/>
+                        </a:lnSpc>
+                        <a:spcBef>
+                          <a:spcPts val="0"/>
+                        </a:spcBef>
+                        <a:spcAft>
+                          <a:spcPts val="0"/>
+                        </a:spcAft>
+                        <a:buClr>
+                          <a:srgbClr val="000000"/>
+                        </a:buClr>
+                        <a:buSzPts val="1500"/>
+                        <a:buFont typeface="Arial"/>
+                        <a:buNone/>
+                      </a:pPr>
+                      <a:r>
+                        <a:rPr lang="en-US" sz="1500" dirty="0" smtClean="0"/>
+                        <a:t>1</a:t>
+                      </a:r>
+                      <a:endParaRPr sz="1500" dirty="0"/>
+                    </a:p>
+                  </a:txBody>
+                  <a:tcPr marL="74304" marR="74304" marT="45725" marB="45725" anchor="ctr">
+                    <a:lnL w="12700" cap="flat" cmpd="sng">
+                      <a:solidFill>
+                        <a:schemeClr val="dk1"/>
+                      </a:solidFill>
+                      <a:prstDash val="solid"/>
+                      <a:round/>
+                      <a:headEnd type="none" w="sm" len="sm"/>
+                      <a:tailEnd type="none" w="sm" len="sm"/>
+                    </a:lnL>
+                    <a:lnR w="12700" cap="flat" cmpd="sng">
+                      <a:solidFill>
+                        <a:schemeClr val="dk1"/>
+                      </a:solidFill>
+                      <a:prstDash val="solid"/>
+                      <a:round/>
+                      <a:headEnd type="none" w="sm" len="sm"/>
+                      <a:tailEnd type="none" w="sm" len="sm"/>
+                    </a:lnR>
+                    <a:lnT w="12700" cap="flat" cmpd="sng">
+                      <a:solidFill>
+                        <a:schemeClr val="dk1"/>
+                      </a:solidFill>
+                      <a:prstDash val="solid"/>
+                      <a:round/>
+                      <a:headEnd type="none" w="sm" len="sm"/>
+                      <a:tailEnd type="none" w="sm" len="sm"/>
+                    </a:lnT>
+                    <a:lnB w="12700" cap="flat" cmpd="sng">
+                      <a:solidFill>
+                        <a:schemeClr val="dk1"/>
+                      </a:solidFill>
+                      <a:prstDash val="solid"/>
+                      <a:round/>
+                      <a:headEnd type="none" w="sm" len="sm"/>
+                      <a:tailEnd type="none" w="sm" len="sm"/>
+                    </a:lnB>
+                    <a:solidFill>
+                      <a:schemeClr val="lt1"/>
+                    </a:solidFill>
+                  </a:tcPr>
+                </a:tc>
+                <a:tc>
+                  <a:txBody>
+                    <a:bodyPr/>
+                    <a:lstStyle/>
+                    <a:p>
+                      <a:pPr marL="0" marR="0" lvl="0" indent="0" algn="l" rtl="0">
+                        <a:lnSpc>
+                          <a:spcPct val="100000"/>
+                        </a:lnSpc>
+                        <a:spcBef>
+                          <a:spcPts val="0"/>
+                        </a:spcBef>
+                        <a:spcAft>
+                          <a:spcPts val="0"/>
+                        </a:spcAft>
+                        <a:buClr>
+                          <a:srgbClr val="000000"/>
+                        </a:buClr>
+                        <a:buSzPts val="1500"/>
+                        <a:buFont typeface="Arial"/>
+                        <a:buNone/>
+                      </a:pPr>
+                      <a:r>
+                        <a:rPr lang="ko-KR" altLang="en-US" sz="1500" b="0" u="none" strike="noStrike" cap="none" baseline="0" smtClean="0">
+                          <a:solidFill>
+                            <a:schemeClr val="dk1"/>
+                          </a:solidFill>
+                        </a:rPr>
+                        <a:t>변경할 비밀번호와 비밀번호 확인 일치를 확인하여 비밀번호 처리 프로세스로 이동한다</a:t>
+                      </a:r>
+                      <a:r>
+                        <a:rPr lang="en-US" altLang="ko-KR" sz="1500" b="0" u="none" strike="noStrike" cap="none" baseline="0" smtClean="0">
+                          <a:solidFill>
+                            <a:schemeClr val="dk1"/>
+                          </a:solidFill>
+                        </a:rPr>
+                        <a:t>.</a:t>
+                      </a:r>
+                      <a:endParaRPr lang="en-US" altLang="ko-KR" sz="1500" b="0" u="none" strike="noStrike" cap="none" baseline="0" dirty="0" smtClean="0">
+                        <a:solidFill>
+                          <a:schemeClr val="dk1"/>
+                        </a:solidFill>
+                      </a:endParaRPr>
+                    </a:p>
+                  </a:txBody>
+                  <a:tcPr marL="74304" marR="74304" marT="45725" marB="45725">
+                    <a:lnL w="12700" cap="flat" cmpd="sng">
+                      <a:solidFill>
+                        <a:schemeClr val="dk1"/>
+                      </a:solidFill>
+                      <a:prstDash val="solid"/>
+                      <a:round/>
+                      <a:headEnd type="none" w="sm" len="sm"/>
+                      <a:tailEnd type="none" w="sm" len="sm"/>
+                    </a:lnL>
+                    <a:lnR w="12700" cap="flat" cmpd="sng">
+                      <a:solidFill>
+                        <a:schemeClr val="dk1"/>
+                      </a:solidFill>
+                      <a:prstDash val="solid"/>
+                      <a:round/>
+                      <a:headEnd type="none" w="sm" len="sm"/>
+                      <a:tailEnd type="none" w="sm" len="sm"/>
+                    </a:lnR>
+                    <a:lnT w="12700" cap="flat" cmpd="sng">
+                      <a:solidFill>
+                        <a:schemeClr val="dk1"/>
+                      </a:solidFill>
+                      <a:prstDash val="solid"/>
+                      <a:round/>
+                      <a:headEnd type="none" w="sm" len="sm"/>
+                      <a:tailEnd type="none" w="sm" len="sm"/>
+                    </a:lnT>
+                    <a:lnB w="12700" cap="flat" cmpd="sng">
+                      <a:solidFill>
+                        <a:schemeClr val="dk1"/>
+                      </a:solidFill>
+                      <a:prstDash val="solid"/>
+                      <a:round/>
+                      <a:headEnd type="none" w="sm" len="sm"/>
+                      <a:tailEnd type="none" w="sm" len="sm"/>
+                    </a:lnB>
+                    <a:solidFill>
+                      <a:schemeClr val="lt1"/>
+                    </a:solidFill>
+                  </a:tcPr>
+                </a:tc>
+                <a:extLst>
+                  <a:ext uri="{0D108BD9-81ED-4DB2-BD59-A6C34878D82A}">
+                    <a16:rowId xmlns="" xmlns:a16="http://schemas.microsoft.com/office/drawing/2014/main" val="10001"/>
+                  </a:ext>
+                </a:extLst>
+              </a:tr>
+              <a:tr h="892175">
+                <a:tc>
+                  <a:txBody>
+                    <a:bodyPr/>
+                    <a:lstStyle/>
+                    <a:p>
+                      <a:pPr marL="0" marR="0" lvl="0" indent="0" algn="ctr" rtl="0">
+                        <a:lnSpc>
+                          <a:spcPct val="100000"/>
+                        </a:lnSpc>
+                        <a:spcBef>
+                          <a:spcPts val="0"/>
+                        </a:spcBef>
+                        <a:spcAft>
+                          <a:spcPts val="0"/>
+                        </a:spcAft>
+                        <a:buNone/>
+                      </a:pPr>
+                      <a:endParaRPr sz="1500" dirty="0"/>
+                    </a:p>
+                  </a:txBody>
+                  <a:tcPr marL="74304" marR="74304" marT="45725" marB="45725" anchor="ctr">
+                    <a:lnL w="12700" cap="flat" cmpd="sng">
+                      <a:solidFill>
+                        <a:schemeClr val="dk1"/>
+                      </a:solidFill>
+                      <a:prstDash val="solid"/>
+                      <a:round/>
+                      <a:headEnd type="none" w="sm" len="sm"/>
+                      <a:tailEnd type="none" w="sm" len="sm"/>
+                    </a:lnL>
+                    <a:lnR w="12700" cap="flat" cmpd="sng" algn="ctr">
+                      <a:solidFill>
+                        <a:schemeClr val="dk1"/>
+                      </a:solidFill>
+                      <a:prstDash val="solid"/>
+                      <a:round/>
+                      <a:headEnd type="none" w="sm" len="sm"/>
+                      <a:tailEnd type="none" w="sm" len="sm"/>
+                    </a:lnR>
+                    <a:lnT w="12700" cap="flat" cmpd="sng" algn="ctr">
+                      <a:solidFill>
+                        <a:schemeClr val="dk1"/>
+                      </a:solidFill>
+                      <a:prstDash val="solid"/>
+                      <a:round/>
+                      <a:headEnd type="none" w="sm" len="sm"/>
+                      <a:tailEnd type="none" w="sm" len="sm"/>
+                    </a:lnT>
+                    <a:lnB w="12700" cap="flat" cmpd="sng">
+                      <a:solidFill>
+                        <a:schemeClr val="dk1"/>
+                      </a:solidFill>
+                      <a:prstDash val="solid"/>
+                      <a:round/>
+                      <a:headEnd type="none" w="sm" len="sm"/>
+                      <a:tailEnd type="none" w="sm" len="sm"/>
+                    </a:lnB>
+                    <a:solidFill>
+                      <a:schemeClr val="lt1"/>
+                    </a:solidFill>
+                  </a:tcPr>
+                </a:tc>
+                <a:tc>
+                  <a:txBody>
+                    <a:bodyPr/>
+                    <a:lstStyle/>
+                    <a:p>
+                      <a:pPr marL="0" marR="0" lvl="0" indent="0" algn="l" rtl="0">
+                        <a:lnSpc>
+                          <a:spcPct val="100000"/>
+                        </a:lnSpc>
+                        <a:spcBef>
+                          <a:spcPts val="0"/>
+                        </a:spcBef>
+                        <a:spcAft>
+                          <a:spcPts val="0"/>
+                        </a:spcAft>
+                        <a:buNone/>
+                      </a:pPr>
+                      <a:endParaRPr sz="1500" dirty="0"/>
+                    </a:p>
+                  </a:txBody>
+                  <a:tcPr marL="74304" marR="74304" marT="45725" marB="45725">
+                    <a:lnL w="12700" cap="flat" cmpd="sng" algn="ctr">
+                      <a:solidFill>
+                        <a:schemeClr val="dk1"/>
+                      </a:solidFill>
+                      <a:prstDash val="solid"/>
+                      <a:round/>
+                      <a:headEnd type="none" w="sm" len="sm"/>
+                      <a:tailEnd type="none" w="sm" len="sm"/>
+                    </a:lnL>
+                    <a:lnR w="12700" cap="flat" cmpd="sng">
+                      <a:solidFill>
+                        <a:schemeClr val="dk1"/>
+                      </a:solidFill>
+                      <a:prstDash val="solid"/>
+                      <a:round/>
+                      <a:headEnd type="none" w="sm" len="sm"/>
+                      <a:tailEnd type="none" w="sm" len="sm"/>
+                    </a:lnR>
+                    <a:lnT w="12700" cap="flat" cmpd="sng" algn="ctr">
+                      <a:solidFill>
+                        <a:schemeClr val="dk1"/>
+                      </a:solidFill>
+                      <a:prstDash val="solid"/>
+                      <a:round/>
+                      <a:headEnd type="none" w="sm" len="sm"/>
+                      <a:tailEnd type="none" w="sm" len="sm"/>
+                    </a:lnT>
+                    <a:lnB w="12700" cap="flat" cmpd="sng">
+                      <a:solidFill>
+                        <a:schemeClr val="dk1"/>
+                      </a:solidFill>
+                      <a:prstDash val="solid"/>
+                      <a:round/>
+                      <a:headEnd type="none" w="sm" len="sm"/>
+                      <a:tailEnd type="none" w="sm" len="sm"/>
+                    </a:lnB>
+                    <a:solidFill>
+                      <a:schemeClr val="lt1"/>
+                    </a:solidFill>
+                  </a:tcPr>
+                </a:tc>
+                <a:extLst>
+                  <a:ext uri="{0D108BD9-81ED-4DB2-BD59-A6C34878D82A}">
+                    <a16:rowId xmlns="" xmlns:a16="http://schemas.microsoft.com/office/drawing/2014/main" val="10002"/>
+                  </a:ext>
+                </a:extLst>
+              </a:tr>
+            </a:tbl>
+          </a:graphicData>
+        </a:graphic>
+      </p:graphicFrame>
+      <p:graphicFrame>
+        <p:nvGraphicFramePr>
+          <p:cNvPr id="6" name="표 5"/>
+          <p:cNvGraphicFramePr>
+            <a:graphicFrameLocks noGrp="1"/>
+          </p:cNvGraphicFramePr>
+          <p:nvPr>
+            <p:extLst/>
+          </p:nvPr>
+        </p:nvGraphicFramePr>
+        <p:xfrm>
+          <a:off x="8501614" y="2455885"/>
+          <a:ext cx="1944216" cy="640100"/>
+        </p:xfrm>
+        <a:graphic>
+          <a:graphicData uri="http://schemas.openxmlformats.org/drawingml/2006/table">
+            <a:tbl>
+              <a:tblPr firstRow="1" bandRow="1">
+                <a:noFill/>
+              </a:tblPr>
+              <a:tblGrid>
+                <a:gridCol w="1944216"/>
+              </a:tblGrid>
+              <a:tr h="168164">
+                <a:tc>
+                  <a:txBody>
+                    <a:bodyPr/>
+                    <a:lstStyle/>
+                    <a:p>
+                      <a:pPr marL="0" marR="0" lvl="0" indent="0" algn="ctr" rtl="0">
+                        <a:lnSpc>
+                          <a:spcPct val="100000"/>
+                        </a:lnSpc>
+                        <a:spcBef>
+                          <a:spcPts val="0"/>
+                        </a:spcBef>
+                        <a:spcAft>
+                          <a:spcPts val="0"/>
+                        </a:spcAft>
+                        <a:buClr>
+                          <a:srgbClr val="000000"/>
+                        </a:buClr>
+                        <a:buSzPts val="1500"/>
+                        <a:buFont typeface="Arial"/>
+                        <a:buNone/>
+                      </a:pPr>
+                      <a:r>
+                        <a:rPr lang="ko-KR" altLang="en-US" sz="1500" b="0" u="none" strike="noStrike" cap="none" dirty="0" smtClean="0">
+                          <a:solidFill>
+                            <a:schemeClr val="dk1"/>
+                          </a:solidFill>
+                        </a:rPr>
+                        <a:t>화면코드</a:t>
+                      </a:r>
+                      <a:endParaRPr sz="1500" b="0" u="none" strike="noStrike" cap="none" dirty="0">
+                        <a:solidFill>
+                          <a:schemeClr val="dk1"/>
+                        </a:solidFill>
+                      </a:endParaRPr>
+                    </a:p>
+                  </a:txBody>
+                  <a:tcPr marL="74304" marR="74304" marT="45725" marB="45725" anchor="ctr">
+                    <a:lnL w="12700" cap="flat" cmpd="sng">
+                      <a:solidFill>
+                        <a:schemeClr val="dk1"/>
+                      </a:solidFill>
+                      <a:prstDash val="solid"/>
+                      <a:round/>
+                      <a:headEnd type="none" w="sm" len="sm"/>
+                      <a:tailEnd type="none" w="sm" len="sm"/>
+                    </a:lnL>
+                    <a:lnR w="12700" cap="flat" cmpd="sng">
+                      <a:solidFill>
+                        <a:schemeClr val="dk1"/>
+                      </a:solidFill>
+                      <a:prstDash val="solid"/>
+                      <a:round/>
+                      <a:headEnd type="none" w="sm" len="sm"/>
+                      <a:tailEnd type="none" w="sm" len="sm"/>
+                    </a:lnR>
+                    <a:lnT w="12700" cap="flat" cmpd="sng">
+                      <a:solidFill>
+                        <a:schemeClr val="dk1"/>
+                      </a:solidFill>
+                      <a:prstDash val="solid"/>
+                      <a:round/>
+                      <a:headEnd type="none" w="sm" len="sm"/>
+                      <a:tailEnd type="none" w="sm" len="sm"/>
+                    </a:lnT>
+                    <a:lnB w="12700" cap="flat" cmpd="sng" algn="ctr">
+                      <a:solidFill>
+                        <a:schemeClr val="dk1"/>
+                      </a:solidFill>
+                      <a:prstDash val="solid"/>
+                      <a:round/>
+                      <a:headEnd type="none" w="sm" len="sm"/>
+                      <a:tailEnd type="none" w="sm" len="sm"/>
+                    </a:lnB>
+                    <a:solidFill>
+                      <a:srgbClr val="D8D8D8"/>
+                    </a:solidFill>
+                  </a:tcPr>
+                </a:tc>
+              </a:tr>
+              <a:tr h="168164">
+                <a:tc>
+                  <a:txBody>
+                    <a:bodyPr/>
+                    <a:lstStyle/>
+                    <a:p>
+                      <a:pPr marL="0" marR="0" lvl="0" indent="0" algn="ctr" defTabSz="914400" rtl="0" eaLnBrk="1" fontAlgn="auto" latinLnBrk="1" hangingPunct="1">
+                        <a:lnSpc>
+                          <a:spcPct val="100000"/>
+                        </a:lnSpc>
+                        <a:spcBef>
+                          <a:spcPts val="0"/>
+                        </a:spcBef>
+                        <a:spcAft>
+                          <a:spcPts val="0"/>
+                        </a:spcAft>
+                        <a:buClr>
+                          <a:srgbClr val="000000"/>
+                        </a:buClr>
+                        <a:buSzPts val="1500"/>
+                        <a:buFont typeface="Arial"/>
+                        <a:buNone/>
+                        <a:tabLst/>
+                        <a:defRPr/>
+                      </a:pPr>
+                      <a:r>
+                        <a:rPr lang="en-US" altLang="ko-KR" sz="1500" b="0" u="none" strike="noStrike" cap="none" smtClean="0">
+                          <a:solidFill>
+                            <a:schemeClr val="dk1"/>
+                          </a:solidFill>
+                        </a:rPr>
+                        <a:t>kb_user_w_findPass</a:t>
+                      </a:r>
+                      <a:endParaRPr lang="en-US" altLang="ko-KR" sz="1500" b="0" u="none" strike="noStrike" cap="none" dirty="0" smtClean="0">
+                        <a:solidFill>
+                          <a:schemeClr val="dk1"/>
+                        </a:solidFill>
+                      </a:endParaRPr>
+                    </a:p>
+                  </a:txBody>
+                  <a:tcPr marL="74304" marR="74304" marT="45725" marB="45725" anchor="ctr">
+                    <a:lnL w="12700" cap="flat" cmpd="sng" algn="ctr">
+                      <a:solidFill>
+                        <a:schemeClr val="dk1"/>
+                      </a:solidFill>
+                      <a:prstDash val="solid"/>
+                      <a:round/>
+                      <a:headEnd type="none" w="sm" len="sm"/>
+                      <a:tailEnd type="none" w="sm" len="sm"/>
+                    </a:lnL>
+                    <a:lnR w="12700" cap="flat" cmpd="sng" algn="ctr">
+                      <a:solidFill>
+                        <a:schemeClr val="dk1"/>
+                      </a:solidFill>
+                      <a:prstDash val="solid"/>
+                      <a:round/>
+                      <a:headEnd type="none" w="sm" len="sm"/>
+                      <a:tailEnd type="none" w="sm" len="sm"/>
+                    </a:lnR>
+                    <a:lnT w="12700" cap="flat" cmpd="sng" algn="ctr">
+                      <a:solidFill>
+                        <a:schemeClr val="dk1"/>
+                      </a:solidFill>
+                      <a:prstDash val="solid"/>
+                      <a:round/>
+                      <a:headEnd type="none" w="sm" len="sm"/>
+                      <a:tailEnd type="none" w="sm" len="sm"/>
+                    </a:lnT>
+                    <a:lnB w="12700" cap="flat" cmpd="sng">
+                      <a:solidFill>
+                        <a:schemeClr val="dk1"/>
+                      </a:solidFill>
+                      <a:prstDash val="solid"/>
+                      <a:round/>
+                      <a:headEnd type="none" w="sm" len="sm"/>
+                      <a:tailEnd type="none" w="sm" len="sm"/>
+                    </a:lnB>
+                    <a:solidFill>
+                      <a:schemeClr val="bg1"/>
+                    </a:solidFill>
+                  </a:tcPr>
+                </a:tc>
+              </a:tr>
+            </a:tbl>
+          </a:graphicData>
+        </a:graphic>
+      </p:graphicFrame>
+      <p:pic>
+        <p:nvPicPr>
+          <p:cNvPr id="7" name="그림 6"/>
+          <p:cNvPicPr>
+            <a:picLocks noChangeAspect="1"/>
+          </p:cNvPicPr>
+          <p:nvPr/>
+        </p:nvPicPr>
+        <p:blipFill>
+          <a:blip r:embed="rId2"/>
+          <a:stretch>
+            <a:fillRect/>
+          </a:stretch>
+        </p:blipFill>
+        <p:spPr>
+          <a:xfrm>
+            <a:off x="796249" y="1739072"/>
+            <a:ext cx="6048375" cy="4591050"/>
+          </a:xfrm>
+          <a:prstGeom prst="rect">
+            <a:avLst/>
+          </a:prstGeom>
+        </p:spPr>
+      </p:pic>
+    </p:spTree>
+    <p:extLst>
+      <p:ext uri="{BB962C8B-B14F-4D97-AF65-F5344CB8AC3E}">
+        <p14:creationId xmlns:p14="http://schemas.microsoft.com/office/powerpoint/2010/main" val="494261914"/>
+      </p:ext>
+    </p:extLst>
+  </p:cSld>
+  <p:clrMapOvr>
+    <a:masterClrMapping/>
+  </p:clrMapOvr>
+  <p:timing>
+    <p:tnLst>
+      <p:par>
+        <p:cTn id="1" dur="indefinite" restart="never" nodeType="tmRoot"/>
+      </p:par>
+    </p:tnLst>
+  </p:timing>
+</p:sld>
+</file>
+
+<file path=ppt/slides/slide12.xml><?xml version="1.0" encoding="utf-8"?>
+<p:sld xmlns:a="http://schemas.openxmlformats.org/drawingml/2006/main" xmlns:r="http://schemas.openxmlformats.org/officeDocument/2006/relationships" xmlns:p="http://schemas.openxmlformats.org/presentationml/2006/main">
+  <p:cSld>
+    <p:spTree>
+      <p:nvGrpSpPr>
+        <p:cNvPr id="1" name=""/>
+        <p:cNvGrpSpPr/>
+        <p:nvPr/>
+      </p:nvGrpSpPr>
+      <p:grpSpPr>
+        <a:xfrm>
+          <a:off x="0" y="0"/>
+          <a:ext cx="0" cy="0"/>
+          <a:chOff x="0" y="0"/>
+          <a:chExt cx="0" cy="0"/>
+        </a:xfrm>
+      </p:grpSpPr>
+      <p:sp>
+        <p:nvSpPr>
+          <p:cNvPr id="2" name="제목 1"/>
+          <p:cNvSpPr>
+            <a:spLocks noGrp="1"/>
+          </p:cNvSpPr>
+          <p:nvPr>
+            <p:ph type="title"/>
+          </p:nvPr>
+        </p:nvSpPr>
+        <p:spPr/>
+        <p:txBody>
+          <a:bodyPr/>
+          <a:lstStyle/>
+          <a:p>
+            <a:r>
+              <a:rPr lang="en-US" altLang="ko-KR" sz="2800" b="0"/>
+              <a:t>[</a:t>
+            </a:r>
+            <a:r>
+              <a:rPr lang="ko-KR" altLang="en-US" sz="2800" b="0" smtClean="0"/>
+              <a:t>화면구현</a:t>
+            </a:r>
+            <a:r>
+              <a:rPr lang="en-US" altLang="ko-KR" sz="2800" b="0" smtClean="0"/>
+              <a:t>] </a:t>
+            </a:r>
+            <a:r>
+              <a:rPr lang="ko-KR" altLang="en-US" sz="2800" b="0"/>
+              <a:t>사용자 </a:t>
+            </a:r>
+            <a:r>
+              <a:rPr lang="en-US" altLang="ko-KR" sz="2800" b="0"/>
+              <a:t>– </a:t>
+            </a:r>
+            <a:r>
+              <a:rPr lang="ko-KR" altLang="en-US" sz="2800" b="0"/>
+              <a:t>웹 </a:t>
+            </a:r>
+            <a:r>
+              <a:rPr lang="en-US" altLang="ko-KR" sz="2800" b="0" smtClean="0"/>
+              <a:t>– </a:t>
+            </a:r>
+            <a:r>
+              <a:rPr lang="ko-KR" altLang="en-US" sz="2800" b="0" smtClean="0"/>
+              <a:t>비밀번호 변경</a:t>
+            </a:r>
+            <a:r>
+              <a:rPr lang="ko-KR" altLang="en-US" sz="1600" b="0" smtClean="0"/>
+              <a:t> </a:t>
+            </a:r>
+            <a:endParaRPr lang="ko-KR" altLang="en-US"/>
+          </a:p>
+        </p:txBody>
+      </p:sp>
+      <p:pic>
+        <p:nvPicPr>
+          <p:cNvPr id="4" name="그림 3"/>
+          <p:cNvPicPr>
+            <a:picLocks noChangeAspect="1"/>
+          </p:cNvPicPr>
+          <p:nvPr/>
+        </p:nvPicPr>
+        <p:blipFill>
+          <a:blip r:embed="rId2"/>
+          <a:stretch>
+            <a:fillRect/>
+          </a:stretch>
+        </p:blipFill>
+        <p:spPr>
+          <a:xfrm>
+            <a:off x="249206" y="1414658"/>
+            <a:ext cx="6972300" cy="2280266"/>
+          </a:xfrm>
+          <a:prstGeom prst="rect">
+            <a:avLst/>
+          </a:prstGeom>
+          <a:ln w="25400">
+            <a:solidFill>
+              <a:schemeClr val="tx1"/>
+            </a:solidFill>
+          </a:ln>
+        </p:spPr>
+      </p:pic>
+      <p:pic>
+        <p:nvPicPr>
+          <p:cNvPr id="5" name="그림 4"/>
+          <p:cNvPicPr>
+            <a:picLocks noChangeAspect="1"/>
+          </p:cNvPicPr>
+          <p:nvPr/>
+        </p:nvPicPr>
+        <p:blipFill>
+          <a:blip r:embed="rId3"/>
+          <a:stretch>
+            <a:fillRect/>
+          </a:stretch>
+        </p:blipFill>
+        <p:spPr>
+          <a:xfrm>
+            <a:off x="249206" y="3854885"/>
+            <a:ext cx="6581775" cy="2424617"/>
+          </a:xfrm>
+          <a:prstGeom prst="rect">
+            <a:avLst/>
+          </a:prstGeom>
+          <a:ln w="25400">
+            <a:solidFill>
+              <a:schemeClr val="tx1"/>
+            </a:solidFill>
+          </a:ln>
+        </p:spPr>
+      </p:pic>
+      <p:pic>
+        <p:nvPicPr>
+          <p:cNvPr id="6" name="그림 5"/>
+          <p:cNvPicPr>
+            <a:picLocks noChangeAspect="1"/>
+          </p:cNvPicPr>
+          <p:nvPr/>
+        </p:nvPicPr>
+        <p:blipFill>
+          <a:blip r:embed="rId4"/>
+          <a:stretch>
+            <a:fillRect/>
+          </a:stretch>
+        </p:blipFill>
+        <p:spPr>
+          <a:xfrm>
+            <a:off x="7436498" y="4513101"/>
+            <a:ext cx="3805626" cy="1657350"/>
+          </a:xfrm>
+          <a:prstGeom prst="rect">
+            <a:avLst/>
+          </a:prstGeom>
+          <a:ln>
+            <a:solidFill>
+              <a:schemeClr val="tx1"/>
+            </a:solidFill>
+          </a:ln>
+        </p:spPr>
+      </p:pic>
+      <p:pic>
+        <p:nvPicPr>
+          <p:cNvPr id="9" name="그림 8"/>
+          <p:cNvPicPr>
+            <a:picLocks noChangeAspect="1"/>
+          </p:cNvPicPr>
+          <p:nvPr/>
+        </p:nvPicPr>
+        <p:blipFill>
+          <a:blip r:embed="rId5"/>
+          <a:stretch>
+            <a:fillRect/>
+          </a:stretch>
+        </p:blipFill>
+        <p:spPr>
+          <a:xfrm>
+            <a:off x="7571889" y="1614197"/>
+            <a:ext cx="3534844" cy="2577970"/>
+          </a:xfrm>
+          <a:prstGeom prst="rect">
+            <a:avLst/>
+          </a:prstGeom>
+          <a:ln>
+            <a:solidFill>
+              <a:schemeClr val="tx1"/>
+            </a:solidFill>
+          </a:ln>
+        </p:spPr>
+      </p:pic>
+    </p:spTree>
+    <p:extLst>
+      <p:ext uri="{BB962C8B-B14F-4D97-AF65-F5344CB8AC3E}">
+        <p14:creationId xmlns:p14="http://schemas.microsoft.com/office/powerpoint/2010/main" val="3764539630"/>
+      </p:ext>
+    </p:extLst>
+  </p:cSld>
+  <p:clrMapOvr>
+    <a:masterClrMapping/>
+  </p:clrMapOvr>
+  <p:timing>
+    <p:tnLst>
+      <p:par>
+        <p:cTn id="1" dur="indefinite" restart="never" nodeType="tmRoot"/>
+      </p:par>
+    </p:tnLst>
+  </p:timing>
+</p:sld>
+</file>
+
+<file path=ppt/slides/slide13.xml><?xml version="1.0" encoding="utf-8"?>
+<p:sld xmlns:a="http://schemas.openxmlformats.org/drawingml/2006/main" xmlns:r="http://schemas.openxmlformats.org/officeDocument/2006/relationships" xmlns:p="http://schemas.openxmlformats.org/presentationml/2006/main">
+  <p:cSld>
+    <p:spTree>
+      <p:nvGrpSpPr>
+        <p:cNvPr id="1" name=""/>
+        <p:cNvGrpSpPr/>
+        <p:nvPr/>
+      </p:nvGrpSpPr>
+      <p:grpSpPr>
+        <a:xfrm>
+          <a:off x="0" y="0"/>
+          <a:ext cx="0" cy="0"/>
+          <a:chOff x="0" y="0"/>
+          <a:chExt cx="0" cy="0"/>
+        </a:xfrm>
+      </p:grpSpPr>
+      <p:sp>
+        <p:nvSpPr>
+          <p:cNvPr id="4" name="제목 1"/>
+          <p:cNvSpPr txBox="1">
+            <a:spLocks/>
+          </p:cNvSpPr>
+          <p:nvPr/>
+        </p:nvSpPr>
+        <p:spPr>
+          <a:xfrm>
+            <a:off x="859450" y="128989"/>
+            <a:ext cx="9646078" cy="796908"/>
+          </a:xfrm>
+          <a:prstGeom prst="rect">
+            <a:avLst/>
+          </a:prstGeom>
+        </p:spPr>
+        <p:txBody>
+          <a:bodyPr vert="horz" lIns="91440" tIns="45720" rIns="91440" bIns="45720" rtlCol="0" anchor="ctr">
+            <a:normAutofit/>
+          </a:bodyPr>
+          <a:lstStyle>
+            <a:lvl1pPr algn="l" defTabSz="914400" rtl="0" eaLnBrk="1" latinLnBrk="1" hangingPunct="1">
+              <a:lnSpc>
+                <a:spcPct val="90000"/>
+              </a:lnSpc>
+              <a:spcBef>
+                <a:spcPct val="0"/>
+              </a:spcBef>
+              <a:buNone/>
+              <a:defRPr lang="ko-KR" altLang="en-US" sz="2500" b="1" kern="1200" baseline="0" dirty="0">
+                <a:solidFill>
+                  <a:schemeClr val="bg1"/>
+                </a:solidFill>
+                <a:effectLst/>
+                <a:latin typeface="+mj-lt"/>
+                <a:ea typeface="맑은 고딕" pitchFamily="50" charset="-127"/>
+                <a:cs typeface="+mj-cs"/>
+              </a:defRPr>
+            </a:lvl1pPr>
+          </a:lstStyle>
+          <a:p>
+            <a:r>
+              <a:rPr lang="en-US" altLang="ko-KR" sz="2800" b="0" smtClean="0"/>
+              <a:t>[</a:t>
+            </a:r>
+            <a:r>
+              <a:rPr lang="ko-KR" altLang="en-US" sz="2800" b="0" smtClean="0"/>
+              <a:t>화면구현</a:t>
+            </a:r>
+            <a:r>
+              <a:rPr lang="en-US" altLang="ko-KR" sz="2800" b="0" smtClean="0"/>
+              <a:t>] </a:t>
+            </a:r>
+            <a:r>
+              <a:rPr lang="ko-KR" altLang="en-US" sz="2800" b="0" smtClean="0"/>
+              <a:t>사용자 </a:t>
+            </a:r>
+            <a:r>
+              <a:rPr lang="en-US" altLang="ko-KR" sz="2800" b="0" smtClean="0"/>
+              <a:t>– </a:t>
+            </a:r>
+            <a:r>
+              <a:rPr lang="ko-KR" altLang="en-US" sz="2800" b="0" smtClean="0"/>
+              <a:t>웹 </a:t>
+            </a:r>
+            <a:r>
+              <a:rPr lang="en-US" altLang="ko-KR" sz="2800" b="0" smtClean="0"/>
+              <a:t>– </a:t>
+            </a:r>
+            <a:r>
+              <a:rPr lang="ko-KR" altLang="en-US" sz="2800" b="0" smtClean="0"/>
+              <a:t>비밀번호 변경 완료 및 실패</a:t>
+            </a:r>
+            <a:r>
+              <a:rPr lang="ko-KR" altLang="en-US" sz="1600" b="0" smtClean="0"/>
+              <a:t> </a:t>
+            </a:r>
+            <a:endParaRPr lang="ko-KR" altLang="en-US"/>
+          </a:p>
+        </p:txBody>
+      </p:sp>
+      <p:pic>
+        <p:nvPicPr>
+          <p:cNvPr id="5" name="그림 4"/>
+          <p:cNvPicPr>
+            <a:picLocks noChangeAspect="1"/>
+          </p:cNvPicPr>
+          <p:nvPr/>
+        </p:nvPicPr>
+        <p:blipFill>
+          <a:blip r:embed="rId2"/>
+          <a:stretch>
+            <a:fillRect/>
+          </a:stretch>
+        </p:blipFill>
+        <p:spPr>
+          <a:xfrm>
+            <a:off x="202226" y="3666930"/>
+            <a:ext cx="5321643" cy="2827175"/>
+          </a:xfrm>
+          <a:prstGeom prst="rect">
+            <a:avLst/>
+          </a:prstGeom>
+          <a:ln w="25400">
+            <a:solidFill>
+              <a:schemeClr val="tx1"/>
+            </a:solidFill>
+          </a:ln>
+        </p:spPr>
+      </p:pic>
+      <p:pic>
+        <p:nvPicPr>
+          <p:cNvPr id="6" name="그림 5"/>
+          <p:cNvPicPr>
+            <a:picLocks noChangeAspect="1"/>
+          </p:cNvPicPr>
+          <p:nvPr/>
+        </p:nvPicPr>
+        <p:blipFill>
+          <a:blip r:embed="rId3"/>
+          <a:stretch>
+            <a:fillRect/>
+          </a:stretch>
+        </p:blipFill>
+        <p:spPr>
+          <a:xfrm>
+            <a:off x="202226" y="1290346"/>
+            <a:ext cx="5321643" cy="2143319"/>
+          </a:xfrm>
+          <a:prstGeom prst="rect">
+            <a:avLst/>
+          </a:prstGeom>
+          <a:ln w="25400">
+            <a:solidFill>
+              <a:schemeClr val="tx1"/>
+            </a:solidFill>
+          </a:ln>
+        </p:spPr>
+      </p:pic>
+      <p:pic>
+        <p:nvPicPr>
+          <p:cNvPr id="7" name="그림 6"/>
+          <p:cNvPicPr>
+            <a:picLocks noChangeAspect="1"/>
+          </p:cNvPicPr>
+          <p:nvPr/>
+        </p:nvPicPr>
+        <p:blipFill>
+          <a:blip r:embed="rId4"/>
+          <a:stretch>
+            <a:fillRect/>
+          </a:stretch>
+        </p:blipFill>
+        <p:spPr>
+          <a:xfrm>
+            <a:off x="5896946" y="1895572"/>
+            <a:ext cx="5831827" cy="4429125"/>
+          </a:xfrm>
+          <a:prstGeom prst="rect">
+            <a:avLst/>
+          </a:prstGeom>
+          <a:ln>
+            <a:solidFill>
+              <a:schemeClr val="tx1"/>
+            </a:solidFill>
+          </a:ln>
+        </p:spPr>
+      </p:pic>
+    </p:spTree>
+    <p:extLst>
+      <p:ext uri="{BB962C8B-B14F-4D97-AF65-F5344CB8AC3E}">
+        <p14:creationId xmlns:p14="http://schemas.microsoft.com/office/powerpoint/2010/main" val="373538044"/>
+      </p:ext>
+    </p:extLst>
+  </p:cSld>
+  <p:clrMapOvr>
+    <a:masterClrMapping/>
+  </p:clrMapOvr>
+</p:sld>
+</file>
+
+<file path=ppt/slides/slide14.xml><?xml version="1.0" encoding="utf-8"?>
+<p:sld xmlns:a="http://schemas.openxmlformats.org/drawingml/2006/main" xmlns:r="http://schemas.openxmlformats.org/officeDocument/2006/relationships" xmlns:p="http://schemas.openxmlformats.org/presentationml/2006/main">
+  <p:cSld>
+    <p:spTree>
+      <p:nvGrpSpPr>
+        <p:cNvPr id="1" name=""/>
+        <p:cNvGrpSpPr/>
+        <p:nvPr/>
+      </p:nvGrpSpPr>
+      <p:grpSpPr>
+        <a:xfrm>
+          <a:off x="0" y="0"/>
+          <a:ext cx="0" cy="0"/>
+          <a:chOff x="0" y="0"/>
+          <a:chExt cx="0" cy="0"/>
+        </a:xfrm>
+      </p:grpSpPr>
+      <p:sp>
+        <p:nvSpPr>
+          <p:cNvPr id="2" name="제목 1"/>
+          <p:cNvSpPr>
+            <a:spLocks noGrp="1"/>
+          </p:cNvSpPr>
+          <p:nvPr>
+            <p:ph type="title"/>
+          </p:nvPr>
+        </p:nvSpPr>
+        <p:spPr/>
+        <p:txBody>
+          <a:bodyPr/>
+          <a:lstStyle/>
+          <a:p>
+            <a:r>
+              <a:rPr lang="en-US" altLang="ko-KR" smtClean="0"/>
+              <a:t>[</a:t>
+            </a:r>
+            <a:r>
+              <a:rPr lang="ko-KR" altLang="en-US" smtClean="0"/>
+              <a:t>화면구현</a:t>
+            </a:r>
+            <a:r>
+              <a:rPr lang="en-US" altLang="ko-KR" smtClean="0"/>
+              <a:t>] </a:t>
+            </a:r>
+            <a:r>
+              <a:rPr lang="ko-KR" altLang="en-US" smtClean="0"/>
+              <a:t>사용자 </a:t>
+            </a:r>
+            <a:r>
+              <a:rPr lang="en-US" altLang="ko-KR" smtClean="0"/>
+              <a:t>– </a:t>
+            </a:r>
+            <a:r>
+              <a:rPr lang="ko-KR" altLang="en-US" smtClean="0"/>
+              <a:t>웹 비밀번호 변경 완료</a:t>
+            </a:r>
+            <a:endParaRPr lang="ko-KR" altLang="en-US"/>
+          </a:p>
+        </p:txBody>
+      </p:sp>
+      <p:pic>
+        <p:nvPicPr>
+          <p:cNvPr id="4" name="그림 3"/>
+          <p:cNvPicPr>
+            <a:picLocks noChangeAspect="1"/>
+          </p:cNvPicPr>
+          <p:nvPr/>
+        </p:nvPicPr>
+        <p:blipFill>
+          <a:blip r:embed="rId2"/>
+          <a:stretch>
+            <a:fillRect/>
+          </a:stretch>
+        </p:blipFill>
+        <p:spPr>
+          <a:xfrm>
+            <a:off x="451849" y="2015467"/>
+            <a:ext cx="5948952" cy="3895725"/>
+          </a:xfrm>
+          <a:prstGeom prst="rect">
+            <a:avLst/>
+          </a:prstGeom>
+          <a:ln w="25400">
+            <a:solidFill>
+              <a:schemeClr val="tx1"/>
+            </a:solidFill>
+          </a:ln>
+        </p:spPr>
+      </p:pic>
+      <p:pic>
+        <p:nvPicPr>
+          <p:cNvPr id="3" name="그림 2"/>
+          <p:cNvPicPr>
+            <a:picLocks noChangeAspect="1"/>
+          </p:cNvPicPr>
+          <p:nvPr/>
+        </p:nvPicPr>
+        <p:blipFill>
+          <a:blip r:embed="rId3"/>
+          <a:stretch>
+            <a:fillRect/>
+          </a:stretch>
+        </p:blipFill>
+        <p:spPr>
+          <a:xfrm>
+            <a:off x="7007290" y="2539952"/>
+            <a:ext cx="5018775" cy="238125"/>
+          </a:xfrm>
+          <a:prstGeom prst="rect">
+            <a:avLst/>
+          </a:prstGeom>
+          <a:ln>
+            <a:solidFill>
+              <a:schemeClr val="tx1"/>
+            </a:solidFill>
+          </a:ln>
+        </p:spPr>
+      </p:pic>
+      <p:pic>
+        <p:nvPicPr>
+          <p:cNvPr id="5" name="그림 4"/>
+          <p:cNvPicPr>
+            <a:picLocks noChangeAspect="1"/>
+          </p:cNvPicPr>
+          <p:nvPr/>
+        </p:nvPicPr>
+        <p:blipFill>
+          <a:blip r:embed="rId4"/>
+          <a:stretch>
+            <a:fillRect/>
+          </a:stretch>
+        </p:blipFill>
+        <p:spPr>
+          <a:xfrm>
+            <a:off x="7007290" y="3066356"/>
+            <a:ext cx="5018775" cy="1338133"/>
+          </a:xfrm>
+          <a:prstGeom prst="rect">
+            <a:avLst/>
+          </a:prstGeom>
+          <a:ln>
+            <a:solidFill>
+              <a:schemeClr val="tx1"/>
+            </a:solidFill>
+          </a:ln>
+        </p:spPr>
+      </p:pic>
+    </p:spTree>
+    <p:extLst>
+      <p:ext uri="{BB962C8B-B14F-4D97-AF65-F5344CB8AC3E}">
+        <p14:creationId xmlns:p14="http://schemas.microsoft.com/office/powerpoint/2010/main" val="275157204"/>
+      </p:ext>
+    </p:extLst>
+  </p:cSld>
+  <p:clrMapOvr>
+    <a:masterClrMapping/>
+  </p:clrMapOvr>
+  <p:timing>
+    <p:tnLst>
+      <p:par>
+        <p:cTn id="1" dur="indefinite" restart="never" nodeType="tmRoot"/>
+      </p:par>
+    </p:tnLst>
+  </p:timing>
+</p:sld>
+</file>
+
+<file path=ppt/slides/slide15.xml><?xml version="1.0" encoding="utf-8"?>
 <p:sld xmlns:a="http://schemas.openxmlformats.org/drawingml/2006/main" xmlns:r="http://schemas.openxmlformats.org/officeDocument/2006/relationships" xmlns:p="http://schemas.openxmlformats.org/presentationml/2006/main">
   <p:cSld>
     <p:spTree>
@@ -3798,11 +5474,11 @@
         <p:spPr/>
         <p:txBody>
           <a:bodyPr>
-            <a:normAutofit/>
+            <a:noAutofit/>
           </a:bodyPr>
           <a:lstStyle/>
           <a:p>
-            <a:pPr lvl="0">
+            <a:pPr>
               <a:lnSpc>
                 <a:spcPct val="100000"/>
               </a:lnSpc>
@@ -3816,58 +5492,50 @@
               <a:defRPr/>
             </a:pPr>
             <a:r>
-              <a:rPr lang="en-US" altLang="ko-KR" sz="3600" b="0" smtClean="0"/>
+              <a:rPr lang="en-US" altLang="ko-KR" sz="4000" b="0" smtClean="0"/>
               <a:t>[</a:t>
             </a:r>
             <a:r>
-              <a:rPr lang="ko-KR" altLang="en-US" sz="3600" b="0" smtClean="0"/>
+              <a:rPr lang="ko-KR" altLang="en-US" sz="4000" b="0" smtClean="0"/>
               <a:t>화면설계</a:t>
             </a:r>
             <a:r>
-              <a:rPr lang="en-US" altLang="ko-KR" sz="3600" b="0" smtClean="0"/>
+              <a:rPr lang="en-US" altLang="ko-KR" sz="4000" b="0" smtClean="0"/>
               <a:t>] </a:t>
             </a:r>
             <a:r>
-              <a:rPr lang="ko-KR" altLang="en-US" sz="3600" b="0" smtClean="0"/>
+              <a:rPr lang="ko-KR" altLang="en-US" sz="4000" b="0" smtClean="0"/>
               <a:t>사용자 </a:t>
             </a:r>
             <a:r>
-              <a:rPr lang="en-US" altLang="ko-KR" sz="3600" b="0" smtClean="0"/>
+              <a:rPr lang="en-US" altLang="ko-KR" sz="4000" b="0" smtClean="0"/>
               <a:t>– </a:t>
             </a:r>
             <a:r>
-              <a:rPr lang="ko-KR" altLang="en-US" sz="3600" b="0" smtClean="0"/>
+              <a:rPr lang="ko-KR" altLang="en-US" sz="4000" b="0" smtClean="0"/>
               <a:t>웹 </a:t>
             </a:r>
             <a:r>
-              <a:rPr lang="en-US" altLang="ko-KR" sz="3600" b="0" smtClean="0"/>
+              <a:rPr lang="en-US" altLang="ko-KR" sz="4000" b="0" smtClean="0"/>
               <a:t>- </a:t>
             </a:r>
             <a:r>
-              <a:rPr lang="ko-KR" altLang="en-US" sz="3600" b="0" smtClean="0"/>
-              <a:t>메인페이지</a:t>
-            </a:r>
-            <a:r>
-              <a:rPr lang="ko-KR" altLang="en-US" sz="2400" b="0" smtClean="0"/>
-              <a:t> </a:t>
-            </a:r>
-            <a:r>
-              <a:rPr lang="en-US" altLang="ko-KR" sz="2400" b="0"/>
-              <a:t>- HEADER</a:t>
-            </a:r>
-            <a:endParaRPr lang="ko-KR" altLang="en-US" sz="2400" b="0" dirty="0"/>
+              <a:rPr lang="ko-KR" altLang="en-US" sz="4000" b="0" smtClean="0"/>
+              <a:t>세미나존 정보</a:t>
+            </a:r>
+            <a:endParaRPr lang="ko-KR" altLang="en-US" sz="4000" b="0" dirty="0"/>
           </a:p>
         </p:txBody>
       </p:sp>
       <p:sp>
         <p:nvSpPr>
-          <p:cNvPr id="5" name="Google Shape;164;g7c553259d1_0_81"/>
+          <p:cNvPr id="8" name="Google Shape;164;g7c553259d1_0_81"/>
           <p:cNvSpPr/>
           <p:nvPr/>
         </p:nvSpPr>
         <p:spPr>
           <a:xfrm>
-            <a:off x="3891869" y="5974235"/>
+            <a:off x="4534420" y="5718862"/>
             <a:ext cx="2789963" cy="292800"/>
           </a:xfrm>
           <a:prstGeom prst="rect">
@@ -3912,13 +5580,13 @@
       </p:sp>
       <p:sp>
         <p:nvSpPr>
-          <p:cNvPr id="6" name="Google Shape;168;g7c553259d1_0_81"/>
+          <p:cNvPr id="9" name="Google Shape;168;g7c553259d1_0_81"/>
           <p:cNvSpPr/>
           <p:nvPr/>
         </p:nvSpPr>
         <p:spPr>
           <a:xfrm>
-            <a:off x="560723" y="1442690"/>
+            <a:off x="1271339" y="1271965"/>
             <a:ext cx="6526163" cy="5349900"/>
           </a:xfrm>
           <a:prstGeom prst="rect">
@@ -3963,15 +5631,15 @@
       </p:sp>
       <p:graphicFrame>
         <p:nvGraphicFramePr>
-          <p:cNvPr id="7" name="Google Shape;169;g7c553259d1_0_81"/>
+          <p:cNvPr id="10" name="Google Shape;169;g7c553259d1_0_81"/>
           <p:cNvGraphicFramePr/>
           <p:nvPr>
             <p:extLst/>
           </p:nvPr>
         </p:nvGraphicFramePr>
         <p:xfrm>
-          <a:off x="8650244" y="2039603"/>
-          <a:ext cx="2869750" cy="4668974"/>
+          <a:off x="8213589" y="4016684"/>
+          <a:ext cx="2869750" cy="2220724"/>
         </p:xfrm>
         <a:graphic>
           <a:graphicData uri="http://schemas.openxmlformats.org/drawingml/2006/table">
@@ -4061,7 +5729,7 @@
                       <a:headEnd type="none" w="sm" len="sm"/>
                       <a:tailEnd type="none" w="sm" len="sm"/>
                     </a:lnT>
-                    <a:lnB w="12700" cap="flat" cmpd="sng" algn="ctr">
+                    <a:lnB w="12700" cap="flat" cmpd="sng">
                       <a:solidFill>
                         <a:schemeClr val="dk1"/>
                       </a:solidFill>
@@ -4132,7 +5800,7 @@
                       <a:headEnd type="none" w="sm" len="sm"/>
                       <a:tailEnd type="none" w="sm" len="sm"/>
                     </a:lnT>
-                    <a:lnB w="12700" cap="flat" cmpd="sng" algn="ctr">
+                    <a:lnB w="12700" cap="flat" cmpd="sng">
                       <a:solidFill>
                         <a:schemeClr val="dk1"/>
                       </a:solidFill>
@@ -4149,6 +5817,2790 @@
                 <a:extLst>
                   <a:ext uri="{0D108BD9-81ED-4DB2-BD59-A6C34878D82A}">
                     <a16:rowId xmlns:a16="http://schemas.microsoft.com/office/drawing/2014/main" xmlns="" val="10000"/>
+                  </a:ext>
+                </a:extLst>
+              </a:tr>
+              <a:tr h="972399">
+                <a:tc>
+                  <a:txBody>
+                    <a:bodyPr/>
+                    <a:lstStyle/>
+                    <a:p>
+                      <a:pPr marL="0" marR="0" lvl="0" indent="0" algn="ctr" rtl="0">
+                        <a:lnSpc>
+                          <a:spcPct val="100000"/>
+                        </a:lnSpc>
+                        <a:spcBef>
+                          <a:spcPts val="0"/>
+                        </a:spcBef>
+                        <a:spcAft>
+                          <a:spcPts val="0"/>
+                        </a:spcAft>
+                        <a:buClr>
+                          <a:srgbClr val="000000"/>
+                        </a:buClr>
+                        <a:buSzPts val="1500"/>
+                        <a:buFont typeface="Arial"/>
+                        <a:buNone/>
+                      </a:pPr>
+                      <a:r>
+                        <a:rPr lang="en-US" sz="1500" dirty="0" smtClean="0"/>
+                        <a:t>1</a:t>
+                      </a:r>
+                      <a:endParaRPr sz="1500" dirty="0"/>
+                    </a:p>
+                  </a:txBody>
+                  <a:tcPr marL="74304" marR="74304" marT="45725" marB="45725" anchor="ctr">
+                    <a:lnL w="12700" cap="flat" cmpd="sng">
+                      <a:solidFill>
+                        <a:schemeClr val="dk1"/>
+                      </a:solidFill>
+                      <a:prstDash val="solid"/>
+                      <a:round/>
+                      <a:headEnd type="none" w="sm" len="sm"/>
+                      <a:tailEnd type="none" w="sm" len="sm"/>
+                    </a:lnL>
+                    <a:lnR w="12700" cap="flat" cmpd="sng">
+                      <a:solidFill>
+                        <a:schemeClr val="dk1"/>
+                      </a:solidFill>
+                      <a:prstDash val="solid"/>
+                      <a:round/>
+                      <a:headEnd type="none" w="sm" len="sm"/>
+                      <a:tailEnd type="none" w="sm" len="sm"/>
+                    </a:lnR>
+                    <a:lnT w="12700" cap="flat" cmpd="sng">
+                      <a:solidFill>
+                        <a:schemeClr val="dk1"/>
+                      </a:solidFill>
+                      <a:prstDash val="solid"/>
+                      <a:round/>
+                      <a:headEnd type="none" w="sm" len="sm"/>
+                      <a:tailEnd type="none" w="sm" len="sm"/>
+                    </a:lnT>
+                    <a:lnB w="12700" cap="flat" cmpd="sng">
+                      <a:solidFill>
+                        <a:schemeClr val="dk1"/>
+                      </a:solidFill>
+                      <a:prstDash val="solid"/>
+                      <a:round/>
+                      <a:headEnd type="none" w="sm" len="sm"/>
+                      <a:tailEnd type="none" w="sm" len="sm"/>
+                    </a:lnB>
+                    <a:solidFill>
+                      <a:schemeClr val="lt1"/>
+                    </a:solidFill>
+                  </a:tcPr>
+                </a:tc>
+                <a:tc>
+                  <a:txBody>
+                    <a:bodyPr/>
+                    <a:lstStyle/>
+                    <a:p>
+                      <a:pPr marL="0" marR="0" lvl="0" indent="0" algn="l" rtl="0">
+                        <a:lnSpc>
+                          <a:spcPct val="100000"/>
+                        </a:lnSpc>
+                        <a:spcBef>
+                          <a:spcPts val="0"/>
+                        </a:spcBef>
+                        <a:spcAft>
+                          <a:spcPts val="0"/>
+                        </a:spcAft>
+                        <a:buClr>
+                          <a:srgbClr val="000000"/>
+                        </a:buClr>
+                        <a:buSzPts val="1500"/>
+                        <a:buFont typeface="Arial"/>
+                        <a:buNone/>
+                      </a:pPr>
+                      <a:r>
+                        <a:rPr lang="ko-KR" altLang="en-US" sz="1500" b="0" u="none" strike="noStrike" cap="none" smtClean="0">
+                          <a:solidFill>
+                            <a:schemeClr val="dk1"/>
+                          </a:solidFill>
+                        </a:rPr>
+                        <a:t>해당 세미나존의 정보를 보이게 함</a:t>
+                      </a:r>
+                      <a:endParaRPr lang="en-US" altLang="ko-KR" sz="1500" b="0" u="none" strike="noStrike" cap="none" baseline="0" dirty="0" smtClean="0">
+                        <a:solidFill>
+                          <a:schemeClr val="dk1"/>
+                        </a:solidFill>
+                      </a:endParaRPr>
+                    </a:p>
+                  </a:txBody>
+                  <a:tcPr marL="74304" marR="74304" marT="45725" marB="45725">
+                    <a:lnL w="12700" cap="flat" cmpd="sng">
+                      <a:solidFill>
+                        <a:schemeClr val="dk1"/>
+                      </a:solidFill>
+                      <a:prstDash val="solid"/>
+                      <a:round/>
+                      <a:headEnd type="none" w="sm" len="sm"/>
+                      <a:tailEnd type="none" w="sm" len="sm"/>
+                    </a:lnL>
+                    <a:lnR w="12700" cap="flat" cmpd="sng">
+                      <a:solidFill>
+                        <a:schemeClr val="dk1"/>
+                      </a:solidFill>
+                      <a:prstDash val="solid"/>
+                      <a:round/>
+                      <a:headEnd type="none" w="sm" len="sm"/>
+                      <a:tailEnd type="none" w="sm" len="sm"/>
+                    </a:lnR>
+                    <a:lnT w="12700" cap="flat" cmpd="sng">
+                      <a:solidFill>
+                        <a:schemeClr val="dk1"/>
+                      </a:solidFill>
+                      <a:prstDash val="solid"/>
+                      <a:round/>
+                      <a:headEnd type="none" w="sm" len="sm"/>
+                      <a:tailEnd type="none" w="sm" len="sm"/>
+                    </a:lnT>
+                    <a:lnB w="12700" cap="flat" cmpd="sng">
+                      <a:solidFill>
+                        <a:schemeClr val="dk1"/>
+                      </a:solidFill>
+                      <a:prstDash val="solid"/>
+                      <a:round/>
+                      <a:headEnd type="none" w="sm" len="sm"/>
+                      <a:tailEnd type="none" w="sm" len="sm"/>
+                    </a:lnB>
+                    <a:solidFill>
+                      <a:schemeClr val="lt1"/>
+                    </a:solidFill>
+                  </a:tcPr>
+                </a:tc>
+                <a:extLst>
+                  <a:ext uri="{0D108BD9-81ED-4DB2-BD59-A6C34878D82A}">
+                    <a16:rowId xmlns:a16="http://schemas.microsoft.com/office/drawing/2014/main" xmlns="" val="10001"/>
+                  </a:ext>
+                </a:extLst>
+              </a:tr>
+              <a:tr h="892175">
+                <a:tc>
+                  <a:txBody>
+                    <a:bodyPr/>
+                    <a:lstStyle/>
+                    <a:p>
+                      <a:pPr marL="0" marR="0" lvl="0" indent="0" algn="ctr" rtl="0">
+                        <a:lnSpc>
+                          <a:spcPct val="100000"/>
+                        </a:lnSpc>
+                        <a:spcBef>
+                          <a:spcPts val="0"/>
+                        </a:spcBef>
+                        <a:spcAft>
+                          <a:spcPts val="0"/>
+                        </a:spcAft>
+                        <a:buNone/>
+                      </a:pPr>
+                      <a:endParaRPr sz="1500" dirty="0"/>
+                    </a:p>
+                  </a:txBody>
+                  <a:tcPr marL="74304" marR="74304" marT="45725" marB="45725" anchor="ctr">
+                    <a:lnL w="12700" cap="flat" cmpd="sng">
+                      <a:solidFill>
+                        <a:schemeClr val="dk1"/>
+                      </a:solidFill>
+                      <a:prstDash val="solid"/>
+                      <a:round/>
+                      <a:headEnd type="none" w="sm" len="sm"/>
+                      <a:tailEnd type="none" w="sm" len="sm"/>
+                    </a:lnL>
+                    <a:lnR w="12700" cap="flat" cmpd="sng" algn="ctr">
+                      <a:solidFill>
+                        <a:schemeClr val="dk1"/>
+                      </a:solidFill>
+                      <a:prstDash val="solid"/>
+                      <a:round/>
+                      <a:headEnd type="none" w="sm" len="sm"/>
+                      <a:tailEnd type="none" w="sm" len="sm"/>
+                    </a:lnR>
+                    <a:lnT w="12700" cap="flat" cmpd="sng" algn="ctr">
+                      <a:solidFill>
+                        <a:schemeClr val="dk1"/>
+                      </a:solidFill>
+                      <a:prstDash val="solid"/>
+                      <a:round/>
+                      <a:headEnd type="none" w="sm" len="sm"/>
+                      <a:tailEnd type="none" w="sm" len="sm"/>
+                    </a:lnT>
+                    <a:lnB w="12700" cap="flat" cmpd="sng">
+                      <a:solidFill>
+                        <a:schemeClr val="dk1"/>
+                      </a:solidFill>
+                      <a:prstDash val="solid"/>
+                      <a:round/>
+                      <a:headEnd type="none" w="sm" len="sm"/>
+                      <a:tailEnd type="none" w="sm" len="sm"/>
+                    </a:lnB>
+                    <a:solidFill>
+                      <a:schemeClr val="lt1"/>
+                    </a:solidFill>
+                  </a:tcPr>
+                </a:tc>
+                <a:tc>
+                  <a:txBody>
+                    <a:bodyPr/>
+                    <a:lstStyle/>
+                    <a:p>
+                      <a:pPr marL="0" marR="0" lvl="0" indent="0" algn="l" defTabSz="914400" rtl="0" eaLnBrk="1" fontAlgn="auto" latinLnBrk="1" hangingPunct="1">
+                        <a:lnSpc>
+                          <a:spcPct val="100000"/>
+                        </a:lnSpc>
+                        <a:spcBef>
+                          <a:spcPts val="0"/>
+                        </a:spcBef>
+                        <a:spcAft>
+                          <a:spcPts val="0"/>
+                        </a:spcAft>
+                        <a:buClrTx/>
+                        <a:buSzTx/>
+                        <a:buFontTx/>
+                        <a:buNone/>
+                        <a:tabLst/>
+                        <a:defRPr/>
+                      </a:pPr>
+                      <a:r>
+                        <a:rPr lang="en-US" altLang="ko-KR" sz="1500" b="0" u="none" strike="noStrike" cap="none" smtClean="0">
+                          <a:solidFill>
+                            <a:schemeClr val="dk1"/>
+                          </a:solidFill>
+                        </a:rPr>
+                        <a:t>kb_user_w_semiZoneIntro</a:t>
+                      </a:r>
+                    </a:p>
+                    <a:p>
+                      <a:pPr marL="0" marR="0" lvl="0" indent="0" algn="l" rtl="0">
+                        <a:lnSpc>
+                          <a:spcPct val="100000"/>
+                        </a:lnSpc>
+                        <a:spcBef>
+                          <a:spcPts val="0"/>
+                        </a:spcBef>
+                        <a:spcAft>
+                          <a:spcPts val="0"/>
+                        </a:spcAft>
+                        <a:buNone/>
+                      </a:pPr>
+                      <a:endParaRPr sz="1500" dirty="0"/>
+                    </a:p>
+                  </a:txBody>
+                  <a:tcPr marL="74304" marR="74304" marT="45725" marB="45725">
+                    <a:lnL w="12700" cap="flat" cmpd="sng" algn="ctr">
+                      <a:solidFill>
+                        <a:schemeClr val="dk1"/>
+                      </a:solidFill>
+                      <a:prstDash val="solid"/>
+                      <a:round/>
+                      <a:headEnd type="none" w="sm" len="sm"/>
+                      <a:tailEnd type="none" w="sm" len="sm"/>
+                    </a:lnL>
+                    <a:lnR w="12700" cap="flat" cmpd="sng">
+                      <a:solidFill>
+                        <a:schemeClr val="dk1"/>
+                      </a:solidFill>
+                      <a:prstDash val="solid"/>
+                      <a:round/>
+                      <a:headEnd type="none" w="sm" len="sm"/>
+                      <a:tailEnd type="none" w="sm" len="sm"/>
+                    </a:lnR>
+                    <a:lnT w="12700" cap="flat" cmpd="sng" algn="ctr">
+                      <a:solidFill>
+                        <a:schemeClr val="dk1"/>
+                      </a:solidFill>
+                      <a:prstDash val="solid"/>
+                      <a:round/>
+                      <a:headEnd type="none" w="sm" len="sm"/>
+                      <a:tailEnd type="none" w="sm" len="sm"/>
+                    </a:lnT>
+                    <a:lnB w="12700" cap="flat" cmpd="sng">
+                      <a:solidFill>
+                        <a:schemeClr val="dk1"/>
+                      </a:solidFill>
+                      <a:prstDash val="solid"/>
+                      <a:round/>
+                      <a:headEnd type="none" w="sm" len="sm"/>
+                      <a:tailEnd type="none" w="sm" len="sm"/>
+                    </a:lnB>
+                    <a:solidFill>
+                      <a:schemeClr val="lt1"/>
+                    </a:solidFill>
+                  </a:tcPr>
+                </a:tc>
+                <a:extLst>
+                  <a:ext uri="{0D108BD9-81ED-4DB2-BD59-A6C34878D82A}">
+                    <a16:rowId xmlns:a16="http://schemas.microsoft.com/office/drawing/2014/main" xmlns="" val="10002"/>
+                  </a:ext>
+                </a:extLst>
+              </a:tr>
+            </a:tbl>
+          </a:graphicData>
+        </a:graphic>
+      </p:graphicFrame>
+      <p:pic>
+        <p:nvPicPr>
+          <p:cNvPr id="11" name="그림 10"/>
+          <p:cNvPicPr>
+            <a:picLocks noChangeAspect="1"/>
+          </p:cNvPicPr>
+          <p:nvPr/>
+        </p:nvPicPr>
+        <p:blipFill>
+          <a:blip r:embed="rId2"/>
+          <a:stretch>
+            <a:fillRect/>
+          </a:stretch>
+        </p:blipFill>
+        <p:spPr>
+          <a:xfrm>
+            <a:off x="1405753" y="1472067"/>
+            <a:ext cx="6106121" cy="4867275"/>
+          </a:xfrm>
+          <a:prstGeom prst="rect">
+            <a:avLst/>
+          </a:prstGeom>
+        </p:spPr>
+      </p:pic>
+      <p:sp>
+        <p:nvSpPr>
+          <p:cNvPr id="12" name="Google Shape;173;g7c553259d1_0_81"/>
+          <p:cNvSpPr/>
+          <p:nvPr/>
+        </p:nvSpPr>
+        <p:spPr>
+          <a:xfrm>
+            <a:off x="1606549" y="1668121"/>
+            <a:ext cx="245944" cy="324600"/>
+          </a:xfrm>
+          <a:prstGeom prst="rect">
+            <a:avLst/>
+          </a:prstGeom>
+          <a:solidFill>
+            <a:srgbClr val="FF0000"/>
+          </a:solidFill>
+          <a:ln>
+            <a:noFill/>
+          </a:ln>
+        </p:spPr>
+        <p:txBody>
+          <a:bodyPr spcFirstLastPara="1" wrap="square" lIns="91425" tIns="45700" rIns="91425" bIns="45700" anchor="ctr" anchorCtr="0">
+            <a:noAutofit/>
+          </a:bodyPr>
+          <a:lstStyle/>
+          <a:p>
+            <a:pPr algn="ctr">
+              <a:buClr>
+                <a:srgbClr val="000000"/>
+              </a:buClr>
+              <a:buSzPts val="1800"/>
+            </a:pPr>
+            <a:r>
+              <a:rPr lang="en-US" altLang="ko-KR" b="1" dirty="0">
+                <a:solidFill>
+                  <a:schemeClr val="dk1"/>
+                </a:solidFill>
+                <a:latin typeface="Malgun Gothic"/>
+                <a:ea typeface="Malgun Gothic"/>
+                <a:cs typeface="Malgun Gothic"/>
+                <a:sym typeface="Malgun Gothic"/>
+              </a:rPr>
+              <a:t>1</a:t>
+            </a:r>
+            <a:endParaRPr b="1" dirty="0">
+              <a:solidFill>
+                <a:schemeClr val="dk1"/>
+              </a:solidFill>
+              <a:latin typeface="Malgun Gothic"/>
+              <a:ea typeface="Malgun Gothic"/>
+              <a:cs typeface="Malgun Gothic"/>
+              <a:sym typeface="Malgun Gothic"/>
+            </a:endParaRPr>
+          </a:p>
+        </p:txBody>
+      </p:sp>
+      <p:graphicFrame>
+        <p:nvGraphicFramePr>
+          <p:cNvPr id="13" name="표 12"/>
+          <p:cNvGraphicFramePr>
+            <a:graphicFrameLocks noGrp="1"/>
+          </p:cNvGraphicFramePr>
+          <p:nvPr>
+            <p:extLst/>
+          </p:nvPr>
+        </p:nvGraphicFramePr>
+        <p:xfrm>
+          <a:off x="8213589" y="2811291"/>
+          <a:ext cx="2666077" cy="640100"/>
+        </p:xfrm>
+        <a:graphic>
+          <a:graphicData uri="http://schemas.openxmlformats.org/drawingml/2006/table">
+            <a:tbl>
+              <a:tblPr firstRow="1" bandRow="1">
+                <a:noFill/>
+              </a:tblPr>
+              <a:tblGrid>
+                <a:gridCol w="2666077"/>
+              </a:tblGrid>
+              <a:tr h="168164">
+                <a:tc>
+                  <a:txBody>
+                    <a:bodyPr/>
+                    <a:lstStyle/>
+                    <a:p>
+                      <a:pPr marL="0" marR="0" lvl="0" indent="0" algn="ctr" rtl="0">
+                        <a:lnSpc>
+                          <a:spcPct val="100000"/>
+                        </a:lnSpc>
+                        <a:spcBef>
+                          <a:spcPts val="0"/>
+                        </a:spcBef>
+                        <a:spcAft>
+                          <a:spcPts val="0"/>
+                        </a:spcAft>
+                        <a:buClr>
+                          <a:srgbClr val="000000"/>
+                        </a:buClr>
+                        <a:buSzPts val="1500"/>
+                        <a:buFont typeface="Arial"/>
+                        <a:buNone/>
+                      </a:pPr>
+                      <a:r>
+                        <a:rPr lang="ko-KR" altLang="en-US" sz="1500" b="0" u="none" strike="noStrike" cap="none" dirty="0" smtClean="0">
+                          <a:solidFill>
+                            <a:schemeClr val="dk1"/>
+                          </a:solidFill>
+                        </a:rPr>
+                        <a:t>화면코드</a:t>
+                      </a:r>
+                      <a:endParaRPr sz="1500" b="0" u="none" strike="noStrike" cap="none" dirty="0">
+                        <a:solidFill>
+                          <a:schemeClr val="dk1"/>
+                        </a:solidFill>
+                      </a:endParaRPr>
+                    </a:p>
+                  </a:txBody>
+                  <a:tcPr marL="74304" marR="74304" marT="45725" marB="45725" anchor="ctr">
+                    <a:lnL w="12700" cap="flat" cmpd="sng">
+                      <a:solidFill>
+                        <a:schemeClr val="dk1"/>
+                      </a:solidFill>
+                      <a:prstDash val="solid"/>
+                      <a:round/>
+                      <a:headEnd type="none" w="sm" len="sm"/>
+                      <a:tailEnd type="none" w="sm" len="sm"/>
+                    </a:lnL>
+                    <a:lnR w="12700" cap="flat" cmpd="sng">
+                      <a:solidFill>
+                        <a:schemeClr val="dk1"/>
+                      </a:solidFill>
+                      <a:prstDash val="solid"/>
+                      <a:round/>
+                      <a:headEnd type="none" w="sm" len="sm"/>
+                      <a:tailEnd type="none" w="sm" len="sm"/>
+                    </a:lnR>
+                    <a:lnT w="12700" cap="flat" cmpd="sng">
+                      <a:solidFill>
+                        <a:schemeClr val="dk1"/>
+                      </a:solidFill>
+                      <a:prstDash val="solid"/>
+                      <a:round/>
+                      <a:headEnd type="none" w="sm" len="sm"/>
+                      <a:tailEnd type="none" w="sm" len="sm"/>
+                    </a:lnT>
+                    <a:lnB w="12700" cap="flat" cmpd="sng" algn="ctr">
+                      <a:solidFill>
+                        <a:schemeClr val="dk1"/>
+                      </a:solidFill>
+                      <a:prstDash val="solid"/>
+                      <a:round/>
+                      <a:headEnd type="none" w="sm" len="sm"/>
+                      <a:tailEnd type="none" w="sm" len="sm"/>
+                    </a:lnB>
+                    <a:solidFill>
+                      <a:srgbClr val="D8D8D8"/>
+                    </a:solidFill>
+                  </a:tcPr>
+                </a:tc>
+              </a:tr>
+              <a:tr h="168164">
+                <a:tc>
+                  <a:txBody>
+                    <a:bodyPr/>
+                    <a:lstStyle/>
+                    <a:p>
+                      <a:pPr marL="0" marR="0" lvl="0" indent="0" algn="l" defTabSz="914400" rtl="0" eaLnBrk="1" fontAlgn="auto" latinLnBrk="1" hangingPunct="1">
+                        <a:lnSpc>
+                          <a:spcPct val="100000"/>
+                        </a:lnSpc>
+                        <a:spcBef>
+                          <a:spcPts val="0"/>
+                        </a:spcBef>
+                        <a:spcAft>
+                          <a:spcPts val="0"/>
+                        </a:spcAft>
+                        <a:buClrTx/>
+                        <a:buSzTx/>
+                        <a:buFontTx/>
+                        <a:buNone/>
+                        <a:tabLst/>
+                        <a:defRPr/>
+                      </a:pPr>
+                      <a:r>
+                        <a:rPr lang="en-US" altLang="ko-KR" sz="1500" b="0" u="none" strike="noStrike" cap="none" dirty="0" err="1" smtClean="0">
+                          <a:solidFill>
+                            <a:schemeClr val="dk1"/>
+                          </a:solidFill>
+                        </a:rPr>
+                        <a:t>kb_user_w_semiZoneIntro</a:t>
+                      </a:r>
+                      <a:endParaRPr lang="en-US" altLang="ko-KR" sz="1500" b="0" u="none" strike="noStrike" cap="none" dirty="0" smtClean="0">
+                        <a:solidFill>
+                          <a:schemeClr val="dk1"/>
+                        </a:solidFill>
+                      </a:endParaRPr>
+                    </a:p>
+                  </a:txBody>
+                  <a:tcPr marL="74304" marR="74304" marT="45725" marB="45725" anchor="ctr">
+                    <a:lnL w="12700" cap="flat" cmpd="sng" algn="ctr">
+                      <a:solidFill>
+                        <a:schemeClr val="dk1"/>
+                      </a:solidFill>
+                      <a:prstDash val="solid"/>
+                      <a:round/>
+                      <a:headEnd type="none" w="sm" len="sm"/>
+                      <a:tailEnd type="none" w="sm" len="sm"/>
+                    </a:lnL>
+                    <a:lnR w="12700" cap="flat" cmpd="sng" algn="ctr">
+                      <a:solidFill>
+                        <a:schemeClr val="dk1"/>
+                      </a:solidFill>
+                      <a:prstDash val="solid"/>
+                      <a:round/>
+                      <a:headEnd type="none" w="sm" len="sm"/>
+                      <a:tailEnd type="none" w="sm" len="sm"/>
+                    </a:lnR>
+                    <a:lnT w="12700" cap="flat" cmpd="sng" algn="ctr">
+                      <a:solidFill>
+                        <a:schemeClr val="dk1"/>
+                      </a:solidFill>
+                      <a:prstDash val="solid"/>
+                      <a:round/>
+                      <a:headEnd type="none" w="sm" len="sm"/>
+                      <a:tailEnd type="none" w="sm" len="sm"/>
+                    </a:lnT>
+                    <a:lnB w="12700" cap="flat" cmpd="sng">
+                      <a:solidFill>
+                        <a:schemeClr val="dk1"/>
+                      </a:solidFill>
+                      <a:prstDash val="solid"/>
+                      <a:round/>
+                      <a:headEnd type="none" w="sm" len="sm"/>
+                      <a:tailEnd type="none" w="sm" len="sm"/>
+                    </a:lnB>
+                    <a:solidFill>
+                      <a:schemeClr val="bg1"/>
+                    </a:solidFill>
+                  </a:tcPr>
+                </a:tc>
+              </a:tr>
+            </a:tbl>
+          </a:graphicData>
+        </a:graphic>
+      </p:graphicFrame>
+    </p:spTree>
+    <p:extLst>
+      <p:ext uri="{BB962C8B-B14F-4D97-AF65-F5344CB8AC3E}">
+        <p14:creationId xmlns:p14="http://schemas.microsoft.com/office/powerpoint/2010/main" val="2091656547"/>
+      </p:ext>
+    </p:extLst>
+  </p:cSld>
+  <p:clrMapOvr>
+    <a:masterClrMapping/>
+  </p:clrMapOvr>
+  <p:timing>
+    <p:tnLst>
+      <p:par>
+        <p:cTn id="1" dur="indefinite" restart="never" nodeType="tmRoot"/>
+      </p:par>
+    </p:tnLst>
+  </p:timing>
+</p:sld>
+</file>
+
+<file path=ppt/slides/slide16.xml><?xml version="1.0" encoding="utf-8"?>
+<p:sld xmlns:a="http://schemas.openxmlformats.org/drawingml/2006/main" xmlns:r="http://schemas.openxmlformats.org/officeDocument/2006/relationships" xmlns:p="http://schemas.openxmlformats.org/presentationml/2006/main">
+  <p:cSld>
+    <p:spTree>
+      <p:nvGrpSpPr>
+        <p:cNvPr id="1" name=""/>
+        <p:cNvGrpSpPr/>
+        <p:nvPr/>
+      </p:nvGrpSpPr>
+      <p:grpSpPr>
+        <a:xfrm>
+          <a:off x="0" y="0"/>
+          <a:ext cx="0" cy="0"/>
+          <a:chOff x="0" y="0"/>
+          <a:chExt cx="0" cy="0"/>
+        </a:xfrm>
+      </p:grpSpPr>
+      <p:sp>
+        <p:nvSpPr>
+          <p:cNvPr id="5" name="제목 1"/>
+          <p:cNvSpPr>
+            <a:spLocks noGrp="1"/>
+          </p:cNvSpPr>
+          <p:nvPr>
+            <p:ph type="title"/>
+          </p:nvPr>
+        </p:nvSpPr>
+        <p:spPr/>
+        <p:txBody>
+          <a:bodyPr>
+            <a:noAutofit/>
+          </a:bodyPr>
+          <a:lstStyle/>
+          <a:p>
+            <a:pPr>
+              <a:lnSpc>
+                <a:spcPct val="100000"/>
+              </a:lnSpc>
+              <a:spcBef>
+                <a:spcPts val="0"/>
+              </a:spcBef>
+              <a:buClr>
+                <a:srgbClr val="000000"/>
+              </a:buClr>
+              <a:buSzPts val="1500"/>
+              <a:defRPr/>
+            </a:pPr>
+            <a:r>
+              <a:rPr lang="en-US" altLang="ko-KR" sz="4000" b="0" smtClean="0"/>
+              <a:t>[</a:t>
+            </a:r>
+            <a:r>
+              <a:rPr lang="ko-KR" altLang="en-US" sz="4000" b="0" smtClean="0"/>
+              <a:t>화면구현</a:t>
+            </a:r>
+            <a:r>
+              <a:rPr lang="en-US" altLang="ko-KR" sz="4000" b="0" smtClean="0"/>
+              <a:t>] </a:t>
+            </a:r>
+            <a:r>
+              <a:rPr lang="ko-KR" altLang="en-US" sz="4000" b="0" smtClean="0"/>
+              <a:t>사용자 </a:t>
+            </a:r>
+            <a:r>
+              <a:rPr lang="en-US" altLang="ko-KR" sz="4000" b="0" smtClean="0"/>
+              <a:t>– </a:t>
+            </a:r>
+            <a:r>
+              <a:rPr lang="ko-KR" altLang="en-US" sz="4000" b="0" smtClean="0"/>
+              <a:t>웹 </a:t>
+            </a:r>
+            <a:r>
+              <a:rPr lang="en-US" altLang="ko-KR" sz="4000" b="0" smtClean="0"/>
+              <a:t>- </a:t>
+            </a:r>
+            <a:r>
+              <a:rPr lang="ko-KR" altLang="en-US" sz="4000" b="0" smtClean="0"/>
+              <a:t>세미나존 정보</a:t>
+            </a:r>
+            <a:endParaRPr lang="ko-KR" altLang="en-US" sz="4000" b="0" dirty="0"/>
+          </a:p>
+        </p:txBody>
+      </p:sp>
+      <p:pic>
+        <p:nvPicPr>
+          <p:cNvPr id="7" name="그림 6"/>
+          <p:cNvPicPr>
+            <a:picLocks noChangeAspect="1"/>
+          </p:cNvPicPr>
+          <p:nvPr/>
+        </p:nvPicPr>
+        <p:blipFill>
+          <a:blip r:embed="rId2"/>
+          <a:stretch>
+            <a:fillRect/>
+          </a:stretch>
+        </p:blipFill>
+        <p:spPr>
+          <a:xfrm>
+            <a:off x="189470" y="4069492"/>
+            <a:ext cx="5247503" cy="2506830"/>
+          </a:xfrm>
+          <a:prstGeom prst="rect">
+            <a:avLst/>
+          </a:prstGeom>
+          <a:ln w="25400">
+            <a:solidFill>
+              <a:schemeClr val="tx1"/>
+            </a:solidFill>
+          </a:ln>
+        </p:spPr>
+      </p:pic>
+      <p:pic>
+        <p:nvPicPr>
+          <p:cNvPr id="8" name="그림 7"/>
+          <p:cNvPicPr>
+            <a:picLocks noChangeAspect="1"/>
+          </p:cNvPicPr>
+          <p:nvPr/>
+        </p:nvPicPr>
+        <p:blipFill>
+          <a:blip r:embed="rId3"/>
+          <a:stretch>
+            <a:fillRect/>
+          </a:stretch>
+        </p:blipFill>
+        <p:spPr>
+          <a:xfrm>
+            <a:off x="5785462" y="1485895"/>
+            <a:ext cx="6334125" cy="295275"/>
+          </a:xfrm>
+          <a:prstGeom prst="rect">
+            <a:avLst/>
+          </a:prstGeom>
+          <a:ln>
+            <a:solidFill>
+              <a:schemeClr val="tx1"/>
+            </a:solidFill>
+          </a:ln>
+        </p:spPr>
+      </p:pic>
+      <p:pic>
+        <p:nvPicPr>
+          <p:cNvPr id="9" name="그림 8"/>
+          <p:cNvPicPr>
+            <a:picLocks noChangeAspect="1"/>
+          </p:cNvPicPr>
+          <p:nvPr/>
+        </p:nvPicPr>
+        <p:blipFill>
+          <a:blip r:embed="rId4"/>
+          <a:stretch>
+            <a:fillRect/>
+          </a:stretch>
+        </p:blipFill>
+        <p:spPr>
+          <a:xfrm>
+            <a:off x="5785462" y="2093474"/>
+            <a:ext cx="5606235" cy="1362075"/>
+          </a:xfrm>
+          <a:prstGeom prst="rect">
+            <a:avLst/>
+          </a:prstGeom>
+          <a:ln>
+            <a:solidFill>
+              <a:schemeClr val="tx1"/>
+            </a:solidFill>
+          </a:ln>
+        </p:spPr>
+      </p:pic>
+      <p:pic>
+        <p:nvPicPr>
+          <p:cNvPr id="2" name="그림 1"/>
+          <p:cNvPicPr>
+            <a:picLocks noChangeAspect="1"/>
+          </p:cNvPicPr>
+          <p:nvPr/>
+        </p:nvPicPr>
+        <p:blipFill>
+          <a:blip r:embed="rId5"/>
+          <a:stretch>
+            <a:fillRect/>
+          </a:stretch>
+        </p:blipFill>
+        <p:spPr>
+          <a:xfrm>
+            <a:off x="5785462" y="3698017"/>
+            <a:ext cx="6046184" cy="742950"/>
+          </a:xfrm>
+          <a:prstGeom prst="rect">
+            <a:avLst/>
+          </a:prstGeom>
+          <a:ln>
+            <a:solidFill>
+              <a:schemeClr val="tx1"/>
+            </a:solidFill>
+          </a:ln>
+        </p:spPr>
+      </p:pic>
+      <p:pic>
+        <p:nvPicPr>
+          <p:cNvPr id="3" name="그림 2"/>
+          <p:cNvPicPr>
+            <a:picLocks noChangeAspect="1"/>
+          </p:cNvPicPr>
+          <p:nvPr/>
+        </p:nvPicPr>
+        <p:blipFill>
+          <a:blip r:embed="rId6"/>
+          <a:stretch>
+            <a:fillRect/>
+          </a:stretch>
+        </p:blipFill>
+        <p:spPr>
+          <a:xfrm>
+            <a:off x="5785462" y="4658243"/>
+            <a:ext cx="4791075" cy="485775"/>
+          </a:xfrm>
+          <a:prstGeom prst="rect">
+            <a:avLst/>
+          </a:prstGeom>
+          <a:ln>
+            <a:solidFill>
+              <a:schemeClr val="tx1"/>
+            </a:solidFill>
+          </a:ln>
+        </p:spPr>
+      </p:pic>
+      <p:pic>
+        <p:nvPicPr>
+          <p:cNvPr id="4" name="그림 3"/>
+          <p:cNvPicPr>
+            <a:picLocks noChangeAspect="1"/>
+          </p:cNvPicPr>
+          <p:nvPr/>
+        </p:nvPicPr>
+        <p:blipFill>
+          <a:blip r:embed="rId7"/>
+          <a:stretch>
+            <a:fillRect/>
+          </a:stretch>
+        </p:blipFill>
+        <p:spPr>
+          <a:xfrm>
+            <a:off x="279918" y="1222852"/>
+            <a:ext cx="4927302" cy="2537327"/>
+          </a:xfrm>
+          <a:prstGeom prst="rect">
+            <a:avLst/>
+          </a:prstGeom>
+          <a:ln w="25400">
+            <a:solidFill>
+              <a:schemeClr val="tx1"/>
+            </a:solidFill>
+          </a:ln>
+        </p:spPr>
+      </p:pic>
+    </p:spTree>
+    <p:extLst>
+      <p:ext uri="{BB962C8B-B14F-4D97-AF65-F5344CB8AC3E}">
+        <p14:creationId xmlns:p14="http://schemas.microsoft.com/office/powerpoint/2010/main" val="262916733"/>
+      </p:ext>
+    </p:extLst>
+  </p:cSld>
+  <p:clrMapOvr>
+    <a:masterClrMapping/>
+  </p:clrMapOvr>
+</p:sld>
+</file>
+
+<file path=ppt/slides/slide17.xml><?xml version="1.0" encoding="utf-8"?>
+<p:sld xmlns:a="http://schemas.openxmlformats.org/drawingml/2006/main" xmlns:r="http://schemas.openxmlformats.org/officeDocument/2006/relationships" xmlns:p="http://schemas.openxmlformats.org/presentationml/2006/main">
+  <p:cSld>
+    <p:spTree>
+      <p:nvGrpSpPr>
+        <p:cNvPr id="1" name=""/>
+        <p:cNvGrpSpPr/>
+        <p:nvPr/>
+      </p:nvGrpSpPr>
+      <p:grpSpPr>
+        <a:xfrm>
+          <a:off x="0" y="0"/>
+          <a:ext cx="0" cy="0"/>
+          <a:chOff x="0" y="0"/>
+          <a:chExt cx="0" cy="0"/>
+        </a:xfrm>
+      </p:grpSpPr>
+      <p:sp>
+        <p:nvSpPr>
+          <p:cNvPr id="2" name="제목 1"/>
+          <p:cNvSpPr>
+            <a:spLocks noGrp="1"/>
+          </p:cNvSpPr>
+          <p:nvPr>
+            <p:ph type="title"/>
+          </p:nvPr>
+        </p:nvSpPr>
+        <p:spPr/>
+        <p:txBody>
+          <a:bodyPr/>
+          <a:lstStyle/>
+          <a:p>
+            <a:r>
+              <a:rPr lang="en-US" altLang="ko-KR" smtClean="0"/>
+              <a:t>[</a:t>
+            </a:r>
+            <a:r>
+              <a:rPr lang="ko-KR" altLang="en-US" smtClean="0"/>
+              <a:t>화면구현</a:t>
+            </a:r>
+            <a:r>
+              <a:rPr lang="en-US" altLang="ko-KR" smtClean="0"/>
+              <a:t>] </a:t>
+            </a:r>
+            <a:r>
+              <a:rPr lang="ko-KR" altLang="en-US" smtClean="0"/>
+              <a:t>사용자 </a:t>
+            </a:r>
+            <a:r>
+              <a:rPr lang="en-US" altLang="ko-KR" smtClean="0"/>
+              <a:t>– </a:t>
+            </a:r>
+            <a:r>
+              <a:rPr lang="ko-KR" altLang="en-US" smtClean="0"/>
+              <a:t>웹 </a:t>
+            </a:r>
+            <a:r>
+              <a:rPr lang="en-US" altLang="ko-KR" smtClean="0"/>
+              <a:t>– </a:t>
+            </a:r>
+            <a:r>
+              <a:rPr lang="ko-KR" altLang="en-US" smtClean="0"/>
+              <a:t>세미나존 문의</a:t>
+            </a:r>
+            <a:endParaRPr lang="ko-KR" altLang="en-US"/>
+          </a:p>
+        </p:txBody>
+      </p:sp>
+      <p:pic>
+        <p:nvPicPr>
+          <p:cNvPr id="4" name="그림 3"/>
+          <p:cNvPicPr>
+            <a:picLocks noChangeAspect="1"/>
+          </p:cNvPicPr>
+          <p:nvPr/>
+        </p:nvPicPr>
+        <p:blipFill>
+          <a:blip r:embed="rId2"/>
+          <a:stretch>
+            <a:fillRect/>
+          </a:stretch>
+        </p:blipFill>
+        <p:spPr>
+          <a:xfrm>
+            <a:off x="214605" y="1670277"/>
+            <a:ext cx="6186196" cy="3797364"/>
+          </a:xfrm>
+          <a:prstGeom prst="rect">
+            <a:avLst/>
+          </a:prstGeom>
+          <a:ln w="25400">
+            <a:solidFill>
+              <a:schemeClr val="tx1"/>
+            </a:solidFill>
+          </a:ln>
+        </p:spPr>
+      </p:pic>
+      <p:pic>
+        <p:nvPicPr>
+          <p:cNvPr id="5" name="그림 4"/>
+          <p:cNvPicPr>
+            <a:picLocks noChangeAspect="1"/>
+          </p:cNvPicPr>
+          <p:nvPr/>
+        </p:nvPicPr>
+        <p:blipFill>
+          <a:blip r:embed="rId3"/>
+          <a:stretch>
+            <a:fillRect/>
+          </a:stretch>
+        </p:blipFill>
+        <p:spPr>
+          <a:xfrm>
+            <a:off x="6746034" y="1819081"/>
+            <a:ext cx="4831896" cy="704850"/>
+          </a:xfrm>
+          <a:prstGeom prst="rect">
+            <a:avLst/>
+          </a:prstGeom>
+          <a:ln>
+            <a:solidFill>
+              <a:schemeClr val="tx1"/>
+            </a:solidFill>
+          </a:ln>
+        </p:spPr>
+      </p:pic>
+      <p:pic>
+        <p:nvPicPr>
+          <p:cNvPr id="6" name="그림 5"/>
+          <p:cNvPicPr>
+            <a:picLocks noChangeAspect="1"/>
+          </p:cNvPicPr>
+          <p:nvPr/>
+        </p:nvPicPr>
+        <p:blipFill>
+          <a:blip r:embed="rId4"/>
+          <a:stretch>
+            <a:fillRect/>
+          </a:stretch>
+        </p:blipFill>
+        <p:spPr>
+          <a:xfrm>
+            <a:off x="6680719" y="2843406"/>
+            <a:ext cx="5158857" cy="238125"/>
+          </a:xfrm>
+          <a:prstGeom prst="rect">
+            <a:avLst/>
+          </a:prstGeom>
+          <a:ln>
+            <a:solidFill>
+              <a:schemeClr val="tx1"/>
+            </a:solidFill>
+          </a:ln>
+        </p:spPr>
+      </p:pic>
+      <p:pic>
+        <p:nvPicPr>
+          <p:cNvPr id="7" name="그림 6"/>
+          <p:cNvPicPr>
+            <a:picLocks noChangeAspect="1"/>
+          </p:cNvPicPr>
+          <p:nvPr/>
+        </p:nvPicPr>
+        <p:blipFill>
+          <a:blip r:embed="rId5"/>
+          <a:stretch>
+            <a:fillRect/>
+          </a:stretch>
+        </p:blipFill>
+        <p:spPr>
+          <a:xfrm>
+            <a:off x="6559421" y="3429472"/>
+            <a:ext cx="5018508" cy="2706461"/>
+          </a:xfrm>
+          <a:prstGeom prst="rect">
+            <a:avLst/>
+          </a:prstGeom>
+          <a:ln>
+            <a:solidFill>
+              <a:schemeClr val="tx1"/>
+            </a:solidFill>
+          </a:ln>
+        </p:spPr>
+      </p:pic>
+    </p:spTree>
+    <p:extLst>
+      <p:ext uri="{BB962C8B-B14F-4D97-AF65-F5344CB8AC3E}">
+        <p14:creationId xmlns:p14="http://schemas.microsoft.com/office/powerpoint/2010/main" val="3370012286"/>
+      </p:ext>
+    </p:extLst>
+  </p:cSld>
+  <p:clrMapOvr>
+    <a:masterClrMapping/>
+  </p:clrMapOvr>
+</p:sld>
+</file>
+
+<file path=ppt/slides/slide18.xml><?xml version="1.0" encoding="utf-8"?>
+<p:sld xmlns:a="http://schemas.openxmlformats.org/drawingml/2006/main" xmlns:r="http://schemas.openxmlformats.org/officeDocument/2006/relationships" xmlns:p="http://schemas.openxmlformats.org/presentationml/2006/main">
+  <p:cSld>
+    <p:spTree>
+      <p:nvGrpSpPr>
+        <p:cNvPr id="1" name=""/>
+        <p:cNvGrpSpPr/>
+        <p:nvPr/>
+      </p:nvGrpSpPr>
+      <p:grpSpPr>
+        <a:xfrm>
+          <a:off x="0" y="0"/>
+          <a:ext cx="0" cy="0"/>
+          <a:chOff x="0" y="0"/>
+          <a:chExt cx="0" cy="0"/>
+        </a:xfrm>
+      </p:grpSpPr>
+      <p:sp>
+        <p:nvSpPr>
+          <p:cNvPr id="4" name="제목 1"/>
+          <p:cNvSpPr>
+            <a:spLocks noGrp="1"/>
+          </p:cNvSpPr>
+          <p:nvPr>
+            <p:ph type="title"/>
+          </p:nvPr>
+        </p:nvSpPr>
+        <p:spPr>
+          <a:xfrm>
+            <a:off x="962423" y="116632"/>
+            <a:ext cx="9646078" cy="796908"/>
+          </a:xfrm>
+        </p:spPr>
+        <p:txBody>
+          <a:bodyPr/>
+          <a:lstStyle/>
+          <a:p>
+            <a:r>
+              <a:rPr lang="en-US" altLang="ko-KR" smtClean="0"/>
+              <a:t>[</a:t>
+            </a:r>
+            <a:r>
+              <a:rPr lang="ko-KR" altLang="en-US" smtClean="0"/>
+              <a:t>화면구현</a:t>
+            </a:r>
+            <a:r>
+              <a:rPr lang="en-US" altLang="ko-KR" smtClean="0"/>
+              <a:t>] </a:t>
+            </a:r>
+            <a:r>
+              <a:rPr lang="ko-KR" altLang="en-US" smtClean="0"/>
+              <a:t>사용자 </a:t>
+            </a:r>
+            <a:r>
+              <a:rPr lang="en-US" altLang="ko-KR" smtClean="0"/>
+              <a:t>– </a:t>
+            </a:r>
+            <a:r>
+              <a:rPr lang="ko-KR" altLang="en-US" smtClean="0"/>
+              <a:t>웹 </a:t>
+            </a:r>
+            <a:r>
+              <a:rPr lang="en-US" altLang="ko-KR" smtClean="0"/>
+              <a:t>– </a:t>
+            </a:r>
+            <a:r>
+              <a:rPr lang="ko-KR" altLang="en-US" smtClean="0"/>
+              <a:t>세미나존 문의 등록</a:t>
+            </a:r>
+            <a:endParaRPr lang="ko-KR" altLang="en-US"/>
+          </a:p>
+        </p:txBody>
+      </p:sp>
+      <p:pic>
+        <p:nvPicPr>
+          <p:cNvPr id="5" name="그림 4"/>
+          <p:cNvPicPr>
+            <a:picLocks noChangeAspect="1"/>
+          </p:cNvPicPr>
+          <p:nvPr/>
+        </p:nvPicPr>
+        <p:blipFill>
+          <a:blip r:embed="rId2"/>
+          <a:stretch>
+            <a:fillRect/>
+          </a:stretch>
+        </p:blipFill>
+        <p:spPr>
+          <a:xfrm>
+            <a:off x="367684" y="1191986"/>
+            <a:ext cx="4484234" cy="2530928"/>
+          </a:xfrm>
+          <a:prstGeom prst="rect">
+            <a:avLst/>
+          </a:prstGeom>
+          <a:ln w="25400">
+            <a:solidFill>
+              <a:schemeClr val="tx1"/>
+            </a:solidFill>
+          </a:ln>
+        </p:spPr>
+      </p:pic>
+      <p:pic>
+        <p:nvPicPr>
+          <p:cNvPr id="6" name="그림 5"/>
+          <p:cNvPicPr>
+            <a:picLocks noChangeAspect="1"/>
+          </p:cNvPicPr>
+          <p:nvPr/>
+        </p:nvPicPr>
+        <p:blipFill>
+          <a:blip r:embed="rId3"/>
+          <a:stretch>
+            <a:fillRect/>
+          </a:stretch>
+        </p:blipFill>
+        <p:spPr>
+          <a:xfrm>
+            <a:off x="367684" y="4096139"/>
+            <a:ext cx="4549549" cy="2430721"/>
+          </a:xfrm>
+          <a:prstGeom prst="rect">
+            <a:avLst/>
+          </a:prstGeom>
+          <a:ln w="25400">
+            <a:solidFill>
+              <a:schemeClr val="tx1"/>
+            </a:solidFill>
+          </a:ln>
+        </p:spPr>
+      </p:pic>
+      <p:pic>
+        <p:nvPicPr>
+          <p:cNvPr id="7" name="그림 6"/>
+          <p:cNvPicPr>
+            <a:picLocks noChangeAspect="1"/>
+          </p:cNvPicPr>
+          <p:nvPr/>
+        </p:nvPicPr>
+        <p:blipFill>
+          <a:blip r:embed="rId4"/>
+          <a:stretch>
+            <a:fillRect/>
+          </a:stretch>
+        </p:blipFill>
+        <p:spPr>
+          <a:xfrm>
+            <a:off x="5708098" y="1488191"/>
+            <a:ext cx="5553075" cy="1404299"/>
+          </a:xfrm>
+          <a:prstGeom prst="rect">
+            <a:avLst/>
+          </a:prstGeom>
+          <a:ln>
+            <a:solidFill>
+              <a:schemeClr val="tx1"/>
+            </a:solidFill>
+          </a:ln>
+        </p:spPr>
+      </p:pic>
+      <p:pic>
+        <p:nvPicPr>
+          <p:cNvPr id="8" name="그림 7"/>
+          <p:cNvPicPr>
+            <a:picLocks noChangeAspect="1"/>
+          </p:cNvPicPr>
+          <p:nvPr/>
+        </p:nvPicPr>
+        <p:blipFill>
+          <a:blip r:embed="rId5"/>
+          <a:stretch>
+            <a:fillRect/>
+          </a:stretch>
+        </p:blipFill>
+        <p:spPr>
+          <a:xfrm>
+            <a:off x="5708098" y="2988129"/>
+            <a:ext cx="5543550" cy="2078393"/>
+          </a:xfrm>
+          <a:prstGeom prst="rect">
+            <a:avLst/>
+          </a:prstGeom>
+          <a:ln>
+            <a:solidFill>
+              <a:schemeClr val="tx1"/>
+            </a:solidFill>
+          </a:ln>
+        </p:spPr>
+      </p:pic>
+      <p:pic>
+        <p:nvPicPr>
+          <p:cNvPr id="9" name="그림 8"/>
+          <p:cNvPicPr>
+            <a:picLocks noChangeAspect="1"/>
+          </p:cNvPicPr>
+          <p:nvPr/>
+        </p:nvPicPr>
+        <p:blipFill>
+          <a:blip r:embed="rId6"/>
+          <a:stretch>
+            <a:fillRect/>
+          </a:stretch>
+        </p:blipFill>
+        <p:spPr>
+          <a:xfrm>
+            <a:off x="5708098" y="5159099"/>
+            <a:ext cx="5797906" cy="215334"/>
+          </a:xfrm>
+          <a:prstGeom prst="rect">
+            <a:avLst/>
+          </a:prstGeom>
+          <a:ln>
+            <a:solidFill>
+              <a:schemeClr val="tx1"/>
+            </a:solidFill>
+          </a:ln>
+        </p:spPr>
+      </p:pic>
+      <p:pic>
+        <p:nvPicPr>
+          <p:cNvPr id="10" name="그림 9"/>
+          <p:cNvPicPr>
+            <a:picLocks noChangeAspect="1"/>
+          </p:cNvPicPr>
+          <p:nvPr/>
+        </p:nvPicPr>
+        <p:blipFill>
+          <a:blip r:embed="rId7"/>
+          <a:stretch>
+            <a:fillRect/>
+          </a:stretch>
+        </p:blipFill>
+        <p:spPr>
+          <a:xfrm>
+            <a:off x="5708098" y="5534414"/>
+            <a:ext cx="3571875" cy="323850"/>
+          </a:xfrm>
+          <a:prstGeom prst="rect">
+            <a:avLst/>
+          </a:prstGeom>
+          <a:ln>
+            <a:solidFill>
+              <a:schemeClr val="tx1"/>
+            </a:solidFill>
+          </a:ln>
+        </p:spPr>
+      </p:pic>
+    </p:spTree>
+    <p:extLst>
+      <p:ext uri="{BB962C8B-B14F-4D97-AF65-F5344CB8AC3E}">
+        <p14:creationId xmlns:p14="http://schemas.microsoft.com/office/powerpoint/2010/main" val="3934615803"/>
+      </p:ext>
+    </p:extLst>
+  </p:cSld>
+  <p:clrMapOvr>
+    <a:masterClrMapping/>
+  </p:clrMapOvr>
+</p:sld>
+</file>
+
+<file path=ppt/slides/slide19.xml><?xml version="1.0" encoding="utf-8"?>
+<p:sld xmlns:a="http://schemas.openxmlformats.org/drawingml/2006/main" xmlns:r="http://schemas.openxmlformats.org/officeDocument/2006/relationships" xmlns:p="http://schemas.openxmlformats.org/presentationml/2006/main">
+  <p:cSld>
+    <p:spTree>
+      <p:nvGrpSpPr>
+        <p:cNvPr id="1" name=""/>
+        <p:cNvGrpSpPr/>
+        <p:nvPr/>
+      </p:nvGrpSpPr>
+      <p:grpSpPr>
+        <a:xfrm>
+          <a:off x="0" y="0"/>
+          <a:ext cx="0" cy="0"/>
+          <a:chOff x="0" y="0"/>
+          <a:chExt cx="0" cy="0"/>
+        </a:xfrm>
+      </p:grpSpPr>
+      <p:sp>
+        <p:nvSpPr>
+          <p:cNvPr id="2" name="제목 1"/>
+          <p:cNvSpPr>
+            <a:spLocks noGrp="1"/>
+          </p:cNvSpPr>
+          <p:nvPr>
+            <p:ph type="title"/>
+          </p:nvPr>
+        </p:nvSpPr>
+        <p:spPr/>
+        <p:txBody>
+          <a:bodyPr>
+            <a:noAutofit/>
+          </a:bodyPr>
+          <a:lstStyle/>
+          <a:p>
+            <a:pPr lvl="0">
+              <a:lnSpc>
+                <a:spcPct val="100000"/>
+              </a:lnSpc>
+              <a:spcBef>
+                <a:spcPts val="0"/>
+              </a:spcBef>
+              <a:buClr>
+                <a:srgbClr val="000000"/>
+              </a:buClr>
+              <a:buSzPts val="1500"/>
+              <a:defRPr/>
+            </a:pPr>
+            <a:r>
+              <a:rPr lang="en-US" altLang="ko-KR" sz="4000" b="0" smtClean="0"/>
+              <a:t>[</a:t>
+            </a:r>
+            <a:r>
+              <a:rPr lang="ko-KR" altLang="en-US" sz="4000" b="0" smtClean="0"/>
+              <a:t>화면설계</a:t>
+            </a:r>
+            <a:r>
+              <a:rPr lang="en-US" altLang="ko-KR" sz="4000" b="0" smtClean="0"/>
+              <a:t>] </a:t>
+            </a:r>
+            <a:r>
+              <a:rPr lang="ko-KR" altLang="en-US" sz="4000" b="0" smtClean="0"/>
+              <a:t>사용자 </a:t>
+            </a:r>
+            <a:r>
+              <a:rPr lang="en-US" altLang="ko-KR" sz="4000" b="0" smtClean="0"/>
+              <a:t>– </a:t>
+            </a:r>
+            <a:r>
+              <a:rPr lang="ko-KR" altLang="en-US" sz="4000" b="0" smtClean="0"/>
+              <a:t>모바일 </a:t>
+            </a:r>
+            <a:r>
+              <a:rPr lang="en-US" altLang="ko-KR" sz="4000" b="0" smtClean="0"/>
+              <a:t>-</a:t>
+            </a:r>
+            <a:r>
+              <a:rPr lang="ko-KR" altLang="en-US" sz="4000" b="0" smtClean="0"/>
+              <a:t>메인페이지</a:t>
+            </a:r>
+            <a:endParaRPr lang="ko-KR" altLang="en-US" sz="2400" b="0" dirty="0"/>
+          </a:p>
+        </p:txBody>
+      </p:sp>
+      <p:sp>
+        <p:nvSpPr>
+          <p:cNvPr id="13" name="Google Shape;168;g7c553259d1_0_81"/>
+          <p:cNvSpPr/>
+          <p:nvPr/>
+        </p:nvSpPr>
+        <p:spPr>
+          <a:xfrm>
+            <a:off x="1271339" y="1271965"/>
+            <a:ext cx="6526163" cy="5349900"/>
+          </a:xfrm>
+          <a:prstGeom prst="rect">
+            <a:avLst/>
+          </a:prstGeom>
+          <a:solidFill>
+            <a:schemeClr val="lt1"/>
+          </a:solidFill>
+          <a:ln w="12700" cap="flat" cmpd="sng">
+            <a:solidFill>
+              <a:schemeClr val="dk1"/>
+            </a:solidFill>
+            <a:prstDash val="solid"/>
+            <a:miter lim="800000"/>
+            <a:headEnd type="none" w="sm" len="sm"/>
+            <a:tailEnd type="none" w="sm" len="sm"/>
+          </a:ln>
+        </p:spPr>
+        <p:txBody>
+          <a:bodyPr spcFirstLastPara="1" wrap="square" lIns="91425" tIns="45700" rIns="91425" bIns="45700" anchor="ctr" anchorCtr="0">
+            <a:noAutofit/>
+          </a:bodyPr>
+          <a:lstStyle/>
+          <a:p>
+            <a:pPr algn="ctr">
+              <a:buClr>
+                <a:srgbClr val="000000"/>
+              </a:buClr>
+              <a:buSzPts val="1500"/>
+            </a:pPr>
+            <a:endParaRPr sz="1500" dirty="0">
+              <a:solidFill>
+                <a:schemeClr val="dk1"/>
+              </a:solidFill>
+              <a:latin typeface="Malgun Gothic"/>
+              <a:ea typeface="Malgun Gothic"/>
+              <a:cs typeface="Malgun Gothic"/>
+              <a:sym typeface="Malgun Gothic"/>
+            </a:endParaRPr>
+          </a:p>
+        </p:txBody>
+      </p:sp>
+      <p:graphicFrame>
+        <p:nvGraphicFramePr>
+          <p:cNvPr id="14" name="Google Shape;169;g7c553259d1_0_81"/>
+          <p:cNvGraphicFramePr/>
+          <p:nvPr>
+            <p:extLst/>
+          </p:nvPr>
+        </p:nvGraphicFramePr>
+        <p:xfrm>
+          <a:off x="8501614" y="3571468"/>
+          <a:ext cx="2869750" cy="2711375"/>
+        </p:xfrm>
+        <a:graphic>
+          <a:graphicData uri="http://schemas.openxmlformats.org/drawingml/2006/table">
+            <a:tbl>
+              <a:tblPr firstRow="1" bandRow="1">
+                <a:noFill/>
+              </a:tblPr>
+              <a:tblGrid>
+                <a:gridCol w="311106">
+                  <a:extLst>
+                    <a:ext uri="{9D8B030D-6E8A-4147-A177-3AD203B41FA5}">
+                      <a16:colId xmlns:a16="http://schemas.microsoft.com/office/drawing/2014/main" xmlns="" val="20000"/>
+                    </a:ext>
+                  </a:extLst>
+                </a:gridCol>
+                <a:gridCol w="2558644">
+                  <a:extLst>
+                    <a:ext uri="{9D8B030D-6E8A-4147-A177-3AD203B41FA5}">
+                      <a16:colId xmlns:a16="http://schemas.microsoft.com/office/drawing/2014/main" xmlns="" val="20001"/>
+                    </a:ext>
+                  </a:extLst>
+                </a:gridCol>
+              </a:tblGrid>
+              <a:tr h="356150">
+                <a:tc>
+                  <a:txBody>
+                    <a:bodyPr/>
+                    <a:lstStyle/>
+                    <a:p>
+                      <a:pPr marL="0" marR="0" lvl="0" indent="0" algn="ctr" rtl="0">
+                        <a:lnSpc>
+                          <a:spcPct val="100000"/>
+                        </a:lnSpc>
+                        <a:spcBef>
+                          <a:spcPts val="0"/>
+                        </a:spcBef>
+                        <a:spcAft>
+                          <a:spcPts val="0"/>
+                        </a:spcAft>
+                        <a:buClr>
+                          <a:srgbClr val="000000"/>
+                        </a:buClr>
+                        <a:buSzPts val="1500"/>
+                        <a:buFont typeface="Arial"/>
+                        <a:buNone/>
+                      </a:pPr>
+                      <a:r>
+                        <a:rPr lang="ko-KR" sz="1500" u="none" strike="noStrike" cap="none" dirty="0">
+                          <a:solidFill>
+                            <a:schemeClr val="dk1"/>
+                          </a:solidFill>
+                        </a:rPr>
+                        <a:t>#</a:t>
+                      </a:r>
+                      <a:endParaRPr sz="1500" u="none" strike="noStrike" cap="none" dirty="0">
+                        <a:solidFill>
+                          <a:schemeClr val="dk1"/>
+                        </a:solidFill>
+                      </a:endParaRPr>
+                    </a:p>
+                  </a:txBody>
+                  <a:tcPr marL="74304" marR="74304" marT="45725" marB="45725" anchor="ctr">
+                    <a:lnL w="12700" cap="flat" cmpd="sng">
+                      <a:solidFill>
+                        <a:schemeClr val="dk1"/>
+                      </a:solidFill>
+                      <a:prstDash val="solid"/>
+                      <a:round/>
+                      <a:headEnd type="none" w="sm" len="sm"/>
+                      <a:tailEnd type="none" w="sm" len="sm"/>
+                    </a:lnL>
+                    <a:lnR w="12700" cap="flat" cmpd="sng">
+                      <a:solidFill>
+                        <a:schemeClr val="dk1"/>
+                      </a:solidFill>
+                      <a:prstDash val="solid"/>
+                      <a:round/>
+                      <a:headEnd type="none" w="sm" len="sm"/>
+                      <a:tailEnd type="none" w="sm" len="sm"/>
+                    </a:lnR>
+                    <a:lnT w="12700" cap="flat" cmpd="sng">
+                      <a:solidFill>
+                        <a:schemeClr val="dk1"/>
+                      </a:solidFill>
+                      <a:prstDash val="solid"/>
+                      <a:round/>
+                      <a:headEnd type="none" w="sm" len="sm"/>
+                      <a:tailEnd type="none" w="sm" len="sm"/>
+                    </a:lnT>
+                    <a:lnB w="12700" cap="flat" cmpd="sng">
+                      <a:solidFill>
+                        <a:schemeClr val="dk1"/>
+                      </a:solidFill>
+                      <a:prstDash val="solid"/>
+                      <a:round/>
+                      <a:headEnd type="none" w="sm" len="sm"/>
+                      <a:tailEnd type="none" w="sm" len="sm"/>
+                    </a:lnB>
+                    <a:solidFill>
+                      <a:srgbClr val="D8D8D8"/>
+                    </a:solidFill>
+                  </a:tcPr>
+                </a:tc>
+                <a:tc>
+                  <a:txBody>
+                    <a:bodyPr/>
+                    <a:lstStyle/>
+                    <a:p>
+                      <a:pPr marL="0" marR="0" lvl="0" indent="0" algn="ctr" rtl="0">
+                        <a:lnSpc>
+                          <a:spcPct val="100000"/>
+                        </a:lnSpc>
+                        <a:spcBef>
+                          <a:spcPts val="0"/>
+                        </a:spcBef>
+                        <a:spcAft>
+                          <a:spcPts val="0"/>
+                        </a:spcAft>
+                        <a:buClr>
+                          <a:srgbClr val="000000"/>
+                        </a:buClr>
+                        <a:buSzPts val="1500"/>
+                        <a:buFont typeface="Arial"/>
+                        <a:buNone/>
+                      </a:pPr>
+                      <a:endParaRPr sz="1500" u="none" strike="noStrike" cap="none" dirty="0">
+                        <a:solidFill>
+                          <a:schemeClr val="dk1"/>
+                        </a:solidFill>
+                      </a:endParaRPr>
+                    </a:p>
+                  </a:txBody>
+                  <a:tcPr marL="74304" marR="74304" marT="45725" marB="45725" anchor="ctr">
+                    <a:lnL w="12700" cap="flat" cmpd="sng">
+                      <a:solidFill>
+                        <a:schemeClr val="dk1"/>
+                      </a:solidFill>
+                      <a:prstDash val="solid"/>
+                      <a:round/>
+                      <a:headEnd type="none" w="sm" len="sm"/>
+                      <a:tailEnd type="none" w="sm" len="sm"/>
+                    </a:lnL>
+                    <a:lnR w="12700" cap="flat" cmpd="sng">
+                      <a:solidFill>
+                        <a:schemeClr val="dk1"/>
+                      </a:solidFill>
+                      <a:prstDash val="solid"/>
+                      <a:round/>
+                      <a:headEnd type="none" w="sm" len="sm"/>
+                      <a:tailEnd type="none" w="sm" len="sm"/>
+                    </a:lnR>
+                    <a:lnT w="12700" cap="flat" cmpd="sng">
+                      <a:solidFill>
+                        <a:schemeClr val="dk1"/>
+                      </a:solidFill>
+                      <a:prstDash val="solid"/>
+                      <a:round/>
+                      <a:headEnd type="none" w="sm" len="sm"/>
+                      <a:tailEnd type="none" w="sm" len="sm"/>
+                    </a:lnT>
+                    <a:lnB w="12700" cap="flat" cmpd="sng">
+                      <a:solidFill>
+                        <a:schemeClr val="dk1"/>
+                      </a:solidFill>
+                      <a:prstDash val="solid"/>
+                      <a:round/>
+                      <a:headEnd type="none" w="sm" len="sm"/>
+                      <a:tailEnd type="none" w="sm" len="sm"/>
+                    </a:lnB>
+                    <a:solidFill>
+                      <a:srgbClr val="D8D8D8"/>
+                    </a:solidFill>
+                  </a:tcPr>
+                </a:tc>
+                <a:extLst>
+                  <a:ext uri="{0D108BD9-81ED-4DB2-BD59-A6C34878D82A}">
+                    <a16:rowId xmlns:a16="http://schemas.microsoft.com/office/drawing/2014/main" xmlns="" val="10000"/>
+                  </a:ext>
+                </a:extLst>
+              </a:tr>
+              <a:tr h="972399">
+                <a:tc>
+                  <a:txBody>
+                    <a:bodyPr/>
+                    <a:lstStyle/>
+                    <a:p>
+                      <a:pPr marL="0" marR="0" lvl="0" indent="0" algn="ctr" rtl="0">
+                        <a:lnSpc>
+                          <a:spcPct val="100000"/>
+                        </a:lnSpc>
+                        <a:spcBef>
+                          <a:spcPts val="0"/>
+                        </a:spcBef>
+                        <a:spcAft>
+                          <a:spcPts val="0"/>
+                        </a:spcAft>
+                        <a:buClr>
+                          <a:srgbClr val="000000"/>
+                        </a:buClr>
+                        <a:buSzPts val="1500"/>
+                        <a:buFont typeface="Arial"/>
+                        <a:buNone/>
+                      </a:pPr>
+                      <a:r>
+                        <a:rPr lang="en-US" sz="1500" dirty="0" smtClean="0"/>
+                        <a:t>1</a:t>
+                      </a:r>
+                      <a:endParaRPr sz="1500" dirty="0"/>
+                    </a:p>
+                  </a:txBody>
+                  <a:tcPr marL="74304" marR="74304" marT="45725" marB="45725" anchor="ctr">
+                    <a:lnL w="12700" cap="flat" cmpd="sng">
+                      <a:solidFill>
+                        <a:schemeClr val="dk1"/>
+                      </a:solidFill>
+                      <a:prstDash val="solid"/>
+                      <a:round/>
+                      <a:headEnd type="none" w="sm" len="sm"/>
+                      <a:tailEnd type="none" w="sm" len="sm"/>
+                    </a:lnL>
+                    <a:lnR w="12700" cap="flat" cmpd="sng">
+                      <a:solidFill>
+                        <a:schemeClr val="dk1"/>
+                      </a:solidFill>
+                      <a:prstDash val="solid"/>
+                      <a:round/>
+                      <a:headEnd type="none" w="sm" len="sm"/>
+                      <a:tailEnd type="none" w="sm" len="sm"/>
+                    </a:lnR>
+                    <a:lnT w="12700" cap="flat" cmpd="sng">
+                      <a:solidFill>
+                        <a:schemeClr val="dk1"/>
+                      </a:solidFill>
+                      <a:prstDash val="solid"/>
+                      <a:round/>
+                      <a:headEnd type="none" w="sm" len="sm"/>
+                      <a:tailEnd type="none" w="sm" len="sm"/>
+                    </a:lnT>
+                    <a:lnB w="12700" cap="flat" cmpd="sng">
+                      <a:solidFill>
+                        <a:schemeClr val="dk1"/>
+                      </a:solidFill>
+                      <a:prstDash val="solid"/>
+                      <a:round/>
+                      <a:headEnd type="none" w="sm" len="sm"/>
+                      <a:tailEnd type="none" w="sm" len="sm"/>
+                    </a:lnB>
+                    <a:solidFill>
+                      <a:schemeClr val="lt1"/>
+                    </a:solidFill>
+                  </a:tcPr>
+                </a:tc>
+                <a:tc>
+                  <a:txBody>
+                    <a:bodyPr/>
+                    <a:lstStyle/>
+                    <a:p>
+                      <a:pPr marL="0" marR="0" lvl="0" indent="0" algn="l" rtl="0">
+                        <a:lnSpc>
+                          <a:spcPct val="100000"/>
+                        </a:lnSpc>
+                        <a:spcBef>
+                          <a:spcPts val="0"/>
+                        </a:spcBef>
+                        <a:spcAft>
+                          <a:spcPts val="0"/>
+                        </a:spcAft>
+                        <a:buClr>
+                          <a:srgbClr val="000000"/>
+                        </a:buClr>
+                        <a:buSzPts val="1500"/>
+                        <a:buFont typeface="Arial"/>
+                        <a:buNone/>
+                      </a:pPr>
+                      <a:r>
+                        <a:rPr lang="ko-KR" altLang="en-US" sz="1500" b="0" u="none" strike="noStrike" cap="none" dirty="0" smtClean="0">
+                          <a:solidFill>
+                            <a:schemeClr val="dk1"/>
+                          </a:solidFill>
+                        </a:rPr>
+                        <a:t>아이디</a:t>
+                      </a:r>
+                      <a:r>
+                        <a:rPr lang="en-US" altLang="ko-KR" sz="1500" b="0" u="none" strike="noStrike" cap="none" dirty="0" smtClean="0">
+                          <a:solidFill>
+                            <a:schemeClr val="dk1"/>
+                          </a:solidFill>
+                        </a:rPr>
+                        <a:t>,</a:t>
+                      </a:r>
+                      <a:r>
+                        <a:rPr lang="en-US" altLang="ko-KR" sz="1500" b="0" u="none" strike="noStrike" cap="none" baseline="0" dirty="0" smtClean="0">
+                          <a:solidFill>
+                            <a:schemeClr val="dk1"/>
+                          </a:solidFill>
+                        </a:rPr>
+                        <a:t> </a:t>
+                      </a:r>
+                      <a:r>
+                        <a:rPr lang="ko-KR" altLang="en-US" sz="1500" b="0" u="none" strike="noStrike" cap="none" baseline="0" dirty="0" smtClean="0">
+                          <a:solidFill>
+                            <a:schemeClr val="dk1"/>
+                          </a:solidFill>
+                        </a:rPr>
+                        <a:t>비밀번호를 확인하여 로그인 여부를 정함</a:t>
+                      </a:r>
+                      <a:r>
+                        <a:rPr lang="en-US" altLang="ko-KR" sz="1500" b="0" u="none" strike="noStrike" cap="none" baseline="0" dirty="0" smtClean="0">
+                          <a:solidFill>
+                            <a:schemeClr val="dk1"/>
+                          </a:solidFill>
+                        </a:rPr>
+                        <a:t>. </a:t>
+                      </a:r>
+                      <a:r>
+                        <a:rPr lang="ko-KR" altLang="en-US" sz="1500" b="0" u="none" strike="noStrike" cap="none" baseline="0" dirty="0" smtClean="0">
+                          <a:solidFill>
+                            <a:schemeClr val="dk1"/>
+                          </a:solidFill>
+                        </a:rPr>
+                        <a:t>로그인 </a:t>
+                      </a:r>
+                      <a:r>
+                        <a:rPr lang="ko-KR" altLang="en-US" sz="1500" b="0" u="none" strike="noStrike" cap="none" baseline="0" dirty="0" err="1" smtClean="0">
+                          <a:solidFill>
+                            <a:schemeClr val="dk1"/>
+                          </a:solidFill>
+                        </a:rPr>
+                        <a:t>성송하면</a:t>
+                      </a:r>
+                      <a:r>
+                        <a:rPr lang="ko-KR" altLang="en-US" sz="1500" b="0" u="none" strike="noStrike" cap="none" baseline="0" dirty="0" smtClean="0">
+                          <a:solidFill>
+                            <a:schemeClr val="dk1"/>
+                          </a:solidFill>
+                        </a:rPr>
+                        <a:t> </a:t>
+                      </a:r>
+                      <a:r>
+                        <a:rPr lang="ko-KR" altLang="en-US" sz="1500" b="0" u="none" strike="noStrike" cap="none" baseline="0" dirty="0" err="1" smtClean="0">
+                          <a:solidFill>
+                            <a:schemeClr val="dk1"/>
+                          </a:solidFill>
+                        </a:rPr>
+                        <a:t>메인페이지로</a:t>
+                      </a:r>
+                      <a:r>
+                        <a:rPr lang="ko-KR" altLang="en-US" sz="1500" b="0" u="none" strike="noStrike" cap="none" baseline="0" dirty="0" smtClean="0">
+                          <a:solidFill>
+                            <a:schemeClr val="dk1"/>
+                          </a:solidFill>
+                        </a:rPr>
+                        <a:t> 이동</a:t>
+                      </a:r>
+                      <a:r>
+                        <a:rPr lang="ko-KR" altLang="en-US" sz="1500" b="0" u="none" strike="noStrike" cap="none" baseline="0" dirty="0">
+                          <a:solidFill>
+                            <a:schemeClr val="dk1"/>
+                          </a:solidFill>
+                        </a:rPr>
+                        <a:t> </a:t>
+                      </a:r>
+                      <a:r>
+                        <a:rPr lang="ko-KR" altLang="en-US" sz="1500" b="0" u="none" strike="noStrike" cap="none" baseline="0" dirty="0" smtClean="0">
+                          <a:solidFill>
+                            <a:schemeClr val="dk1"/>
+                          </a:solidFill>
+                        </a:rPr>
+                        <a:t>실패하면 실패 </a:t>
+                      </a:r>
+                      <a:r>
+                        <a:rPr lang="ko-KR" altLang="en-US" sz="1500" b="0" u="none" strike="noStrike" cap="none" baseline="0" dirty="0" err="1" smtClean="0">
+                          <a:solidFill>
+                            <a:schemeClr val="dk1"/>
+                          </a:solidFill>
+                        </a:rPr>
+                        <a:t>팝업창이</a:t>
+                      </a:r>
+                      <a:r>
+                        <a:rPr lang="ko-KR" altLang="en-US" sz="1500" b="0" u="none" strike="noStrike" cap="none" baseline="0" dirty="0" smtClean="0">
+                          <a:solidFill>
+                            <a:schemeClr val="dk1"/>
+                          </a:solidFill>
+                        </a:rPr>
+                        <a:t> 뜨게 함</a:t>
+                      </a:r>
+                      <a:r>
+                        <a:rPr lang="en-US" altLang="ko-KR" sz="1500" b="0" u="none" strike="noStrike" cap="none" baseline="0" dirty="0" smtClean="0">
+                          <a:solidFill>
+                            <a:schemeClr val="dk1"/>
+                          </a:solidFill>
+                        </a:rPr>
+                        <a:t>. </a:t>
+                      </a:r>
+                    </a:p>
+                    <a:p>
+                      <a:pPr marL="0" marR="0" lvl="0" indent="0" algn="l" rtl="0">
+                        <a:lnSpc>
+                          <a:spcPct val="100000"/>
+                        </a:lnSpc>
+                        <a:spcBef>
+                          <a:spcPts val="0"/>
+                        </a:spcBef>
+                        <a:spcAft>
+                          <a:spcPts val="0"/>
+                        </a:spcAft>
+                        <a:buClr>
+                          <a:srgbClr val="000000"/>
+                        </a:buClr>
+                        <a:buSzPts val="1500"/>
+                        <a:buFont typeface="Arial"/>
+                        <a:buNone/>
+                      </a:pPr>
+                      <a:r>
+                        <a:rPr lang="ko-KR" altLang="en-US" sz="1500" b="0" u="none" strike="noStrike" cap="none" baseline="0" dirty="0" err="1" smtClean="0">
+                          <a:solidFill>
+                            <a:schemeClr val="dk1"/>
+                          </a:solidFill>
+                        </a:rPr>
+                        <a:t>네이버</a:t>
+                      </a:r>
+                      <a:r>
+                        <a:rPr lang="en-US" altLang="ko-KR" sz="1500" b="0" u="none" strike="noStrike" cap="none" baseline="0" dirty="0" smtClean="0">
+                          <a:solidFill>
+                            <a:schemeClr val="dk1"/>
+                          </a:solidFill>
+                        </a:rPr>
+                        <a:t>, </a:t>
+                      </a:r>
+                      <a:r>
+                        <a:rPr lang="ko-KR" altLang="en-US" sz="1500" b="0" u="none" strike="noStrike" cap="none" baseline="0" dirty="0" smtClean="0">
+                          <a:solidFill>
+                            <a:schemeClr val="dk1"/>
+                          </a:solidFill>
+                        </a:rPr>
+                        <a:t>카카오로 따로</a:t>
+                      </a:r>
+                      <a:endParaRPr lang="en-US" altLang="ko-KR" sz="1500" b="0" u="none" strike="noStrike" cap="none" baseline="0" dirty="0" smtClean="0">
+                        <a:solidFill>
+                          <a:schemeClr val="dk1"/>
+                        </a:solidFill>
+                      </a:endParaRPr>
+                    </a:p>
+                  </a:txBody>
+                  <a:tcPr marL="74304" marR="74304" marT="45725" marB="45725">
+                    <a:lnL w="12700" cap="flat" cmpd="sng">
+                      <a:solidFill>
+                        <a:schemeClr val="dk1"/>
+                      </a:solidFill>
+                      <a:prstDash val="solid"/>
+                      <a:round/>
+                      <a:headEnd type="none" w="sm" len="sm"/>
+                      <a:tailEnd type="none" w="sm" len="sm"/>
+                    </a:lnL>
+                    <a:lnR w="12700" cap="flat" cmpd="sng">
+                      <a:solidFill>
+                        <a:schemeClr val="dk1"/>
+                      </a:solidFill>
+                      <a:prstDash val="solid"/>
+                      <a:round/>
+                      <a:headEnd type="none" w="sm" len="sm"/>
+                      <a:tailEnd type="none" w="sm" len="sm"/>
+                    </a:lnR>
+                    <a:lnT w="12700" cap="flat" cmpd="sng">
+                      <a:solidFill>
+                        <a:schemeClr val="dk1"/>
+                      </a:solidFill>
+                      <a:prstDash val="solid"/>
+                      <a:round/>
+                      <a:headEnd type="none" w="sm" len="sm"/>
+                      <a:tailEnd type="none" w="sm" len="sm"/>
+                    </a:lnT>
+                    <a:lnB w="12700" cap="flat" cmpd="sng">
+                      <a:solidFill>
+                        <a:schemeClr val="dk1"/>
+                      </a:solidFill>
+                      <a:prstDash val="solid"/>
+                      <a:round/>
+                      <a:headEnd type="none" w="sm" len="sm"/>
+                      <a:tailEnd type="none" w="sm" len="sm"/>
+                    </a:lnB>
+                    <a:solidFill>
+                      <a:schemeClr val="lt1"/>
+                    </a:solidFill>
+                  </a:tcPr>
+                </a:tc>
+                <a:extLst>
+                  <a:ext uri="{0D108BD9-81ED-4DB2-BD59-A6C34878D82A}">
+                    <a16:rowId xmlns:a16="http://schemas.microsoft.com/office/drawing/2014/main" xmlns="" val="10001"/>
+                  </a:ext>
+                </a:extLst>
+              </a:tr>
+              <a:tr h="892175">
+                <a:tc>
+                  <a:txBody>
+                    <a:bodyPr/>
+                    <a:lstStyle/>
+                    <a:p>
+                      <a:pPr marL="0" marR="0" lvl="0" indent="0" algn="ctr" rtl="0">
+                        <a:lnSpc>
+                          <a:spcPct val="100000"/>
+                        </a:lnSpc>
+                        <a:spcBef>
+                          <a:spcPts val="0"/>
+                        </a:spcBef>
+                        <a:spcAft>
+                          <a:spcPts val="0"/>
+                        </a:spcAft>
+                        <a:buNone/>
+                      </a:pPr>
+                      <a:endParaRPr sz="1500" dirty="0"/>
+                    </a:p>
+                  </a:txBody>
+                  <a:tcPr marL="74304" marR="74304" marT="45725" marB="45725" anchor="ctr">
+                    <a:lnL w="12700" cap="flat" cmpd="sng">
+                      <a:solidFill>
+                        <a:schemeClr val="dk1"/>
+                      </a:solidFill>
+                      <a:prstDash val="solid"/>
+                      <a:round/>
+                      <a:headEnd type="none" w="sm" len="sm"/>
+                      <a:tailEnd type="none" w="sm" len="sm"/>
+                    </a:lnL>
+                    <a:lnR w="12700" cap="flat" cmpd="sng" algn="ctr">
+                      <a:solidFill>
+                        <a:schemeClr val="dk1"/>
+                      </a:solidFill>
+                      <a:prstDash val="solid"/>
+                      <a:round/>
+                      <a:headEnd type="none" w="sm" len="sm"/>
+                      <a:tailEnd type="none" w="sm" len="sm"/>
+                    </a:lnR>
+                    <a:lnT w="12700" cap="flat" cmpd="sng" algn="ctr">
+                      <a:solidFill>
+                        <a:schemeClr val="dk1"/>
+                      </a:solidFill>
+                      <a:prstDash val="solid"/>
+                      <a:round/>
+                      <a:headEnd type="none" w="sm" len="sm"/>
+                      <a:tailEnd type="none" w="sm" len="sm"/>
+                    </a:lnT>
+                    <a:lnB w="12700" cap="flat" cmpd="sng">
+                      <a:solidFill>
+                        <a:schemeClr val="dk1"/>
+                      </a:solidFill>
+                      <a:prstDash val="solid"/>
+                      <a:round/>
+                      <a:headEnd type="none" w="sm" len="sm"/>
+                      <a:tailEnd type="none" w="sm" len="sm"/>
+                    </a:lnB>
+                    <a:solidFill>
+                      <a:schemeClr val="lt1"/>
+                    </a:solidFill>
+                  </a:tcPr>
+                </a:tc>
+                <a:tc>
+                  <a:txBody>
+                    <a:bodyPr/>
+                    <a:lstStyle/>
+                    <a:p>
+                      <a:pPr marL="0" marR="0" lvl="0" indent="0" algn="l" rtl="0">
+                        <a:lnSpc>
+                          <a:spcPct val="100000"/>
+                        </a:lnSpc>
+                        <a:spcBef>
+                          <a:spcPts val="0"/>
+                        </a:spcBef>
+                        <a:spcAft>
+                          <a:spcPts val="0"/>
+                        </a:spcAft>
+                        <a:buNone/>
+                      </a:pPr>
+                      <a:endParaRPr sz="1500" dirty="0"/>
+                    </a:p>
+                  </a:txBody>
+                  <a:tcPr marL="74304" marR="74304" marT="45725" marB="45725">
+                    <a:lnL w="12700" cap="flat" cmpd="sng" algn="ctr">
+                      <a:solidFill>
+                        <a:schemeClr val="dk1"/>
+                      </a:solidFill>
+                      <a:prstDash val="solid"/>
+                      <a:round/>
+                      <a:headEnd type="none" w="sm" len="sm"/>
+                      <a:tailEnd type="none" w="sm" len="sm"/>
+                    </a:lnL>
+                    <a:lnR w="12700" cap="flat" cmpd="sng">
+                      <a:solidFill>
+                        <a:schemeClr val="dk1"/>
+                      </a:solidFill>
+                      <a:prstDash val="solid"/>
+                      <a:round/>
+                      <a:headEnd type="none" w="sm" len="sm"/>
+                      <a:tailEnd type="none" w="sm" len="sm"/>
+                    </a:lnR>
+                    <a:lnT w="12700" cap="flat" cmpd="sng" algn="ctr">
+                      <a:solidFill>
+                        <a:schemeClr val="dk1"/>
+                      </a:solidFill>
+                      <a:prstDash val="solid"/>
+                      <a:round/>
+                      <a:headEnd type="none" w="sm" len="sm"/>
+                      <a:tailEnd type="none" w="sm" len="sm"/>
+                    </a:lnT>
+                    <a:lnB w="12700" cap="flat" cmpd="sng">
+                      <a:solidFill>
+                        <a:schemeClr val="dk1"/>
+                      </a:solidFill>
+                      <a:prstDash val="solid"/>
+                      <a:round/>
+                      <a:headEnd type="none" w="sm" len="sm"/>
+                      <a:tailEnd type="none" w="sm" len="sm"/>
+                    </a:lnB>
+                    <a:solidFill>
+                      <a:schemeClr val="lt1"/>
+                    </a:solidFill>
+                  </a:tcPr>
+                </a:tc>
+                <a:extLst>
+                  <a:ext uri="{0D108BD9-81ED-4DB2-BD59-A6C34878D82A}">
+                    <a16:rowId xmlns:a16="http://schemas.microsoft.com/office/drawing/2014/main" xmlns="" val="10002"/>
+                  </a:ext>
+                </a:extLst>
+              </a:tr>
+            </a:tbl>
+          </a:graphicData>
+        </a:graphic>
+      </p:graphicFrame>
+      <p:sp>
+        <p:nvSpPr>
+          <p:cNvPr id="15" name="Google Shape;173;g7c553259d1_0_81"/>
+          <p:cNvSpPr/>
+          <p:nvPr/>
+        </p:nvSpPr>
+        <p:spPr>
+          <a:xfrm>
+            <a:off x="1715483" y="1668121"/>
+            <a:ext cx="245944" cy="324600"/>
+          </a:xfrm>
+          <a:prstGeom prst="rect">
+            <a:avLst/>
+          </a:prstGeom>
+          <a:solidFill>
+            <a:srgbClr val="FF0000"/>
+          </a:solidFill>
+          <a:ln>
+            <a:noFill/>
+          </a:ln>
+        </p:spPr>
+        <p:txBody>
+          <a:bodyPr spcFirstLastPara="1" wrap="square" lIns="91425" tIns="45700" rIns="91425" bIns="45700" anchor="ctr" anchorCtr="0">
+            <a:noAutofit/>
+          </a:bodyPr>
+          <a:lstStyle/>
+          <a:p>
+            <a:pPr algn="ctr">
+              <a:buClr>
+                <a:srgbClr val="000000"/>
+              </a:buClr>
+              <a:buSzPts val="1800"/>
+            </a:pPr>
+            <a:r>
+              <a:rPr lang="en-US" altLang="ko-KR" b="1" dirty="0">
+                <a:solidFill>
+                  <a:schemeClr val="dk1"/>
+                </a:solidFill>
+                <a:latin typeface="Malgun Gothic"/>
+                <a:ea typeface="Malgun Gothic"/>
+                <a:cs typeface="Malgun Gothic"/>
+                <a:sym typeface="Malgun Gothic"/>
+              </a:rPr>
+              <a:t>1</a:t>
+            </a:r>
+            <a:endParaRPr b="1" dirty="0">
+              <a:solidFill>
+                <a:schemeClr val="dk1"/>
+              </a:solidFill>
+              <a:latin typeface="Malgun Gothic"/>
+              <a:ea typeface="Malgun Gothic"/>
+              <a:cs typeface="Malgun Gothic"/>
+              <a:sym typeface="Malgun Gothic"/>
+            </a:endParaRPr>
+          </a:p>
+        </p:txBody>
+      </p:sp>
+      <p:pic>
+        <p:nvPicPr>
+          <p:cNvPr id="16" name="그림 15"/>
+          <p:cNvPicPr>
+            <a:picLocks noChangeAspect="1"/>
+          </p:cNvPicPr>
+          <p:nvPr/>
+        </p:nvPicPr>
+        <p:blipFill>
+          <a:blip r:embed="rId2"/>
+          <a:stretch>
+            <a:fillRect/>
+          </a:stretch>
+        </p:blipFill>
+        <p:spPr>
+          <a:xfrm>
+            <a:off x="3410326" y="1395860"/>
+            <a:ext cx="2248186" cy="4883645"/>
+          </a:xfrm>
+          <a:prstGeom prst="rect">
+            <a:avLst/>
+          </a:prstGeom>
+        </p:spPr>
+      </p:pic>
+      <p:graphicFrame>
+        <p:nvGraphicFramePr>
+          <p:cNvPr id="17" name="표 16"/>
+          <p:cNvGraphicFramePr>
+            <a:graphicFrameLocks noGrp="1"/>
+          </p:cNvGraphicFramePr>
+          <p:nvPr>
+            <p:extLst/>
+          </p:nvPr>
+        </p:nvGraphicFramePr>
+        <p:xfrm>
+          <a:off x="8501614" y="2455885"/>
+          <a:ext cx="1944216" cy="640100"/>
+        </p:xfrm>
+        <a:graphic>
+          <a:graphicData uri="http://schemas.openxmlformats.org/drawingml/2006/table">
+            <a:tbl>
+              <a:tblPr firstRow="1" bandRow="1">
+                <a:noFill/>
+              </a:tblPr>
+              <a:tblGrid>
+                <a:gridCol w="1944216"/>
+              </a:tblGrid>
+              <a:tr h="168164">
+                <a:tc>
+                  <a:txBody>
+                    <a:bodyPr/>
+                    <a:lstStyle/>
+                    <a:p>
+                      <a:pPr marL="0" marR="0" lvl="0" indent="0" algn="ctr" rtl="0">
+                        <a:lnSpc>
+                          <a:spcPct val="100000"/>
+                        </a:lnSpc>
+                        <a:spcBef>
+                          <a:spcPts val="0"/>
+                        </a:spcBef>
+                        <a:spcAft>
+                          <a:spcPts val="0"/>
+                        </a:spcAft>
+                        <a:buClr>
+                          <a:srgbClr val="000000"/>
+                        </a:buClr>
+                        <a:buSzPts val="1500"/>
+                        <a:buFont typeface="Arial"/>
+                        <a:buNone/>
+                      </a:pPr>
+                      <a:r>
+                        <a:rPr lang="ko-KR" altLang="en-US" sz="1500" b="0" u="none" strike="noStrike" cap="none" dirty="0" smtClean="0">
+                          <a:solidFill>
+                            <a:schemeClr val="dk1"/>
+                          </a:solidFill>
+                        </a:rPr>
+                        <a:t>화면코드</a:t>
+                      </a:r>
+                      <a:endParaRPr sz="1500" b="0" u="none" strike="noStrike" cap="none" dirty="0">
+                        <a:solidFill>
+                          <a:schemeClr val="dk1"/>
+                        </a:solidFill>
+                      </a:endParaRPr>
+                    </a:p>
+                  </a:txBody>
+                  <a:tcPr marL="74304" marR="74304" marT="45725" marB="45725" anchor="ctr">
+                    <a:lnL w="12700" cap="flat" cmpd="sng">
+                      <a:solidFill>
+                        <a:schemeClr val="dk1"/>
+                      </a:solidFill>
+                      <a:prstDash val="solid"/>
+                      <a:round/>
+                      <a:headEnd type="none" w="sm" len="sm"/>
+                      <a:tailEnd type="none" w="sm" len="sm"/>
+                    </a:lnL>
+                    <a:lnR w="12700" cap="flat" cmpd="sng">
+                      <a:solidFill>
+                        <a:schemeClr val="dk1"/>
+                      </a:solidFill>
+                      <a:prstDash val="solid"/>
+                      <a:round/>
+                      <a:headEnd type="none" w="sm" len="sm"/>
+                      <a:tailEnd type="none" w="sm" len="sm"/>
+                    </a:lnR>
+                    <a:lnT w="12700" cap="flat" cmpd="sng">
+                      <a:solidFill>
+                        <a:schemeClr val="dk1"/>
+                      </a:solidFill>
+                      <a:prstDash val="solid"/>
+                      <a:round/>
+                      <a:headEnd type="none" w="sm" len="sm"/>
+                      <a:tailEnd type="none" w="sm" len="sm"/>
+                    </a:lnT>
+                    <a:lnB w="12700" cap="flat" cmpd="sng" algn="ctr">
+                      <a:solidFill>
+                        <a:schemeClr val="dk1"/>
+                      </a:solidFill>
+                      <a:prstDash val="solid"/>
+                      <a:round/>
+                      <a:headEnd type="none" w="sm" len="sm"/>
+                      <a:tailEnd type="none" w="sm" len="sm"/>
+                    </a:lnB>
+                    <a:solidFill>
+                      <a:srgbClr val="D8D8D8"/>
+                    </a:solidFill>
+                  </a:tcPr>
+                </a:tc>
+              </a:tr>
+              <a:tr h="168164">
+                <a:tc>
+                  <a:txBody>
+                    <a:bodyPr/>
+                    <a:lstStyle/>
+                    <a:p>
+                      <a:pPr marL="0" marR="0" lvl="0" indent="0" algn="ctr" defTabSz="914400" rtl="0" eaLnBrk="1" fontAlgn="auto" latinLnBrk="1" hangingPunct="1">
+                        <a:lnSpc>
+                          <a:spcPct val="100000"/>
+                        </a:lnSpc>
+                        <a:spcBef>
+                          <a:spcPts val="0"/>
+                        </a:spcBef>
+                        <a:spcAft>
+                          <a:spcPts val="0"/>
+                        </a:spcAft>
+                        <a:buClr>
+                          <a:srgbClr val="000000"/>
+                        </a:buClr>
+                        <a:buSzPts val="1500"/>
+                        <a:buFont typeface="Arial"/>
+                        <a:buNone/>
+                        <a:tabLst/>
+                        <a:defRPr/>
+                      </a:pPr>
+                      <a:r>
+                        <a:rPr lang="en-US" altLang="ko-KR" sz="1500" b="0" u="none" strike="noStrike" cap="none" smtClean="0">
+                          <a:solidFill>
+                            <a:schemeClr val="dk1"/>
+                          </a:solidFill>
+                        </a:rPr>
+                        <a:t>kb_user_m_main</a:t>
+                      </a:r>
+                      <a:endParaRPr lang="en-US" altLang="ko-KR" sz="1500" b="0" u="none" strike="noStrike" cap="none" dirty="0" smtClean="0">
+                        <a:solidFill>
+                          <a:schemeClr val="dk1"/>
+                        </a:solidFill>
+                      </a:endParaRPr>
+                    </a:p>
+                  </a:txBody>
+                  <a:tcPr marL="74304" marR="74304" marT="45725" marB="45725" anchor="ctr">
+                    <a:lnL w="12700" cap="flat" cmpd="sng" algn="ctr">
+                      <a:solidFill>
+                        <a:schemeClr val="dk1"/>
+                      </a:solidFill>
+                      <a:prstDash val="solid"/>
+                      <a:round/>
+                      <a:headEnd type="none" w="sm" len="sm"/>
+                      <a:tailEnd type="none" w="sm" len="sm"/>
+                    </a:lnL>
+                    <a:lnR w="12700" cap="flat" cmpd="sng" algn="ctr">
+                      <a:solidFill>
+                        <a:schemeClr val="dk1"/>
+                      </a:solidFill>
+                      <a:prstDash val="solid"/>
+                      <a:round/>
+                      <a:headEnd type="none" w="sm" len="sm"/>
+                      <a:tailEnd type="none" w="sm" len="sm"/>
+                    </a:lnR>
+                    <a:lnT w="12700" cap="flat" cmpd="sng" algn="ctr">
+                      <a:solidFill>
+                        <a:schemeClr val="dk1"/>
+                      </a:solidFill>
+                      <a:prstDash val="solid"/>
+                      <a:round/>
+                      <a:headEnd type="none" w="sm" len="sm"/>
+                      <a:tailEnd type="none" w="sm" len="sm"/>
+                    </a:lnT>
+                    <a:lnB w="12700" cap="flat" cmpd="sng">
+                      <a:solidFill>
+                        <a:schemeClr val="dk1"/>
+                      </a:solidFill>
+                      <a:prstDash val="solid"/>
+                      <a:round/>
+                      <a:headEnd type="none" w="sm" len="sm"/>
+                      <a:tailEnd type="none" w="sm" len="sm"/>
+                    </a:lnB>
+                    <a:solidFill>
+                      <a:schemeClr val="bg1"/>
+                    </a:solidFill>
+                  </a:tcPr>
+                </a:tc>
+              </a:tr>
+            </a:tbl>
+          </a:graphicData>
+        </a:graphic>
+      </p:graphicFrame>
+    </p:spTree>
+    <p:extLst>
+      <p:ext uri="{BB962C8B-B14F-4D97-AF65-F5344CB8AC3E}">
+        <p14:creationId xmlns:p14="http://schemas.microsoft.com/office/powerpoint/2010/main" val="2038056437"/>
+      </p:ext>
+    </p:extLst>
+  </p:cSld>
+  <p:clrMapOvr>
+    <a:masterClrMapping/>
+  </p:clrMapOvr>
+  <p:timing>
+    <p:tnLst>
+      <p:par>
+        <p:cTn id="1" dur="indefinite" restart="never" nodeType="tmRoot"/>
+      </p:par>
+    </p:tnLst>
+  </p:timing>
+</p:sld>
+</file>
+
+<file path=ppt/slides/slide2.xml><?xml version="1.0" encoding="utf-8"?>
+<p:sld xmlns:a="http://schemas.openxmlformats.org/drawingml/2006/main" xmlns:r="http://schemas.openxmlformats.org/officeDocument/2006/relationships" xmlns:p="http://schemas.openxmlformats.org/presentationml/2006/main">
+  <p:cSld>
+    <p:spTree>
+      <p:nvGrpSpPr>
+        <p:cNvPr id="1" name=""/>
+        <p:cNvGrpSpPr/>
+        <p:nvPr/>
+      </p:nvGrpSpPr>
+      <p:grpSpPr>
+        <a:xfrm>
+          <a:off x="0" y="0"/>
+          <a:ext cx="0" cy="0"/>
+          <a:chOff x="0" y="0"/>
+          <a:chExt cx="0" cy="0"/>
+        </a:xfrm>
+      </p:grpSpPr>
+      <p:sp>
+        <p:nvSpPr>
+          <p:cNvPr id="2" name="제목 1"/>
+          <p:cNvSpPr>
+            <a:spLocks noGrp="1"/>
+          </p:cNvSpPr>
+          <p:nvPr>
+            <p:ph type="title"/>
+          </p:nvPr>
+        </p:nvSpPr>
+        <p:spPr/>
+        <p:txBody>
+          <a:bodyPr>
+            <a:normAutofit/>
+          </a:bodyPr>
+          <a:lstStyle/>
+          <a:p>
+            <a:pPr lvl="0">
+              <a:lnSpc>
+                <a:spcPct val="100000"/>
+              </a:lnSpc>
+              <a:spcBef>
+                <a:spcPts val="0"/>
+              </a:spcBef>
+              <a:buClr>
+                <a:srgbClr val="000000"/>
+              </a:buClr>
+              <a:buSzPts val="1500"/>
+              <a:defRPr/>
+            </a:pPr>
+            <a:r>
+              <a:rPr lang="en-US" altLang="ko-KR" sz="3600" b="0" smtClean="0"/>
+              <a:t>[</a:t>
+            </a:r>
+            <a:r>
+              <a:rPr lang="ko-KR" altLang="en-US" sz="3600" b="0" smtClean="0"/>
+              <a:t>화면설계</a:t>
+            </a:r>
+            <a:r>
+              <a:rPr lang="en-US" altLang="ko-KR" sz="3600" b="0" smtClean="0"/>
+              <a:t>] </a:t>
+            </a:r>
+            <a:r>
+              <a:rPr lang="ko-KR" altLang="en-US" sz="3600" b="0" smtClean="0"/>
+              <a:t>사용자 </a:t>
+            </a:r>
+            <a:r>
+              <a:rPr lang="en-US" altLang="ko-KR" sz="3600" b="0" smtClean="0"/>
+              <a:t>– </a:t>
+            </a:r>
+            <a:r>
+              <a:rPr lang="ko-KR" altLang="en-US" sz="3600" b="0" smtClean="0"/>
+              <a:t>웹 </a:t>
+            </a:r>
+            <a:r>
+              <a:rPr lang="en-US" altLang="ko-KR" sz="3600" b="0" smtClean="0"/>
+              <a:t>- </a:t>
+            </a:r>
+            <a:r>
+              <a:rPr lang="ko-KR" altLang="en-US" sz="3600" b="0" smtClean="0"/>
+              <a:t>메인페이지</a:t>
+            </a:r>
+            <a:r>
+              <a:rPr lang="ko-KR" altLang="en-US" sz="2400" b="0" smtClean="0"/>
+              <a:t> </a:t>
+            </a:r>
+            <a:r>
+              <a:rPr lang="en-US" altLang="ko-KR" sz="2400" b="0"/>
+              <a:t>- HEADER</a:t>
+            </a:r>
+            <a:endParaRPr lang="ko-KR" altLang="en-US" sz="2400" b="0" dirty="0"/>
+          </a:p>
+        </p:txBody>
+      </p:sp>
+      <p:sp>
+        <p:nvSpPr>
+          <p:cNvPr id="5" name="Google Shape;164;g7c553259d1_0_81"/>
+          <p:cNvSpPr/>
+          <p:nvPr/>
+        </p:nvSpPr>
+        <p:spPr>
+          <a:xfrm>
+            <a:off x="3891869" y="5974235"/>
+            <a:ext cx="2789963" cy="292800"/>
+          </a:xfrm>
+          <a:prstGeom prst="rect">
+            <a:avLst/>
+          </a:prstGeom>
+          <a:solidFill>
+            <a:schemeClr val="lt1"/>
+          </a:solidFill>
+          <a:ln w="12700" cap="flat" cmpd="sng">
+            <a:solidFill>
+              <a:schemeClr val="dk1"/>
+            </a:solidFill>
+            <a:prstDash val="solid"/>
+            <a:miter lim="800000"/>
+            <a:headEnd type="none" w="sm" len="sm"/>
+            <a:tailEnd type="none" w="sm" len="sm"/>
+          </a:ln>
+        </p:spPr>
+        <p:txBody>
+          <a:bodyPr spcFirstLastPara="1" wrap="square" lIns="91425" tIns="45700" rIns="91425" bIns="45700" anchor="ctr" anchorCtr="0">
+            <a:noAutofit/>
+          </a:bodyPr>
+          <a:lstStyle/>
+          <a:p>
+            <a:pPr algn="ctr">
+              <a:buClr>
+                <a:srgbClr val="000000"/>
+              </a:buClr>
+              <a:buSzPts val="1800"/>
+            </a:pPr>
+            <a:endParaRPr>
+              <a:solidFill>
+                <a:schemeClr val="dk1"/>
+              </a:solidFill>
+              <a:latin typeface="Malgun Gothic"/>
+              <a:ea typeface="Malgun Gothic"/>
+              <a:cs typeface="Malgun Gothic"/>
+              <a:sym typeface="Malgun Gothic"/>
+            </a:endParaRPr>
+          </a:p>
+        </p:txBody>
+      </p:sp>
+      <p:sp>
+        <p:nvSpPr>
+          <p:cNvPr id="6" name="Google Shape;168;g7c553259d1_0_81"/>
+          <p:cNvSpPr/>
+          <p:nvPr/>
+        </p:nvSpPr>
+        <p:spPr>
+          <a:xfrm>
+            <a:off x="560723" y="1442690"/>
+            <a:ext cx="6526163" cy="5349900"/>
+          </a:xfrm>
+          <a:prstGeom prst="rect">
+            <a:avLst/>
+          </a:prstGeom>
+          <a:solidFill>
+            <a:schemeClr val="lt1"/>
+          </a:solidFill>
+          <a:ln w="12700" cap="flat" cmpd="sng">
+            <a:solidFill>
+              <a:schemeClr val="dk1"/>
+            </a:solidFill>
+            <a:prstDash val="solid"/>
+            <a:miter lim="800000"/>
+            <a:headEnd type="none" w="sm" len="sm"/>
+            <a:tailEnd type="none" w="sm" len="sm"/>
+          </a:ln>
+        </p:spPr>
+        <p:txBody>
+          <a:bodyPr spcFirstLastPara="1" wrap="square" lIns="91425" tIns="45700" rIns="91425" bIns="45700" anchor="ctr" anchorCtr="0">
+            <a:noAutofit/>
+          </a:bodyPr>
+          <a:lstStyle/>
+          <a:p>
+            <a:pPr algn="ctr">
+              <a:buClr>
+                <a:srgbClr val="000000"/>
+              </a:buClr>
+              <a:buSzPts val="1500"/>
+            </a:pPr>
+            <a:endParaRPr sz="1500" dirty="0">
+              <a:solidFill>
+                <a:schemeClr val="dk1"/>
+              </a:solidFill>
+              <a:latin typeface="Malgun Gothic"/>
+              <a:ea typeface="Malgun Gothic"/>
+              <a:cs typeface="Malgun Gothic"/>
+              <a:sym typeface="Malgun Gothic"/>
+            </a:endParaRPr>
+          </a:p>
+        </p:txBody>
+      </p:sp>
+      <p:graphicFrame>
+        <p:nvGraphicFramePr>
+          <p:cNvPr id="7" name="Google Shape;169;g7c553259d1_0_81"/>
+          <p:cNvGraphicFramePr/>
+          <p:nvPr>
+            <p:extLst/>
+          </p:nvPr>
+        </p:nvGraphicFramePr>
+        <p:xfrm>
+          <a:off x="8650244" y="2039603"/>
+          <a:ext cx="2869750" cy="4668974"/>
+        </p:xfrm>
+        <a:graphic>
+          <a:graphicData uri="http://schemas.openxmlformats.org/drawingml/2006/table">
+            <a:tbl>
+              <a:tblPr firstRow="1" bandRow="1">
+                <a:noFill/>
+              </a:tblPr>
+              <a:tblGrid>
+                <a:gridCol w="311106">
+                  <a:extLst>
+                    <a:ext uri="{9D8B030D-6E8A-4147-A177-3AD203B41FA5}">
+                      <a16:colId xmlns="" xmlns:a16="http://schemas.microsoft.com/office/drawing/2014/main" val="20000"/>
+                    </a:ext>
+                  </a:extLst>
+                </a:gridCol>
+                <a:gridCol w="2558644">
+                  <a:extLst>
+                    <a:ext uri="{9D8B030D-6E8A-4147-A177-3AD203B41FA5}">
+                      <a16:colId xmlns="" xmlns:a16="http://schemas.microsoft.com/office/drawing/2014/main" val="20001"/>
+                    </a:ext>
+                  </a:extLst>
+                </a:gridCol>
+              </a:tblGrid>
+              <a:tr h="356150">
+                <a:tc>
+                  <a:txBody>
+                    <a:bodyPr/>
+                    <a:lstStyle/>
+                    <a:p>
+                      <a:pPr marL="0" marR="0" lvl="0" indent="0" algn="ctr" rtl="0">
+                        <a:lnSpc>
+                          <a:spcPct val="100000"/>
+                        </a:lnSpc>
+                        <a:spcBef>
+                          <a:spcPts val="0"/>
+                        </a:spcBef>
+                        <a:spcAft>
+                          <a:spcPts val="0"/>
+                        </a:spcAft>
+                        <a:buClr>
+                          <a:srgbClr val="000000"/>
+                        </a:buClr>
+                        <a:buSzPts val="1500"/>
+                        <a:buFont typeface="Arial"/>
+                        <a:buNone/>
+                      </a:pPr>
+                      <a:r>
+                        <a:rPr lang="ko-KR" sz="1500" u="none" strike="noStrike" cap="none" dirty="0">
+                          <a:solidFill>
+                            <a:schemeClr val="dk1"/>
+                          </a:solidFill>
+                        </a:rPr>
+                        <a:t>#</a:t>
+                      </a:r>
+                      <a:endParaRPr sz="1500" u="none" strike="noStrike" cap="none" dirty="0">
+                        <a:solidFill>
+                          <a:schemeClr val="dk1"/>
+                        </a:solidFill>
+                      </a:endParaRPr>
+                    </a:p>
+                  </a:txBody>
+                  <a:tcPr marL="74304" marR="74304" marT="45725" marB="45725" anchor="ctr">
+                    <a:lnL w="12700" cap="flat" cmpd="sng">
+                      <a:solidFill>
+                        <a:schemeClr val="dk1"/>
+                      </a:solidFill>
+                      <a:prstDash val="solid"/>
+                      <a:round/>
+                      <a:headEnd type="none" w="sm" len="sm"/>
+                      <a:tailEnd type="none" w="sm" len="sm"/>
+                    </a:lnL>
+                    <a:lnR w="12700" cap="flat" cmpd="sng">
+                      <a:solidFill>
+                        <a:schemeClr val="dk1"/>
+                      </a:solidFill>
+                      <a:prstDash val="solid"/>
+                      <a:round/>
+                      <a:headEnd type="none" w="sm" len="sm"/>
+                      <a:tailEnd type="none" w="sm" len="sm"/>
+                    </a:lnR>
+                    <a:lnT w="12700" cap="flat" cmpd="sng">
+                      <a:solidFill>
+                        <a:schemeClr val="dk1"/>
+                      </a:solidFill>
+                      <a:prstDash val="solid"/>
+                      <a:round/>
+                      <a:headEnd type="none" w="sm" len="sm"/>
+                      <a:tailEnd type="none" w="sm" len="sm"/>
+                    </a:lnT>
+                    <a:lnB w="12700" cap="flat" cmpd="sng" algn="ctr">
+                      <a:solidFill>
+                        <a:schemeClr val="dk1"/>
+                      </a:solidFill>
+                      <a:prstDash val="solid"/>
+                      <a:round/>
+                      <a:headEnd type="none" w="sm" len="sm"/>
+                      <a:tailEnd type="none" w="sm" len="sm"/>
+                    </a:lnB>
+                    <a:solidFill>
+                      <a:srgbClr val="D8D8D8"/>
+                    </a:solidFill>
+                  </a:tcPr>
+                </a:tc>
+                <a:tc>
+                  <a:txBody>
+                    <a:bodyPr/>
+                    <a:lstStyle/>
+                    <a:p>
+                      <a:pPr marL="0" marR="0" lvl="0" indent="0" algn="ctr" rtl="0">
+                        <a:lnSpc>
+                          <a:spcPct val="100000"/>
+                        </a:lnSpc>
+                        <a:spcBef>
+                          <a:spcPts val="0"/>
+                        </a:spcBef>
+                        <a:spcAft>
+                          <a:spcPts val="0"/>
+                        </a:spcAft>
+                        <a:buClr>
+                          <a:srgbClr val="000000"/>
+                        </a:buClr>
+                        <a:buSzPts val="1500"/>
+                        <a:buFont typeface="Arial"/>
+                        <a:buNone/>
+                      </a:pPr>
+                      <a:endParaRPr sz="1500" u="none" strike="noStrike" cap="none" dirty="0">
+                        <a:solidFill>
+                          <a:schemeClr val="dk1"/>
+                        </a:solidFill>
+                      </a:endParaRPr>
+                    </a:p>
+                  </a:txBody>
+                  <a:tcPr marL="74304" marR="74304" marT="45725" marB="45725" anchor="ctr">
+                    <a:lnL w="12700" cap="flat" cmpd="sng">
+                      <a:solidFill>
+                        <a:schemeClr val="dk1"/>
+                      </a:solidFill>
+                      <a:prstDash val="solid"/>
+                      <a:round/>
+                      <a:headEnd type="none" w="sm" len="sm"/>
+                      <a:tailEnd type="none" w="sm" len="sm"/>
+                    </a:lnL>
+                    <a:lnR w="12700" cap="flat" cmpd="sng">
+                      <a:solidFill>
+                        <a:schemeClr val="dk1"/>
+                      </a:solidFill>
+                      <a:prstDash val="solid"/>
+                      <a:round/>
+                      <a:headEnd type="none" w="sm" len="sm"/>
+                      <a:tailEnd type="none" w="sm" len="sm"/>
+                    </a:lnR>
+                    <a:lnT w="12700" cap="flat" cmpd="sng">
+                      <a:solidFill>
+                        <a:schemeClr val="dk1"/>
+                      </a:solidFill>
+                      <a:prstDash val="solid"/>
+                      <a:round/>
+                      <a:headEnd type="none" w="sm" len="sm"/>
+                      <a:tailEnd type="none" w="sm" len="sm"/>
+                    </a:lnT>
+                    <a:lnB w="12700" cap="flat" cmpd="sng" algn="ctr">
+                      <a:solidFill>
+                        <a:schemeClr val="dk1"/>
+                      </a:solidFill>
+                      <a:prstDash val="solid"/>
+                      <a:round/>
+                      <a:headEnd type="none" w="sm" len="sm"/>
+                      <a:tailEnd type="none" w="sm" len="sm"/>
+                    </a:lnB>
+                    <a:solidFill>
+                      <a:srgbClr val="D8D8D8"/>
+                    </a:solidFill>
+                  </a:tcPr>
+                </a:tc>
+                <a:extLst>
+                  <a:ext uri="{0D108BD9-81ED-4DB2-BD59-A6C34878D82A}">
+                    <a16:rowId xmlns="" xmlns:a16="http://schemas.microsoft.com/office/drawing/2014/main" val="10000"/>
                   </a:ext>
                 </a:extLst>
               </a:tr>
@@ -4401,7 +8853,7 @@
                 </a:tc>
                 <a:extLst>
                   <a:ext uri="{0D108BD9-81ED-4DB2-BD59-A6C34878D82A}">
-                    <a16:rowId xmlns:a16="http://schemas.microsoft.com/office/drawing/2014/main" xmlns="" val="10001"/>
+                    <a16:rowId xmlns="" xmlns:a16="http://schemas.microsoft.com/office/drawing/2014/main" val="10001"/>
                   </a:ext>
                 </a:extLst>
               </a:tr>
@@ -4622,7 +9074,7 @@
                 </a:tc>
                 <a:extLst>
                   <a:ext uri="{0D108BD9-81ED-4DB2-BD59-A6C34878D82A}">
-                    <a16:rowId xmlns:a16="http://schemas.microsoft.com/office/drawing/2014/main" xmlns="" val="10002"/>
+                    <a16:rowId xmlns="" xmlns:a16="http://schemas.microsoft.com/office/drawing/2014/main" val="10002"/>
                   </a:ext>
                 </a:extLst>
               </a:tr>
@@ -4859,7 +9311,7 @@
                 </a:tc>
                 <a:extLst>
                   <a:ext uri="{0D108BD9-81ED-4DB2-BD59-A6C34878D82A}">
-                    <a16:rowId xmlns:a16="http://schemas.microsoft.com/office/drawing/2014/main" xmlns="" val="10003"/>
+                    <a16:rowId xmlns="" xmlns:a16="http://schemas.microsoft.com/office/drawing/2014/main" val="10003"/>
                   </a:ext>
                 </a:extLst>
               </a:tr>
@@ -5080,7 +9532,7 @@
                 </a:tc>
                 <a:extLst>
                   <a:ext uri="{0D108BD9-81ED-4DB2-BD59-A6C34878D82A}">
-                    <a16:rowId xmlns:a16="http://schemas.microsoft.com/office/drawing/2014/main" xmlns="" val="10004"/>
+                    <a16:rowId xmlns="" xmlns:a16="http://schemas.microsoft.com/office/drawing/2014/main" val="10004"/>
                   </a:ext>
                 </a:extLst>
               </a:tr>
@@ -5307,7 +9759,7 @@
                 </a:tc>
                 <a:extLst>
                   <a:ext uri="{0D108BD9-81ED-4DB2-BD59-A6C34878D82A}">
-                    <a16:rowId xmlns:a16="http://schemas.microsoft.com/office/drawing/2014/main" xmlns="" val="10005"/>
+                    <a16:rowId xmlns="" xmlns:a16="http://schemas.microsoft.com/office/drawing/2014/main" val="10005"/>
                   </a:ext>
                 </a:extLst>
               </a:tr>
@@ -5650,6 +10102,1689 @@
       </p:par>
     </p:tnLst>
   </p:timing>
+</p:sld>
+</file>
+
+<file path=ppt/slides/slide20.xml><?xml version="1.0" encoding="utf-8"?>
+<p:sld xmlns:a="http://schemas.openxmlformats.org/drawingml/2006/main" xmlns:r="http://schemas.openxmlformats.org/officeDocument/2006/relationships" xmlns:p="http://schemas.openxmlformats.org/presentationml/2006/main">
+  <p:cSld>
+    <p:spTree>
+      <p:nvGrpSpPr>
+        <p:cNvPr id="1" name=""/>
+        <p:cNvGrpSpPr/>
+        <p:nvPr/>
+      </p:nvGrpSpPr>
+      <p:grpSpPr>
+        <a:xfrm>
+          <a:off x="0" y="0"/>
+          <a:ext cx="0" cy="0"/>
+          <a:chOff x="0" y="0"/>
+          <a:chExt cx="0" cy="0"/>
+        </a:xfrm>
+      </p:grpSpPr>
+      <p:sp>
+        <p:nvSpPr>
+          <p:cNvPr id="4" name="제목 1"/>
+          <p:cNvSpPr>
+            <a:spLocks noGrp="1"/>
+          </p:cNvSpPr>
+          <p:nvPr>
+            <p:ph type="title"/>
+          </p:nvPr>
+        </p:nvSpPr>
+        <p:spPr>
+          <a:xfrm>
+            <a:off x="962423" y="116632"/>
+            <a:ext cx="9646078" cy="796908"/>
+          </a:xfrm>
+        </p:spPr>
+        <p:txBody>
+          <a:bodyPr>
+            <a:noAutofit/>
+          </a:bodyPr>
+          <a:lstStyle/>
+          <a:p>
+            <a:pPr lvl="0">
+              <a:lnSpc>
+                <a:spcPct val="100000"/>
+              </a:lnSpc>
+              <a:spcBef>
+                <a:spcPts val="0"/>
+              </a:spcBef>
+              <a:buClr>
+                <a:srgbClr val="000000"/>
+              </a:buClr>
+              <a:buSzPts val="1500"/>
+              <a:defRPr/>
+            </a:pPr>
+            <a:r>
+              <a:rPr lang="en-US" altLang="ko-KR" sz="4000" b="0" smtClean="0"/>
+              <a:t>[</a:t>
+            </a:r>
+            <a:r>
+              <a:rPr lang="ko-KR" altLang="en-US" sz="4000" b="0" smtClean="0"/>
+              <a:t>화면구현</a:t>
+            </a:r>
+            <a:r>
+              <a:rPr lang="en-US" altLang="ko-KR" sz="4000" b="0" smtClean="0"/>
+              <a:t>] </a:t>
+            </a:r>
+            <a:r>
+              <a:rPr lang="ko-KR" altLang="en-US" sz="4000" b="0" smtClean="0"/>
+              <a:t>사용자 </a:t>
+            </a:r>
+            <a:r>
+              <a:rPr lang="en-US" altLang="ko-KR" sz="4000" b="0" smtClean="0"/>
+              <a:t>– </a:t>
+            </a:r>
+            <a:r>
+              <a:rPr lang="ko-KR" altLang="en-US" sz="4000" b="0" smtClean="0"/>
+              <a:t>모바일 </a:t>
+            </a:r>
+            <a:r>
+              <a:rPr lang="en-US" altLang="ko-KR" sz="4000" b="0" smtClean="0"/>
+              <a:t>-</a:t>
+            </a:r>
+            <a:r>
+              <a:rPr lang="ko-KR" altLang="en-US" sz="4000" b="0" smtClean="0"/>
+              <a:t>메인페이지</a:t>
+            </a:r>
+            <a:endParaRPr lang="ko-KR" altLang="en-US" sz="2400" b="0" dirty="0"/>
+          </a:p>
+        </p:txBody>
+      </p:sp>
+      <p:pic>
+        <p:nvPicPr>
+          <p:cNvPr id="5" name="그림 4"/>
+          <p:cNvPicPr>
+            <a:picLocks noChangeAspect="1"/>
+          </p:cNvPicPr>
+          <p:nvPr/>
+        </p:nvPicPr>
+        <p:blipFill>
+          <a:blip r:embed="rId2"/>
+          <a:stretch>
+            <a:fillRect/>
+          </a:stretch>
+        </p:blipFill>
+        <p:spPr>
+          <a:xfrm>
+            <a:off x="682504" y="1912774"/>
+            <a:ext cx="2107349" cy="4058817"/>
+          </a:xfrm>
+          <a:prstGeom prst="rect">
+            <a:avLst/>
+          </a:prstGeom>
+        </p:spPr>
+      </p:pic>
+      <p:pic>
+        <p:nvPicPr>
+          <p:cNvPr id="8" name="그림 7"/>
+          <p:cNvPicPr>
+            <a:picLocks noChangeAspect="1"/>
+          </p:cNvPicPr>
+          <p:nvPr/>
+        </p:nvPicPr>
+        <p:blipFill>
+          <a:blip r:embed="rId3"/>
+          <a:stretch>
+            <a:fillRect/>
+          </a:stretch>
+        </p:blipFill>
+        <p:spPr>
+          <a:xfrm>
+            <a:off x="3048409" y="2114791"/>
+            <a:ext cx="4007186" cy="3654781"/>
+          </a:xfrm>
+          <a:prstGeom prst="rect">
+            <a:avLst/>
+          </a:prstGeom>
+          <a:ln>
+            <a:solidFill>
+              <a:schemeClr val="tx1"/>
+            </a:solidFill>
+          </a:ln>
+        </p:spPr>
+      </p:pic>
+      <p:pic>
+        <p:nvPicPr>
+          <p:cNvPr id="9" name="그림 8"/>
+          <p:cNvPicPr>
+            <a:picLocks noChangeAspect="1"/>
+          </p:cNvPicPr>
+          <p:nvPr/>
+        </p:nvPicPr>
+        <p:blipFill>
+          <a:blip r:embed="rId4"/>
+          <a:stretch>
+            <a:fillRect/>
+          </a:stretch>
+        </p:blipFill>
+        <p:spPr>
+          <a:xfrm>
+            <a:off x="7221893" y="1559086"/>
+            <a:ext cx="4301413" cy="1603991"/>
+          </a:xfrm>
+          <a:prstGeom prst="rect">
+            <a:avLst/>
+          </a:prstGeom>
+          <a:ln>
+            <a:solidFill>
+              <a:schemeClr val="tx1"/>
+            </a:solidFill>
+          </a:ln>
+        </p:spPr>
+      </p:pic>
+      <p:pic>
+        <p:nvPicPr>
+          <p:cNvPr id="10" name="그림 9"/>
+          <p:cNvPicPr>
+            <a:picLocks noChangeAspect="1"/>
+          </p:cNvPicPr>
+          <p:nvPr/>
+        </p:nvPicPr>
+        <p:blipFill>
+          <a:blip r:embed="rId5"/>
+          <a:stretch>
+            <a:fillRect/>
+          </a:stretch>
+        </p:blipFill>
+        <p:spPr>
+          <a:xfrm>
+            <a:off x="7182060" y="3312367"/>
+            <a:ext cx="4509197" cy="1483568"/>
+          </a:xfrm>
+          <a:prstGeom prst="rect">
+            <a:avLst/>
+          </a:prstGeom>
+          <a:ln>
+            <a:solidFill>
+              <a:schemeClr val="tx1"/>
+            </a:solidFill>
+          </a:ln>
+        </p:spPr>
+      </p:pic>
+      <p:pic>
+        <p:nvPicPr>
+          <p:cNvPr id="11" name="그림 10"/>
+          <p:cNvPicPr>
+            <a:picLocks noChangeAspect="1"/>
+          </p:cNvPicPr>
+          <p:nvPr/>
+        </p:nvPicPr>
+        <p:blipFill>
+          <a:blip r:embed="rId6"/>
+          <a:stretch>
+            <a:fillRect/>
+          </a:stretch>
+        </p:blipFill>
+        <p:spPr>
+          <a:xfrm>
+            <a:off x="7182060" y="4881644"/>
+            <a:ext cx="4509197" cy="1556478"/>
+          </a:xfrm>
+          <a:prstGeom prst="rect">
+            <a:avLst/>
+          </a:prstGeom>
+          <a:ln>
+            <a:solidFill>
+              <a:schemeClr val="tx1"/>
+            </a:solidFill>
+          </a:ln>
+        </p:spPr>
+      </p:pic>
+    </p:spTree>
+    <p:extLst>
+      <p:ext uri="{BB962C8B-B14F-4D97-AF65-F5344CB8AC3E}">
+        <p14:creationId xmlns:p14="http://schemas.microsoft.com/office/powerpoint/2010/main" val="425258783"/>
+      </p:ext>
+    </p:extLst>
+  </p:cSld>
+  <p:clrMapOvr>
+    <a:masterClrMapping/>
+  </p:clrMapOvr>
+</p:sld>
+</file>
+
+<file path=ppt/slides/slide21.xml><?xml version="1.0" encoding="utf-8"?>
+<p:sld xmlns:a="http://schemas.openxmlformats.org/drawingml/2006/main" xmlns:r="http://schemas.openxmlformats.org/officeDocument/2006/relationships" xmlns:p="http://schemas.openxmlformats.org/presentationml/2006/main">
+  <p:cSld>
+    <p:spTree>
+      <p:nvGrpSpPr>
+        <p:cNvPr id="1" name=""/>
+        <p:cNvGrpSpPr/>
+        <p:nvPr/>
+      </p:nvGrpSpPr>
+      <p:grpSpPr>
+        <a:xfrm>
+          <a:off x="0" y="0"/>
+          <a:ext cx="0" cy="0"/>
+          <a:chOff x="0" y="0"/>
+          <a:chExt cx="0" cy="0"/>
+        </a:xfrm>
+      </p:grpSpPr>
+      <p:sp>
+        <p:nvSpPr>
+          <p:cNvPr id="2" name="제목 1"/>
+          <p:cNvSpPr>
+            <a:spLocks noGrp="1"/>
+          </p:cNvSpPr>
+          <p:nvPr>
+            <p:ph type="title"/>
+          </p:nvPr>
+        </p:nvSpPr>
+        <p:spPr/>
+        <p:txBody>
+          <a:bodyPr/>
+          <a:lstStyle/>
+          <a:p>
+            <a:r>
+              <a:rPr lang="en-US" altLang="ko-KR" sz="2800" b="0"/>
+              <a:t>[</a:t>
+            </a:r>
+            <a:r>
+              <a:rPr lang="ko-KR" altLang="en-US" sz="2800" b="0"/>
+              <a:t>화면구현</a:t>
+            </a:r>
+            <a:r>
+              <a:rPr lang="en-US" altLang="ko-KR" sz="2800" b="0"/>
+              <a:t>] </a:t>
+            </a:r>
+            <a:r>
+              <a:rPr lang="ko-KR" altLang="en-US" sz="2800" b="0"/>
+              <a:t>사용자 </a:t>
+            </a:r>
+            <a:r>
+              <a:rPr lang="en-US" altLang="ko-KR" sz="2800" b="0"/>
+              <a:t>– </a:t>
+            </a:r>
+            <a:r>
+              <a:rPr lang="ko-KR" altLang="en-US" sz="2800" b="0"/>
+              <a:t>모바일 </a:t>
+            </a:r>
+            <a:r>
+              <a:rPr lang="en-US" altLang="ko-KR" sz="2800" b="0" smtClean="0"/>
+              <a:t>–</a:t>
+            </a:r>
+            <a:r>
+              <a:rPr lang="ko-KR" altLang="en-US" sz="2800" b="0" smtClean="0"/>
+              <a:t>메인페이지 </a:t>
+            </a:r>
+            <a:r>
+              <a:rPr lang="en-US" altLang="ko-KR" sz="2800" b="0" smtClean="0"/>
+              <a:t>- </a:t>
+            </a:r>
+            <a:r>
+              <a:rPr lang="ko-KR" altLang="en-US" sz="2800" b="0" smtClean="0"/>
+              <a:t>메뉴</a:t>
+            </a:r>
+            <a:endParaRPr lang="ko-KR" altLang="en-US"/>
+          </a:p>
+        </p:txBody>
+      </p:sp>
+      <p:pic>
+        <p:nvPicPr>
+          <p:cNvPr id="4" name="내용 개체 틀 3"/>
+          <p:cNvPicPr>
+            <a:picLocks noGrp="1" noChangeAspect="1"/>
+          </p:cNvPicPr>
+          <p:nvPr>
+            <p:ph idx="1"/>
+          </p:nvPr>
+        </p:nvPicPr>
+        <p:blipFill>
+          <a:blip r:embed="rId2"/>
+          <a:stretch>
+            <a:fillRect/>
+          </a:stretch>
+        </p:blipFill>
+        <p:spPr>
+          <a:xfrm>
+            <a:off x="1138482" y="1540232"/>
+            <a:ext cx="2169428" cy="4862512"/>
+          </a:xfrm>
+          <a:prstGeom prst="rect">
+            <a:avLst/>
+          </a:prstGeom>
+        </p:spPr>
+      </p:pic>
+      <p:pic>
+        <p:nvPicPr>
+          <p:cNvPr id="5" name="그림 4"/>
+          <p:cNvPicPr>
+            <a:picLocks noChangeAspect="1"/>
+          </p:cNvPicPr>
+          <p:nvPr/>
+        </p:nvPicPr>
+        <p:blipFill>
+          <a:blip r:embed="rId3"/>
+          <a:stretch>
+            <a:fillRect/>
+          </a:stretch>
+        </p:blipFill>
+        <p:spPr>
+          <a:xfrm>
+            <a:off x="3570643" y="1540232"/>
+            <a:ext cx="3809871" cy="2547257"/>
+          </a:xfrm>
+          <a:prstGeom prst="rect">
+            <a:avLst/>
+          </a:prstGeom>
+          <a:ln>
+            <a:solidFill>
+              <a:schemeClr val="tx1"/>
+            </a:solidFill>
+          </a:ln>
+        </p:spPr>
+      </p:pic>
+      <p:pic>
+        <p:nvPicPr>
+          <p:cNvPr id="6" name="그림 5"/>
+          <p:cNvPicPr>
+            <a:picLocks noChangeAspect="1"/>
+          </p:cNvPicPr>
+          <p:nvPr/>
+        </p:nvPicPr>
+        <p:blipFill>
+          <a:blip r:embed="rId4"/>
+          <a:stretch>
+            <a:fillRect/>
+          </a:stretch>
+        </p:blipFill>
+        <p:spPr>
+          <a:xfrm>
+            <a:off x="7511143" y="1540232"/>
+            <a:ext cx="4027811" cy="1419225"/>
+          </a:xfrm>
+          <a:prstGeom prst="rect">
+            <a:avLst/>
+          </a:prstGeom>
+          <a:ln>
+            <a:solidFill>
+              <a:schemeClr val="tx1"/>
+            </a:solidFill>
+          </a:ln>
+        </p:spPr>
+      </p:pic>
+      <p:pic>
+        <p:nvPicPr>
+          <p:cNvPr id="7" name="그림 6"/>
+          <p:cNvPicPr>
+            <a:picLocks noChangeAspect="1"/>
+          </p:cNvPicPr>
+          <p:nvPr/>
+        </p:nvPicPr>
+        <p:blipFill>
+          <a:blip r:embed="rId5"/>
+          <a:stretch>
+            <a:fillRect/>
+          </a:stretch>
+        </p:blipFill>
+        <p:spPr>
+          <a:xfrm>
+            <a:off x="7511143" y="3195735"/>
+            <a:ext cx="4027811" cy="2150706"/>
+          </a:xfrm>
+          <a:prstGeom prst="rect">
+            <a:avLst/>
+          </a:prstGeom>
+          <a:ln>
+            <a:solidFill>
+              <a:schemeClr val="tx1"/>
+            </a:solidFill>
+          </a:ln>
+        </p:spPr>
+      </p:pic>
+    </p:spTree>
+    <p:extLst>
+      <p:ext uri="{BB962C8B-B14F-4D97-AF65-F5344CB8AC3E}">
+        <p14:creationId xmlns:p14="http://schemas.microsoft.com/office/powerpoint/2010/main" val="339729471"/>
+      </p:ext>
+    </p:extLst>
+  </p:cSld>
+  <p:clrMapOvr>
+    <a:masterClrMapping/>
+  </p:clrMapOvr>
+</p:sld>
+</file>
+
+<file path=ppt/slides/slide22.xml><?xml version="1.0" encoding="utf-8"?>
+<p:sld xmlns:a="http://schemas.openxmlformats.org/drawingml/2006/main" xmlns:r="http://schemas.openxmlformats.org/officeDocument/2006/relationships" xmlns:p="http://schemas.openxmlformats.org/presentationml/2006/main">
+  <p:cSld>
+    <p:spTree>
+      <p:nvGrpSpPr>
+        <p:cNvPr id="1" name=""/>
+        <p:cNvGrpSpPr/>
+        <p:nvPr/>
+      </p:nvGrpSpPr>
+      <p:grpSpPr>
+        <a:xfrm>
+          <a:off x="0" y="0"/>
+          <a:ext cx="0" cy="0"/>
+          <a:chOff x="0" y="0"/>
+          <a:chExt cx="0" cy="0"/>
+        </a:xfrm>
+      </p:grpSpPr>
+      <p:sp>
+        <p:nvSpPr>
+          <p:cNvPr id="2" name="제목 1"/>
+          <p:cNvSpPr>
+            <a:spLocks noGrp="1"/>
+          </p:cNvSpPr>
+          <p:nvPr>
+            <p:ph type="title"/>
+          </p:nvPr>
+        </p:nvSpPr>
+        <p:spPr>
+          <a:xfrm>
+            <a:off x="887266" y="140419"/>
+            <a:ext cx="9646078" cy="796908"/>
+          </a:xfrm>
+        </p:spPr>
+        <p:txBody>
+          <a:bodyPr>
+            <a:noAutofit/>
+          </a:bodyPr>
+          <a:lstStyle/>
+          <a:p>
+            <a:pPr lvl="0">
+              <a:lnSpc>
+                <a:spcPct val="100000"/>
+              </a:lnSpc>
+              <a:spcBef>
+                <a:spcPts val="0"/>
+              </a:spcBef>
+              <a:buClr>
+                <a:srgbClr val="000000"/>
+              </a:buClr>
+              <a:buSzPts val="1500"/>
+              <a:defRPr/>
+            </a:pPr>
+            <a:r>
+              <a:rPr lang="en-US" altLang="ko-KR" sz="3600" b="0" smtClean="0"/>
+              <a:t>[</a:t>
+            </a:r>
+            <a:r>
+              <a:rPr lang="ko-KR" altLang="en-US" sz="3600" b="0" smtClean="0"/>
+              <a:t>화면설계</a:t>
+            </a:r>
+            <a:r>
+              <a:rPr lang="en-US" altLang="ko-KR" sz="3600" b="0" smtClean="0"/>
+              <a:t>] </a:t>
+            </a:r>
+            <a:r>
+              <a:rPr lang="ko-KR" altLang="en-US" sz="3600" b="0" smtClean="0"/>
+              <a:t>사용자 </a:t>
+            </a:r>
+            <a:r>
+              <a:rPr lang="en-US" altLang="ko-KR" sz="3600" b="0" smtClean="0"/>
+              <a:t>– </a:t>
+            </a:r>
+            <a:r>
+              <a:rPr lang="ko-KR" altLang="en-US" sz="3600" b="0" smtClean="0"/>
+              <a:t>모바일 </a:t>
+            </a:r>
+            <a:r>
+              <a:rPr lang="en-US" altLang="ko-KR" sz="3600" b="0" smtClean="0"/>
+              <a:t>- </a:t>
+            </a:r>
+            <a:r>
+              <a:rPr lang="ko-KR" altLang="en-US" sz="3600" b="0" smtClean="0"/>
+              <a:t>로그인 페이지</a:t>
+            </a:r>
+            <a:r>
+              <a:rPr lang="ko-KR" altLang="en-US" sz="2000" b="0" smtClean="0"/>
+              <a:t> </a:t>
+            </a:r>
+            <a:endParaRPr lang="ko-KR" altLang="en-US" sz="2000" b="0" dirty="0"/>
+          </a:p>
+        </p:txBody>
+      </p:sp>
+      <p:sp>
+        <p:nvSpPr>
+          <p:cNvPr id="18" name="Google Shape;168;g7c553259d1_0_81"/>
+          <p:cNvSpPr/>
+          <p:nvPr/>
+        </p:nvSpPr>
+        <p:spPr>
+          <a:xfrm>
+            <a:off x="1271339" y="1271965"/>
+            <a:ext cx="6526163" cy="5349900"/>
+          </a:xfrm>
+          <a:prstGeom prst="rect">
+            <a:avLst/>
+          </a:prstGeom>
+          <a:solidFill>
+            <a:schemeClr val="lt1"/>
+          </a:solidFill>
+          <a:ln w="12700" cap="flat" cmpd="sng">
+            <a:solidFill>
+              <a:schemeClr val="dk1"/>
+            </a:solidFill>
+            <a:prstDash val="solid"/>
+            <a:miter lim="800000"/>
+            <a:headEnd type="none" w="sm" len="sm"/>
+            <a:tailEnd type="none" w="sm" len="sm"/>
+          </a:ln>
+        </p:spPr>
+        <p:txBody>
+          <a:bodyPr spcFirstLastPara="1" wrap="square" lIns="91425" tIns="45700" rIns="91425" bIns="45700" anchor="ctr" anchorCtr="0">
+            <a:noAutofit/>
+          </a:bodyPr>
+          <a:lstStyle/>
+          <a:p>
+            <a:pPr algn="ctr">
+              <a:buClr>
+                <a:srgbClr val="000000"/>
+              </a:buClr>
+              <a:buSzPts val="1500"/>
+            </a:pPr>
+            <a:endParaRPr sz="1500" dirty="0">
+              <a:solidFill>
+                <a:schemeClr val="dk1"/>
+              </a:solidFill>
+              <a:latin typeface="Malgun Gothic"/>
+              <a:ea typeface="Malgun Gothic"/>
+              <a:cs typeface="Malgun Gothic"/>
+              <a:sym typeface="Malgun Gothic"/>
+            </a:endParaRPr>
+          </a:p>
+        </p:txBody>
+      </p:sp>
+      <p:graphicFrame>
+        <p:nvGraphicFramePr>
+          <p:cNvPr id="19" name="Google Shape;169;g7c553259d1_0_81"/>
+          <p:cNvGraphicFramePr/>
+          <p:nvPr>
+            <p:extLst/>
+          </p:nvPr>
+        </p:nvGraphicFramePr>
+        <p:xfrm>
+          <a:off x="8147736" y="3596558"/>
+          <a:ext cx="2869750" cy="2711375"/>
+        </p:xfrm>
+        <a:graphic>
+          <a:graphicData uri="http://schemas.openxmlformats.org/drawingml/2006/table">
+            <a:tbl>
+              <a:tblPr firstRow="1" bandRow="1">
+                <a:noFill/>
+              </a:tblPr>
+              <a:tblGrid>
+                <a:gridCol w="311106">
+                  <a:extLst>
+                    <a:ext uri="{9D8B030D-6E8A-4147-A177-3AD203B41FA5}">
+                      <a16:colId xmlns:a16="http://schemas.microsoft.com/office/drawing/2014/main" xmlns="" val="20000"/>
+                    </a:ext>
+                  </a:extLst>
+                </a:gridCol>
+                <a:gridCol w="2558644">
+                  <a:extLst>
+                    <a:ext uri="{9D8B030D-6E8A-4147-A177-3AD203B41FA5}">
+                      <a16:colId xmlns:a16="http://schemas.microsoft.com/office/drawing/2014/main" xmlns="" val="20001"/>
+                    </a:ext>
+                  </a:extLst>
+                </a:gridCol>
+              </a:tblGrid>
+              <a:tr h="356150">
+                <a:tc>
+                  <a:txBody>
+                    <a:bodyPr/>
+                    <a:lstStyle/>
+                    <a:p>
+                      <a:pPr marL="0" marR="0" lvl="0" indent="0" algn="ctr" rtl="0">
+                        <a:lnSpc>
+                          <a:spcPct val="100000"/>
+                        </a:lnSpc>
+                        <a:spcBef>
+                          <a:spcPts val="0"/>
+                        </a:spcBef>
+                        <a:spcAft>
+                          <a:spcPts val="0"/>
+                        </a:spcAft>
+                        <a:buClr>
+                          <a:srgbClr val="000000"/>
+                        </a:buClr>
+                        <a:buSzPts val="1500"/>
+                        <a:buFont typeface="Arial"/>
+                        <a:buNone/>
+                      </a:pPr>
+                      <a:r>
+                        <a:rPr lang="ko-KR" sz="1500" u="none" strike="noStrike" cap="none" dirty="0">
+                          <a:solidFill>
+                            <a:schemeClr val="dk1"/>
+                          </a:solidFill>
+                        </a:rPr>
+                        <a:t>#</a:t>
+                      </a:r>
+                      <a:endParaRPr sz="1500" u="none" strike="noStrike" cap="none" dirty="0">
+                        <a:solidFill>
+                          <a:schemeClr val="dk1"/>
+                        </a:solidFill>
+                      </a:endParaRPr>
+                    </a:p>
+                  </a:txBody>
+                  <a:tcPr marL="74304" marR="74304" marT="45725" marB="45725" anchor="ctr">
+                    <a:lnL w="12700" cap="flat" cmpd="sng">
+                      <a:solidFill>
+                        <a:schemeClr val="dk1"/>
+                      </a:solidFill>
+                      <a:prstDash val="solid"/>
+                      <a:round/>
+                      <a:headEnd type="none" w="sm" len="sm"/>
+                      <a:tailEnd type="none" w="sm" len="sm"/>
+                    </a:lnL>
+                    <a:lnR w="12700" cap="flat" cmpd="sng">
+                      <a:solidFill>
+                        <a:schemeClr val="dk1"/>
+                      </a:solidFill>
+                      <a:prstDash val="solid"/>
+                      <a:round/>
+                      <a:headEnd type="none" w="sm" len="sm"/>
+                      <a:tailEnd type="none" w="sm" len="sm"/>
+                    </a:lnR>
+                    <a:lnT w="12700" cap="flat" cmpd="sng">
+                      <a:solidFill>
+                        <a:schemeClr val="dk1"/>
+                      </a:solidFill>
+                      <a:prstDash val="solid"/>
+                      <a:round/>
+                      <a:headEnd type="none" w="sm" len="sm"/>
+                      <a:tailEnd type="none" w="sm" len="sm"/>
+                    </a:lnT>
+                    <a:lnB w="12700" cap="flat" cmpd="sng">
+                      <a:solidFill>
+                        <a:schemeClr val="dk1"/>
+                      </a:solidFill>
+                      <a:prstDash val="solid"/>
+                      <a:round/>
+                      <a:headEnd type="none" w="sm" len="sm"/>
+                      <a:tailEnd type="none" w="sm" len="sm"/>
+                    </a:lnB>
+                    <a:solidFill>
+                      <a:srgbClr val="D8D8D8"/>
+                    </a:solidFill>
+                  </a:tcPr>
+                </a:tc>
+                <a:tc>
+                  <a:txBody>
+                    <a:bodyPr/>
+                    <a:lstStyle/>
+                    <a:p>
+                      <a:pPr marL="0" marR="0" lvl="0" indent="0" algn="ctr" rtl="0">
+                        <a:lnSpc>
+                          <a:spcPct val="100000"/>
+                        </a:lnSpc>
+                        <a:spcBef>
+                          <a:spcPts val="0"/>
+                        </a:spcBef>
+                        <a:spcAft>
+                          <a:spcPts val="0"/>
+                        </a:spcAft>
+                        <a:buClr>
+                          <a:srgbClr val="000000"/>
+                        </a:buClr>
+                        <a:buSzPts val="1500"/>
+                        <a:buFont typeface="Arial"/>
+                        <a:buNone/>
+                      </a:pPr>
+                      <a:endParaRPr sz="1500" u="none" strike="noStrike" cap="none" dirty="0">
+                        <a:solidFill>
+                          <a:schemeClr val="dk1"/>
+                        </a:solidFill>
+                      </a:endParaRPr>
+                    </a:p>
+                  </a:txBody>
+                  <a:tcPr marL="74304" marR="74304" marT="45725" marB="45725" anchor="ctr">
+                    <a:lnL w="12700" cap="flat" cmpd="sng">
+                      <a:solidFill>
+                        <a:schemeClr val="dk1"/>
+                      </a:solidFill>
+                      <a:prstDash val="solid"/>
+                      <a:round/>
+                      <a:headEnd type="none" w="sm" len="sm"/>
+                      <a:tailEnd type="none" w="sm" len="sm"/>
+                    </a:lnL>
+                    <a:lnR w="12700" cap="flat" cmpd="sng">
+                      <a:solidFill>
+                        <a:schemeClr val="dk1"/>
+                      </a:solidFill>
+                      <a:prstDash val="solid"/>
+                      <a:round/>
+                      <a:headEnd type="none" w="sm" len="sm"/>
+                      <a:tailEnd type="none" w="sm" len="sm"/>
+                    </a:lnR>
+                    <a:lnT w="12700" cap="flat" cmpd="sng">
+                      <a:solidFill>
+                        <a:schemeClr val="dk1"/>
+                      </a:solidFill>
+                      <a:prstDash val="solid"/>
+                      <a:round/>
+                      <a:headEnd type="none" w="sm" len="sm"/>
+                      <a:tailEnd type="none" w="sm" len="sm"/>
+                    </a:lnT>
+                    <a:lnB w="12700" cap="flat" cmpd="sng">
+                      <a:solidFill>
+                        <a:schemeClr val="dk1"/>
+                      </a:solidFill>
+                      <a:prstDash val="solid"/>
+                      <a:round/>
+                      <a:headEnd type="none" w="sm" len="sm"/>
+                      <a:tailEnd type="none" w="sm" len="sm"/>
+                    </a:lnB>
+                    <a:solidFill>
+                      <a:srgbClr val="D8D8D8"/>
+                    </a:solidFill>
+                  </a:tcPr>
+                </a:tc>
+                <a:extLst>
+                  <a:ext uri="{0D108BD9-81ED-4DB2-BD59-A6C34878D82A}">
+                    <a16:rowId xmlns:a16="http://schemas.microsoft.com/office/drawing/2014/main" xmlns="" val="10000"/>
+                  </a:ext>
+                </a:extLst>
+              </a:tr>
+              <a:tr h="972399">
+                <a:tc>
+                  <a:txBody>
+                    <a:bodyPr/>
+                    <a:lstStyle/>
+                    <a:p>
+                      <a:pPr marL="0" marR="0" lvl="0" indent="0" algn="ctr" rtl="0">
+                        <a:lnSpc>
+                          <a:spcPct val="100000"/>
+                        </a:lnSpc>
+                        <a:spcBef>
+                          <a:spcPts val="0"/>
+                        </a:spcBef>
+                        <a:spcAft>
+                          <a:spcPts val="0"/>
+                        </a:spcAft>
+                        <a:buClr>
+                          <a:srgbClr val="000000"/>
+                        </a:buClr>
+                        <a:buSzPts val="1500"/>
+                        <a:buFont typeface="Arial"/>
+                        <a:buNone/>
+                      </a:pPr>
+                      <a:r>
+                        <a:rPr lang="en-US" sz="1500" dirty="0" smtClean="0"/>
+                        <a:t>1</a:t>
+                      </a:r>
+                      <a:endParaRPr sz="1500" dirty="0"/>
+                    </a:p>
+                  </a:txBody>
+                  <a:tcPr marL="74304" marR="74304" marT="45725" marB="45725" anchor="ctr">
+                    <a:lnL w="12700" cap="flat" cmpd="sng">
+                      <a:solidFill>
+                        <a:schemeClr val="dk1"/>
+                      </a:solidFill>
+                      <a:prstDash val="solid"/>
+                      <a:round/>
+                      <a:headEnd type="none" w="sm" len="sm"/>
+                      <a:tailEnd type="none" w="sm" len="sm"/>
+                    </a:lnL>
+                    <a:lnR w="12700" cap="flat" cmpd="sng">
+                      <a:solidFill>
+                        <a:schemeClr val="dk1"/>
+                      </a:solidFill>
+                      <a:prstDash val="solid"/>
+                      <a:round/>
+                      <a:headEnd type="none" w="sm" len="sm"/>
+                      <a:tailEnd type="none" w="sm" len="sm"/>
+                    </a:lnR>
+                    <a:lnT w="12700" cap="flat" cmpd="sng">
+                      <a:solidFill>
+                        <a:schemeClr val="dk1"/>
+                      </a:solidFill>
+                      <a:prstDash val="solid"/>
+                      <a:round/>
+                      <a:headEnd type="none" w="sm" len="sm"/>
+                      <a:tailEnd type="none" w="sm" len="sm"/>
+                    </a:lnT>
+                    <a:lnB w="12700" cap="flat" cmpd="sng">
+                      <a:solidFill>
+                        <a:schemeClr val="dk1"/>
+                      </a:solidFill>
+                      <a:prstDash val="solid"/>
+                      <a:round/>
+                      <a:headEnd type="none" w="sm" len="sm"/>
+                      <a:tailEnd type="none" w="sm" len="sm"/>
+                    </a:lnB>
+                    <a:solidFill>
+                      <a:schemeClr val="lt1"/>
+                    </a:solidFill>
+                  </a:tcPr>
+                </a:tc>
+                <a:tc>
+                  <a:txBody>
+                    <a:bodyPr/>
+                    <a:lstStyle/>
+                    <a:p>
+                      <a:pPr marL="0" marR="0" lvl="0" indent="0" algn="l" rtl="0">
+                        <a:lnSpc>
+                          <a:spcPct val="100000"/>
+                        </a:lnSpc>
+                        <a:spcBef>
+                          <a:spcPts val="0"/>
+                        </a:spcBef>
+                        <a:spcAft>
+                          <a:spcPts val="0"/>
+                        </a:spcAft>
+                        <a:buClr>
+                          <a:srgbClr val="000000"/>
+                        </a:buClr>
+                        <a:buSzPts val="1500"/>
+                        <a:buFont typeface="Arial"/>
+                        <a:buNone/>
+                      </a:pPr>
+                      <a:r>
+                        <a:rPr lang="ko-KR" altLang="en-US" sz="1500" b="0" u="none" strike="noStrike" cap="none" dirty="0" smtClean="0">
+                          <a:solidFill>
+                            <a:schemeClr val="dk1"/>
+                          </a:solidFill>
+                        </a:rPr>
+                        <a:t>아이디</a:t>
+                      </a:r>
+                      <a:r>
+                        <a:rPr lang="en-US" altLang="ko-KR" sz="1500" b="0" u="none" strike="noStrike" cap="none" dirty="0" smtClean="0">
+                          <a:solidFill>
+                            <a:schemeClr val="dk1"/>
+                          </a:solidFill>
+                        </a:rPr>
+                        <a:t>,</a:t>
+                      </a:r>
+                      <a:r>
+                        <a:rPr lang="en-US" altLang="ko-KR" sz="1500" b="0" u="none" strike="noStrike" cap="none" baseline="0" dirty="0" smtClean="0">
+                          <a:solidFill>
+                            <a:schemeClr val="dk1"/>
+                          </a:solidFill>
+                        </a:rPr>
+                        <a:t> </a:t>
+                      </a:r>
+                      <a:r>
+                        <a:rPr lang="ko-KR" altLang="en-US" sz="1500" b="0" u="none" strike="noStrike" cap="none" baseline="0" dirty="0" smtClean="0">
+                          <a:solidFill>
+                            <a:schemeClr val="dk1"/>
+                          </a:solidFill>
+                        </a:rPr>
+                        <a:t>비밀번호를 확인하여 로그인 여부를 정함</a:t>
+                      </a:r>
+                      <a:r>
+                        <a:rPr lang="en-US" altLang="ko-KR" sz="1500" b="0" u="none" strike="noStrike" cap="none" baseline="0" dirty="0" smtClean="0">
+                          <a:solidFill>
+                            <a:schemeClr val="dk1"/>
+                          </a:solidFill>
+                        </a:rPr>
+                        <a:t>. </a:t>
+                      </a:r>
+                      <a:r>
+                        <a:rPr lang="ko-KR" altLang="en-US" sz="1500" b="0" u="none" strike="noStrike" cap="none" baseline="0" dirty="0" smtClean="0">
+                          <a:solidFill>
+                            <a:schemeClr val="dk1"/>
+                          </a:solidFill>
+                        </a:rPr>
+                        <a:t>로그인 </a:t>
+                      </a:r>
+                      <a:r>
+                        <a:rPr lang="ko-KR" altLang="en-US" sz="1500" b="0" u="none" strike="noStrike" cap="none" baseline="0" dirty="0" err="1" smtClean="0">
+                          <a:solidFill>
+                            <a:schemeClr val="dk1"/>
+                          </a:solidFill>
+                        </a:rPr>
+                        <a:t>성송하면</a:t>
+                      </a:r>
+                      <a:r>
+                        <a:rPr lang="ko-KR" altLang="en-US" sz="1500" b="0" u="none" strike="noStrike" cap="none" baseline="0" dirty="0" smtClean="0">
+                          <a:solidFill>
+                            <a:schemeClr val="dk1"/>
+                          </a:solidFill>
+                        </a:rPr>
+                        <a:t> </a:t>
+                      </a:r>
+                      <a:r>
+                        <a:rPr lang="ko-KR" altLang="en-US" sz="1500" b="0" u="none" strike="noStrike" cap="none" baseline="0" dirty="0" err="1" smtClean="0">
+                          <a:solidFill>
+                            <a:schemeClr val="dk1"/>
+                          </a:solidFill>
+                        </a:rPr>
+                        <a:t>메인페이지로</a:t>
+                      </a:r>
+                      <a:r>
+                        <a:rPr lang="ko-KR" altLang="en-US" sz="1500" b="0" u="none" strike="noStrike" cap="none" baseline="0" dirty="0" smtClean="0">
+                          <a:solidFill>
+                            <a:schemeClr val="dk1"/>
+                          </a:solidFill>
+                        </a:rPr>
+                        <a:t> 이동</a:t>
+                      </a:r>
+                      <a:r>
+                        <a:rPr lang="ko-KR" altLang="en-US" sz="1500" b="0" u="none" strike="noStrike" cap="none" baseline="0" dirty="0">
+                          <a:solidFill>
+                            <a:schemeClr val="dk1"/>
+                          </a:solidFill>
+                        </a:rPr>
+                        <a:t> </a:t>
+                      </a:r>
+                      <a:r>
+                        <a:rPr lang="ko-KR" altLang="en-US" sz="1500" b="0" u="none" strike="noStrike" cap="none" baseline="0" dirty="0" smtClean="0">
+                          <a:solidFill>
+                            <a:schemeClr val="dk1"/>
+                          </a:solidFill>
+                        </a:rPr>
+                        <a:t>실패하면 실패 </a:t>
+                      </a:r>
+                      <a:r>
+                        <a:rPr lang="ko-KR" altLang="en-US" sz="1500" b="0" u="none" strike="noStrike" cap="none" baseline="0" dirty="0" err="1" smtClean="0">
+                          <a:solidFill>
+                            <a:schemeClr val="dk1"/>
+                          </a:solidFill>
+                        </a:rPr>
+                        <a:t>팝업창이</a:t>
+                      </a:r>
+                      <a:r>
+                        <a:rPr lang="ko-KR" altLang="en-US" sz="1500" b="0" u="none" strike="noStrike" cap="none" baseline="0" dirty="0" smtClean="0">
+                          <a:solidFill>
+                            <a:schemeClr val="dk1"/>
+                          </a:solidFill>
+                        </a:rPr>
+                        <a:t> 뜨게 함</a:t>
+                      </a:r>
+                      <a:r>
+                        <a:rPr lang="en-US" altLang="ko-KR" sz="1500" b="0" u="none" strike="noStrike" cap="none" baseline="0" dirty="0" smtClean="0">
+                          <a:solidFill>
+                            <a:schemeClr val="dk1"/>
+                          </a:solidFill>
+                        </a:rPr>
+                        <a:t>. </a:t>
+                      </a:r>
+                    </a:p>
+                    <a:p>
+                      <a:pPr marL="0" marR="0" lvl="0" indent="0" algn="l" rtl="0">
+                        <a:lnSpc>
+                          <a:spcPct val="100000"/>
+                        </a:lnSpc>
+                        <a:spcBef>
+                          <a:spcPts val="0"/>
+                        </a:spcBef>
+                        <a:spcAft>
+                          <a:spcPts val="0"/>
+                        </a:spcAft>
+                        <a:buClr>
+                          <a:srgbClr val="000000"/>
+                        </a:buClr>
+                        <a:buSzPts val="1500"/>
+                        <a:buFont typeface="Arial"/>
+                        <a:buNone/>
+                      </a:pPr>
+                      <a:r>
+                        <a:rPr lang="ko-KR" altLang="en-US" sz="1500" b="0" u="none" strike="noStrike" cap="none" baseline="0" dirty="0" err="1" smtClean="0">
+                          <a:solidFill>
+                            <a:schemeClr val="dk1"/>
+                          </a:solidFill>
+                        </a:rPr>
+                        <a:t>네이버</a:t>
+                      </a:r>
+                      <a:r>
+                        <a:rPr lang="en-US" altLang="ko-KR" sz="1500" b="0" u="none" strike="noStrike" cap="none" baseline="0" dirty="0" smtClean="0">
+                          <a:solidFill>
+                            <a:schemeClr val="dk1"/>
+                          </a:solidFill>
+                        </a:rPr>
+                        <a:t>, </a:t>
+                      </a:r>
+                      <a:r>
+                        <a:rPr lang="ko-KR" altLang="en-US" sz="1500" b="0" u="none" strike="noStrike" cap="none" baseline="0" dirty="0" smtClean="0">
+                          <a:solidFill>
+                            <a:schemeClr val="dk1"/>
+                          </a:solidFill>
+                        </a:rPr>
+                        <a:t>카카오로 따로</a:t>
+                      </a:r>
+                      <a:endParaRPr lang="en-US" altLang="ko-KR" sz="1500" b="0" u="none" strike="noStrike" cap="none" baseline="0" dirty="0" smtClean="0">
+                        <a:solidFill>
+                          <a:schemeClr val="dk1"/>
+                        </a:solidFill>
+                      </a:endParaRPr>
+                    </a:p>
+                  </a:txBody>
+                  <a:tcPr marL="74304" marR="74304" marT="45725" marB="45725">
+                    <a:lnL w="12700" cap="flat" cmpd="sng">
+                      <a:solidFill>
+                        <a:schemeClr val="dk1"/>
+                      </a:solidFill>
+                      <a:prstDash val="solid"/>
+                      <a:round/>
+                      <a:headEnd type="none" w="sm" len="sm"/>
+                      <a:tailEnd type="none" w="sm" len="sm"/>
+                    </a:lnL>
+                    <a:lnR w="12700" cap="flat" cmpd="sng">
+                      <a:solidFill>
+                        <a:schemeClr val="dk1"/>
+                      </a:solidFill>
+                      <a:prstDash val="solid"/>
+                      <a:round/>
+                      <a:headEnd type="none" w="sm" len="sm"/>
+                      <a:tailEnd type="none" w="sm" len="sm"/>
+                    </a:lnR>
+                    <a:lnT w="12700" cap="flat" cmpd="sng">
+                      <a:solidFill>
+                        <a:schemeClr val="dk1"/>
+                      </a:solidFill>
+                      <a:prstDash val="solid"/>
+                      <a:round/>
+                      <a:headEnd type="none" w="sm" len="sm"/>
+                      <a:tailEnd type="none" w="sm" len="sm"/>
+                    </a:lnT>
+                    <a:lnB w="12700" cap="flat" cmpd="sng">
+                      <a:solidFill>
+                        <a:schemeClr val="dk1"/>
+                      </a:solidFill>
+                      <a:prstDash val="solid"/>
+                      <a:round/>
+                      <a:headEnd type="none" w="sm" len="sm"/>
+                      <a:tailEnd type="none" w="sm" len="sm"/>
+                    </a:lnB>
+                    <a:solidFill>
+                      <a:schemeClr val="lt1"/>
+                    </a:solidFill>
+                  </a:tcPr>
+                </a:tc>
+                <a:extLst>
+                  <a:ext uri="{0D108BD9-81ED-4DB2-BD59-A6C34878D82A}">
+                    <a16:rowId xmlns:a16="http://schemas.microsoft.com/office/drawing/2014/main" xmlns="" val="10001"/>
+                  </a:ext>
+                </a:extLst>
+              </a:tr>
+              <a:tr h="892175">
+                <a:tc>
+                  <a:txBody>
+                    <a:bodyPr/>
+                    <a:lstStyle/>
+                    <a:p>
+                      <a:pPr marL="0" marR="0" lvl="0" indent="0" algn="ctr" rtl="0">
+                        <a:lnSpc>
+                          <a:spcPct val="100000"/>
+                        </a:lnSpc>
+                        <a:spcBef>
+                          <a:spcPts val="0"/>
+                        </a:spcBef>
+                        <a:spcAft>
+                          <a:spcPts val="0"/>
+                        </a:spcAft>
+                        <a:buNone/>
+                      </a:pPr>
+                      <a:endParaRPr sz="1500" dirty="0"/>
+                    </a:p>
+                  </a:txBody>
+                  <a:tcPr marL="74304" marR="74304" marT="45725" marB="45725" anchor="ctr">
+                    <a:lnL w="12700" cap="flat" cmpd="sng">
+                      <a:solidFill>
+                        <a:schemeClr val="dk1"/>
+                      </a:solidFill>
+                      <a:prstDash val="solid"/>
+                      <a:round/>
+                      <a:headEnd type="none" w="sm" len="sm"/>
+                      <a:tailEnd type="none" w="sm" len="sm"/>
+                    </a:lnL>
+                    <a:lnR w="12700" cap="flat" cmpd="sng" algn="ctr">
+                      <a:solidFill>
+                        <a:schemeClr val="dk1"/>
+                      </a:solidFill>
+                      <a:prstDash val="solid"/>
+                      <a:round/>
+                      <a:headEnd type="none" w="sm" len="sm"/>
+                      <a:tailEnd type="none" w="sm" len="sm"/>
+                    </a:lnR>
+                    <a:lnT w="12700" cap="flat" cmpd="sng" algn="ctr">
+                      <a:solidFill>
+                        <a:schemeClr val="dk1"/>
+                      </a:solidFill>
+                      <a:prstDash val="solid"/>
+                      <a:round/>
+                      <a:headEnd type="none" w="sm" len="sm"/>
+                      <a:tailEnd type="none" w="sm" len="sm"/>
+                    </a:lnT>
+                    <a:lnB w="12700" cap="flat" cmpd="sng">
+                      <a:solidFill>
+                        <a:schemeClr val="dk1"/>
+                      </a:solidFill>
+                      <a:prstDash val="solid"/>
+                      <a:round/>
+                      <a:headEnd type="none" w="sm" len="sm"/>
+                      <a:tailEnd type="none" w="sm" len="sm"/>
+                    </a:lnB>
+                    <a:solidFill>
+                      <a:schemeClr val="lt1"/>
+                    </a:solidFill>
+                  </a:tcPr>
+                </a:tc>
+                <a:tc>
+                  <a:txBody>
+                    <a:bodyPr/>
+                    <a:lstStyle/>
+                    <a:p>
+                      <a:pPr marL="0" marR="0" lvl="0" indent="0" algn="l" rtl="0">
+                        <a:lnSpc>
+                          <a:spcPct val="100000"/>
+                        </a:lnSpc>
+                        <a:spcBef>
+                          <a:spcPts val="0"/>
+                        </a:spcBef>
+                        <a:spcAft>
+                          <a:spcPts val="0"/>
+                        </a:spcAft>
+                        <a:buNone/>
+                      </a:pPr>
+                      <a:endParaRPr sz="1500" dirty="0"/>
+                    </a:p>
+                  </a:txBody>
+                  <a:tcPr marL="74304" marR="74304" marT="45725" marB="45725">
+                    <a:lnL w="12700" cap="flat" cmpd="sng" algn="ctr">
+                      <a:solidFill>
+                        <a:schemeClr val="dk1"/>
+                      </a:solidFill>
+                      <a:prstDash val="solid"/>
+                      <a:round/>
+                      <a:headEnd type="none" w="sm" len="sm"/>
+                      <a:tailEnd type="none" w="sm" len="sm"/>
+                    </a:lnL>
+                    <a:lnR w="12700" cap="flat" cmpd="sng">
+                      <a:solidFill>
+                        <a:schemeClr val="dk1"/>
+                      </a:solidFill>
+                      <a:prstDash val="solid"/>
+                      <a:round/>
+                      <a:headEnd type="none" w="sm" len="sm"/>
+                      <a:tailEnd type="none" w="sm" len="sm"/>
+                    </a:lnR>
+                    <a:lnT w="12700" cap="flat" cmpd="sng" algn="ctr">
+                      <a:solidFill>
+                        <a:schemeClr val="dk1"/>
+                      </a:solidFill>
+                      <a:prstDash val="solid"/>
+                      <a:round/>
+                      <a:headEnd type="none" w="sm" len="sm"/>
+                      <a:tailEnd type="none" w="sm" len="sm"/>
+                    </a:lnT>
+                    <a:lnB w="12700" cap="flat" cmpd="sng">
+                      <a:solidFill>
+                        <a:schemeClr val="dk1"/>
+                      </a:solidFill>
+                      <a:prstDash val="solid"/>
+                      <a:round/>
+                      <a:headEnd type="none" w="sm" len="sm"/>
+                      <a:tailEnd type="none" w="sm" len="sm"/>
+                    </a:lnB>
+                    <a:solidFill>
+                      <a:schemeClr val="lt1"/>
+                    </a:solidFill>
+                  </a:tcPr>
+                </a:tc>
+                <a:extLst>
+                  <a:ext uri="{0D108BD9-81ED-4DB2-BD59-A6C34878D82A}">
+                    <a16:rowId xmlns:a16="http://schemas.microsoft.com/office/drawing/2014/main" xmlns="" val="10002"/>
+                  </a:ext>
+                </a:extLst>
+              </a:tr>
+            </a:tbl>
+          </a:graphicData>
+        </a:graphic>
+      </p:graphicFrame>
+      <p:sp>
+        <p:nvSpPr>
+          <p:cNvPr id="20" name="Google Shape;173;g7c553259d1_0_81"/>
+          <p:cNvSpPr/>
+          <p:nvPr/>
+        </p:nvSpPr>
+        <p:spPr>
+          <a:xfrm>
+            <a:off x="1715483" y="1668121"/>
+            <a:ext cx="245944" cy="324600"/>
+          </a:xfrm>
+          <a:prstGeom prst="rect">
+            <a:avLst/>
+          </a:prstGeom>
+          <a:solidFill>
+            <a:srgbClr val="FF0000"/>
+          </a:solidFill>
+          <a:ln>
+            <a:noFill/>
+          </a:ln>
+        </p:spPr>
+        <p:txBody>
+          <a:bodyPr spcFirstLastPara="1" wrap="square" lIns="91425" tIns="45700" rIns="91425" bIns="45700" anchor="ctr" anchorCtr="0">
+            <a:noAutofit/>
+          </a:bodyPr>
+          <a:lstStyle/>
+          <a:p>
+            <a:pPr algn="ctr">
+              <a:buClr>
+                <a:srgbClr val="000000"/>
+              </a:buClr>
+              <a:buSzPts val="1800"/>
+            </a:pPr>
+            <a:r>
+              <a:rPr lang="en-US" altLang="ko-KR" b="1" dirty="0">
+                <a:solidFill>
+                  <a:schemeClr val="dk1"/>
+                </a:solidFill>
+                <a:latin typeface="Malgun Gothic"/>
+                <a:ea typeface="Malgun Gothic"/>
+                <a:cs typeface="Malgun Gothic"/>
+                <a:sym typeface="Malgun Gothic"/>
+              </a:rPr>
+              <a:t>1</a:t>
+            </a:r>
+            <a:endParaRPr b="1" dirty="0">
+              <a:solidFill>
+                <a:schemeClr val="dk1"/>
+              </a:solidFill>
+              <a:latin typeface="Malgun Gothic"/>
+              <a:ea typeface="Malgun Gothic"/>
+              <a:cs typeface="Malgun Gothic"/>
+              <a:sym typeface="Malgun Gothic"/>
+            </a:endParaRPr>
+          </a:p>
+        </p:txBody>
+      </p:sp>
+      <p:pic>
+        <p:nvPicPr>
+          <p:cNvPr id="21" name="그림 20"/>
+          <p:cNvPicPr>
+            <a:picLocks noChangeAspect="1"/>
+          </p:cNvPicPr>
+          <p:nvPr/>
+        </p:nvPicPr>
+        <p:blipFill>
+          <a:blip r:embed="rId2"/>
+          <a:stretch>
+            <a:fillRect/>
+          </a:stretch>
+        </p:blipFill>
+        <p:spPr>
+          <a:xfrm>
+            <a:off x="3351405" y="1586205"/>
+            <a:ext cx="2577996" cy="4562766"/>
+          </a:xfrm>
+          <a:prstGeom prst="rect">
+            <a:avLst/>
+          </a:prstGeom>
+        </p:spPr>
+      </p:pic>
+      <p:graphicFrame>
+        <p:nvGraphicFramePr>
+          <p:cNvPr id="22" name="표 21"/>
+          <p:cNvGraphicFramePr>
+            <a:graphicFrameLocks noGrp="1"/>
+          </p:cNvGraphicFramePr>
+          <p:nvPr>
+            <p:extLst/>
+          </p:nvPr>
+        </p:nvGraphicFramePr>
+        <p:xfrm>
+          <a:off x="8215372" y="2621820"/>
+          <a:ext cx="1944216" cy="640100"/>
+        </p:xfrm>
+        <a:graphic>
+          <a:graphicData uri="http://schemas.openxmlformats.org/drawingml/2006/table">
+            <a:tbl>
+              <a:tblPr firstRow="1" bandRow="1">
+                <a:noFill/>
+              </a:tblPr>
+              <a:tblGrid>
+                <a:gridCol w="1944216"/>
+              </a:tblGrid>
+              <a:tr h="168164">
+                <a:tc>
+                  <a:txBody>
+                    <a:bodyPr/>
+                    <a:lstStyle/>
+                    <a:p>
+                      <a:pPr marL="0" marR="0" lvl="0" indent="0" algn="ctr" rtl="0">
+                        <a:lnSpc>
+                          <a:spcPct val="100000"/>
+                        </a:lnSpc>
+                        <a:spcBef>
+                          <a:spcPts val="0"/>
+                        </a:spcBef>
+                        <a:spcAft>
+                          <a:spcPts val="0"/>
+                        </a:spcAft>
+                        <a:buClr>
+                          <a:srgbClr val="000000"/>
+                        </a:buClr>
+                        <a:buSzPts val="1500"/>
+                        <a:buFont typeface="Arial"/>
+                        <a:buNone/>
+                      </a:pPr>
+                      <a:r>
+                        <a:rPr lang="ko-KR" altLang="en-US" sz="1500" b="0" u="none" strike="noStrike" cap="none" dirty="0" smtClean="0">
+                          <a:solidFill>
+                            <a:schemeClr val="dk1"/>
+                          </a:solidFill>
+                        </a:rPr>
+                        <a:t>화면코드</a:t>
+                      </a:r>
+                      <a:endParaRPr sz="1500" b="0" u="none" strike="noStrike" cap="none" dirty="0">
+                        <a:solidFill>
+                          <a:schemeClr val="dk1"/>
+                        </a:solidFill>
+                      </a:endParaRPr>
+                    </a:p>
+                  </a:txBody>
+                  <a:tcPr marL="74304" marR="74304" marT="45725" marB="45725" anchor="ctr">
+                    <a:lnL w="12700" cap="flat" cmpd="sng">
+                      <a:solidFill>
+                        <a:schemeClr val="dk1"/>
+                      </a:solidFill>
+                      <a:prstDash val="solid"/>
+                      <a:round/>
+                      <a:headEnd type="none" w="sm" len="sm"/>
+                      <a:tailEnd type="none" w="sm" len="sm"/>
+                    </a:lnL>
+                    <a:lnR w="12700" cap="flat" cmpd="sng">
+                      <a:solidFill>
+                        <a:schemeClr val="dk1"/>
+                      </a:solidFill>
+                      <a:prstDash val="solid"/>
+                      <a:round/>
+                      <a:headEnd type="none" w="sm" len="sm"/>
+                      <a:tailEnd type="none" w="sm" len="sm"/>
+                    </a:lnR>
+                    <a:lnT w="12700" cap="flat" cmpd="sng">
+                      <a:solidFill>
+                        <a:schemeClr val="dk1"/>
+                      </a:solidFill>
+                      <a:prstDash val="solid"/>
+                      <a:round/>
+                      <a:headEnd type="none" w="sm" len="sm"/>
+                      <a:tailEnd type="none" w="sm" len="sm"/>
+                    </a:lnT>
+                    <a:lnB w="12700" cap="flat" cmpd="sng" algn="ctr">
+                      <a:solidFill>
+                        <a:schemeClr val="dk1"/>
+                      </a:solidFill>
+                      <a:prstDash val="solid"/>
+                      <a:round/>
+                      <a:headEnd type="none" w="sm" len="sm"/>
+                      <a:tailEnd type="none" w="sm" len="sm"/>
+                    </a:lnB>
+                    <a:solidFill>
+                      <a:srgbClr val="D8D8D8"/>
+                    </a:solidFill>
+                  </a:tcPr>
+                </a:tc>
+              </a:tr>
+              <a:tr h="168164">
+                <a:tc>
+                  <a:txBody>
+                    <a:bodyPr/>
+                    <a:lstStyle/>
+                    <a:p>
+                      <a:pPr marL="0" marR="0" lvl="0" indent="0" algn="ctr" defTabSz="914400" rtl="0" eaLnBrk="1" fontAlgn="auto" latinLnBrk="1" hangingPunct="1">
+                        <a:lnSpc>
+                          <a:spcPct val="100000"/>
+                        </a:lnSpc>
+                        <a:spcBef>
+                          <a:spcPts val="0"/>
+                        </a:spcBef>
+                        <a:spcAft>
+                          <a:spcPts val="0"/>
+                        </a:spcAft>
+                        <a:buClr>
+                          <a:srgbClr val="000000"/>
+                        </a:buClr>
+                        <a:buSzPts val="1500"/>
+                        <a:buFont typeface="Arial"/>
+                        <a:buNone/>
+                        <a:tabLst/>
+                        <a:defRPr/>
+                      </a:pPr>
+                      <a:r>
+                        <a:rPr lang="en-US" altLang="ko-KR" sz="1500" b="0" u="none" strike="noStrike" cap="none" smtClean="0">
+                          <a:solidFill>
+                            <a:schemeClr val="dk1"/>
+                          </a:solidFill>
+                        </a:rPr>
+                        <a:t>kb_user_m_login</a:t>
+                      </a:r>
+                      <a:endParaRPr lang="en-US" altLang="ko-KR" sz="1500" b="0" u="none" strike="noStrike" cap="none" dirty="0" smtClean="0">
+                        <a:solidFill>
+                          <a:schemeClr val="dk1"/>
+                        </a:solidFill>
+                      </a:endParaRPr>
+                    </a:p>
+                  </a:txBody>
+                  <a:tcPr marL="74304" marR="74304" marT="45725" marB="45725" anchor="ctr">
+                    <a:lnL w="12700" cap="flat" cmpd="sng" algn="ctr">
+                      <a:solidFill>
+                        <a:schemeClr val="dk1"/>
+                      </a:solidFill>
+                      <a:prstDash val="solid"/>
+                      <a:round/>
+                      <a:headEnd type="none" w="sm" len="sm"/>
+                      <a:tailEnd type="none" w="sm" len="sm"/>
+                    </a:lnL>
+                    <a:lnR w="12700" cap="flat" cmpd="sng" algn="ctr">
+                      <a:solidFill>
+                        <a:schemeClr val="dk1"/>
+                      </a:solidFill>
+                      <a:prstDash val="solid"/>
+                      <a:round/>
+                      <a:headEnd type="none" w="sm" len="sm"/>
+                      <a:tailEnd type="none" w="sm" len="sm"/>
+                    </a:lnR>
+                    <a:lnT w="12700" cap="flat" cmpd="sng" algn="ctr">
+                      <a:solidFill>
+                        <a:schemeClr val="dk1"/>
+                      </a:solidFill>
+                      <a:prstDash val="solid"/>
+                      <a:round/>
+                      <a:headEnd type="none" w="sm" len="sm"/>
+                      <a:tailEnd type="none" w="sm" len="sm"/>
+                    </a:lnT>
+                    <a:lnB w="12700" cap="flat" cmpd="sng">
+                      <a:solidFill>
+                        <a:schemeClr val="dk1"/>
+                      </a:solidFill>
+                      <a:prstDash val="solid"/>
+                      <a:round/>
+                      <a:headEnd type="none" w="sm" len="sm"/>
+                      <a:tailEnd type="none" w="sm" len="sm"/>
+                    </a:lnB>
+                    <a:solidFill>
+                      <a:schemeClr val="bg1"/>
+                    </a:solidFill>
+                  </a:tcPr>
+                </a:tc>
+              </a:tr>
+            </a:tbl>
+          </a:graphicData>
+        </a:graphic>
+      </p:graphicFrame>
+    </p:spTree>
+    <p:extLst>
+      <p:ext uri="{BB962C8B-B14F-4D97-AF65-F5344CB8AC3E}">
+        <p14:creationId xmlns:p14="http://schemas.microsoft.com/office/powerpoint/2010/main" val="2651399353"/>
+      </p:ext>
+    </p:extLst>
+  </p:cSld>
+  <p:clrMapOvr>
+    <a:masterClrMapping/>
+  </p:clrMapOvr>
+  <p:timing>
+    <p:tnLst>
+      <p:par>
+        <p:cTn id="1" dur="indefinite" restart="never" nodeType="tmRoot"/>
+      </p:par>
+    </p:tnLst>
+  </p:timing>
+</p:sld>
+</file>
+
+<file path=ppt/slides/slide23.xml><?xml version="1.0" encoding="utf-8"?>
+<p:sld xmlns:a="http://schemas.openxmlformats.org/drawingml/2006/main" xmlns:r="http://schemas.openxmlformats.org/officeDocument/2006/relationships" xmlns:p="http://schemas.openxmlformats.org/presentationml/2006/main">
+  <p:cSld>
+    <p:spTree>
+      <p:nvGrpSpPr>
+        <p:cNvPr id="1" name=""/>
+        <p:cNvGrpSpPr/>
+        <p:nvPr/>
+      </p:nvGrpSpPr>
+      <p:grpSpPr>
+        <a:xfrm>
+          <a:off x="0" y="0"/>
+          <a:ext cx="0" cy="0"/>
+          <a:chOff x="0" y="0"/>
+          <a:chExt cx="0" cy="0"/>
+        </a:xfrm>
+      </p:grpSpPr>
+      <p:sp>
+        <p:nvSpPr>
+          <p:cNvPr id="2" name="제목 1"/>
+          <p:cNvSpPr>
+            <a:spLocks noGrp="1"/>
+          </p:cNvSpPr>
+          <p:nvPr>
+            <p:ph type="title"/>
+          </p:nvPr>
+        </p:nvSpPr>
+        <p:spPr/>
+        <p:txBody>
+          <a:bodyPr/>
+          <a:lstStyle/>
+          <a:p>
+            <a:r>
+              <a:rPr lang="en-US" altLang="ko-KR" sz="2800" b="0"/>
+              <a:t>[</a:t>
+            </a:r>
+            <a:r>
+              <a:rPr lang="ko-KR" altLang="en-US" sz="2800" b="0" smtClean="0"/>
+              <a:t>화면구현</a:t>
+            </a:r>
+            <a:r>
+              <a:rPr lang="en-US" altLang="ko-KR" sz="2800" b="0" smtClean="0"/>
+              <a:t>] </a:t>
+            </a:r>
+            <a:r>
+              <a:rPr lang="ko-KR" altLang="en-US" sz="2800" b="0"/>
+              <a:t>사용자 </a:t>
+            </a:r>
+            <a:r>
+              <a:rPr lang="en-US" altLang="ko-KR" sz="2800" b="0"/>
+              <a:t>– </a:t>
+            </a:r>
+            <a:r>
+              <a:rPr lang="ko-KR" altLang="en-US" sz="2800" b="0"/>
+              <a:t>모바일 </a:t>
+            </a:r>
+            <a:r>
+              <a:rPr lang="en-US" altLang="ko-KR" sz="2800" b="0"/>
+              <a:t>- </a:t>
+            </a:r>
+            <a:r>
+              <a:rPr lang="ko-KR" altLang="en-US" sz="2800" b="0"/>
+              <a:t>로그인 페이지</a:t>
+            </a:r>
+            <a:r>
+              <a:rPr lang="ko-KR" altLang="en-US" sz="1600" b="0"/>
+              <a:t> </a:t>
+            </a:r>
+            <a:endParaRPr lang="ko-KR" altLang="en-US"/>
+          </a:p>
+        </p:txBody>
+      </p:sp>
+      <p:pic>
+        <p:nvPicPr>
+          <p:cNvPr id="4" name="그림 3"/>
+          <p:cNvPicPr>
+            <a:picLocks noChangeAspect="1"/>
+          </p:cNvPicPr>
+          <p:nvPr/>
+        </p:nvPicPr>
+        <p:blipFill>
+          <a:blip r:embed="rId2"/>
+          <a:stretch>
+            <a:fillRect/>
+          </a:stretch>
+        </p:blipFill>
+        <p:spPr>
+          <a:xfrm>
+            <a:off x="1793281" y="1632857"/>
+            <a:ext cx="2379108" cy="4730621"/>
+          </a:xfrm>
+          <a:prstGeom prst="rect">
+            <a:avLst/>
+          </a:prstGeom>
+        </p:spPr>
+      </p:pic>
+      <p:pic>
+        <p:nvPicPr>
+          <p:cNvPr id="5" name="그림 4"/>
+          <p:cNvPicPr>
+            <a:picLocks noChangeAspect="1"/>
+          </p:cNvPicPr>
+          <p:nvPr/>
+        </p:nvPicPr>
+        <p:blipFill>
+          <a:blip r:embed="rId3"/>
+          <a:stretch>
+            <a:fillRect/>
+          </a:stretch>
+        </p:blipFill>
+        <p:spPr>
+          <a:xfrm>
+            <a:off x="4404874" y="1987420"/>
+            <a:ext cx="3352849" cy="2796073"/>
+          </a:xfrm>
+          <a:prstGeom prst="rect">
+            <a:avLst/>
+          </a:prstGeom>
+          <a:ln>
+            <a:solidFill>
+              <a:schemeClr val="tx1"/>
+            </a:solidFill>
+          </a:ln>
+        </p:spPr>
+      </p:pic>
+      <p:pic>
+        <p:nvPicPr>
+          <p:cNvPr id="6" name="그림 5"/>
+          <p:cNvPicPr>
+            <a:picLocks noChangeAspect="1"/>
+          </p:cNvPicPr>
+          <p:nvPr/>
+        </p:nvPicPr>
+        <p:blipFill>
+          <a:blip r:embed="rId4"/>
+          <a:stretch>
+            <a:fillRect/>
+          </a:stretch>
+        </p:blipFill>
+        <p:spPr>
+          <a:xfrm>
+            <a:off x="7757723" y="1782148"/>
+            <a:ext cx="3644126" cy="3469335"/>
+          </a:xfrm>
+          <a:prstGeom prst="rect">
+            <a:avLst/>
+          </a:prstGeom>
+          <a:ln>
+            <a:solidFill>
+              <a:schemeClr val="tx1"/>
+            </a:solidFill>
+          </a:ln>
+        </p:spPr>
+      </p:pic>
+    </p:spTree>
+    <p:extLst>
+      <p:ext uri="{BB962C8B-B14F-4D97-AF65-F5344CB8AC3E}">
+        <p14:creationId xmlns:p14="http://schemas.microsoft.com/office/powerpoint/2010/main" val="2222092457"/>
+      </p:ext>
+    </p:extLst>
+  </p:cSld>
+  <p:clrMapOvr>
+    <a:masterClrMapping/>
+  </p:clrMapOvr>
 </p:sld>
 </file>
 
@@ -6489,10 +12624,22 @@
             </a:r>
             <a:r>
               <a:rPr lang="ko-KR" altLang="en-US" sz="2800" b="0"/>
-              <a:t>로그인 페이지</a:t>
-            </a:r>
-            <a:r>
-              <a:rPr lang="ko-KR" altLang="en-US" sz="1600" b="0"/>
+              <a:t>로그인 </a:t>
+            </a:r>
+            <a:r>
+              <a:rPr lang="ko-KR" altLang="en-US" sz="2800" b="0" smtClean="0"/>
+              <a:t>페이지 </a:t>
+            </a:r>
+            <a:r>
+              <a:rPr lang="en-US" altLang="ko-KR" sz="2800" b="0" smtClean="0"/>
+              <a:t>– </a:t>
+            </a:r>
+            <a:r>
+              <a:rPr lang="ko-KR" altLang="en-US" sz="2800" b="0" smtClean="0"/>
+              <a:t>로그인 실패</a:t>
+            </a:r>
+            <a:r>
+              <a:rPr lang="ko-KR" altLang="en-US" sz="1600" b="0" smtClean="0"/>
               <a:t> </a:t>
             </a:r>
             <a:endParaRPr lang="ko-KR" altLang="en-US"/>
@@ -6639,7 +12786,7 @@
             </a:r>
             <a:r>
               <a:rPr lang="ko-KR" altLang="en-US" sz="2800" b="0" smtClean="0"/>
-              <a:t>비밀번호 변경</a:t>
+              <a:t>아이디 찾기</a:t>
             </a:r>
             <a:r>
               <a:rPr lang="ko-KR" altLang="en-US" sz="1600" b="0" smtClean="0"/>
@@ -6710,7 +12857,7 @@
         </p:nvGraphicFramePr>
         <p:xfrm>
           <a:off x="8501614" y="3571468"/>
-          <a:ext cx="2869750" cy="2254175"/>
+          <a:ext cx="2869750" cy="2220724"/>
         </p:xfrm>
         <a:graphic>
           <a:graphicData uri="http://schemas.openxmlformats.org/drawingml/2006/table">
@@ -6991,15 +13138,7 @@
                             <a:schemeClr val="dk1"/>
                           </a:solidFill>
                         </a:rPr>
-                        <a:t>변경할 비밀번호와 비밀번호 확인 일치를 확인하여 비밀번호 처리 프로세스로 이동한다</a:t>
-                      </a:r>
-                      <a:r>
-                        <a:rPr lang="en-US" altLang="ko-KR" sz="1500" b="0" u="none" strike="noStrike" cap="none" baseline="0" smtClean="0">
-                          <a:solidFill>
-                            <a:schemeClr val="dk1"/>
-                          </a:solidFill>
-                        </a:rPr>
-                        <a:t>.</a:t>
+                        <a:t>이름과 이메일을 기준으로 해당 아이디를 찾는다</a:t>
                       </a:r>
                       <a:endParaRPr lang="en-US" altLang="ko-KR" sz="1500" b="0" u="none" strike="noStrike" cap="none" baseline="0" dirty="0" smtClean="0">
                         <a:solidFill>
@@ -7326,7 +13465,7 @@
                             <a:schemeClr val="dk1"/>
                           </a:solidFill>
                         </a:rPr>
-                        <a:t>kb_user_w_findPass</a:t>
+                        <a:t>kb_user_w_findId</a:t>
                       </a:r>
                       <a:endParaRPr lang="en-US" altLang="ko-KR" sz="1500" b="0" u="none" strike="noStrike" cap="none" dirty="0" smtClean="0">
                         <a:solidFill>
@@ -7398,8 +13537,8 @@
         </p:blipFill>
         <p:spPr>
           <a:xfrm>
-            <a:off x="796249" y="1739072"/>
-            <a:ext cx="6048375" cy="4591050"/>
+            <a:off x="987519" y="1888559"/>
+            <a:ext cx="6096000" cy="4533900"/>
           </a:xfrm>
           <a:prstGeom prst="rect">
             <a:avLst/>
@@ -7409,7 +13548,7 @@
     </p:spTree>
     <p:extLst>
       <p:ext uri="{BB962C8B-B14F-4D97-AF65-F5344CB8AC3E}">
-        <p14:creationId xmlns:p14="http://schemas.microsoft.com/office/powerpoint/2010/main" val="494261914"/>
+        <p14:creationId xmlns:p14="http://schemas.microsoft.com/office/powerpoint/2010/main" val="3873599044"/>
       </p:ext>
     </p:extLst>
   </p:cSld>
@@ -7459,39 +13598,39 @@
           <a:lstStyle/>
           <a:p>
             <a:r>
-              <a:rPr lang="en-US" altLang="ko-KR" sz="2800" b="0"/>
+              <a:rPr lang="en-US" altLang="ko-KR" sz="2400" b="0"/>
               <a:t>[</a:t>
             </a:r>
             <a:r>
-              <a:rPr lang="ko-KR" altLang="en-US" sz="2800" b="0" smtClean="0"/>
+              <a:rPr lang="ko-KR" altLang="en-US" sz="2400" b="0" smtClean="0"/>
               <a:t>화면구현</a:t>
             </a:r>
             <a:r>
-              <a:rPr lang="en-US" altLang="ko-KR" sz="2800" b="0" smtClean="0"/>
+              <a:rPr lang="en-US" altLang="ko-KR" sz="2400" b="0" smtClean="0"/>
               <a:t>] </a:t>
             </a:r>
             <a:r>
-              <a:rPr lang="ko-KR" altLang="en-US" sz="2800" b="0"/>
+              <a:rPr lang="ko-KR" altLang="en-US" sz="2400" b="0"/>
               <a:t>사용자 </a:t>
             </a:r>
             <a:r>
-              <a:rPr lang="en-US" altLang="ko-KR" sz="2800" b="0"/>
+              <a:rPr lang="en-US" altLang="ko-KR" sz="2400" b="0"/>
               <a:t>– </a:t>
             </a:r>
             <a:r>
-              <a:rPr lang="ko-KR" altLang="en-US" sz="2800" b="0"/>
+              <a:rPr lang="ko-KR" altLang="en-US" sz="2400" b="0"/>
               <a:t>웹 </a:t>
             </a:r>
             <a:r>
-              <a:rPr lang="en-US" altLang="ko-KR" sz="2800" b="0" smtClean="0"/>
+              <a:rPr lang="en-US" altLang="ko-KR" sz="2400" b="0"/>
               <a:t>– </a:t>
             </a:r>
             <a:r>
-              <a:rPr lang="ko-KR" altLang="en-US" sz="2800" b="0" smtClean="0"/>
-              <a:t>비밀번호 변경</a:t>
-            </a:r>
-            <a:r>
-              <a:rPr lang="ko-KR" altLang="en-US" sz="1600" b="0" smtClean="0"/>
+              <a:rPr lang="ko-KR" altLang="en-US" sz="2400" b="0"/>
+              <a:t>아이디 찾기</a:t>
+            </a:r>
+            <a:r>
+              <a:rPr lang="ko-KR" altLang="en-US" sz="1400" b="0"/>
               <a:t> </a:t>
             </a:r>
             <a:endParaRPr lang="ko-KR" altLang="en-US"/>
@@ -7514,8 +13653,8 @@
         </p:blipFill>
         <p:spPr>
           <a:xfrm>
-            <a:off x="249206" y="1414658"/>
-            <a:ext cx="6972300" cy="2280266"/>
+            <a:off x="438411" y="1448615"/>
+            <a:ext cx="6592742" cy="5117501"/>
           </a:xfrm>
           <a:prstGeom prst="rect">
             <a:avLst/>
@@ -7543,66 +13682,8 @@
         </p:blipFill>
         <p:spPr>
           <a:xfrm>
-            <a:off x="249206" y="3854885"/>
-            <a:ext cx="6581775" cy="2424617"/>
-          </a:xfrm>
-          <a:prstGeom prst="rect">
-            <a:avLst/>
-          </a:prstGeom>
-          <a:ln w="25400">
-            <a:solidFill>
-              <a:schemeClr val="tx1"/>
-            </a:solidFill>
-          </a:ln>
-        </p:spPr>
-      </p:pic>
-      <p:pic>
-        <p:nvPicPr>
-          <p:cNvPr id="6" name="그림 5"/>
-          <p:cNvPicPr>
-            <a:picLocks noChangeAspect="1"/>
-          </p:cNvPicPr>
-          <p:nvPr/>
-        </p:nvPicPr>
-        <p:blipFill>
-          <a:blip r:embed="rId4"/>
-          <a:stretch>
-            <a:fillRect/>
-          </a:stretch>
-        </p:blipFill>
-        <p:spPr>
-          <a:xfrm>
-            <a:off x="7436498" y="4513101"/>
-            <a:ext cx="3805626" cy="1657350"/>
-          </a:xfrm>
-          <a:prstGeom prst="rect">
-            <a:avLst/>
-          </a:prstGeom>
-          <a:ln>
-            <a:solidFill>
-              <a:schemeClr val="tx1"/>
-            </a:solidFill>
-          </a:ln>
-        </p:spPr>
-      </p:pic>
-      <p:pic>
-        <p:nvPicPr>
-          <p:cNvPr id="9" name="그림 8"/>
-          <p:cNvPicPr>
-            <a:picLocks noChangeAspect="1"/>
-          </p:cNvPicPr>
-          <p:nvPr/>
-        </p:nvPicPr>
-        <p:blipFill>
-          <a:blip r:embed="rId5"/>
-          <a:stretch>
-            <a:fillRect/>
-          </a:stretch>
-        </p:blipFill>
-        <p:spPr>
-          <a:xfrm>
-            <a:off x="7571889" y="1614197"/>
-            <a:ext cx="3534844" cy="2577970"/>
+            <a:off x="7408505" y="3140721"/>
+            <a:ext cx="4703171" cy="1200150"/>
           </a:xfrm>
           <a:prstGeom prst="rect">
             <a:avLst/>
@@ -7617,7 +13698,1068 @@
     </p:spTree>
     <p:extLst>
       <p:ext uri="{BB962C8B-B14F-4D97-AF65-F5344CB8AC3E}">
-        <p14:creationId xmlns:p14="http://schemas.microsoft.com/office/powerpoint/2010/main" val="3764539630"/>
+        <p14:creationId xmlns:p14="http://schemas.microsoft.com/office/powerpoint/2010/main" val="1240868085"/>
+      </p:ext>
+    </p:extLst>
+  </p:cSld>
+  <p:clrMapOvr>
+    <a:masterClrMapping/>
+  </p:clrMapOvr>
+  <p:timing>
+    <p:tnLst>
+      <p:par>
+        <p:cTn id="1" dur="indefinite" restart="never" nodeType="tmRoot"/>
+      </p:par>
+    </p:tnLst>
+  </p:timing>
+</p:sld>
+</file>
+
+<file path=ppt/slides/slide8.xml><?xml version="1.0" encoding="utf-8"?>
+<p:sld xmlns:a="http://schemas.openxmlformats.org/drawingml/2006/main" xmlns:r="http://schemas.openxmlformats.org/officeDocument/2006/relationships" xmlns:p="http://schemas.openxmlformats.org/presentationml/2006/main">
+  <p:cSld>
+    <p:spTree>
+      <p:nvGrpSpPr>
+        <p:cNvPr id="1" name=""/>
+        <p:cNvGrpSpPr/>
+        <p:nvPr/>
+      </p:nvGrpSpPr>
+      <p:grpSpPr>
+        <a:xfrm>
+          <a:off x="0" y="0"/>
+          <a:ext cx="0" cy="0"/>
+          <a:chOff x="0" y="0"/>
+          <a:chExt cx="0" cy="0"/>
+        </a:xfrm>
+      </p:grpSpPr>
+      <p:sp>
+        <p:nvSpPr>
+          <p:cNvPr id="2" name="제목 1"/>
+          <p:cNvSpPr>
+            <a:spLocks noGrp="1"/>
+          </p:cNvSpPr>
+          <p:nvPr>
+            <p:ph type="title"/>
+          </p:nvPr>
+        </p:nvSpPr>
+        <p:spPr/>
+        <p:txBody>
+          <a:bodyPr/>
+          <a:lstStyle/>
+          <a:p>
+            <a:r>
+              <a:rPr lang="en-US" altLang="ko-KR" sz="2800" b="0"/>
+              <a:t>[</a:t>
+            </a:r>
+            <a:r>
+              <a:rPr lang="ko-KR" altLang="en-US" sz="2800" b="0"/>
+              <a:t>화면구현</a:t>
+            </a:r>
+            <a:r>
+              <a:rPr lang="en-US" altLang="ko-KR" sz="2800" b="0"/>
+              <a:t>] </a:t>
+            </a:r>
+            <a:r>
+              <a:rPr lang="ko-KR" altLang="en-US" sz="2800" b="0"/>
+              <a:t>사용자 </a:t>
+            </a:r>
+            <a:r>
+              <a:rPr lang="en-US" altLang="ko-KR" sz="2800" b="0"/>
+              <a:t>– </a:t>
+            </a:r>
+            <a:r>
+              <a:rPr lang="ko-KR" altLang="en-US" sz="2800" b="0"/>
+              <a:t>웹 </a:t>
+            </a:r>
+            <a:r>
+              <a:rPr lang="en-US" altLang="ko-KR" sz="2800" b="0"/>
+              <a:t>– </a:t>
+            </a:r>
+            <a:r>
+              <a:rPr lang="ko-KR" altLang="en-US" sz="2800" b="0"/>
+              <a:t>아이디 </a:t>
+            </a:r>
+            <a:r>
+              <a:rPr lang="ko-KR" altLang="en-US" sz="2800" b="0" smtClean="0"/>
+              <a:t>찾기 </a:t>
+            </a:r>
+            <a:r>
+              <a:rPr lang="en-US" altLang="ko-KR" sz="2800" b="0" smtClean="0"/>
+              <a:t>- </a:t>
+            </a:r>
+            <a:r>
+              <a:rPr lang="ko-KR" altLang="en-US" sz="2800" b="0" smtClean="0"/>
+              <a:t>결과</a:t>
+            </a:r>
+            <a:r>
+              <a:rPr lang="ko-KR" altLang="en-US" sz="1600" b="0" smtClean="0"/>
+              <a:t> </a:t>
+            </a:r>
+            <a:endParaRPr lang="ko-KR" altLang="en-US"/>
+          </a:p>
+        </p:txBody>
+      </p:sp>
+      <p:pic>
+        <p:nvPicPr>
+          <p:cNvPr id="4" name="그림 3"/>
+          <p:cNvPicPr>
+            <a:picLocks noChangeAspect="1"/>
+          </p:cNvPicPr>
+          <p:nvPr/>
+        </p:nvPicPr>
+        <p:blipFill>
+          <a:blip r:embed="rId2"/>
+          <a:stretch>
+            <a:fillRect/>
+          </a:stretch>
+        </p:blipFill>
+        <p:spPr>
+          <a:xfrm>
+            <a:off x="713852" y="1547356"/>
+            <a:ext cx="6172140" cy="4514850"/>
+          </a:xfrm>
+          <a:prstGeom prst="rect">
+            <a:avLst/>
+          </a:prstGeom>
+          <a:ln w="25400">
+            <a:solidFill>
+              <a:schemeClr val="tx1"/>
+            </a:solidFill>
+          </a:ln>
+        </p:spPr>
+      </p:pic>
+      <p:pic>
+        <p:nvPicPr>
+          <p:cNvPr id="3" name="그림 2"/>
+          <p:cNvPicPr>
+            <a:picLocks noChangeAspect="1"/>
+          </p:cNvPicPr>
+          <p:nvPr/>
+        </p:nvPicPr>
+        <p:blipFill>
+          <a:blip r:embed="rId3"/>
+          <a:stretch>
+            <a:fillRect/>
+          </a:stretch>
+        </p:blipFill>
+        <p:spPr>
+          <a:xfrm>
+            <a:off x="7253807" y="2155572"/>
+            <a:ext cx="4746321" cy="257175"/>
+          </a:xfrm>
+          <a:prstGeom prst="rect">
+            <a:avLst/>
+          </a:prstGeom>
+          <a:ln>
+            <a:solidFill>
+              <a:schemeClr val="tx1"/>
+            </a:solidFill>
+          </a:ln>
+        </p:spPr>
+      </p:pic>
+      <p:pic>
+        <p:nvPicPr>
+          <p:cNvPr id="7" name="그림 6"/>
+          <p:cNvPicPr>
+            <a:picLocks noChangeAspect="1"/>
+          </p:cNvPicPr>
+          <p:nvPr/>
+        </p:nvPicPr>
+        <p:blipFill>
+          <a:blip r:embed="rId4"/>
+          <a:stretch>
+            <a:fillRect/>
+          </a:stretch>
+        </p:blipFill>
+        <p:spPr>
+          <a:xfrm>
+            <a:off x="7289673" y="4643405"/>
+            <a:ext cx="4674587" cy="1485900"/>
+          </a:xfrm>
+          <a:prstGeom prst="rect">
+            <a:avLst/>
+          </a:prstGeom>
+          <a:ln>
+            <a:solidFill>
+              <a:schemeClr val="tx1"/>
+            </a:solidFill>
+          </a:ln>
+        </p:spPr>
+      </p:pic>
+      <p:pic>
+        <p:nvPicPr>
+          <p:cNvPr id="8" name="그림 7"/>
+          <p:cNvPicPr>
+            <a:picLocks noChangeAspect="1"/>
+          </p:cNvPicPr>
+          <p:nvPr/>
+        </p:nvPicPr>
+        <p:blipFill>
+          <a:blip r:embed="rId5"/>
+          <a:stretch>
+            <a:fillRect/>
+          </a:stretch>
+        </p:blipFill>
+        <p:spPr>
+          <a:xfrm>
+            <a:off x="7382157" y="2893669"/>
+            <a:ext cx="4489622" cy="1400175"/>
+          </a:xfrm>
+          <a:prstGeom prst="rect">
+            <a:avLst/>
+          </a:prstGeom>
+          <a:ln>
+            <a:solidFill>
+              <a:schemeClr val="tx1"/>
+            </a:solidFill>
+          </a:ln>
+        </p:spPr>
+      </p:pic>
+    </p:spTree>
+    <p:extLst>
+      <p:ext uri="{BB962C8B-B14F-4D97-AF65-F5344CB8AC3E}">
+        <p14:creationId xmlns:p14="http://schemas.microsoft.com/office/powerpoint/2010/main" val="901768248"/>
+      </p:ext>
+    </p:extLst>
+  </p:cSld>
+  <p:clrMapOvr>
+    <a:masterClrMapping/>
+  </p:clrMapOvr>
+  <p:timing>
+    <p:tnLst>
+      <p:par>
+        <p:cTn id="1" dur="indefinite" restart="never" nodeType="tmRoot"/>
+      </p:par>
+    </p:tnLst>
+  </p:timing>
+</p:sld>
+</file>
+
+<file path=ppt/slides/slide9.xml><?xml version="1.0" encoding="utf-8"?>
+<p:sld xmlns:a="http://schemas.openxmlformats.org/drawingml/2006/main" xmlns:r="http://schemas.openxmlformats.org/officeDocument/2006/relationships" xmlns:p="http://schemas.openxmlformats.org/presentationml/2006/main">
+  <p:cSld>
+    <p:spTree>
+      <p:nvGrpSpPr>
+        <p:cNvPr id="1" name=""/>
+        <p:cNvGrpSpPr/>
+        <p:nvPr/>
+      </p:nvGrpSpPr>
+      <p:grpSpPr>
+        <a:xfrm>
+          <a:off x="0" y="0"/>
+          <a:ext cx="0" cy="0"/>
+          <a:chOff x="0" y="0"/>
+          <a:chExt cx="0" cy="0"/>
+        </a:xfrm>
+      </p:grpSpPr>
+      <p:sp>
+        <p:nvSpPr>
+          <p:cNvPr id="2" name="제목 1"/>
+          <p:cNvSpPr>
+            <a:spLocks noGrp="1"/>
+          </p:cNvSpPr>
+          <p:nvPr>
+            <p:ph type="title"/>
+          </p:nvPr>
+        </p:nvSpPr>
+        <p:spPr/>
+        <p:txBody>
+          <a:bodyPr/>
+          <a:lstStyle/>
+          <a:p>
+            <a:r>
+              <a:rPr lang="en-US" altLang="ko-KR" sz="2800" b="0"/>
+              <a:t>[</a:t>
+            </a:r>
+            <a:r>
+              <a:rPr lang="ko-KR" altLang="en-US" sz="2800" b="0"/>
+              <a:t>화면설계</a:t>
+            </a:r>
+            <a:r>
+              <a:rPr lang="en-US" altLang="ko-KR" sz="2800" b="0"/>
+              <a:t>] </a:t>
+            </a:r>
+            <a:r>
+              <a:rPr lang="ko-KR" altLang="en-US" sz="2800" b="0"/>
+              <a:t>사용자 </a:t>
+            </a:r>
+            <a:r>
+              <a:rPr lang="en-US" altLang="ko-KR" sz="2800" b="0"/>
+              <a:t>– </a:t>
+            </a:r>
+            <a:r>
+              <a:rPr lang="ko-KR" altLang="en-US" sz="2800" b="0"/>
+              <a:t>웹 </a:t>
+            </a:r>
+            <a:r>
+              <a:rPr lang="en-US" altLang="ko-KR" sz="2800" b="0" smtClean="0"/>
+              <a:t>– </a:t>
+            </a:r>
+            <a:r>
+              <a:rPr lang="ko-KR" altLang="en-US" sz="2800" b="0" smtClean="0"/>
+              <a:t>비밀번호 찾기</a:t>
+            </a:r>
+            <a:r>
+              <a:rPr lang="ko-KR" altLang="en-US" sz="1600" b="0" smtClean="0"/>
+              <a:t> </a:t>
+            </a:r>
+            <a:endParaRPr lang="ko-KR" altLang="en-US"/>
+          </a:p>
+        </p:txBody>
+      </p:sp>
+      <p:sp>
+        <p:nvSpPr>
+          <p:cNvPr id="4" name="Google Shape;168;g7c553259d1_0_81"/>
+          <p:cNvSpPr/>
+          <p:nvPr/>
+        </p:nvSpPr>
+        <p:spPr>
+          <a:xfrm>
+            <a:off x="557356" y="1359647"/>
+            <a:ext cx="6526163" cy="5349900"/>
+          </a:xfrm>
+          <a:prstGeom prst="rect">
+            <a:avLst/>
+          </a:prstGeom>
+          <a:solidFill>
+            <a:schemeClr val="lt1"/>
+          </a:solidFill>
+          <a:ln w="12700" cap="flat" cmpd="sng">
+            <a:solidFill>
+              <a:schemeClr val="dk1"/>
+            </a:solidFill>
+            <a:prstDash val="solid"/>
+            <a:miter lim="800000"/>
+            <a:headEnd type="none" w="sm" len="sm"/>
+            <a:tailEnd type="none" w="sm" len="sm"/>
+          </a:ln>
+        </p:spPr>
+        <p:txBody>
+          <a:bodyPr spcFirstLastPara="1" wrap="square" lIns="91425" tIns="45700" rIns="91425" bIns="45700" anchor="ctr" anchorCtr="0">
+            <a:noAutofit/>
+          </a:bodyPr>
+          <a:lstStyle/>
+          <a:p>
+            <a:pPr algn="ctr">
+              <a:buClr>
+                <a:srgbClr val="000000"/>
+              </a:buClr>
+              <a:buSzPts val="1500"/>
+            </a:pPr>
+            <a:endParaRPr sz="1500" dirty="0">
+              <a:solidFill>
+                <a:schemeClr val="dk1"/>
+              </a:solidFill>
+              <a:latin typeface="Malgun Gothic"/>
+              <a:ea typeface="Malgun Gothic"/>
+              <a:cs typeface="Malgun Gothic"/>
+              <a:sym typeface="Malgun Gothic"/>
+            </a:endParaRPr>
+          </a:p>
+        </p:txBody>
+      </p:sp>
+      <p:graphicFrame>
+        <p:nvGraphicFramePr>
+          <p:cNvPr id="5" name="Google Shape;169;g7c553259d1_0_81"/>
+          <p:cNvGraphicFramePr/>
+          <p:nvPr>
+            <p:extLst/>
+          </p:nvPr>
+        </p:nvGraphicFramePr>
+        <p:xfrm>
+          <a:off x="8501614" y="3571468"/>
+          <a:ext cx="2869750" cy="2220724"/>
+        </p:xfrm>
+        <a:graphic>
+          <a:graphicData uri="http://schemas.openxmlformats.org/drawingml/2006/table">
+            <a:tbl>
+              <a:tblPr firstRow="1" bandRow="1">
+                <a:noFill/>
+              </a:tblPr>
+              <a:tblGrid>
+                <a:gridCol w="311106">
+                  <a:extLst>
+                    <a:ext uri="{9D8B030D-6E8A-4147-A177-3AD203B41FA5}">
+                      <a16:colId xmlns:a16="http://schemas.microsoft.com/office/drawing/2014/main" xmlns="" val="20000"/>
+                    </a:ext>
+                  </a:extLst>
+                </a:gridCol>
+                <a:gridCol w="2558644">
+                  <a:extLst>
+                    <a:ext uri="{9D8B030D-6E8A-4147-A177-3AD203B41FA5}">
+                      <a16:colId xmlns:a16="http://schemas.microsoft.com/office/drawing/2014/main" xmlns="" val="20001"/>
+                    </a:ext>
+                  </a:extLst>
+                </a:gridCol>
+              </a:tblGrid>
+              <a:tr h="356150">
+                <a:tc>
+                  <a:txBody>
+                    <a:bodyPr/>
+                    <a:lstStyle/>
+                    <a:p>
+                      <a:pPr marL="0" marR="0" lvl="0" indent="0" algn="ctr" rtl="0">
+                        <a:lnSpc>
+                          <a:spcPct val="100000"/>
+                        </a:lnSpc>
+                        <a:spcBef>
+                          <a:spcPts val="0"/>
+                        </a:spcBef>
+                        <a:spcAft>
+                          <a:spcPts val="0"/>
+                        </a:spcAft>
+                        <a:buClr>
+                          <a:srgbClr val="000000"/>
+                        </a:buClr>
+                        <a:buSzPts val="1500"/>
+                        <a:buFont typeface="Arial"/>
+                        <a:buNone/>
+                      </a:pPr>
+                      <a:r>
+                        <a:rPr lang="ko-KR" sz="1500" u="none" strike="noStrike" cap="none" dirty="0">
+                          <a:solidFill>
+                            <a:schemeClr val="dk1"/>
+                          </a:solidFill>
+                        </a:rPr>
+                        <a:t>#</a:t>
+                      </a:r>
+                      <a:endParaRPr sz="1500" u="none" strike="noStrike" cap="none" dirty="0">
+                        <a:solidFill>
+                          <a:schemeClr val="dk1"/>
+                        </a:solidFill>
+                      </a:endParaRPr>
+                    </a:p>
+                  </a:txBody>
+                  <a:tcPr marL="74304" marR="74304" marT="45725" marB="45725" anchor="ctr">
+                    <a:lnL w="12700" cap="flat" cmpd="sng">
+                      <a:solidFill>
+                        <a:schemeClr val="dk1"/>
+                      </a:solidFill>
+                      <a:prstDash val="solid"/>
+                      <a:round/>
+                      <a:headEnd type="none" w="sm" len="sm"/>
+                      <a:tailEnd type="none" w="sm" len="sm"/>
+                    </a:lnL>
+                    <a:lnR w="12700" cap="flat" cmpd="sng">
+                      <a:solidFill>
+                        <a:schemeClr val="dk1"/>
+                      </a:solidFill>
+                      <a:prstDash val="solid"/>
+                      <a:round/>
+                      <a:headEnd type="none" w="sm" len="sm"/>
+                      <a:tailEnd type="none" w="sm" len="sm"/>
+                    </a:lnR>
+                    <a:lnT w="12700" cap="flat" cmpd="sng">
+                      <a:solidFill>
+                        <a:schemeClr val="dk1"/>
+                      </a:solidFill>
+                      <a:prstDash val="solid"/>
+                      <a:round/>
+                      <a:headEnd type="none" w="sm" len="sm"/>
+                      <a:tailEnd type="none" w="sm" len="sm"/>
+                    </a:lnT>
+                    <a:lnB w="12700" cap="flat" cmpd="sng">
+                      <a:solidFill>
+                        <a:schemeClr val="dk1"/>
+                      </a:solidFill>
+                      <a:prstDash val="solid"/>
+                      <a:round/>
+                      <a:headEnd type="none" w="sm" len="sm"/>
+                      <a:tailEnd type="none" w="sm" len="sm"/>
+                    </a:lnB>
+                    <a:solidFill>
+                      <a:srgbClr val="D8D8D8"/>
+                    </a:solidFill>
+                  </a:tcPr>
+                </a:tc>
+                <a:tc>
+                  <a:txBody>
+                    <a:bodyPr/>
+                    <a:lstStyle/>
+                    <a:p>
+                      <a:pPr marL="0" marR="0" lvl="0" indent="0" algn="ctr" rtl="0">
+                        <a:lnSpc>
+                          <a:spcPct val="100000"/>
+                        </a:lnSpc>
+                        <a:spcBef>
+                          <a:spcPts val="0"/>
+                        </a:spcBef>
+                        <a:spcAft>
+                          <a:spcPts val="0"/>
+                        </a:spcAft>
+                        <a:buClr>
+                          <a:srgbClr val="000000"/>
+                        </a:buClr>
+                        <a:buSzPts val="1500"/>
+                        <a:buFont typeface="Arial"/>
+                        <a:buNone/>
+                      </a:pPr>
+                      <a:endParaRPr sz="1500" u="none" strike="noStrike" cap="none" dirty="0">
+                        <a:solidFill>
+                          <a:schemeClr val="dk1"/>
+                        </a:solidFill>
+                      </a:endParaRPr>
+                    </a:p>
+                  </a:txBody>
+                  <a:tcPr marL="74304" marR="74304" marT="45725" marB="45725" anchor="ctr">
+                    <a:lnL w="12700" cap="flat" cmpd="sng">
+                      <a:solidFill>
+                        <a:schemeClr val="dk1"/>
+                      </a:solidFill>
+                      <a:prstDash val="solid"/>
+                      <a:round/>
+                      <a:headEnd type="none" w="sm" len="sm"/>
+                      <a:tailEnd type="none" w="sm" len="sm"/>
+                    </a:lnL>
+                    <a:lnR w="12700" cap="flat" cmpd="sng">
+                      <a:solidFill>
+                        <a:schemeClr val="dk1"/>
+                      </a:solidFill>
+                      <a:prstDash val="solid"/>
+                      <a:round/>
+                      <a:headEnd type="none" w="sm" len="sm"/>
+                      <a:tailEnd type="none" w="sm" len="sm"/>
+                    </a:lnR>
+                    <a:lnT w="12700" cap="flat" cmpd="sng">
+                      <a:solidFill>
+                        <a:schemeClr val="dk1"/>
+                      </a:solidFill>
+                      <a:prstDash val="solid"/>
+                      <a:round/>
+                      <a:headEnd type="none" w="sm" len="sm"/>
+                      <a:tailEnd type="none" w="sm" len="sm"/>
+                    </a:lnT>
+                    <a:lnB w="12700" cap="flat" cmpd="sng">
+                      <a:solidFill>
+                        <a:schemeClr val="dk1"/>
+                      </a:solidFill>
+                      <a:prstDash val="solid"/>
+                      <a:round/>
+                      <a:headEnd type="none" w="sm" len="sm"/>
+                      <a:tailEnd type="none" w="sm" len="sm"/>
+                    </a:lnB>
+                    <a:solidFill>
+                      <a:srgbClr val="D8D8D8"/>
+                    </a:solidFill>
+                  </a:tcPr>
+                </a:tc>
+                <a:extLst>
+                  <a:ext uri="{0D108BD9-81ED-4DB2-BD59-A6C34878D82A}">
+                    <a16:rowId xmlns:a16="http://schemas.microsoft.com/office/drawing/2014/main" xmlns="" val="10000"/>
+                  </a:ext>
+                </a:extLst>
+              </a:tr>
+              <a:tr h="972399">
+                <a:tc>
+                  <a:txBody>
+                    <a:bodyPr/>
+                    <a:lstStyle/>
+                    <a:p>
+                      <a:pPr marL="0" marR="0" lvl="0" indent="0" algn="ctr" rtl="0">
+                        <a:lnSpc>
+                          <a:spcPct val="100000"/>
+                        </a:lnSpc>
+                        <a:spcBef>
+                          <a:spcPts val="0"/>
+                        </a:spcBef>
+                        <a:spcAft>
+                          <a:spcPts val="0"/>
+                        </a:spcAft>
+                        <a:buClr>
+                          <a:srgbClr val="000000"/>
+                        </a:buClr>
+                        <a:buSzPts val="1500"/>
+                        <a:buFont typeface="Arial"/>
+                        <a:buNone/>
+                      </a:pPr>
+                      <a:r>
+                        <a:rPr lang="en-US" sz="1500" dirty="0" smtClean="0"/>
+                        <a:t>1</a:t>
+                      </a:r>
+                      <a:endParaRPr sz="1500" dirty="0"/>
+                    </a:p>
+                  </a:txBody>
+                  <a:tcPr marL="74304" marR="74304" marT="45725" marB="45725" anchor="ctr">
+                    <a:lnL w="12700" cap="flat" cmpd="sng">
+                      <a:solidFill>
+                        <a:schemeClr val="dk1"/>
+                      </a:solidFill>
+                      <a:prstDash val="solid"/>
+                      <a:round/>
+                      <a:headEnd type="none" w="sm" len="sm"/>
+                      <a:tailEnd type="none" w="sm" len="sm"/>
+                    </a:lnL>
+                    <a:lnR w="12700" cap="flat" cmpd="sng">
+                      <a:solidFill>
+                        <a:schemeClr val="dk1"/>
+                      </a:solidFill>
+                      <a:prstDash val="solid"/>
+                      <a:round/>
+                      <a:headEnd type="none" w="sm" len="sm"/>
+                      <a:tailEnd type="none" w="sm" len="sm"/>
+                    </a:lnR>
+                    <a:lnT w="12700" cap="flat" cmpd="sng">
+                      <a:solidFill>
+                        <a:schemeClr val="dk1"/>
+                      </a:solidFill>
+                      <a:prstDash val="solid"/>
+                      <a:round/>
+                      <a:headEnd type="none" w="sm" len="sm"/>
+                      <a:tailEnd type="none" w="sm" len="sm"/>
+                    </a:lnT>
+                    <a:lnB w="12700" cap="flat" cmpd="sng">
+                      <a:solidFill>
+                        <a:schemeClr val="dk1"/>
+                      </a:solidFill>
+                      <a:prstDash val="solid"/>
+                      <a:round/>
+                      <a:headEnd type="none" w="sm" len="sm"/>
+                      <a:tailEnd type="none" w="sm" len="sm"/>
+                    </a:lnB>
+                    <a:solidFill>
+                      <a:schemeClr val="lt1"/>
+                    </a:solidFill>
+                  </a:tcPr>
+                </a:tc>
+                <a:tc>
+                  <a:txBody>
+                    <a:bodyPr/>
+                    <a:lstStyle/>
+                    <a:p>
+                      <a:pPr marL="0" marR="0" lvl="0" indent="0" algn="l" rtl="0">
+                        <a:lnSpc>
+                          <a:spcPct val="100000"/>
+                        </a:lnSpc>
+                        <a:spcBef>
+                          <a:spcPts val="0"/>
+                        </a:spcBef>
+                        <a:spcAft>
+                          <a:spcPts val="0"/>
+                        </a:spcAft>
+                        <a:buClr>
+                          <a:srgbClr val="000000"/>
+                        </a:buClr>
+                        <a:buSzPts val="1500"/>
+                        <a:buFont typeface="Arial"/>
+                        <a:buNone/>
+                      </a:pPr>
+                      <a:r>
+                        <a:rPr lang="ko-KR" altLang="en-US" sz="1500" b="0" u="none" strike="noStrike" cap="none" baseline="0" smtClean="0">
+                          <a:solidFill>
+                            <a:schemeClr val="dk1"/>
+                          </a:solidFill>
+                        </a:rPr>
+                        <a:t>아이디와 이메일을 비교하여 비밀번호 변경 처리 프로세스로 이동한다</a:t>
+                      </a:r>
+                      <a:endParaRPr lang="en-US" altLang="ko-KR" sz="1500" b="0" u="none" strike="noStrike" cap="none" baseline="0" dirty="0" smtClean="0">
+                        <a:solidFill>
+                          <a:schemeClr val="dk1"/>
+                        </a:solidFill>
+                      </a:endParaRPr>
+                    </a:p>
+                  </a:txBody>
+                  <a:tcPr marL="74304" marR="74304" marT="45725" marB="45725">
+                    <a:lnL w="12700" cap="flat" cmpd="sng">
+                      <a:solidFill>
+                        <a:schemeClr val="dk1"/>
+                      </a:solidFill>
+                      <a:prstDash val="solid"/>
+                      <a:round/>
+                      <a:headEnd type="none" w="sm" len="sm"/>
+                      <a:tailEnd type="none" w="sm" len="sm"/>
+                    </a:lnL>
+                    <a:lnR w="12700" cap="flat" cmpd="sng">
+                      <a:solidFill>
+                        <a:schemeClr val="dk1"/>
+                      </a:solidFill>
+                      <a:prstDash val="solid"/>
+                      <a:round/>
+                      <a:headEnd type="none" w="sm" len="sm"/>
+                      <a:tailEnd type="none" w="sm" len="sm"/>
+                    </a:lnR>
+                    <a:lnT w="12700" cap="flat" cmpd="sng">
+                      <a:solidFill>
+                        <a:schemeClr val="dk1"/>
+                      </a:solidFill>
+                      <a:prstDash val="solid"/>
+                      <a:round/>
+                      <a:headEnd type="none" w="sm" len="sm"/>
+                      <a:tailEnd type="none" w="sm" len="sm"/>
+                    </a:lnT>
+                    <a:lnB w="12700" cap="flat" cmpd="sng">
+                      <a:solidFill>
+                        <a:schemeClr val="dk1"/>
+                      </a:solidFill>
+                      <a:prstDash val="solid"/>
+                      <a:round/>
+                      <a:headEnd type="none" w="sm" len="sm"/>
+                      <a:tailEnd type="none" w="sm" len="sm"/>
+                    </a:lnB>
+                    <a:solidFill>
+                      <a:schemeClr val="lt1"/>
+                    </a:solidFill>
+                  </a:tcPr>
+                </a:tc>
+                <a:extLst>
+                  <a:ext uri="{0D108BD9-81ED-4DB2-BD59-A6C34878D82A}">
+                    <a16:rowId xmlns:a16="http://schemas.microsoft.com/office/drawing/2014/main" xmlns="" val="10001"/>
+                  </a:ext>
+                </a:extLst>
+              </a:tr>
+              <a:tr h="892175">
+                <a:tc>
+                  <a:txBody>
+                    <a:bodyPr/>
+                    <a:lstStyle/>
+                    <a:p>
+                      <a:pPr marL="0" marR="0" lvl="0" indent="0" algn="ctr" rtl="0">
+                        <a:lnSpc>
+                          <a:spcPct val="100000"/>
+                        </a:lnSpc>
+                        <a:spcBef>
+                          <a:spcPts val="0"/>
+                        </a:spcBef>
+                        <a:spcAft>
+                          <a:spcPts val="0"/>
+                        </a:spcAft>
+                        <a:buNone/>
+                      </a:pPr>
+                      <a:endParaRPr sz="1500" dirty="0"/>
+                    </a:p>
+                  </a:txBody>
+                  <a:tcPr marL="74304" marR="74304" marT="45725" marB="45725" anchor="ctr">
+                    <a:lnL w="12700" cap="flat" cmpd="sng">
+                      <a:solidFill>
+                        <a:schemeClr val="dk1"/>
+                      </a:solidFill>
+                      <a:prstDash val="solid"/>
+                      <a:round/>
+                      <a:headEnd type="none" w="sm" len="sm"/>
+                      <a:tailEnd type="none" w="sm" len="sm"/>
+                    </a:lnL>
+                    <a:lnR w="12700" cap="flat" cmpd="sng" algn="ctr">
+                      <a:solidFill>
+                        <a:schemeClr val="dk1"/>
+                      </a:solidFill>
+                      <a:prstDash val="solid"/>
+                      <a:round/>
+                      <a:headEnd type="none" w="sm" len="sm"/>
+                      <a:tailEnd type="none" w="sm" len="sm"/>
+                    </a:lnR>
+                    <a:lnT w="12700" cap="flat" cmpd="sng" algn="ctr">
+                      <a:solidFill>
+                        <a:schemeClr val="dk1"/>
+                      </a:solidFill>
+                      <a:prstDash val="solid"/>
+                      <a:round/>
+                      <a:headEnd type="none" w="sm" len="sm"/>
+                      <a:tailEnd type="none" w="sm" len="sm"/>
+                    </a:lnT>
+                    <a:lnB w="12700" cap="flat" cmpd="sng">
+                      <a:solidFill>
+                        <a:schemeClr val="dk1"/>
+                      </a:solidFill>
+                      <a:prstDash val="solid"/>
+                      <a:round/>
+                      <a:headEnd type="none" w="sm" len="sm"/>
+                      <a:tailEnd type="none" w="sm" len="sm"/>
+                    </a:lnB>
+                    <a:solidFill>
+                      <a:schemeClr val="lt1"/>
+                    </a:solidFill>
+                  </a:tcPr>
+                </a:tc>
+                <a:tc>
+                  <a:txBody>
+                    <a:bodyPr/>
+                    <a:lstStyle/>
+                    <a:p>
+                      <a:pPr marL="0" marR="0" lvl="0" indent="0" algn="l" rtl="0">
+                        <a:lnSpc>
+                          <a:spcPct val="100000"/>
+                        </a:lnSpc>
+                        <a:spcBef>
+                          <a:spcPts val="0"/>
+                        </a:spcBef>
+                        <a:spcAft>
+                          <a:spcPts val="0"/>
+                        </a:spcAft>
+                        <a:buNone/>
+                      </a:pPr>
+                      <a:endParaRPr sz="1500" dirty="0"/>
+                    </a:p>
+                  </a:txBody>
+                  <a:tcPr marL="74304" marR="74304" marT="45725" marB="45725">
+                    <a:lnL w="12700" cap="flat" cmpd="sng" algn="ctr">
+                      <a:solidFill>
+                        <a:schemeClr val="dk1"/>
+                      </a:solidFill>
+                      <a:prstDash val="solid"/>
+                      <a:round/>
+                      <a:headEnd type="none" w="sm" len="sm"/>
+                      <a:tailEnd type="none" w="sm" len="sm"/>
+                    </a:lnL>
+                    <a:lnR w="12700" cap="flat" cmpd="sng">
+                      <a:solidFill>
+                        <a:schemeClr val="dk1"/>
+                      </a:solidFill>
+                      <a:prstDash val="solid"/>
+                      <a:round/>
+                      <a:headEnd type="none" w="sm" len="sm"/>
+                      <a:tailEnd type="none" w="sm" len="sm"/>
+                    </a:lnR>
+                    <a:lnT w="12700" cap="flat" cmpd="sng" algn="ctr">
+                      <a:solidFill>
+                        <a:schemeClr val="dk1"/>
+                      </a:solidFill>
+                      <a:prstDash val="solid"/>
+                      <a:round/>
+                      <a:headEnd type="none" w="sm" len="sm"/>
+                      <a:tailEnd type="none" w="sm" len="sm"/>
+                    </a:lnT>
+                    <a:lnB w="12700" cap="flat" cmpd="sng">
+                      <a:solidFill>
+                        <a:schemeClr val="dk1"/>
+                      </a:solidFill>
+                      <a:prstDash val="solid"/>
+                      <a:round/>
+                      <a:headEnd type="none" w="sm" len="sm"/>
+                      <a:tailEnd type="none" w="sm" len="sm"/>
+                    </a:lnB>
+                    <a:solidFill>
+                      <a:schemeClr val="lt1"/>
+                    </a:solidFill>
+                  </a:tcPr>
+                </a:tc>
+                <a:extLst>
+                  <a:ext uri="{0D108BD9-81ED-4DB2-BD59-A6C34878D82A}">
+                    <a16:rowId xmlns:a16="http://schemas.microsoft.com/office/drawing/2014/main" xmlns="" val="10002"/>
+                  </a:ext>
+                </a:extLst>
+              </a:tr>
+            </a:tbl>
+          </a:graphicData>
+        </a:graphic>
+      </p:graphicFrame>
+      <p:graphicFrame>
+        <p:nvGraphicFramePr>
+          <p:cNvPr id="6" name="표 5"/>
+          <p:cNvGraphicFramePr>
+            <a:graphicFrameLocks noGrp="1"/>
+          </p:cNvGraphicFramePr>
+          <p:nvPr>
+            <p:extLst/>
+          </p:nvPr>
+        </p:nvGraphicFramePr>
+        <p:xfrm>
+          <a:off x="8501614" y="2455885"/>
+          <a:ext cx="1944216" cy="640100"/>
+        </p:xfrm>
+        <a:graphic>
+          <a:graphicData uri="http://schemas.openxmlformats.org/drawingml/2006/table">
+            <a:tbl>
+              <a:tblPr firstRow="1" bandRow="1">
+                <a:noFill/>
+              </a:tblPr>
+              <a:tblGrid>
+                <a:gridCol w="1944216"/>
+              </a:tblGrid>
+              <a:tr h="168164">
+                <a:tc>
+                  <a:txBody>
+                    <a:bodyPr/>
+                    <a:lstStyle/>
+                    <a:p>
+                      <a:pPr marL="0" marR="0" lvl="0" indent="0" algn="ctr" rtl="0">
+                        <a:lnSpc>
+                          <a:spcPct val="100000"/>
+                        </a:lnSpc>
+                        <a:spcBef>
+                          <a:spcPts val="0"/>
+                        </a:spcBef>
+                        <a:spcAft>
+                          <a:spcPts val="0"/>
+                        </a:spcAft>
+                        <a:buClr>
+                          <a:srgbClr val="000000"/>
+                        </a:buClr>
+                        <a:buSzPts val="1500"/>
+                        <a:buFont typeface="Arial"/>
+                        <a:buNone/>
+                      </a:pPr>
+                      <a:r>
+                        <a:rPr lang="ko-KR" altLang="en-US" sz="1500" b="0" u="none" strike="noStrike" cap="none" dirty="0" smtClean="0">
+                          <a:solidFill>
+                            <a:schemeClr val="dk1"/>
+                          </a:solidFill>
+                        </a:rPr>
+                        <a:t>화면코드</a:t>
+                      </a:r>
+                      <a:endParaRPr sz="1500" b="0" u="none" strike="noStrike" cap="none" dirty="0">
+                        <a:solidFill>
+                          <a:schemeClr val="dk1"/>
+                        </a:solidFill>
+                      </a:endParaRPr>
+                    </a:p>
+                  </a:txBody>
+                  <a:tcPr marL="74304" marR="74304" marT="45725" marB="45725" anchor="ctr">
+                    <a:lnL w="12700" cap="flat" cmpd="sng">
+                      <a:solidFill>
+                        <a:schemeClr val="dk1"/>
+                      </a:solidFill>
+                      <a:prstDash val="solid"/>
+                      <a:round/>
+                      <a:headEnd type="none" w="sm" len="sm"/>
+                      <a:tailEnd type="none" w="sm" len="sm"/>
+                    </a:lnL>
+                    <a:lnR w="12700" cap="flat" cmpd="sng">
+                      <a:solidFill>
+                        <a:schemeClr val="dk1"/>
+                      </a:solidFill>
+                      <a:prstDash val="solid"/>
+                      <a:round/>
+                      <a:headEnd type="none" w="sm" len="sm"/>
+                      <a:tailEnd type="none" w="sm" len="sm"/>
+                    </a:lnR>
+                    <a:lnT w="12700" cap="flat" cmpd="sng">
+                      <a:solidFill>
+                        <a:schemeClr val="dk1"/>
+                      </a:solidFill>
+                      <a:prstDash val="solid"/>
+                      <a:round/>
+                      <a:headEnd type="none" w="sm" len="sm"/>
+                      <a:tailEnd type="none" w="sm" len="sm"/>
+                    </a:lnT>
+                    <a:lnB w="12700" cap="flat" cmpd="sng" algn="ctr">
+                      <a:solidFill>
+                        <a:schemeClr val="dk1"/>
+                      </a:solidFill>
+                      <a:prstDash val="solid"/>
+                      <a:round/>
+                      <a:headEnd type="none" w="sm" len="sm"/>
+                      <a:tailEnd type="none" w="sm" len="sm"/>
+                    </a:lnB>
+                    <a:solidFill>
+                      <a:srgbClr val="D8D8D8"/>
+                    </a:solidFill>
+                  </a:tcPr>
+                </a:tc>
+              </a:tr>
+              <a:tr h="168164">
+                <a:tc>
+                  <a:txBody>
+                    <a:bodyPr/>
+                    <a:lstStyle/>
+                    <a:p>
+                      <a:pPr marL="0" marR="0" lvl="0" indent="0" algn="ctr" defTabSz="914400" rtl="0" eaLnBrk="1" fontAlgn="auto" latinLnBrk="1" hangingPunct="1">
+                        <a:lnSpc>
+                          <a:spcPct val="100000"/>
+                        </a:lnSpc>
+                        <a:spcBef>
+                          <a:spcPts val="0"/>
+                        </a:spcBef>
+                        <a:spcAft>
+                          <a:spcPts val="0"/>
+                        </a:spcAft>
+                        <a:buClr>
+                          <a:srgbClr val="000000"/>
+                        </a:buClr>
+                        <a:buSzPts val="1500"/>
+                        <a:buFont typeface="Arial"/>
+                        <a:buNone/>
+                        <a:tabLst/>
+                        <a:defRPr/>
+                      </a:pPr>
+                      <a:r>
+                        <a:rPr lang="en-US" altLang="ko-KR" sz="1500" b="0" u="none" strike="noStrike" cap="none" smtClean="0">
+                          <a:solidFill>
+                            <a:schemeClr val="dk1"/>
+                          </a:solidFill>
+                        </a:rPr>
+                        <a:t>kb_user_w_findPass</a:t>
+                      </a:r>
+                      <a:endParaRPr lang="en-US" altLang="ko-KR" sz="1500" b="0" u="none" strike="noStrike" cap="none" dirty="0" smtClean="0">
+                        <a:solidFill>
+                          <a:schemeClr val="dk1"/>
+                        </a:solidFill>
+                      </a:endParaRPr>
+                    </a:p>
+                  </a:txBody>
+                  <a:tcPr marL="74304" marR="74304" marT="45725" marB="45725" anchor="ctr">
+                    <a:lnL w="12700" cap="flat" cmpd="sng" algn="ctr">
+                      <a:solidFill>
+                        <a:schemeClr val="dk1"/>
+                      </a:solidFill>
+                      <a:prstDash val="solid"/>
+                      <a:round/>
+                      <a:headEnd type="none" w="sm" len="sm"/>
+                      <a:tailEnd type="none" w="sm" len="sm"/>
+                    </a:lnL>
+                    <a:lnR w="12700" cap="flat" cmpd="sng" algn="ctr">
+                      <a:solidFill>
+                        <a:schemeClr val="dk1"/>
+                      </a:solidFill>
+                      <a:prstDash val="solid"/>
+                      <a:round/>
+                      <a:headEnd type="none" w="sm" len="sm"/>
+                      <a:tailEnd type="none" w="sm" len="sm"/>
+                    </a:lnR>
+                    <a:lnT w="12700" cap="flat" cmpd="sng" algn="ctr">
+                      <a:solidFill>
+                        <a:schemeClr val="dk1"/>
+                      </a:solidFill>
+                      <a:prstDash val="solid"/>
+                      <a:round/>
+                      <a:headEnd type="none" w="sm" len="sm"/>
+                      <a:tailEnd type="none" w="sm" len="sm"/>
+                    </a:lnT>
+                    <a:lnB w="12700" cap="flat" cmpd="sng">
+                      <a:solidFill>
+                        <a:schemeClr val="dk1"/>
+                      </a:solidFill>
+                      <a:prstDash val="solid"/>
+                      <a:round/>
+                      <a:headEnd type="none" w="sm" len="sm"/>
+                      <a:tailEnd type="none" w="sm" len="sm"/>
+                    </a:lnB>
+                    <a:solidFill>
+                      <a:schemeClr val="bg1"/>
+                    </a:solidFill>
+                  </a:tcPr>
+                </a:tc>
+              </a:tr>
+            </a:tbl>
+          </a:graphicData>
+        </a:graphic>
+      </p:graphicFrame>
+      <p:pic>
+        <p:nvPicPr>
+          <p:cNvPr id="3" name="그림 2"/>
+          <p:cNvPicPr>
+            <a:picLocks noChangeAspect="1"/>
+          </p:cNvPicPr>
+          <p:nvPr/>
+        </p:nvPicPr>
+        <p:blipFill>
+          <a:blip r:embed="rId2"/>
+          <a:stretch>
+            <a:fillRect/>
+          </a:stretch>
+        </p:blipFill>
+        <p:spPr>
+          <a:xfrm>
+            <a:off x="664335" y="1810509"/>
+            <a:ext cx="5953125" cy="4448175"/>
+          </a:xfrm>
+          <a:prstGeom prst="rect">
+            <a:avLst/>
+          </a:prstGeom>
+        </p:spPr>
+      </p:pic>
+    </p:spTree>
+    <p:extLst>
+      <p:ext uri="{BB962C8B-B14F-4D97-AF65-F5344CB8AC3E}">
+        <p14:creationId xmlns:p14="http://schemas.microsoft.com/office/powerpoint/2010/main" val="1190464619"/>
       </p:ext>
     </p:extLst>
   </p:cSld>

--- a/0 발표용 파워포인트/0424 4차발표/0424 project05 - 파워포인트 - 기범.pptx
+++ b/0 발표용 파워포인트/0424 4차발표/0424 project05 - 파워포인트 - 기범.pptx
@@ -231,7 +231,7 @@
             <a:fld id="{EFE7F2A0-C7D9-4DBD-AE3B-C1A712DCE501}" type="datetimeFigureOut">
               <a:rPr lang="ko-KR" altLang="en-US" smtClean="0"/>
               <a:pPr/>
-              <a:t>2020-04-23</a:t>
+              <a:t>2020-04-29</a:t>
             </a:fld>
             <a:endParaRPr lang="ko-KR" altLang="en-US"/>
           </a:p>
@@ -632,7 +632,7 @@
             <a:fld id="{272C3D53-FEDF-49EC-8F65-FFFC138B637E}" type="datetimeFigureOut">
               <a:rPr lang="ko-KR" altLang="en-US" smtClean="0"/>
               <a:pPr/>
-              <a:t>2020-04-23</a:t>
+              <a:t>2020-04-29</a:t>
             </a:fld>
             <a:endParaRPr lang="ko-KR" altLang="en-US"/>
           </a:p>
@@ -804,7 +804,7 @@
             <a:fld id="{272C3D53-FEDF-49EC-8F65-FFFC138B637E}" type="datetimeFigureOut">
               <a:rPr lang="ko-KR" altLang="en-US" smtClean="0"/>
               <a:pPr/>
-              <a:t>2020-04-23</a:t>
+              <a:t>2020-04-29</a:t>
             </a:fld>
             <a:endParaRPr lang="ko-KR" altLang="en-US"/>
           </a:p>
@@ -986,7 +986,7 @@
             <a:fld id="{272C3D53-FEDF-49EC-8F65-FFFC138B637E}" type="datetimeFigureOut">
               <a:rPr lang="ko-KR" altLang="en-US" smtClean="0"/>
               <a:pPr/>
-              <a:t>2020-04-23</a:t>
+              <a:t>2020-04-29</a:t>
             </a:fld>
             <a:endParaRPr lang="ko-KR" altLang="en-US"/>
           </a:p>
@@ -1182,7 +1182,7 @@
             <a:fld id="{ED3D6733-6F27-4404-AB51-585418F146E5}" type="datetimeFigureOut">
               <a:rPr lang="ko-KR" altLang="en-US" smtClean="0"/>
               <a:pPr/>
-              <a:t>2020-04-23</a:t>
+              <a:t>2020-04-29</a:t>
             </a:fld>
             <a:endParaRPr lang="ko-KR" altLang="en-US"/>
           </a:p>
@@ -1475,7 +1475,7 @@
             <a:fld id="{272C3D53-FEDF-49EC-8F65-FFFC138B637E}" type="datetimeFigureOut">
               <a:rPr lang="ko-KR" altLang="en-US" smtClean="0"/>
               <a:pPr/>
-              <a:t>2020-04-23</a:t>
+              <a:t>2020-04-29</a:t>
             </a:fld>
             <a:endParaRPr lang="ko-KR" altLang="en-US"/>
           </a:p>
@@ -1723,7 +1723,7 @@
             <a:fld id="{272C3D53-FEDF-49EC-8F65-FFFC138B637E}" type="datetimeFigureOut">
               <a:rPr lang="ko-KR" altLang="en-US" smtClean="0"/>
               <a:pPr/>
-              <a:t>2020-04-23</a:t>
+              <a:t>2020-04-29</a:t>
             </a:fld>
             <a:endParaRPr lang="ko-KR" altLang="en-US"/>
           </a:p>
@@ -1957,7 +1957,7 @@
             <a:fld id="{272C3D53-FEDF-49EC-8F65-FFFC138B637E}" type="datetimeFigureOut">
               <a:rPr lang="ko-KR" altLang="en-US" smtClean="0"/>
               <a:pPr/>
-              <a:t>2020-04-23</a:t>
+              <a:t>2020-04-29</a:t>
             </a:fld>
             <a:endParaRPr lang="ko-KR" altLang="en-US"/>
           </a:p>
@@ -2326,7 +2326,7 @@
             <a:fld id="{272C3D53-FEDF-49EC-8F65-FFFC138B637E}" type="datetimeFigureOut">
               <a:rPr lang="ko-KR" altLang="en-US" smtClean="0"/>
               <a:pPr/>
-              <a:t>2020-04-23</a:t>
+              <a:t>2020-04-29</a:t>
             </a:fld>
             <a:endParaRPr lang="ko-KR" altLang="en-US"/>
           </a:p>
@@ -2446,7 +2446,7 @@
             <a:fld id="{272C3D53-FEDF-49EC-8F65-FFFC138B637E}" type="datetimeFigureOut">
               <a:rPr lang="ko-KR" altLang="en-US" smtClean="0"/>
               <a:pPr/>
-              <a:t>2020-04-23</a:t>
+              <a:t>2020-04-29</a:t>
             </a:fld>
             <a:endParaRPr lang="ko-KR" altLang="en-US"/>
           </a:p>
@@ -2543,7 +2543,7 @@
             <a:fld id="{272C3D53-FEDF-49EC-8F65-FFFC138B637E}" type="datetimeFigureOut">
               <a:rPr lang="ko-KR" altLang="en-US" smtClean="0"/>
               <a:pPr/>
-              <a:t>2020-04-23</a:t>
+              <a:t>2020-04-29</a:t>
             </a:fld>
             <a:endParaRPr lang="ko-KR" altLang="en-US"/>
           </a:p>
@@ -2822,7 +2822,7 @@
             <a:fld id="{272C3D53-FEDF-49EC-8F65-FFFC138B637E}" type="datetimeFigureOut">
               <a:rPr lang="ko-KR" altLang="en-US" smtClean="0"/>
               <a:pPr/>
-              <a:t>2020-04-23</a:t>
+              <a:t>2020-04-29</a:t>
             </a:fld>
             <a:endParaRPr lang="ko-KR" altLang="en-US"/>
           </a:p>
@@ -3077,7 +3077,7 @@
             <a:fld id="{272C3D53-FEDF-49EC-8F65-FFFC138B637E}" type="datetimeFigureOut">
               <a:rPr lang="ko-KR" altLang="en-US" smtClean="0"/>
               <a:pPr/>
-              <a:t>2020-04-23</a:t>
+              <a:t>2020-04-29</a:t>
             </a:fld>
             <a:endParaRPr lang="ko-KR" altLang="en-US"/>
           </a:p>
@@ -3292,7 +3292,7 @@
             <a:fld id="{272C3D53-FEDF-49EC-8F65-FFFC138B637E}" type="datetimeFigureOut">
               <a:rPr lang="ko-KR" altLang="en-US" smtClean="0"/>
               <a:pPr/>
-              <a:t>2020-04-23</a:t>
+              <a:t>2020-04-29</a:t>
             </a:fld>
             <a:endParaRPr lang="ko-KR" altLang="en-US"/>
           </a:p>
@@ -4166,14 +4166,14 @@
                 <a:gridCol w="311106">
                   <a:extLst>
                     <a:ext uri="{9D8B030D-6E8A-4147-A177-3AD203B41FA5}">
-                      <a16:colId xmlns="" xmlns:a16="http://schemas.microsoft.com/office/drawing/2014/main" val="20000"/>
+                      <a16:colId xmlns:a16="http://schemas.microsoft.com/office/drawing/2014/main" xmlns="" val="20000"/>
                     </a:ext>
                   </a:extLst>
                 </a:gridCol>
                 <a:gridCol w="2558644">
                   <a:extLst>
                     <a:ext uri="{9D8B030D-6E8A-4147-A177-3AD203B41FA5}">
-                      <a16:colId xmlns="" xmlns:a16="http://schemas.microsoft.com/office/drawing/2014/main" val="20001"/>
+                      <a16:colId xmlns:a16="http://schemas.microsoft.com/office/drawing/2014/main" xmlns="" val="20001"/>
                     </a:ext>
                   </a:extLst>
                 </a:gridCol>
@@ -4331,7 +4331,7 @@
                 </a:tc>
                 <a:extLst>
                   <a:ext uri="{0D108BD9-81ED-4DB2-BD59-A6C34878D82A}">
-                    <a16:rowId xmlns="" xmlns:a16="http://schemas.microsoft.com/office/drawing/2014/main" val="10000"/>
+                    <a16:rowId xmlns:a16="http://schemas.microsoft.com/office/drawing/2014/main" xmlns="" val="10000"/>
                   </a:ext>
                 </a:extLst>
               </a:tr>
@@ -4496,7 +4496,7 @@
                 </a:tc>
                 <a:extLst>
                   <a:ext uri="{0D108BD9-81ED-4DB2-BD59-A6C34878D82A}">
-                    <a16:rowId xmlns="" xmlns:a16="http://schemas.microsoft.com/office/drawing/2014/main" val="10001"/>
+                    <a16:rowId xmlns:a16="http://schemas.microsoft.com/office/drawing/2014/main" xmlns="" val="10001"/>
                   </a:ext>
                 </a:extLst>
               </a:tr>
@@ -4627,7 +4627,7 @@
                 </a:tc>
                 <a:extLst>
                   <a:ext uri="{0D108BD9-81ED-4DB2-BD59-A6C34878D82A}">
-                    <a16:rowId xmlns="" xmlns:a16="http://schemas.microsoft.com/office/drawing/2014/main" val="10002"/>
+                    <a16:rowId xmlns:a16="http://schemas.microsoft.com/office/drawing/2014/main" xmlns="" val="10002"/>
                   </a:ext>
                 </a:extLst>
               </a:tr>
@@ -5651,14 +5651,14 @@
                 <a:gridCol w="311106">
                   <a:extLst>
                     <a:ext uri="{9D8B030D-6E8A-4147-A177-3AD203B41FA5}">
-                      <a16:colId xmlns:a16="http://schemas.microsoft.com/office/drawing/2014/main" xmlns="" val="20000"/>
+                      <a16:colId xmlns="" xmlns:a16="http://schemas.microsoft.com/office/drawing/2014/main" val="20000"/>
                     </a:ext>
                   </a:extLst>
                 </a:gridCol>
                 <a:gridCol w="2558644">
                   <a:extLst>
                     <a:ext uri="{9D8B030D-6E8A-4147-A177-3AD203B41FA5}">
-                      <a16:colId xmlns:a16="http://schemas.microsoft.com/office/drawing/2014/main" xmlns="" val="20001"/>
+                      <a16:colId xmlns="" xmlns:a16="http://schemas.microsoft.com/office/drawing/2014/main" val="20001"/>
                     </a:ext>
                   </a:extLst>
                 </a:gridCol>
@@ -5816,7 +5816,7 @@
                 </a:tc>
                 <a:extLst>
                   <a:ext uri="{0D108BD9-81ED-4DB2-BD59-A6C34878D82A}">
-                    <a16:rowId xmlns:a16="http://schemas.microsoft.com/office/drawing/2014/main" xmlns="" val="10000"/>
+                    <a16:rowId xmlns="" xmlns:a16="http://schemas.microsoft.com/office/drawing/2014/main" val="10000"/>
                   </a:ext>
                 </a:extLst>
               </a:tr>
@@ -5973,7 +5973,7 @@
                 </a:tc>
                 <a:extLst>
                   <a:ext uri="{0D108BD9-81ED-4DB2-BD59-A6C34878D82A}">
-                    <a16:rowId xmlns:a16="http://schemas.microsoft.com/office/drawing/2014/main" xmlns="" val="10001"/>
+                    <a16:rowId xmlns="" xmlns:a16="http://schemas.microsoft.com/office/drawing/2014/main" val="10001"/>
                   </a:ext>
                 </a:extLst>
               </a:tr>
@@ -6131,7 +6131,7 @@
                 </a:tc>
                 <a:extLst>
                   <a:ext uri="{0D108BD9-81ED-4DB2-BD59-A6C34878D82A}">
-                    <a16:rowId xmlns:a16="http://schemas.microsoft.com/office/drawing/2014/main" xmlns="" val="10002"/>
+                    <a16:rowId xmlns="" xmlns:a16="http://schemas.microsoft.com/office/drawing/2014/main" val="10002"/>
                   </a:ext>
                 </a:extLst>
               </a:tr>
@@ -7312,14 +7312,14 @@
                 <a:gridCol w="311106">
                   <a:extLst>
                     <a:ext uri="{9D8B030D-6E8A-4147-A177-3AD203B41FA5}">
-                      <a16:colId xmlns:a16="http://schemas.microsoft.com/office/drawing/2014/main" xmlns="" val="20000"/>
+                      <a16:colId xmlns="" xmlns:a16="http://schemas.microsoft.com/office/drawing/2014/main" val="20000"/>
                     </a:ext>
                   </a:extLst>
                 </a:gridCol>
                 <a:gridCol w="2558644">
                   <a:extLst>
                     <a:ext uri="{9D8B030D-6E8A-4147-A177-3AD203B41FA5}">
-                      <a16:colId xmlns:a16="http://schemas.microsoft.com/office/drawing/2014/main" xmlns="" val="20001"/>
+                      <a16:colId xmlns="" xmlns:a16="http://schemas.microsoft.com/office/drawing/2014/main" val="20001"/>
                     </a:ext>
                   </a:extLst>
                 </a:gridCol>
@@ -7477,7 +7477,7 @@
                 </a:tc>
                 <a:extLst>
                   <a:ext uri="{0D108BD9-81ED-4DB2-BD59-A6C34878D82A}">
-                    <a16:rowId xmlns:a16="http://schemas.microsoft.com/office/drawing/2014/main" xmlns="" val="10000"/>
+                    <a16:rowId xmlns="" xmlns:a16="http://schemas.microsoft.com/office/drawing/2014/main" val="10000"/>
                   </a:ext>
                 </a:extLst>
               </a:tr>
@@ -7789,7 +7789,7 @@
                 </a:tc>
                 <a:extLst>
                   <a:ext uri="{0D108BD9-81ED-4DB2-BD59-A6C34878D82A}">
-                    <a16:rowId xmlns:a16="http://schemas.microsoft.com/office/drawing/2014/main" xmlns="" val="10001"/>
+                    <a16:rowId xmlns="" xmlns:a16="http://schemas.microsoft.com/office/drawing/2014/main" val="10001"/>
                   </a:ext>
                 </a:extLst>
               </a:tr>
@@ -7920,7 +7920,7 @@
                 </a:tc>
                 <a:extLst>
                   <a:ext uri="{0D108BD9-81ED-4DB2-BD59-A6C34878D82A}">
-                    <a16:rowId xmlns:a16="http://schemas.microsoft.com/office/drawing/2014/main" xmlns="" val="10002"/>
+                    <a16:rowId xmlns="" xmlns:a16="http://schemas.microsoft.com/office/drawing/2014/main" val="10002"/>
                   </a:ext>
                 </a:extLst>
               </a:tr>
@@ -8435,14 +8435,14 @@
                 <a:gridCol w="311106">
                   <a:extLst>
                     <a:ext uri="{9D8B030D-6E8A-4147-A177-3AD203B41FA5}">
-                      <a16:colId xmlns="" xmlns:a16="http://schemas.microsoft.com/office/drawing/2014/main" val="20000"/>
+                      <a16:colId xmlns:a16="http://schemas.microsoft.com/office/drawing/2014/main" xmlns="" val="20000"/>
                     </a:ext>
                   </a:extLst>
                 </a:gridCol>
                 <a:gridCol w="2558644">
                   <a:extLst>
                     <a:ext uri="{9D8B030D-6E8A-4147-A177-3AD203B41FA5}">
-                      <a16:colId xmlns="" xmlns:a16="http://schemas.microsoft.com/office/drawing/2014/main" val="20001"/>
+                      <a16:colId xmlns:a16="http://schemas.microsoft.com/office/drawing/2014/main" xmlns="" val="20001"/>
                     </a:ext>
                   </a:extLst>
                 </a:gridCol>
@@ -8600,7 +8600,7 @@
                 </a:tc>
                 <a:extLst>
                   <a:ext uri="{0D108BD9-81ED-4DB2-BD59-A6C34878D82A}">
-                    <a16:rowId xmlns="" xmlns:a16="http://schemas.microsoft.com/office/drawing/2014/main" val="10000"/>
+                    <a16:rowId xmlns:a16="http://schemas.microsoft.com/office/drawing/2014/main" xmlns="" val="10000"/>
                   </a:ext>
                 </a:extLst>
               </a:tr>
@@ -8853,7 +8853,7 @@
                 </a:tc>
                 <a:extLst>
                   <a:ext uri="{0D108BD9-81ED-4DB2-BD59-A6C34878D82A}">
-                    <a16:rowId xmlns="" xmlns:a16="http://schemas.microsoft.com/office/drawing/2014/main" val="10001"/>
+                    <a16:rowId xmlns:a16="http://schemas.microsoft.com/office/drawing/2014/main" xmlns="" val="10001"/>
                   </a:ext>
                 </a:extLst>
               </a:tr>
@@ -9074,7 +9074,7 @@
                 </a:tc>
                 <a:extLst>
                   <a:ext uri="{0D108BD9-81ED-4DB2-BD59-A6C34878D82A}">
-                    <a16:rowId xmlns="" xmlns:a16="http://schemas.microsoft.com/office/drawing/2014/main" val="10002"/>
+                    <a16:rowId xmlns:a16="http://schemas.microsoft.com/office/drawing/2014/main" xmlns="" val="10002"/>
                   </a:ext>
                 </a:extLst>
               </a:tr>
@@ -9311,7 +9311,7 @@
                 </a:tc>
                 <a:extLst>
                   <a:ext uri="{0D108BD9-81ED-4DB2-BD59-A6C34878D82A}">
-                    <a16:rowId xmlns="" xmlns:a16="http://schemas.microsoft.com/office/drawing/2014/main" val="10003"/>
+                    <a16:rowId xmlns:a16="http://schemas.microsoft.com/office/drawing/2014/main" xmlns="" val="10003"/>
                   </a:ext>
                 </a:extLst>
               </a:tr>
@@ -9532,7 +9532,7 @@
                 </a:tc>
                 <a:extLst>
                   <a:ext uri="{0D108BD9-81ED-4DB2-BD59-A6C34878D82A}">
-                    <a16:rowId xmlns="" xmlns:a16="http://schemas.microsoft.com/office/drawing/2014/main" val="10004"/>
+                    <a16:rowId xmlns:a16="http://schemas.microsoft.com/office/drawing/2014/main" xmlns="" val="10004"/>
                   </a:ext>
                 </a:extLst>
               </a:tr>
@@ -9759,7 +9759,7 @@
                 </a:tc>
                 <a:extLst>
                   <a:ext uri="{0D108BD9-81ED-4DB2-BD59-A6C34878D82A}">
-                    <a16:rowId xmlns="" xmlns:a16="http://schemas.microsoft.com/office/drawing/2014/main" val="10005"/>
+                    <a16:rowId xmlns:a16="http://schemas.microsoft.com/office/drawing/2014/main" xmlns="" val="10005"/>
                   </a:ext>
                 </a:extLst>
               </a:tr>
@@ -10713,14 +10713,14 @@
                 <a:gridCol w="311106">
                   <a:extLst>
                     <a:ext uri="{9D8B030D-6E8A-4147-A177-3AD203B41FA5}">
-                      <a16:colId xmlns:a16="http://schemas.microsoft.com/office/drawing/2014/main" xmlns="" val="20000"/>
+                      <a16:colId xmlns="" xmlns:a16="http://schemas.microsoft.com/office/drawing/2014/main" val="20000"/>
                     </a:ext>
                   </a:extLst>
                 </a:gridCol>
                 <a:gridCol w="2558644">
                   <a:extLst>
                     <a:ext uri="{9D8B030D-6E8A-4147-A177-3AD203B41FA5}">
-                      <a16:colId xmlns:a16="http://schemas.microsoft.com/office/drawing/2014/main" xmlns="" val="20001"/>
+                      <a16:colId xmlns="" xmlns:a16="http://schemas.microsoft.com/office/drawing/2014/main" val="20001"/>
                     </a:ext>
                   </a:extLst>
                 </a:gridCol>
@@ -10878,7 +10878,7 @@
                 </a:tc>
                 <a:extLst>
                   <a:ext uri="{0D108BD9-81ED-4DB2-BD59-A6C34878D82A}">
-                    <a16:rowId xmlns:a16="http://schemas.microsoft.com/office/drawing/2014/main" xmlns="" val="10000"/>
+                    <a16:rowId xmlns="" xmlns:a16="http://schemas.microsoft.com/office/drawing/2014/main" val="10000"/>
                   </a:ext>
                 </a:extLst>
               </a:tr>
@@ -11190,7 +11190,7 @@
                 </a:tc>
                 <a:extLst>
                   <a:ext uri="{0D108BD9-81ED-4DB2-BD59-A6C34878D82A}">
-                    <a16:rowId xmlns:a16="http://schemas.microsoft.com/office/drawing/2014/main" xmlns="" val="10001"/>
+                    <a16:rowId xmlns="" xmlns:a16="http://schemas.microsoft.com/office/drawing/2014/main" val="10001"/>
                   </a:ext>
                 </a:extLst>
               </a:tr>
@@ -11321,7 +11321,7 @@
                 </a:tc>
                 <a:extLst>
                   <a:ext uri="{0D108BD9-81ED-4DB2-BD59-A6C34878D82A}">
-                    <a16:rowId xmlns:a16="http://schemas.microsoft.com/office/drawing/2014/main" xmlns="" val="10002"/>
+                    <a16:rowId xmlns="" xmlns:a16="http://schemas.microsoft.com/office/drawing/2014/main" val="10002"/>
                   </a:ext>
                 </a:extLst>
               </a:tr>
@@ -12869,14 +12869,14 @@
                 <a:gridCol w="311106">
                   <a:extLst>
                     <a:ext uri="{9D8B030D-6E8A-4147-A177-3AD203B41FA5}">
-                      <a16:colId xmlns:a16="http://schemas.microsoft.com/office/drawing/2014/main" xmlns="" val="20000"/>
+                      <a16:colId xmlns="" xmlns:a16="http://schemas.microsoft.com/office/drawing/2014/main" val="20000"/>
                     </a:ext>
                   </a:extLst>
                 </a:gridCol>
                 <a:gridCol w="2558644">
                   <a:extLst>
                     <a:ext uri="{9D8B030D-6E8A-4147-A177-3AD203B41FA5}">
-                      <a16:colId xmlns:a16="http://schemas.microsoft.com/office/drawing/2014/main" xmlns="" val="20001"/>
+                      <a16:colId xmlns="" xmlns:a16="http://schemas.microsoft.com/office/drawing/2014/main" val="20001"/>
                     </a:ext>
                   </a:extLst>
                 </a:gridCol>
@@ -13034,7 +13034,7 @@
                 </a:tc>
                 <a:extLst>
                   <a:ext uri="{0D108BD9-81ED-4DB2-BD59-A6C34878D82A}">
-                    <a16:rowId xmlns:a16="http://schemas.microsoft.com/office/drawing/2014/main" xmlns="" val="10000"/>
+                    <a16:rowId xmlns="" xmlns:a16="http://schemas.microsoft.com/office/drawing/2014/main" val="10000"/>
                   </a:ext>
                 </a:extLst>
               </a:tr>
@@ -13191,7 +13191,7 @@
                 </a:tc>
                 <a:extLst>
                   <a:ext uri="{0D108BD9-81ED-4DB2-BD59-A6C34878D82A}">
-                    <a16:rowId xmlns:a16="http://schemas.microsoft.com/office/drawing/2014/main" xmlns="" val="10001"/>
+                    <a16:rowId xmlns="" xmlns:a16="http://schemas.microsoft.com/office/drawing/2014/main" val="10001"/>
                   </a:ext>
                 </a:extLst>
               </a:tr>
@@ -13322,7 +13322,7 @@
                 </a:tc>
                 <a:extLst>
                   <a:ext uri="{0D108BD9-81ED-4DB2-BD59-A6C34878D82A}">
-                    <a16:rowId xmlns:a16="http://schemas.microsoft.com/office/drawing/2014/main" xmlns="" val="10002"/>
+                    <a16:rowId xmlns="" xmlns:a16="http://schemas.microsoft.com/office/drawing/2014/main" val="10002"/>
                   </a:ext>
                 </a:extLst>
               </a:tr>
@@ -14080,14 +14080,14 @@
                 <a:gridCol w="311106">
                   <a:extLst>
                     <a:ext uri="{9D8B030D-6E8A-4147-A177-3AD203B41FA5}">
-                      <a16:colId xmlns:a16="http://schemas.microsoft.com/office/drawing/2014/main" xmlns="" val="20000"/>
+                      <a16:colId xmlns="" xmlns:a16="http://schemas.microsoft.com/office/drawing/2014/main" val="20000"/>
                     </a:ext>
                   </a:extLst>
                 </a:gridCol>
                 <a:gridCol w="2558644">
                   <a:extLst>
                     <a:ext uri="{9D8B030D-6E8A-4147-A177-3AD203B41FA5}">
-                      <a16:colId xmlns:a16="http://schemas.microsoft.com/office/drawing/2014/main" xmlns="" val="20001"/>
+                      <a16:colId xmlns="" xmlns:a16="http://schemas.microsoft.com/office/drawing/2014/main" val="20001"/>
                     </a:ext>
                   </a:extLst>
                 </a:gridCol>
@@ -14245,7 +14245,7 @@
                 </a:tc>
                 <a:extLst>
                   <a:ext uri="{0D108BD9-81ED-4DB2-BD59-A6C34878D82A}">
-                    <a16:rowId xmlns:a16="http://schemas.microsoft.com/office/drawing/2014/main" xmlns="" val="10000"/>
+                    <a16:rowId xmlns="" xmlns:a16="http://schemas.microsoft.com/office/drawing/2014/main" val="10000"/>
                   </a:ext>
                 </a:extLst>
               </a:tr>
@@ -14402,7 +14402,7 @@
                 </a:tc>
                 <a:extLst>
                   <a:ext uri="{0D108BD9-81ED-4DB2-BD59-A6C34878D82A}">
-                    <a16:rowId xmlns:a16="http://schemas.microsoft.com/office/drawing/2014/main" xmlns="" val="10001"/>
+                    <a16:rowId xmlns="" xmlns:a16="http://schemas.microsoft.com/office/drawing/2014/main" val="10001"/>
                   </a:ext>
                 </a:extLst>
               </a:tr>
@@ -14533,7 +14533,7 @@
                 </a:tc>
                 <a:extLst>
                   <a:ext uri="{0D108BD9-81ED-4DB2-BD59-A6C34878D82A}">
-                    <a16:rowId xmlns:a16="http://schemas.microsoft.com/office/drawing/2014/main" xmlns="" val="10002"/>
+                    <a16:rowId xmlns="" xmlns:a16="http://schemas.microsoft.com/office/drawing/2014/main" val="10002"/>
                   </a:ext>
                 </a:extLst>
               </a:tr>
